--- a/Study/정리/Deep Learning03.pptx
+++ b/Study/정리/Deep Learning03.pptx
@@ -5,10 +5,10 @@
     <p:sldMasterId id="2147483648" r:id="rId1"/>
   </p:sldMasterIdLst>
   <p:notesMasterIdLst>
-    <p:notesMasterId r:id="rId18"/>
+    <p:notesMasterId r:id="rId19"/>
   </p:notesMasterIdLst>
   <p:handoutMasterIdLst>
-    <p:handoutMasterId r:id="rId19"/>
+    <p:handoutMasterId r:id="rId20"/>
   </p:handoutMasterIdLst>
   <p:sldIdLst>
     <p:sldId id="268" r:id="rId2"/>
@@ -19,14 +19,15 @@
     <p:sldId id="322" r:id="rId7"/>
     <p:sldId id="272" r:id="rId8"/>
     <p:sldId id="323" r:id="rId9"/>
-    <p:sldId id="308" r:id="rId10"/>
+    <p:sldId id="324" r:id="rId10"/>
     <p:sldId id="273" r:id="rId11"/>
     <p:sldId id="298" r:id="rId12"/>
     <p:sldId id="274" r:id="rId13"/>
     <p:sldId id="315" r:id="rId14"/>
-    <p:sldId id="277" r:id="rId15"/>
-    <p:sldId id="299" r:id="rId16"/>
-    <p:sldId id="260" r:id="rId17"/>
+    <p:sldId id="325" r:id="rId15"/>
+    <p:sldId id="277" r:id="rId16"/>
+    <p:sldId id="299" r:id="rId17"/>
+    <p:sldId id="260" r:id="rId18"/>
   </p:sldIdLst>
   <p:sldSz cx="9144000" cy="6858000" type="screen4x3"/>
   <p:notesSz cx="6858000" cy="9144000"/>
@@ -1185,6 +1186,262 @@
 </p:notes>
 </file>
 
+<file path=ppt/notesSlides/notesSlide10.xml><?xml version="1.0" encoding="utf-8"?>
+<p:notes xmlns:a="http://schemas.openxmlformats.org/drawingml/2006/main" xmlns:r="http://schemas.openxmlformats.org/officeDocument/2006/relationships" xmlns:p="http://schemas.openxmlformats.org/presentationml/2006/main">
+  <p:cSld>
+    <p:spTree>
+      <p:nvGrpSpPr>
+        <p:cNvPr id="1" name=""/>
+        <p:cNvGrpSpPr/>
+        <p:nvPr/>
+      </p:nvGrpSpPr>
+      <p:grpSpPr>
+        <a:xfrm>
+          <a:off x="0" y="0"/>
+          <a:ext cx="0" cy="0"/>
+          <a:chOff x="0" y="0"/>
+          <a:chExt cx="0" cy="0"/>
+        </a:xfrm>
+      </p:grpSpPr>
+      <p:sp>
+        <p:nvSpPr>
+          <p:cNvPr id="11266" name="슬라이드 이미지 개체 틀 1"/>
+          <p:cNvSpPr>
+            <a:spLocks noGrp="1" noRot="1" noChangeAspect="1" noChangeArrowheads="1" noTextEdit="1"/>
+          </p:cNvSpPr>
+          <p:nvPr>
+            <p:ph type="sldImg"/>
+          </p:nvPr>
+        </p:nvSpPr>
+        <p:spPr bwMode="auto">
+          <a:noFill/>
+          <a:ln>
+            <a:solidFill>
+              <a:srgbClr val="000000"/>
+            </a:solidFill>
+            <a:miter lim="800000"/>
+            <a:headEnd/>
+            <a:tailEnd/>
+          </a:ln>
+          <a:extLst>
+            <a:ext uri="{909E8E84-426E-40DD-AFC4-6F175D3DCCD1}">
+              <a14:hiddenFill xmlns:a14="http://schemas.microsoft.com/office/drawing/2010/main">
+                <a:solidFill>
+                  <a:srgbClr val="FFFFFF"/>
+                </a:solidFill>
+              </a14:hiddenFill>
+            </a:ext>
+          </a:extLst>
+        </p:spPr>
+      </p:sp>
+      <p:sp>
+        <p:nvSpPr>
+          <p:cNvPr id="11267" name="슬라이드 노트 개체 틀 2"/>
+          <p:cNvSpPr>
+            <a:spLocks noGrp="1" noChangeArrowheads="1"/>
+          </p:cNvSpPr>
+          <p:nvPr>
+            <p:ph type="body" idx="1"/>
+          </p:nvPr>
+        </p:nvSpPr>
+        <p:spPr bwMode="auto">
+          <a:noFill/>
+          <a:extLst>
+            <a:ext uri="{909E8E84-426E-40DD-AFC4-6F175D3DCCD1}">
+              <a14:hiddenFill xmlns:a14="http://schemas.microsoft.com/office/drawing/2010/main">
+                <a:solidFill>
+                  <a:srgbClr val="FFFFFF"/>
+                </a:solidFill>
+              </a14:hiddenFill>
+            </a:ext>
+            <a:ext uri="{91240B29-F687-4F45-9708-019B960494DF}">
+              <a14:hiddenLine xmlns:a14="http://schemas.microsoft.com/office/drawing/2010/main" w="9525">
+                <a:solidFill>
+                  <a:srgbClr val="000000"/>
+                </a:solidFill>
+                <a:miter lim="800000"/>
+                <a:headEnd/>
+                <a:tailEnd/>
+              </a14:hiddenLine>
+            </a:ext>
+          </a:extLst>
+        </p:spPr>
+        <p:txBody>
+          <a:bodyPr wrap="square" numCol="1" anchor="t" anchorCtr="0" compatLnSpc="1">
+            <a:prstTxWarp prst="textNoShape">
+              <a:avLst/>
+            </a:prstTxWarp>
+          </a:bodyPr>
+          <a:lstStyle/>
+          <a:p>
+            <a:endParaRPr kumimoji="1" lang="en-US" altLang="ko-KR" dirty="0" smtClean="0"/>
+          </a:p>
+        </p:txBody>
+      </p:sp>
+      <p:sp>
+        <p:nvSpPr>
+          <p:cNvPr id="11268" name="슬라이드 번호 개체 틀 3"/>
+          <p:cNvSpPr>
+            <a:spLocks noGrp="1" noChangeArrowheads="1"/>
+          </p:cNvSpPr>
+          <p:nvPr>
+            <p:ph type="sldNum" sz="quarter" idx="5"/>
+          </p:nvPr>
+        </p:nvSpPr>
+        <p:spPr bwMode="auto">
+          <a:noFill/>
+          <a:extLst>
+            <a:ext uri="{909E8E84-426E-40DD-AFC4-6F175D3DCCD1}">
+              <a14:hiddenFill xmlns:a14="http://schemas.microsoft.com/office/drawing/2010/main">
+                <a:solidFill>
+                  <a:srgbClr val="FFFFFF"/>
+                </a:solidFill>
+              </a14:hiddenFill>
+            </a:ext>
+            <a:ext uri="{91240B29-F687-4F45-9708-019B960494DF}">
+              <a14:hiddenLine xmlns:a14="http://schemas.microsoft.com/office/drawing/2010/main" w="9525">
+                <a:solidFill>
+                  <a:srgbClr val="000000"/>
+                </a:solidFill>
+                <a:miter lim="800000"/>
+                <a:headEnd/>
+                <a:tailEnd/>
+              </a14:hiddenLine>
+            </a:ext>
+          </a:extLst>
+        </p:spPr>
+        <p:txBody>
+          <a:bodyPr/>
+          <a:lstStyle>
+            <a:lvl1pPr>
+              <a:defRPr kumimoji="1">
+                <a:solidFill>
+                  <a:schemeClr val="tx1"/>
+                </a:solidFill>
+                <a:latin typeface="굴림" panose="020B0600000101010101" pitchFamily="50" charset="-127"/>
+                <a:ea typeface="굴림" panose="020B0600000101010101" pitchFamily="50" charset="-127"/>
+              </a:defRPr>
+            </a:lvl1pPr>
+            <a:lvl2pPr marL="742950" indent="-285750">
+              <a:defRPr kumimoji="1">
+                <a:solidFill>
+                  <a:schemeClr val="tx1"/>
+                </a:solidFill>
+                <a:latin typeface="굴림" panose="020B0600000101010101" pitchFamily="50" charset="-127"/>
+                <a:ea typeface="굴림" panose="020B0600000101010101" pitchFamily="50" charset="-127"/>
+              </a:defRPr>
+            </a:lvl2pPr>
+            <a:lvl3pPr marL="1143000" indent="-228600">
+              <a:defRPr kumimoji="1">
+                <a:solidFill>
+                  <a:schemeClr val="tx1"/>
+                </a:solidFill>
+                <a:latin typeface="굴림" panose="020B0600000101010101" pitchFamily="50" charset="-127"/>
+                <a:ea typeface="굴림" panose="020B0600000101010101" pitchFamily="50" charset="-127"/>
+              </a:defRPr>
+            </a:lvl3pPr>
+            <a:lvl4pPr marL="1600200" indent="-228600">
+              <a:defRPr kumimoji="1">
+                <a:solidFill>
+                  <a:schemeClr val="tx1"/>
+                </a:solidFill>
+                <a:latin typeface="굴림" panose="020B0600000101010101" pitchFamily="50" charset="-127"/>
+                <a:ea typeface="굴림" panose="020B0600000101010101" pitchFamily="50" charset="-127"/>
+              </a:defRPr>
+            </a:lvl4pPr>
+            <a:lvl5pPr marL="2057400" indent="-228600">
+              <a:defRPr kumimoji="1">
+                <a:solidFill>
+                  <a:schemeClr val="tx1"/>
+                </a:solidFill>
+                <a:latin typeface="굴림" panose="020B0600000101010101" pitchFamily="50" charset="-127"/>
+                <a:ea typeface="굴림" panose="020B0600000101010101" pitchFamily="50" charset="-127"/>
+              </a:defRPr>
+            </a:lvl5pPr>
+            <a:lvl6pPr marL="2514600" indent="-228600" eaLnBrk="0" fontAlgn="base" hangingPunct="0">
+              <a:spcBef>
+                <a:spcPct val="0"/>
+              </a:spcBef>
+              <a:spcAft>
+                <a:spcPct val="0"/>
+              </a:spcAft>
+              <a:defRPr kumimoji="1">
+                <a:solidFill>
+                  <a:schemeClr val="tx1"/>
+                </a:solidFill>
+                <a:latin typeface="굴림" panose="020B0600000101010101" pitchFamily="50" charset="-127"/>
+                <a:ea typeface="굴림" panose="020B0600000101010101" pitchFamily="50" charset="-127"/>
+              </a:defRPr>
+            </a:lvl6pPr>
+            <a:lvl7pPr marL="2971800" indent="-228600" eaLnBrk="0" fontAlgn="base" hangingPunct="0">
+              <a:spcBef>
+                <a:spcPct val="0"/>
+              </a:spcBef>
+              <a:spcAft>
+                <a:spcPct val="0"/>
+              </a:spcAft>
+              <a:defRPr kumimoji="1">
+                <a:solidFill>
+                  <a:schemeClr val="tx1"/>
+                </a:solidFill>
+                <a:latin typeface="굴림" panose="020B0600000101010101" pitchFamily="50" charset="-127"/>
+                <a:ea typeface="굴림" panose="020B0600000101010101" pitchFamily="50" charset="-127"/>
+              </a:defRPr>
+            </a:lvl7pPr>
+            <a:lvl8pPr marL="3429000" indent="-228600" eaLnBrk="0" fontAlgn="base" hangingPunct="0">
+              <a:spcBef>
+                <a:spcPct val="0"/>
+              </a:spcBef>
+              <a:spcAft>
+                <a:spcPct val="0"/>
+              </a:spcAft>
+              <a:defRPr kumimoji="1">
+                <a:solidFill>
+                  <a:schemeClr val="tx1"/>
+                </a:solidFill>
+                <a:latin typeface="굴림" panose="020B0600000101010101" pitchFamily="50" charset="-127"/>
+                <a:ea typeface="굴림" panose="020B0600000101010101" pitchFamily="50" charset="-127"/>
+              </a:defRPr>
+            </a:lvl8pPr>
+            <a:lvl9pPr marL="3886200" indent="-228600" eaLnBrk="0" fontAlgn="base" hangingPunct="0">
+              <a:spcBef>
+                <a:spcPct val="0"/>
+              </a:spcBef>
+              <a:spcAft>
+                <a:spcPct val="0"/>
+              </a:spcAft>
+              <a:defRPr kumimoji="1">
+                <a:solidFill>
+                  <a:schemeClr val="tx1"/>
+                </a:solidFill>
+                <a:latin typeface="굴림" panose="020B0600000101010101" pitchFamily="50" charset="-127"/>
+                <a:ea typeface="굴림" panose="020B0600000101010101" pitchFamily="50" charset="-127"/>
+              </a:defRPr>
+            </a:lvl9pPr>
+          </a:lstStyle>
+          <a:p>
+            <a:fld id="{969F08EA-942F-48FB-B6FD-D4FF8599C3D1}" type="slidenum">
+              <a:rPr lang="ko-KR" altLang="en-US" smtClean="0"/>
+              <a:pPr/>
+              <a:t>16</a:t>
+            </a:fld>
+            <a:endParaRPr lang="en-US" altLang="ko-KR" smtClean="0"/>
+          </a:p>
+        </p:txBody>
+      </p:sp>
+    </p:spTree>
+    <p:extLst>
+      <p:ext uri="{BB962C8B-B14F-4D97-AF65-F5344CB8AC3E}">
+        <p14:creationId xmlns:p14="http://schemas.microsoft.com/office/powerpoint/2010/main" val="2242059699"/>
+      </p:ext>
+    </p:extLst>
+  </p:cSld>
+  <p:clrMapOvr>
+    <a:masterClrMapping/>
+  </p:clrMapOvr>
+</p:notes>
+</file>
+
 <file path=ppt/notesSlides/notesSlide2.xml><?xml version="1.0" encoding="utf-8"?>
 <p:notes xmlns:a="http://schemas.openxmlformats.org/drawingml/2006/main" xmlns:r="http://schemas.openxmlformats.org/officeDocument/2006/relationships" xmlns:p="http://schemas.openxmlformats.org/presentationml/2006/main">
   <p:cSld>
@@ -2297,312 +2554,11 @@
             <a:prstTxWarp prst="textNoShape">
               <a:avLst/>
             </a:prstTxWarp>
-            <a:normAutofit fontScale="92500" lnSpcReduction="10000"/>
+            <a:normAutofit/>
           </a:bodyPr>
           <a:lstStyle/>
           <a:p>
-            <a:r>
-              <a:rPr kumimoji="1" lang="ko-KR" altLang="en-US" dirty="0" smtClean="0"/>
-              <a:t>이제 </a:t>
-            </a:r>
-            <a:r>
-              <a:rPr kumimoji="1" lang="ko-KR" altLang="en-US" dirty="0" err="1" smtClean="0"/>
-              <a:t>퍼셉트론으로</a:t>
-            </a:r>
-            <a:r>
-              <a:rPr kumimoji="1" lang="ko-KR" altLang="en-US" dirty="0" smtClean="0"/>
-              <a:t> 해결되지 않던 문제를 다층 </a:t>
-            </a:r>
-            <a:r>
-              <a:rPr kumimoji="1" lang="ko-KR" altLang="en-US" dirty="0" err="1" smtClean="0"/>
-              <a:t>퍼셉트론을</a:t>
-            </a:r>
-            <a:r>
-              <a:rPr kumimoji="1" lang="ko-KR" altLang="en-US" dirty="0" smtClean="0"/>
-              <a:t> 이용해 해결했습니다</a:t>
-            </a:r>
-            <a:r>
-              <a:rPr kumimoji="1" lang="en-US" altLang="ko-KR" dirty="0" smtClean="0"/>
-              <a:t>. </a:t>
-            </a:r>
-            <a:r>
-              <a:rPr kumimoji="1" lang="ko-KR" altLang="en-US" dirty="0" smtClean="0"/>
-              <a:t>그래서 이 </a:t>
-            </a:r>
-            <a:r>
-              <a:rPr kumimoji="1" lang="ko-KR" altLang="en-US" dirty="0" err="1" smtClean="0"/>
-              <a:t>다층퍼셉트론의</a:t>
-            </a:r>
-            <a:r>
-              <a:rPr kumimoji="1" lang="ko-KR" altLang="en-US" dirty="0" smtClean="0"/>
-              <a:t> 가중치는 오차 </a:t>
-            </a:r>
-            <a:r>
-              <a:rPr kumimoji="1" lang="ko-KR" altLang="en-US" dirty="0" err="1" smtClean="0"/>
-              <a:t>역전파라는</a:t>
-            </a:r>
-            <a:r>
-              <a:rPr kumimoji="1" lang="ko-KR" altLang="en-US" dirty="0" smtClean="0"/>
-              <a:t> 계산을 이용해서 </a:t>
-            </a:r>
-            <a:r>
-              <a:rPr kumimoji="1" lang="ko-KR" altLang="en-US" dirty="0" err="1" smtClean="0"/>
-              <a:t>구하게됩니다</a:t>
-            </a:r>
-            <a:r>
-              <a:rPr kumimoji="1" lang="en-US" altLang="ko-KR" dirty="0" smtClean="0"/>
-              <a:t>.</a:t>
-            </a:r>
-          </a:p>
-          <a:p>
-            <a:r>
-              <a:rPr kumimoji="1" lang="ko-KR" altLang="en-US" dirty="0" smtClean="0"/>
-              <a:t>이는 앞서 배웠던 경사 </a:t>
-            </a:r>
-            <a:r>
-              <a:rPr kumimoji="1" lang="ko-KR" altLang="en-US" dirty="0" err="1" smtClean="0"/>
-              <a:t>하강법의</a:t>
-            </a:r>
-            <a:r>
-              <a:rPr kumimoji="1" lang="ko-KR" altLang="en-US" dirty="0" smtClean="0"/>
-              <a:t> 확장 개념이라고 생각하시면 됩니다</a:t>
-            </a:r>
-            <a:r>
-              <a:rPr kumimoji="1" lang="en-US" altLang="ko-KR" dirty="0" smtClean="0"/>
-              <a:t>. </a:t>
-            </a:r>
-          </a:p>
-          <a:p>
-            <a:endParaRPr kumimoji="1" lang="en-US" altLang="ko-KR" dirty="0" smtClean="0"/>
-          </a:p>
-          <a:p>
-            <a:r>
-              <a:rPr kumimoji="1" lang="ko-KR" altLang="en-US" dirty="0" smtClean="0"/>
-              <a:t>단일 </a:t>
-            </a:r>
-            <a:r>
-              <a:rPr kumimoji="1" lang="ko-KR" altLang="en-US" dirty="0" err="1" smtClean="0"/>
-              <a:t>퍼셉트론에서는</a:t>
-            </a:r>
-            <a:r>
-              <a:rPr kumimoji="1" lang="ko-KR" altLang="en-US" dirty="0" smtClean="0"/>
-              <a:t> </a:t>
-            </a:r>
-            <a:r>
-              <a:rPr kumimoji="1" lang="ko-KR" altLang="en-US" dirty="0" err="1" smtClean="0"/>
-              <a:t>결괏값을</a:t>
-            </a:r>
-            <a:r>
-              <a:rPr kumimoji="1" lang="ko-KR" altLang="en-US" dirty="0" smtClean="0"/>
-              <a:t> 얻으면 오차를 구해 이를 토대로 앞 </a:t>
-            </a:r>
-            <a:r>
-              <a:rPr kumimoji="1" lang="ko-KR" altLang="en-US" dirty="0" err="1" smtClean="0"/>
-              <a:t>단게에서</a:t>
-            </a:r>
-            <a:r>
-              <a:rPr kumimoji="1" lang="ko-KR" altLang="en-US" dirty="0" smtClean="0"/>
-              <a:t> 정한 가중치를 조정합니다</a:t>
-            </a:r>
-            <a:r>
-              <a:rPr kumimoji="1" lang="en-US" altLang="ko-KR" dirty="0" smtClean="0"/>
-              <a:t>.</a:t>
-            </a:r>
-          </a:p>
-          <a:p>
-            <a:endParaRPr kumimoji="1" lang="en-US" altLang="ko-KR" dirty="0" smtClean="0"/>
-          </a:p>
-          <a:p>
-            <a:r>
-              <a:rPr kumimoji="1" lang="ko-KR" altLang="en-US" dirty="0" smtClean="0"/>
-              <a:t>이와 마찬가지로 다층 </a:t>
-            </a:r>
-            <a:r>
-              <a:rPr kumimoji="1" lang="ko-KR" altLang="en-US" dirty="0" err="1" smtClean="0"/>
-              <a:t>퍼셉트론에서도</a:t>
-            </a:r>
-            <a:r>
-              <a:rPr kumimoji="1" lang="ko-KR" altLang="en-US" dirty="0" smtClean="0"/>
-              <a:t> 역시 결과값의 오차를 구해 이를 토대로 하나 앞선 가중치를 차례로 거슬러 올라가며 조정해 갑니다</a:t>
-            </a:r>
-            <a:r>
-              <a:rPr kumimoji="1" lang="en-US" altLang="ko-KR" dirty="0" smtClean="0"/>
-              <a:t>.</a:t>
-            </a:r>
-          </a:p>
-          <a:p>
-            <a:endParaRPr kumimoji="1" lang="en-US" altLang="ko-KR" dirty="0" smtClean="0"/>
-          </a:p>
-          <a:p>
-            <a:r>
-              <a:rPr kumimoji="1" lang="ko-KR" altLang="en-US" dirty="0" smtClean="0"/>
-              <a:t>그러다 보니 최적화의 계산 방향이 </a:t>
-            </a:r>
-            <a:r>
-              <a:rPr kumimoji="1" lang="ko-KR" altLang="en-US" dirty="0" err="1" smtClean="0"/>
-              <a:t>출력층에서</a:t>
-            </a:r>
-            <a:r>
-              <a:rPr kumimoji="1" lang="ko-KR" altLang="en-US" dirty="0" smtClean="0"/>
-              <a:t> 시작해 앞으로 진행해 </a:t>
-            </a:r>
-            <a:r>
-              <a:rPr kumimoji="1" lang="ko-KR" altLang="en-US" dirty="0" err="1" smtClean="0"/>
-              <a:t>다층퍼셉트론에서는</a:t>
-            </a:r>
-            <a:r>
-              <a:rPr kumimoji="1" lang="ko-KR" altLang="en-US" dirty="0" smtClean="0"/>
-              <a:t> 이 최적화 과정을 오차 </a:t>
-            </a:r>
-            <a:r>
-              <a:rPr kumimoji="1" lang="ko-KR" altLang="en-US" dirty="0" err="1" smtClean="0"/>
-              <a:t>역전파라고</a:t>
-            </a:r>
-            <a:r>
-              <a:rPr kumimoji="1" lang="ko-KR" altLang="en-US" dirty="0" smtClean="0"/>
-              <a:t> 부릅니다</a:t>
-            </a:r>
-            <a:r>
-              <a:rPr kumimoji="1" lang="en-US" altLang="ko-KR" dirty="0" smtClean="0"/>
-              <a:t>.</a:t>
-            </a:r>
-          </a:p>
-          <a:p>
-            <a:r>
-              <a:rPr kumimoji="1" lang="ko-KR" altLang="en-US" dirty="0" smtClean="0"/>
-              <a:t>오차 </a:t>
-            </a:r>
-            <a:r>
-              <a:rPr kumimoji="1" lang="ko-KR" altLang="en-US" dirty="0" err="1" smtClean="0"/>
-              <a:t>역전파가</a:t>
-            </a:r>
-            <a:r>
-              <a:rPr kumimoji="1" lang="ko-KR" altLang="en-US" dirty="0" smtClean="0"/>
-              <a:t> 구동하는 과정을 한번 보면</a:t>
-            </a:r>
-            <a:endParaRPr kumimoji="1" lang="en-US" altLang="ko-KR" dirty="0" smtClean="0"/>
-          </a:p>
-          <a:p>
-            <a:pPr marL="228600" indent="-228600">
-              <a:buAutoNum type="arabicPeriod"/>
-            </a:pPr>
-            <a:r>
-              <a:rPr kumimoji="1" lang="ko-KR" altLang="en-US" dirty="0" smtClean="0"/>
-              <a:t>임의의 초기 가중치를 정하고 계산을 통해서 결과를 계산해 산출합니다</a:t>
-            </a:r>
-            <a:r>
-              <a:rPr kumimoji="1" lang="en-US" altLang="ko-KR" dirty="0" smtClean="0"/>
-              <a:t>.</a:t>
-            </a:r>
-          </a:p>
-          <a:p>
-            <a:pPr marL="228600" indent="-228600">
-              <a:buAutoNum type="arabicPeriod"/>
-            </a:pPr>
-            <a:r>
-              <a:rPr kumimoji="1" lang="ko-KR" altLang="en-US" dirty="0" smtClean="0"/>
-              <a:t>결과값과 </a:t>
-            </a:r>
-            <a:r>
-              <a:rPr kumimoji="1" lang="ko-KR" altLang="en-US" dirty="0" err="1" smtClean="0"/>
-              <a:t>실제값의</a:t>
-            </a:r>
-            <a:r>
-              <a:rPr kumimoji="1" lang="ko-KR" altLang="en-US" dirty="0" smtClean="0"/>
-              <a:t> 오차를 구합니다</a:t>
-            </a:r>
-            <a:r>
-              <a:rPr kumimoji="1" lang="en-US" altLang="ko-KR" dirty="0" smtClean="0"/>
-              <a:t>.</a:t>
-            </a:r>
-          </a:p>
-          <a:p>
-            <a:pPr marL="228600" indent="-228600">
-              <a:buAutoNum type="arabicPeriod"/>
-            </a:pPr>
-            <a:r>
-              <a:rPr kumimoji="1" lang="ko-KR" altLang="en-US" dirty="0" smtClean="0"/>
-              <a:t>경사 </a:t>
-            </a:r>
-            <a:r>
-              <a:rPr kumimoji="1" lang="ko-KR" altLang="en-US" dirty="0" err="1" smtClean="0"/>
-              <a:t>하강법을</a:t>
-            </a:r>
-            <a:r>
-              <a:rPr kumimoji="1" lang="ko-KR" altLang="en-US" dirty="0" smtClean="0"/>
-              <a:t> 이용해서 앞 가중치가 작아지는 쪽으로 업데이트합니다</a:t>
-            </a:r>
-            <a:r>
-              <a:rPr kumimoji="1" lang="en-US" altLang="ko-KR" dirty="0" smtClean="0"/>
-              <a:t>.</a:t>
-            </a:r>
-          </a:p>
-          <a:p>
-            <a:pPr marL="0" indent="0">
-              <a:buNone/>
-            </a:pPr>
-            <a:r>
-              <a:rPr kumimoji="1" lang="ko-KR" altLang="en-US" dirty="0" smtClean="0"/>
-              <a:t>여기서 업데이트 한다는 얘기는 미분한 값이 </a:t>
-            </a:r>
-            <a:r>
-              <a:rPr kumimoji="1" lang="en-US" altLang="ko-KR" dirty="0" smtClean="0"/>
-              <a:t>0</a:t>
-            </a:r>
-            <a:r>
-              <a:rPr kumimoji="1" lang="ko-KR" altLang="en-US" dirty="0" smtClean="0"/>
-              <a:t>에 가까워지는 방향을 말합니다</a:t>
-            </a:r>
-            <a:r>
-              <a:rPr kumimoji="1" lang="en-US" altLang="ko-KR" dirty="0" smtClean="0"/>
-              <a:t>.</a:t>
-            </a:r>
-          </a:p>
-          <a:p>
-            <a:pPr marL="0" indent="0">
-              <a:buNone/>
-            </a:pPr>
-            <a:r>
-              <a:rPr kumimoji="1" lang="en-US" altLang="ko-KR" dirty="0" smtClean="0"/>
-              <a:t>4. </a:t>
-            </a:r>
-            <a:r>
-              <a:rPr kumimoji="1" lang="ko-KR" altLang="en-US" dirty="0" smtClean="0"/>
-              <a:t>위 과정을 더 이상 오차가 줄어들지 않을 때까지 반복합니다</a:t>
-            </a:r>
-            <a:r>
-              <a:rPr kumimoji="1" lang="en-US" altLang="ko-KR" dirty="0" smtClean="0"/>
-              <a:t>. </a:t>
-            </a:r>
-          </a:p>
-          <a:p>
-            <a:pPr marL="0" indent="0">
-              <a:buNone/>
-            </a:pPr>
-            <a:r>
-              <a:rPr kumimoji="1" lang="ko-KR" altLang="en-US" dirty="0" smtClean="0"/>
-              <a:t>이 식을 보시면 즉 기울기가 </a:t>
-            </a:r>
-            <a:r>
-              <a:rPr kumimoji="1" lang="en-US" altLang="ko-KR" dirty="0" smtClean="0"/>
-              <a:t>0</a:t>
-            </a:r>
-            <a:r>
-              <a:rPr kumimoji="1" lang="ko-KR" altLang="en-US" dirty="0" smtClean="0"/>
-              <a:t>이 되는 방향으로 나아가야하는데 </a:t>
-            </a:r>
-            <a:r>
-              <a:rPr kumimoji="1" lang="ko-KR" altLang="en-US" dirty="0" err="1" smtClean="0"/>
-              <a:t>이말은</a:t>
-            </a:r>
-            <a:r>
-              <a:rPr kumimoji="1" lang="ko-KR" altLang="en-US" dirty="0" smtClean="0"/>
-              <a:t> 가중치에서 기울기를 뺐을 때 가중치의 변화가 전혀 없는 상태를 말합니다</a:t>
-            </a:r>
-            <a:r>
-              <a:rPr kumimoji="1" lang="en-US" altLang="ko-KR" dirty="0" smtClean="0"/>
-              <a:t>. </a:t>
-            </a:r>
+            <a:endParaRPr kumimoji="1" lang="ko-KR" altLang="en-US" dirty="0" smtClean="0"/>
           </a:p>
         </p:txBody>
       </p:sp>
@@ -2760,7 +2716,7 @@
     </p:spTree>
     <p:extLst>
       <p:ext uri="{BB962C8B-B14F-4D97-AF65-F5344CB8AC3E}">
-        <p14:creationId xmlns:p14="http://schemas.microsoft.com/office/powerpoint/2010/main" val="1056704055"/>
+        <p14:creationId xmlns:p14="http://schemas.microsoft.com/office/powerpoint/2010/main" val="1036942260"/>
       </p:ext>
     </p:extLst>
   </p:cSld>
@@ -3586,7 +3542,7 @@
             <a:fld id="{969F08EA-942F-48FB-B6FD-D4FF8599C3D1}" type="slidenum">
               <a:rPr lang="ko-KR" altLang="en-US" smtClean="0"/>
               <a:pPr/>
-              <a:t>15</a:t>
+              <a:t>14</a:t>
             </a:fld>
             <a:endParaRPr lang="en-US" altLang="ko-KR" smtClean="0"/>
           </a:p>
@@ -3595,7 +3551,7 @@
     </p:spTree>
     <p:extLst>
       <p:ext uri="{BB962C8B-B14F-4D97-AF65-F5344CB8AC3E}">
-        <p14:creationId xmlns:p14="http://schemas.microsoft.com/office/powerpoint/2010/main" val="2242059699"/>
+        <p14:creationId xmlns:p14="http://schemas.microsoft.com/office/powerpoint/2010/main" val="131914518"/>
       </p:ext>
     </p:extLst>
   </p:cSld>
@@ -5082,14 +5038,6 @@
               </a:rPr>
               <a:t> 문제</a:t>
             </a:r>
-            <a:endParaRPr lang="ko-KR" altLang="en-US" sz="3800" kern="0" dirty="0" smtClean="0">
-              <a:solidFill>
-                <a:schemeClr val="tx1"/>
-              </a:solidFill>
-              <a:latin typeface="나눔고딕 ExtraBold" panose="020D0904000000000000" pitchFamily="50" charset="-127"/>
-              <a:ea typeface="나눔고딕 ExtraBold" panose="020D0904000000000000" pitchFamily="50" charset="-127"/>
-              <a:cs typeface="Nanum Gothic"/>
-            </a:endParaRPr>
           </a:p>
         </p:txBody>
       </p:sp>
@@ -5419,40 +5367,12 @@
               </a:rPr>
               <a:t> 문제</a:t>
             </a:r>
-            <a:endParaRPr lang="ko-KR" altLang="en-US" sz="2800" dirty="0" smtClean="0">
-              <a:latin typeface="나눔고딕 ExtraBold" panose="020D0904000000000000" pitchFamily="50" charset="-127"/>
-              <a:ea typeface="나눔고딕 ExtraBold" panose="020D0904000000000000" pitchFamily="50" charset="-127"/>
-            </a:endParaRPr>
           </a:p>
         </p:txBody>
       </p:sp>
-      <p:pic>
-        <p:nvPicPr>
-          <p:cNvPr id="5" name="그림 4"/>
-          <p:cNvPicPr>
-            <a:picLocks noChangeAspect="1"/>
-          </p:cNvPicPr>
-          <p:nvPr/>
-        </p:nvPicPr>
-        <p:blipFill>
-          <a:blip r:embed="rId3"/>
-          <a:stretch>
-            <a:fillRect/>
-          </a:stretch>
-        </p:blipFill>
-        <p:spPr>
-          <a:xfrm>
-            <a:off x="1475656" y="2576635"/>
-            <a:ext cx="5924550" cy="2305050"/>
-          </a:xfrm>
-          <a:prstGeom prst="rect">
-            <a:avLst/>
-          </a:prstGeom>
-        </p:spPr>
-      </p:pic>
       <p:sp>
         <p:nvSpPr>
-          <p:cNvPr id="24" name="텍스트 개체 틀 2"/>
+          <p:cNvPr id="7" name="텍스트 개체 틀 2"/>
           <p:cNvSpPr txBox="1">
             <a:spLocks/>
           </p:cNvSpPr>
@@ -5752,838 +5672,9 @@
                 <a:latin typeface="나눔고딕" panose="020D0604000000000000" pitchFamily="50" charset="-127"/>
                 <a:ea typeface="나눔고딕 ExtraBold"/>
               </a:rPr>
-              <a:t>오차 </a:t>
-            </a:r>
-            <a:r>
-              <a:rPr lang="ko-KR" altLang="en-US" sz="2000" b="1" dirty="0" err="1" smtClean="0">
-                <a:gradFill>
-                  <a:gsLst>
-                    <a:gs pos="0">
-                      <a:srgbClr val="404040"/>
-                    </a:gs>
-                    <a:gs pos="100000">
-                      <a:srgbClr val="404040"/>
-                    </a:gs>
-                  </a:gsLst>
-                  <a:lin ang="5400000" scaled="0"/>
-                </a:gradFill>
-                <a:latin typeface="나눔고딕" panose="020D0604000000000000" pitchFamily="50" charset="-127"/>
-                <a:ea typeface="나눔고딕 ExtraBold"/>
-              </a:rPr>
-              <a:t>역전파의</a:t>
-            </a:r>
-            <a:r>
-              <a:rPr lang="ko-KR" altLang="en-US" sz="2000" b="1" dirty="0" smtClean="0">
-                <a:gradFill>
-                  <a:gsLst>
-                    <a:gs pos="0">
-                      <a:srgbClr val="404040"/>
-                    </a:gs>
-                    <a:gs pos="100000">
-                      <a:srgbClr val="404040"/>
-                    </a:gs>
-                  </a:gsLst>
-                  <a:lin ang="5400000" scaled="0"/>
-                </a:gradFill>
-                <a:latin typeface="나눔고딕" panose="020D0604000000000000" pitchFamily="50" charset="-127"/>
-                <a:ea typeface="나눔고딕 ExtraBold"/>
-              </a:rPr>
-              <a:t> 개념</a:t>
+              <a:t>초음파 광물 예측</a:t>
             </a:r>
             <a:endParaRPr sz="2000" b="1" dirty="0">
-              <a:gradFill>
-                <a:gsLst>
-                  <a:gs pos="0">
-                    <a:srgbClr val="404040"/>
-                  </a:gs>
-                  <a:gs pos="100000">
-                    <a:srgbClr val="404040"/>
-                  </a:gs>
-                </a:gsLst>
-                <a:lin ang="5400000" scaled="0"/>
-              </a:gradFill>
-              <a:latin typeface="나눔고딕" panose="020D0604000000000000" pitchFamily="50" charset="-127"/>
-              <a:ea typeface="나눔고딕 ExtraBold"/>
-            </a:endParaRPr>
-          </a:p>
-        </p:txBody>
-      </p:sp>
-      <p:sp>
-        <p:nvSpPr>
-          <p:cNvPr id="25" name="텍스트 개체 틀 2"/>
-          <p:cNvSpPr txBox="1">
-            <a:spLocks/>
-          </p:cNvSpPr>
-          <p:nvPr/>
-        </p:nvSpPr>
-        <p:spPr>
-          <a:xfrm>
-            <a:off x="251520" y="1628800"/>
-            <a:ext cx="8640960" cy="566309"/>
-          </a:xfrm>
-          <a:prstGeom prst="rect">
-            <a:avLst/>
-          </a:prstGeom>
-          <a:noFill/>
-          <a:ln w="9525">
-            <a:noFill/>
-            <a:miter lim="800000"/>
-            <a:headEnd/>
-            <a:tailEnd/>
-          </a:ln>
-        </p:spPr>
-        <p:txBody>
-          <a:bodyPr lIns="0" tIns="0" rIns="0" bIns="0">
-            <a:spAutoFit/>
-          </a:bodyPr>
-          <a:lstStyle>
-            <a:lvl1pPr marL="0" indent="0" algn="just" defTabSz="914400" rtl="0" eaLnBrk="1" fontAlgn="base" latinLnBrk="0" hangingPunct="1">
-              <a:lnSpc>
-                <a:spcPct val="120000"/>
-              </a:lnSpc>
-              <a:spcBef>
-                <a:spcPct val="0"/>
-              </a:spcBef>
-              <a:spcAft>
-                <a:spcPct val="0"/>
-              </a:spcAft>
-              <a:buFont typeface="Arial" charset="0"/>
-              <a:buNone/>
-              <a:tabLst/>
-              <a:defRPr kumimoji="1" lang="ko-KR" altLang="en-US" sz="1000" kern="1200" smtClean="0">
-                <a:gradFill>
-                  <a:gsLst>
-                    <a:gs pos="0">
-                      <a:schemeClr val="tx1">
-                        <a:lumMod val="75000"/>
-                        <a:lumOff val="25000"/>
-                      </a:schemeClr>
-                    </a:gs>
-                    <a:gs pos="100000">
-                      <a:schemeClr val="tx1">
-                        <a:lumMod val="75000"/>
-                        <a:lumOff val="25000"/>
-                      </a:schemeClr>
-                    </a:gs>
-                  </a:gsLst>
-                  <a:lin ang="5400000" scaled="0"/>
-                </a:gradFill>
-                <a:latin typeface="KoPub돋움체 Light" panose="02020603020101020101" pitchFamily="18" charset="-127"/>
-                <a:ea typeface="KoPub돋움체 Light" panose="02020603020101020101" pitchFamily="18" charset="-127"/>
-                <a:cs typeface="+mn-cs"/>
-              </a:defRPr>
-            </a:lvl1pPr>
-            <a:lvl2pPr marL="0" indent="0" algn="just" defTabSz="914400" rtl="0" eaLnBrk="1" fontAlgn="base" latinLnBrk="0" hangingPunct="1">
-              <a:lnSpc>
-                <a:spcPct val="120000"/>
-              </a:lnSpc>
-              <a:spcBef>
-                <a:spcPct val="0"/>
-              </a:spcBef>
-              <a:spcAft>
-                <a:spcPct val="0"/>
-              </a:spcAft>
-              <a:buFont typeface="Arial" charset="0"/>
-              <a:buNone/>
-              <a:tabLst/>
-              <a:defRPr kumimoji="1" lang="ko-KR" altLang="en-US" sz="1000" kern="1200" smtClean="0">
-                <a:gradFill>
-                  <a:gsLst>
-                    <a:gs pos="0">
-                      <a:schemeClr val="tx1">
-                        <a:lumMod val="75000"/>
-                        <a:lumOff val="25000"/>
-                      </a:schemeClr>
-                    </a:gs>
-                    <a:gs pos="100000">
-                      <a:schemeClr val="tx1">
-                        <a:lumMod val="75000"/>
-                        <a:lumOff val="25000"/>
-                      </a:schemeClr>
-                    </a:gs>
-                  </a:gsLst>
-                  <a:lin ang="5400000" scaled="0"/>
-                </a:gradFill>
-                <a:latin typeface="KoPub돋움체 Light" panose="02020603020101020101" pitchFamily="18" charset="-127"/>
-                <a:ea typeface="KoPub돋움체 Light" panose="02020603020101020101" pitchFamily="18" charset="-127"/>
-                <a:cs typeface="+mn-cs"/>
-              </a:defRPr>
-            </a:lvl2pPr>
-            <a:lvl3pPr marL="0" indent="0" algn="just" defTabSz="914400" rtl="0" eaLnBrk="1" fontAlgn="base" latinLnBrk="0" hangingPunct="1">
-              <a:lnSpc>
-                <a:spcPct val="120000"/>
-              </a:lnSpc>
-              <a:spcBef>
-                <a:spcPct val="0"/>
-              </a:spcBef>
-              <a:spcAft>
-                <a:spcPct val="0"/>
-              </a:spcAft>
-              <a:buFont typeface="Arial" charset="0"/>
-              <a:buNone/>
-              <a:tabLst/>
-              <a:defRPr kumimoji="1" lang="ko-KR" altLang="en-US" sz="1000" kern="1200" smtClean="0">
-                <a:gradFill>
-                  <a:gsLst>
-                    <a:gs pos="0">
-                      <a:schemeClr val="tx1">
-                        <a:lumMod val="75000"/>
-                        <a:lumOff val="25000"/>
-                      </a:schemeClr>
-                    </a:gs>
-                    <a:gs pos="100000">
-                      <a:schemeClr val="tx1">
-                        <a:lumMod val="75000"/>
-                        <a:lumOff val="25000"/>
-                      </a:schemeClr>
-                    </a:gs>
-                  </a:gsLst>
-                  <a:lin ang="5400000" scaled="0"/>
-                </a:gradFill>
-                <a:latin typeface="KoPub돋움체 Light" panose="02020603020101020101" pitchFamily="18" charset="-127"/>
-                <a:ea typeface="KoPub돋움체 Light" panose="02020603020101020101" pitchFamily="18" charset="-127"/>
-                <a:cs typeface="+mn-cs"/>
-              </a:defRPr>
-            </a:lvl3pPr>
-            <a:lvl4pPr marL="0" indent="0" algn="just" defTabSz="914400" rtl="0" eaLnBrk="1" fontAlgn="base" latinLnBrk="0" hangingPunct="1">
-              <a:lnSpc>
-                <a:spcPct val="120000"/>
-              </a:lnSpc>
-              <a:spcBef>
-                <a:spcPct val="0"/>
-              </a:spcBef>
-              <a:spcAft>
-                <a:spcPct val="0"/>
-              </a:spcAft>
-              <a:buFont typeface="Arial" charset="0"/>
-              <a:buNone/>
-              <a:tabLst/>
-              <a:defRPr kumimoji="1" lang="ko-KR" altLang="en-US" sz="1000" kern="1200" smtClean="0">
-                <a:gradFill>
-                  <a:gsLst>
-                    <a:gs pos="0">
-                      <a:schemeClr val="tx1">
-                        <a:lumMod val="75000"/>
-                        <a:lumOff val="25000"/>
-                      </a:schemeClr>
-                    </a:gs>
-                    <a:gs pos="100000">
-                      <a:schemeClr val="tx1">
-                        <a:lumMod val="75000"/>
-                        <a:lumOff val="25000"/>
-                      </a:schemeClr>
-                    </a:gs>
-                  </a:gsLst>
-                  <a:lin ang="5400000" scaled="0"/>
-                </a:gradFill>
-                <a:latin typeface="KoPub돋움체 Light" panose="02020603020101020101" pitchFamily="18" charset="-127"/>
-                <a:ea typeface="KoPub돋움체 Light" panose="02020603020101020101" pitchFamily="18" charset="-127"/>
-                <a:cs typeface="+mn-cs"/>
-              </a:defRPr>
-            </a:lvl4pPr>
-            <a:lvl5pPr marL="0" indent="0" algn="just" defTabSz="914400" rtl="0" eaLnBrk="1" fontAlgn="base" latinLnBrk="0" hangingPunct="1">
-              <a:lnSpc>
-                <a:spcPct val="120000"/>
-              </a:lnSpc>
-              <a:spcBef>
-                <a:spcPct val="0"/>
-              </a:spcBef>
-              <a:spcAft>
-                <a:spcPct val="0"/>
-              </a:spcAft>
-              <a:buFont typeface="Arial" charset="0"/>
-              <a:buNone/>
-              <a:tabLst/>
-              <a:defRPr kumimoji="1" lang="ko-KR" altLang="en-US" sz="1000" kern="1200">
-                <a:gradFill>
-                  <a:gsLst>
-                    <a:gs pos="0">
-                      <a:schemeClr val="tx1">
-                        <a:lumMod val="75000"/>
-                        <a:lumOff val="25000"/>
-                      </a:schemeClr>
-                    </a:gs>
-                    <a:gs pos="100000">
-                      <a:schemeClr val="tx1">
-                        <a:lumMod val="75000"/>
-                        <a:lumOff val="25000"/>
-                      </a:schemeClr>
-                    </a:gs>
-                  </a:gsLst>
-                  <a:lin ang="5400000" scaled="0"/>
-                </a:gradFill>
-                <a:latin typeface="KoPub돋움체 Light" panose="02020603020101020101" pitchFamily="18" charset="-127"/>
-                <a:ea typeface="KoPub돋움체 Light" panose="02020603020101020101" pitchFamily="18" charset="-127"/>
-                <a:cs typeface="+mn-cs"/>
-              </a:defRPr>
-            </a:lvl5pPr>
-            <a:lvl6pPr marL="2514600" indent="-228600" algn="l" defTabSz="914400" rtl="0" eaLnBrk="1" latinLnBrk="1" hangingPunct="1">
-              <a:lnSpc>
-                <a:spcPct val="90000"/>
-              </a:lnSpc>
-              <a:spcBef>
-                <a:spcPts val="500"/>
-              </a:spcBef>
-              <a:buFont typeface="Arial" panose="020B0604020202020204" pitchFamily="34" charset="0"/>
-              <a:buChar char="•"/>
-              <a:defRPr sz="1800" kern="1200">
-                <a:solidFill>
-                  <a:schemeClr val="tx1"/>
-                </a:solidFill>
-                <a:latin typeface="+mn-lt"/>
-                <a:ea typeface="+mn-ea"/>
-                <a:cs typeface="+mn-cs"/>
-              </a:defRPr>
-            </a:lvl6pPr>
-            <a:lvl7pPr marL="2971800" indent="-228600" algn="l" defTabSz="914400" rtl="0" eaLnBrk="1" latinLnBrk="1" hangingPunct="1">
-              <a:lnSpc>
-                <a:spcPct val="90000"/>
-              </a:lnSpc>
-              <a:spcBef>
-                <a:spcPts val="500"/>
-              </a:spcBef>
-              <a:buFont typeface="Arial" panose="020B0604020202020204" pitchFamily="34" charset="0"/>
-              <a:buChar char="•"/>
-              <a:defRPr sz="1800" kern="1200">
-                <a:solidFill>
-                  <a:schemeClr val="tx1"/>
-                </a:solidFill>
-                <a:latin typeface="+mn-lt"/>
-                <a:ea typeface="+mn-ea"/>
-                <a:cs typeface="+mn-cs"/>
-              </a:defRPr>
-            </a:lvl7pPr>
-            <a:lvl8pPr marL="3429000" indent="-228600" algn="l" defTabSz="914400" rtl="0" eaLnBrk="1" latinLnBrk="1" hangingPunct="1">
-              <a:lnSpc>
-                <a:spcPct val="90000"/>
-              </a:lnSpc>
-              <a:spcBef>
-                <a:spcPts val="500"/>
-              </a:spcBef>
-              <a:buFont typeface="Arial" panose="020B0604020202020204" pitchFamily="34" charset="0"/>
-              <a:buChar char="•"/>
-              <a:defRPr sz="1800" kern="1200">
-                <a:solidFill>
-                  <a:schemeClr val="tx1"/>
-                </a:solidFill>
-                <a:latin typeface="+mn-lt"/>
-                <a:ea typeface="+mn-ea"/>
-                <a:cs typeface="+mn-cs"/>
-              </a:defRPr>
-            </a:lvl8pPr>
-            <a:lvl9pPr marL="3886200" indent="-228600" algn="l" defTabSz="914400" rtl="0" eaLnBrk="1" latinLnBrk="1" hangingPunct="1">
-              <a:lnSpc>
-                <a:spcPct val="90000"/>
-              </a:lnSpc>
-              <a:spcBef>
-                <a:spcPts val="500"/>
-              </a:spcBef>
-              <a:buFont typeface="Arial" panose="020B0604020202020204" pitchFamily="34" charset="0"/>
-              <a:buChar char="•"/>
-              <a:defRPr sz="1800" kern="1200">
-                <a:solidFill>
-                  <a:schemeClr val="tx1"/>
-                </a:solidFill>
-                <a:latin typeface="+mn-lt"/>
-                <a:ea typeface="+mn-ea"/>
-                <a:cs typeface="+mn-cs"/>
-              </a:defRPr>
-            </a:lvl9pPr>
-          </a:lstStyle>
-          <a:p>
-            <a:pPr algn="l">
-              <a:defRPr/>
-            </a:pPr>
-            <a:r>
-              <a:rPr lang="ko-KR" altLang="en-US" sz="1600" b="1" dirty="0" smtClean="0">
-                <a:gradFill>
-                  <a:gsLst>
-                    <a:gs pos="0">
-                      <a:srgbClr val="404040"/>
-                    </a:gs>
-                    <a:gs pos="100000">
-                      <a:srgbClr val="404040"/>
-                    </a:gs>
-                  </a:gsLst>
-                  <a:lin ang="5400000" scaled="0"/>
-                </a:gradFill>
-                <a:latin typeface="나눔고딕" panose="020D0604000000000000" pitchFamily="50" charset="-127"/>
-                <a:ea typeface="나눔고딕 ExtraBold"/>
-              </a:rPr>
-              <a:t>다층 </a:t>
-            </a:r>
-            <a:r>
-              <a:rPr lang="ko-KR" altLang="en-US" sz="1600" b="1" dirty="0" err="1" smtClean="0">
-                <a:gradFill>
-                  <a:gsLst>
-                    <a:gs pos="0">
-                      <a:srgbClr val="404040"/>
-                    </a:gs>
-                    <a:gs pos="100000">
-                      <a:srgbClr val="404040"/>
-                    </a:gs>
-                  </a:gsLst>
-                  <a:lin ang="5400000" scaled="0"/>
-                </a:gradFill>
-                <a:latin typeface="나눔고딕" panose="020D0604000000000000" pitchFamily="50" charset="-127"/>
-                <a:ea typeface="나눔고딕 ExtraBold"/>
-              </a:rPr>
-              <a:t>퍼셉트론이</a:t>
-            </a:r>
-            <a:r>
-              <a:rPr lang="ko-KR" altLang="en-US" sz="1600" b="1" dirty="0" smtClean="0">
-                <a:gradFill>
-                  <a:gsLst>
-                    <a:gs pos="0">
-                      <a:srgbClr val="404040"/>
-                    </a:gs>
-                    <a:gs pos="100000">
-                      <a:srgbClr val="404040"/>
-                    </a:gs>
-                  </a:gsLst>
-                  <a:lin ang="5400000" scaled="0"/>
-                </a:gradFill>
-                <a:latin typeface="나눔고딕" panose="020D0604000000000000" pitchFamily="50" charset="-127"/>
-                <a:ea typeface="나눔고딕 ExtraBold"/>
-              </a:rPr>
-              <a:t> 오차 </a:t>
-            </a:r>
-            <a:r>
-              <a:rPr lang="ko-KR" altLang="en-US" sz="1600" b="1" dirty="0" err="1" smtClean="0">
-                <a:gradFill>
-                  <a:gsLst>
-                    <a:gs pos="0">
-                      <a:srgbClr val="404040"/>
-                    </a:gs>
-                    <a:gs pos="100000">
-                      <a:srgbClr val="404040"/>
-                    </a:gs>
-                  </a:gsLst>
-                  <a:lin ang="5400000" scaled="0"/>
-                </a:gradFill>
-                <a:latin typeface="나눔고딕" panose="020D0604000000000000" pitchFamily="50" charset="-127"/>
-                <a:ea typeface="나눔고딕 ExtraBold"/>
-              </a:rPr>
-              <a:t>역전파를</a:t>
-            </a:r>
-            <a:r>
-              <a:rPr lang="ko-KR" altLang="en-US" sz="1600" b="1" dirty="0" smtClean="0">
-                <a:gradFill>
-                  <a:gsLst>
-                    <a:gs pos="0">
-                      <a:srgbClr val="404040"/>
-                    </a:gs>
-                    <a:gs pos="100000">
-                      <a:srgbClr val="404040"/>
-                    </a:gs>
-                  </a:gsLst>
-                  <a:lin ang="5400000" scaled="0"/>
-                </a:gradFill>
-                <a:latin typeface="나눔고딕" panose="020D0604000000000000" pitchFamily="50" charset="-127"/>
-                <a:ea typeface="나눔고딕 ExtraBold"/>
-              </a:rPr>
-              <a:t> 만나 신경망이 됨</a:t>
-            </a:r>
-            <a:r>
-              <a:rPr lang="en-US" altLang="ko-KR" sz="1600" b="1" dirty="0" smtClean="0">
-                <a:gradFill>
-                  <a:gsLst>
-                    <a:gs pos="0">
-                      <a:srgbClr val="404040"/>
-                    </a:gs>
-                    <a:gs pos="100000">
-                      <a:srgbClr val="404040"/>
-                    </a:gs>
-                  </a:gsLst>
-                  <a:lin ang="5400000" scaled="0"/>
-                </a:gradFill>
-                <a:latin typeface="나눔고딕" panose="020D0604000000000000" pitchFamily="50" charset="-127"/>
-                <a:ea typeface="나눔고딕 ExtraBold"/>
-              </a:rPr>
-              <a:t> </a:t>
-            </a:r>
-          </a:p>
-          <a:p>
-            <a:pPr algn="l">
-              <a:defRPr/>
-            </a:pPr>
-            <a:r>
-              <a:rPr lang="ko-KR" altLang="en-US" sz="1600" b="1" dirty="0" smtClean="0">
-                <a:gradFill>
-                  <a:gsLst>
-                    <a:gs pos="0">
-                      <a:srgbClr val="404040"/>
-                    </a:gs>
-                    <a:gs pos="100000">
-                      <a:srgbClr val="404040"/>
-                    </a:gs>
-                  </a:gsLst>
-                  <a:lin ang="5400000" scaled="0"/>
-                </a:gradFill>
-                <a:latin typeface="나눔고딕" panose="020D0604000000000000" pitchFamily="50" charset="-127"/>
-                <a:ea typeface="나눔고딕 ExtraBold"/>
-              </a:rPr>
-              <a:t>신경망은 </a:t>
-            </a:r>
-            <a:r>
-              <a:rPr lang="en-US" altLang="ko-KR" sz="1600" b="1" dirty="0" smtClean="0">
-                <a:gradFill>
-                  <a:gsLst>
-                    <a:gs pos="0">
-                      <a:srgbClr val="404040"/>
-                    </a:gs>
-                    <a:gs pos="100000">
-                      <a:srgbClr val="404040"/>
-                    </a:gs>
-                  </a:gsLst>
-                  <a:lin ang="5400000" scaled="0"/>
-                </a:gradFill>
-                <a:latin typeface="나눔고딕" panose="020D0604000000000000" pitchFamily="50" charset="-127"/>
-                <a:ea typeface="나눔고딕 ExtraBold"/>
-              </a:rPr>
-              <a:t>XOR </a:t>
-            </a:r>
-            <a:r>
-              <a:rPr lang="ko-KR" altLang="en-US" sz="1600" b="1" dirty="0" smtClean="0">
-                <a:gradFill>
-                  <a:gsLst>
-                    <a:gs pos="0">
-                      <a:srgbClr val="404040"/>
-                    </a:gs>
-                    <a:gs pos="100000">
-                      <a:srgbClr val="404040"/>
-                    </a:gs>
-                  </a:gsLst>
-                  <a:lin ang="5400000" scaled="0"/>
-                </a:gradFill>
-                <a:latin typeface="나눔고딕" panose="020D0604000000000000" pitchFamily="50" charset="-127"/>
-                <a:ea typeface="나눔고딕 ExtraBold"/>
-              </a:rPr>
-              <a:t>문제를 가볍게 해결</a:t>
-            </a:r>
-            <a:endParaRPr lang="en-US" altLang="ko-KR" sz="1600" b="1" dirty="0" smtClean="0">
-              <a:gradFill>
-                <a:gsLst>
-                  <a:gs pos="0">
-                    <a:srgbClr val="404040"/>
-                  </a:gs>
-                  <a:gs pos="100000">
-                    <a:srgbClr val="404040"/>
-                  </a:gs>
-                </a:gsLst>
-                <a:lin ang="5400000" scaled="0"/>
-              </a:gradFill>
-              <a:latin typeface="나눔고딕" panose="020D0604000000000000" pitchFamily="50" charset="-127"/>
-              <a:ea typeface="나눔고딕 ExtraBold"/>
-            </a:endParaRPr>
-          </a:p>
-        </p:txBody>
-      </p:sp>
-      <p:sp>
-        <p:nvSpPr>
-          <p:cNvPr id="26" name="텍스트 개체 틀 2"/>
-          <p:cNvSpPr txBox="1">
-            <a:spLocks/>
-          </p:cNvSpPr>
-          <p:nvPr/>
-        </p:nvSpPr>
-        <p:spPr>
-          <a:xfrm>
-            <a:off x="251520" y="5174381"/>
-            <a:ext cx="8640960" cy="270843"/>
-          </a:xfrm>
-          <a:prstGeom prst="rect">
-            <a:avLst/>
-          </a:prstGeom>
-          <a:noFill/>
-          <a:ln w="9525">
-            <a:noFill/>
-            <a:miter lim="800000"/>
-            <a:headEnd/>
-            <a:tailEnd/>
-          </a:ln>
-        </p:spPr>
-        <p:txBody>
-          <a:bodyPr lIns="0" tIns="0" rIns="0" bIns="0">
-            <a:spAutoFit/>
-          </a:bodyPr>
-          <a:lstStyle>
-            <a:lvl1pPr marL="0" indent="0" algn="just" defTabSz="914400" rtl="0" eaLnBrk="1" fontAlgn="base" latinLnBrk="0" hangingPunct="1">
-              <a:lnSpc>
-                <a:spcPct val="120000"/>
-              </a:lnSpc>
-              <a:spcBef>
-                <a:spcPct val="0"/>
-              </a:spcBef>
-              <a:spcAft>
-                <a:spcPct val="0"/>
-              </a:spcAft>
-              <a:buFont typeface="Arial" charset="0"/>
-              <a:buNone/>
-              <a:tabLst/>
-              <a:defRPr kumimoji="1" lang="ko-KR" altLang="en-US" sz="1000" kern="1200" smtClean="0">
-                <a:gradFill>
-                  <a:gsLst>
-                    <a:gs pos="0">
-                      <a:schemeClr val="tx1">
-                        <a:lumMod val="75000"/>
-                        <a:lumOff val="25000"/>
-                      </a:schemeClr>
-                    </a:gs>
-                    <a:gs pos="100000">
-                      <a:schemeClr val="tx1">
-                        <a:lumMod val="75000"/>
-                        <a:lumOff val="25000"/>
-                      </a:schemeClr>
-                    </a:gs>
-                  </a:gsLst>
-                  <a:lin ang="5400000" scaled="0"/>
-                </a:gradFill>
-                <a:latin typeface="KoPub돋움체 Light" panose="02020603020101020101" pitchFamily="18" charset="-127"/>
-                <a:ea typeface="KoPub돋움체 Light" panose="02020603020101020101" pitchFamily="18" charset="-127"/>
-                <a:cs typeface="+mn-cs"/>
-              </a:defRPr>
-            </a:lvl1pPr>
-            <a:lvl2pPr marL="0" indent="0" algn="just" defTabSz="914400" rtl="0" eaLnBrk="1" fontAlgn="base" latinLnBrk="0" hangingPunct="1">
-              <a:lnSpc>
-                <a:spcPct val="120000"/>
-              </a:lnSpc>
-              <a:spcBef>
-                <a:spcPct val="0"/>
-              </a:spcBef>
-              <a:spcAft>
-                <a:spcPct val="0"/>
-              </a:spcAft>
-              <a:buFont typeface="Arial" charset="0"/>
-              <a:buNone/>
-              <a:tabLst/>
-              <a:defRPr kumimoji="1" lang="ko-KR" altLang="en-US" sz="1000" kern="1200" smtClean="0">
-                <a:gradFill>
-                  <a:gsLst>
-                    <a:gs pos="0">
-                      <a:schemeClr val="tx1">
-                        <a:lumMod val="75000"/>
-                        <a:lumOff val="25000"/>
-                      </a:schemeClr>
-                    </a:gs>
-                    <a:gs pos="100000">
-                      <a:schemeClr val="tx1">
-                        <a:lumMod val="75000"/>
-                        <a:lumOff val="25000"/>
-                      </a:schemeClr>
-                    </a:gs>
-                  </a:gsLst>
-                  <a:lin ang="5400000" scaled="0"/>
-                </a:gradFill>
-                <a:latin typeface="KoPub돋움체 Light" panose="02020603020101020101" pitchFamily="18" charset="-127"/>
-                <a:ea typeface="KoPub돋움체 Light" panose="02020603020101020101" pitchFamily="18" charset="-127"/>
-                <a:cs typeface="+mn-cs"/>
-              </a:defRPr>
-            </a:lvl2pPr>
-            <a:lvl3pPr marL="0" indent="0" algn="just" defTabSz="914400" rtl="0" eaLnBrk="1" fontAlgn="base" latinLnBrk="0" hangingPunct="1">
-              <a:lnSpc>
-                <a:spcPct val="120000"/>
-              </a:lnSpc>
-              <a:spcBef>
-                <a:spcPct val="0"/>
-              </a:spcBef>
-              <a:spcAft>
-                <a:spcPct val="0"/>
-              </a:spcAft>
-              <a:buFont typeface="Arial" charset="0"/>
-              <a:buNone/>
-              <a:tabLst/>
-              <a:defRPr kumimoji="1" lang="ko-KR" altLang="en-US" sz="1000" kern="1200" smtClean="0">
-                <a:gradFill>
-                  <a:gsLst>
-                    <a:gs pos="0">
-                      <a:schemeClr val="tx1">
-                        <a:lumMod val="75000"/>
-                        <a:lumOff val="25000"/>
-                      </a:schemeClr>
-                    </a:gs>
-                    <a:gs pos="100000">
-                      <a:schemeClr val="tx1">
-                        <a:lumMod val="75000"/>
-                        <a:lumOff val="25000"/>
-                      </a:schemeClr>
-                    </a:gs>
-                  </a:gsLst>
-                  <a:lin ang="5400000" scaled="0"/>
-                </a:gradFill>
-                <a:latin typeface="KoPub돋움체 Light" panose="02020603020101020101" pitchFamily="18" charset="-127"/>
-                <a:ea typeface="KoPub돋움체 Light" panose="02020603020101020101" pitchFamily="18" charset="-127"/>
-                <a:cs typeface="+mn-cs"/>
-              </a:defRPr>
-            </a:lvl3pPr>
-            <a:lvl4pPr marL="0" indent="0" algn="just" defTabSz="914400" rtl="0" eaLnBrk="1" fontAlgn="base" latinLnBrk="0" hangingPunct="1">
-              <a:lnSpc>
-                <a:spcPct val="120000"/>
-              </a:lnSpc>
-              <a:spcBef>
-                <a:spcPct val="0"/>
-              </a:spcBef>
-              <a:spcAft>
-                <a:spcPct val="0"/>
-              </a:spcAft>
-              <a:buFont typeface="Arial" charset="0"/>
-              <a:buNone/>
-              <a:tabLst/>
-              <a:defRPr kumimoji="1" lang="ko-KR" altLang="en-US" sz="1000" kern="1200" smtClean="0">
-                <a:gradFill>
-                  <a:gsLst>
-                    <a:gs pos="0">
-                      <a:schemeClr val="tx1">
-                        <a:lumMod val="75000"/>
-                        <a:lumOff val="25000"/>
-                      </a:schemeClr>
-                    </a:gs>
-                    <a:gs pos="100000">
-                      <a:schemeClr val="tx1">
-                        <a:lumMod val="75000"/>
-                        <a:lumOff val="25000"/>
-                      </a:schemeClr>
-                    </a:gs>
-                  </a:gsLst>
-                  <a:lin ang="5400000" scaled="0"/>
-                </a:gradFill>
-                <a:latin typeface="KoPub돋움체 Light" panose="02020603020101020101" pitchFamily="18" charset="-127"/>
-                <a:ea typeface="KoPub돋움체 Light" panose="02020603020101020101" pitchFamily="18" charset="-127"/>
-                <a:cs typeface="+mn-cs"/>
-              </a:defRPr>
-            </a:lvl4pPr>
-            <a:lvl5pPr marL="0" indent="0" algn="just" defTabSz="914400" rtl="0" eaLnBrk="1" fontAlgn="base" latinLnBrk="0" hangingPunct="1">
-              <a:lnSpc>
-                <a:spcPct val="120000"/>
-              </a:lnSpc>
-              <a:spcBef>
-                <a:spcPct val="0"/>
-              </a:spcBef>
-              <a:spcAft>
-                <a:spcPct val="0"/>
-              </a:spcAft>
-              <a:buFont typeface="Arial" charset="0"/>
-              <a:buNone/>
-              <a:tabLst/>
-              <a:defRPr kumimoji="1" lang="ko-KR" altLang="en-US" sz="1000" kern="1200">
-                <a:gradFill>
-                  <a:gsLst>
-                    <a:gs pos="0">
-                      <a:schemeClr val="tx1">
-                        <a:lumMod val="75000"/>
-                        <a:lumOff val="25000"/>
-                      </a:schemeClr>
-                    </a:gs>
-                    <a:gs pos="100000">
-                      <a:schemeClr val="tx1">
-                        <a:lumMod val="75000"/>
-                        <a:lumOff val="25000"/>
-                      </a:schemeClr>
-                    </a:gs>
-                  </a:gsLst>
-                  <a:lin ang="5400000" scaled="0"/>
-                </a:gradFill>
-                <a:latin typeface="KoPub돋움체 Light" panose="02020603020101020101" pitchFamily="18" charset="-127"/>
-                <a:ea typeface="KoPub돋움체 Light" panose="02020603020101020101" pitchFamily="18" charset="-127"/>
-                <a:cs typeface="+mn-cs"/>
-              </a:defRPr>
-            </a:lvl5pPr>
-            <a:lvl6pPr marL="2514600" indent="-228600" algn="l" defTabSz="914400" rtl="0" eaLnBrk="1" latinLnBrk="1" hangingPunct="1">
-              <a:lnSpc>
-                <a:spcPct val="90000"/>
-              </a:lnSpc>
-              <a:spcBef>
-                <a:spcPts val="500"/>
-              </a:spcBef>
-              <a:buFont typeface="Arial" panose="020B0604020202020204" pitchFamily="34" charset="0"/>
-              <a:buChar char="•"/>
-              <a:defRPr sz="1800" kern="1200">
-                <a:solidFill>
-                  <a:schemeClr val="tx1"/>
-                </a:solidFill>
-                <a:latin typeface="+mn-lt"/>
-                <a:ea typeface="+mn-ea"/>
-                <a:cs typeface="+mn-cs"/>
-              </a:defRPr>
-            </a:lvl6pPr>
-            <a:lvl7pPr marL="2971800" indent="-228600" algn="l" defTabSz="914400" rtl="0" eaLnBrk="1" latinLnBrk="1" hangingPunct="1">
-              <a:lnSpc>
-                <a:spcPct val="90000"/>
-              </a:lnSpc>
-              <a:spcBef>
-                <a:spcPts val="500"/>
-              </a:spcBef>
-              <a:buFont typeface="Arial" panose="020B0604020202020204" pitchFamily="34" charset="0"/>
-              <a:buChar char="•"/>
-              <a:defRPr sz="1800" kern="1200">
-                <a:solidFill>
-                  <a:schemeClr val="tx1"/>
-                </a:solidFill>
-                <a:latin typeface="+mn-lt"/>
-                <a:ea typeface="+mn-ea"/>
-                <a:cs typeface="+mn-cs"/>
-              </a:defRPr>
-            </a:lvl7pPr>
-            <a:lvl8pPr marL="3429000" indent="-228600" algn="l" defTabSz="914400" rtl="0" eaLnBrk="1" latinLnBrk="1" hangingPunct="1">
-              <a:lnSpc>
-                <a:spcPct val="90000"/>
-              </a:lnSpc>
-              <a:spcBef>
-                <a:spcPts val="500"/>
-              </a:spcBef>
-              <a:buFont typeface="Arial" panose="020B0604020202020204" pitchFamily="34" charset="0"/>
-              <a:buChar char="•"/>
-              <a:defRPr sz="1800" kern="1200">
-                <a:solidFill>
-                  <a:schemeClr val="tx1"/>
-                </a:solidFill>
-                <a:latin typeface="+mn-lt"/>
-                <a:ea typeface="+mn-ea"/>
-                <a:cs typeface="+mn-cs"/>
-              </a:defRPr>
-            </a:lvl8pPr>
-            <a:lvl9pPr marL="3886200" indent="-228600" algn="l" defTabSz="914400" rtl="0" eaLnBrk="1" latinLnBrk="1" hangingPunct="1">
-              <a:lnSpc>
-                <a:spcPct val="90000"/>
-              </a:lnSpc>
-              <a:spcBef>
-                <a:spcPts val="500"/>
-              </a:spcBef>
-              <a:buFont typeface="Arial" panose="020B0604020202020204" pitchFamily="34" charset="0"/>
-              <a:buChar char="•"/>
-              <a:defRPr sz="1800" kern="1200">
-                <a:solidFill>
-                  <a:schemeClr val="tx1"/>
-                </a:solidFill>
-                <a:latin typeface="+mn-lt"/>
-                <a:ea typeface="+mn-ea"/>
-                <a:cs typeface="+mn-cs"/>
-              </a:defRPr>
-            </a:lvl9pPr>
-          </a:lstStyle>
-          <a:p>
-            <a:pPr algn="l">
-              <a:defRPr/>
-            </a:pPr>
-            <a:r>
-              <a:rPr lang="ko-KR" altLang="en-US" sz="1600" b="1" dirty="0" smtClean="0">
-                <a:gradFill>
-                  <a:gsLst>
-                    <a:gs pos="0">
-                      <a:srgbClr val="404040"/>
-                    </a:gs>
-                    <a:gs pos="100000">
-                      <a:srgbClr val="404040"/>
-                    </a:gs>
-                  </a:gsLst>
-                  <a:lin ang="5400000" scaled="0"/>
-                </a:gradFill>
-                <a:latin typeface="나눔고딕" panose="020D0604000000000000" pitchFamily="50" charset="-127"/>
-                <a:ea typeface="나눔고딕 ExtraBold"/>
-              </a:rPr>
-              <a:t>하지만 인공지능은 기대만큼 결과가 좋지 않았음</a:t>
-            </a:r>
-            <a:endParaRPr lang="en-US" altLang="ko-KR" sz="1600" b="1" dirty="0" smtClean="0">
               <a:gradFill>
                 <a:gsLst>
                   <a:gs pos="0">
@@ -6830,14 +5921,6 @@
               </a:rPr>
               <a:t>베스트 모델</a:t>
             </a:r>
-            <a:endParaRPr lang="ko-KR" altLang="en-US" sz="3800" kern="0" dirty="0" smtClean="0">
-              <a:solidFill>
-                <a:schemeClr val="tx1"/>
-              </a:solidFill>
-              <a:latin typeface="나눔고딕 ExtraBold" panose="020D0904000000000000" pitchFamily="50" charset="-127"/>
-              <a:ea typeface="나눔고딕 ExtraBold" panose="020D0904000000000000" pitchFamily="50" charset="-127"/>
-              <a:cs typeface="Nanum Gothic"/>
-            </a:endParaRPr>
           </a:p>
         </p:txBody>
       </p:sp>
@@ -7153,10 +6236,6 @@
               </a:rPr>
               <a:t>베스트 모델</a:t>
             </a:r>
-            <a:endParaRPr lang="ko-KR" altLang="en-US" sz="2800" dirty="0" smtClean="0">
-              <a:latin typeface="나눔고딕 ExtraBold" panose="020D0904000000000000" pitchFamily="50" charset="-127"/>
-              <a:ea typeface="나눔고딕 ExtraBold" panose="020D0904000000000000" pitchFamily="50" charset="-127"/>
-            </a:endParaRPr>
           </a:p>
         </p:txBody>
       </p:sp>
@@ -7462,7 +6541,7 @@
                 <a:latin typeface="나눔고딕" panose="020D0604000000000000" pitchFamily="50" charset="-127"/>
                 <a:ea typeface="나눔고딕 ExtraBold"/>
               </a:rPr>
-              <a:t>모델 정의</a:t>
+              <a:t>와인의 종류 예측</a:t>
             </a:r>
             <a:endParaRPr sz="2000" b="1" dirty="0">
               <a:gradFill>
@@ -7484,7 +6563,7 @@
       </p:sp>
       <p:sp>
         <p:nvSpPr>
-          <p:cNvPr id="4" name="텍스트 개체 틀 2"/>
+          <p:cNvPr id="7" name="텍스트 개체 틀 2"/>
           <p:cNvSpPr txBox="1">
             <a:spLocks/>
           </p:cNvSpPr>
@@ -7492,8 +6571,8 @@
         </p:nvSpPr>
         <p:spPr>
           <a:xfrm>
-            <a:off x="251520" y="2217755"/>
-            <a:ext cx="8640960" cy="270843"/>
+            <a:off x="827584" y="4725144"/>
+            <a:ext cx="7488832" cy="1181862"/>
           </a:xfrm>
           <a:prstGeom prst="rect">
             <a:avLst/>
@@ -7507,7 +6586,7 @@
           </a:ln>
         </p:spPr>
         <p:txBody>
-          <a:bodyPr lIns="0" tIns="0" rIns="0" bIns="0">
+          <a:bodyPr wrap="square" lIns="0" tIns="0" rIns="0" bIns="0">
             <a:spAutoFit/>
           </a:bodyPr>
           <a:lstStyle>
@@ -7765,10 +6844,150 @@
             </a:lvl9pPr>
           </a:lstStyle>
           <a:p>
-            <a:pPr algn="l">
+            <a:pPr marL="285750" indent="-285750" algn="l">
+              <a:buFont typeface="Wingdings" panose="05000000000000000000" pitchFamily="2" charset="2"/>
+              <a:buChar char="ü"/>
               <a:defRPr/>
             </a:pPr>
             <a:r>
+              <a:rPr lang="ko-KR" altLang="en-US" sz="1600" b="1" dirty="0" smtClean="0">
+                <a:gradFill>
+                  <a:gsLst>
+                    <a:gs pos="0">
+                      <a:srgbClr val="404040"/>
+                    </a:gs>
+                    <a:gs pos="100000">
+                      <a:srgbClr val="404040"/>
+                    </a:gs>
+                  </a:gsLst>
+                  <a:lin ang="5400000" scaled="0"/>
+                </a:gradFill>
+                <a:latin typeface="나눔고딕" panose="020D0604000000000000" pitchFamily="50" charset="-127"/>
+                <a:ea typeface="나눔고딕 ExtraBold"/>
+              </a:rPr>
+              <a:t>포도로 만든 와인은 고대 그리스 로마 시대부터 서양 음식의 기본이 된 오랜 양조주</a:t>
+            </a:r>
+            <a:endParaRPr lang="en-US" altLang="ko-KR" sz="1600" b="1" dirty="0" smtClean="0">
+              <a:gradFill>
+                <a:gsLst>
+                  <a:gs pos="0">
+                    <a:srgbClr val="404040"/>
+                  </a:gs>
+                  <a:gs pos="100000">
+                    <a:srgbClr val="404040"/>
+                  </a:gs>
+                </a:gsLst>
+                <a:lin ang="5400000" scaled="0"/>
+              </a:gradFill>
+              <a:latin typeface="나눔고딕" panose="020D0604000000000000" pitchFamily="50" charset="-127"/>
+              <a:ea typeface="나눔고딕 ExtraBold"/>
+            </a:endParaRPr>
+          </a:p>
+          <a:p>
+            <a:pPr marL="285750" indent="-285750" algn="l">
+              <a:buFont typeface="Wingdings" panose="05000000000000000000" pitchFamily="2" charset="2"/>
+              <a:buChar char="ü"/>
+              <a:defRPr/>
+            </a:pPr>
+            <a:r>
+              <a:rPr lang="ko-KR" altLang="en-US" sz="1600" b="1" dirty="0" smtClean="0">
+                <a:gradFill>
+                  <a:gsLst>
+                    <a:gs pos="0">
+                      <a:srgbClr val="404040"/>
+                    </a:gs>
+                    <a:gs pos="100000">
+                      <a:srgbClr val="404040"/>
+                    </a:gs>
+                  </a:gsLst>
+                  <a:lin ang="5400000" scaled="0"/>
+                </a:gradFill>
+                <a:latin typeface="나눔고딕" panose="020D0604000000000000" pitchFamily="50" charset="-127"/>
+                <a:ea typeface="나눔고딕 ExtraBold"/>
+              </a:rPr>
+              <a:t>빛깔에 따라 맑고 투명한 화이트 와인</a:t>
+            </a:r>
+            <a:endParaRPr lang="en-US" altLang="ko-KR" sz="1600" b="1" dirty="0" smtClean="0">
+              <a:gradFill>
+                <a:gsLst>
+                  <a:gs pos="0">
+                    <a:srgbClr val="404040"/>
+                  </a:gs>
+                  <a:gs pos="100000">
+                    <a:srgbClr val="404040"/>
+                  </a:gs>
+                </a:gsLst>
+                <a:lin ang="5400000" scaled="0"/>
+              </a:gradFill>
+              <a:latin typeface="나눔고딕" panose="020D0604000000000000" pitchFamily="50" charset="-127"/>
+              <a:ea typeface="나눔고딕 ExtraBold"/>
+            </a:endParaRPr>
+          </a:p>
+          <a:p>
+            <a:pPr marL="285750" indent="-285750" algn="l">
+              <a:buFont typeface="Wingdings" panose="05000000000000000000" pitchFamily="2" charset="2"/>
+              <a:buChar char="ü"/>
+              <a:defRPr/>
+            </a:pPr>
+            <a:r>
+              <a:rPr lang="ko-KR" altLang="en-US" sz="1600" b="1" dirty="0" smtClean="0">
+                <a:gradFill>
+                  <a:gsLst>
+                    <a:gs pos="0">
+                      <a:srgbClr val="404040"/>
+                    </a:gs>
+                    <a:gs pos="100000">
+                      <a:srgbClr val="404040"/>
+                    </a:gs>
+                  </a:gsLst>
+                  <a:lin ang="5400000" scaled="0"/>
+                </a:gradFill>
+                <a:latin typeface="나눔고딕" panose="020D0604000000000000" pitchFamily="50" charset="-127"/>
+                <a:ea typeface="나눔고딕 ExtraBold"/>
+              </a:rPr>
+              <a:t>붉은색을 띠는 레드 와인</a:t>
+            </a:r>
+            <a:endParaRPr lang="en-US" altLang="ko-KR" sz="1600" b="1" dirty="0" smtClean="0">
+              <a:gradFill>
+                <a:gsLst>
+                  <a:gs pos="0">
+                    <a:srgbClr val="404040"/>
+                  </a:gs>
+                  <a:gs pos="100000">
+                    <a:srgbClr val="404040"/>
+                  </a:gs>
+                </a:gsLst>
+                <a:lin ang="5400000" scaled="0"/>
+              </a:gradFill>
+              <a:latin typeface="나눔고딕" panose="020D0604000000000000" pitchFamily="50" charset="-127"/>
+              <a:ea typeface="나눔고딕 ExtraBold"/>
+            </a:endParaRPr>
+          </a:p>
+          <a:p>
+            <a:pPr marL="285750" indent="-285750" algn="l">
+              <a:buFont typeface="Wingdings" panose="05000000000000000000" pitchFamily="2" charset="2"/>
+              <a:buChar char="ü"/>
+              <a:defRPr/>
+            </a:pPr>
+            <a:r>
+              <a:rPr lang="ko-KR" altLang="en-US" sz="1600" b="1" dirty="0" smtClean="0">
+                <a:gradFill>
+                  <a:gsLst>
+                    <a:gs pos="0">
+                      <a:srgbClr val="404040"/>
+                    </a:gs>
+                    <a:gs pos="100000">
+                      <a:srgbClr val="404040"/>
+                    </a:gs>
+                  </a:gsLst>
+                  <a:lin ang="5400000" scaled="0"/>
+                </a:gradFill>
+                <a:latin typeface="나눔고딕" panose="020D0604000000000000" pitchFamily="50" charset="-127"/>
+                <a:ea typeface="나눔고딕 ExtraBold"/>
+              </a:rPr>
+              <a:t>포르투갈 서북쪽의 </a:t>
+            </a:r>
+            <a:r>
               <a:rPr lang="ko-KR" altLang="en-US" sz="1600" b="1" dirty="0" err="1" smtClean="0">
                 <a:gradFill>
                   <a:gsLst>
@@ -7784,7 +7003,7 @@
                 <a:latin typeface="나눔고딕" panose="020D0604000000000000" pitchFamily="50" charset="-127"/>
                 <a:ea typeface="나눔고딕 ExtraBold"/>
               </a:rPr>
-              <a:t>딥러닝의</a:t>
+              <a:t>비뉴</a:t>
             </a:r>
             <a:r>
               <a:rPr lang="ko-KR" altLang="en-US" sz="1600" b="1" dirty="0" smtClean="0">
@@ -7802,7 +7021,43 @@
                 <a:latin typeface="나눔고딕" panose="020D0604000000000000" pitchFamily="50" charset="-127"/>
                 <a:ea typeface="나눔고딕 ExtraBold"/>
               </a:rPr>
-              <a:t> 모델을 설정하고 구동</a:t>
+              <a:t> </a:t>
+            </a:r>
+            <a:r>
+              <a:rPr lang="ko-KR" altLang="en-US" sz="1600" b="1" dirty="0" err="1" smtClean="0">
+                <a:gradFill>
+                  <a:gsLst>
+                    <a:gs pos="0">
+                      <a:srgbClr val="404040"/>
+                    </a:gs>
+                    <a:gs pos="100000">
+                      <a:srgbClr val="404040"/>
+                    </a:gs>
+                  </a:gsLst>
+                  <a:lin ang="5400000" scaled="0"/>
+                </a:gradFill>
+                <a:latin typeface="나눔고딕" panose="020D0604000000000000" pitchFamily="50" charset="-127"/>
+                <a:ea typeface="나눔고딕 ExtraBold"/>
+              </a:rPr>
+              <a:t>베르드</a:t>
+            </a:r>
+            <a:r>
+              <a:rPr lang="ko-KR" altLang="en-US" sz="1600" b="1" dirty="0" smtClean="0">
+                <a:gradFill>
+                  <a:gsLst>
+                    <a:gs pos="0">
+                      <a:srgbClr val="404040"/>
+                    </a:gs>
+                    <a:gs pos="100000">
+                      <a:srgbClr val="404040"/>
+                    </a:gs>
+                  </a:gsLst>
+                  <a:lin ang="5400000" scaled="0"/>
+                </a:gradFill>
+                <a:latin typeface="나눔고딕" panose="020D0604000000000000" pitchFamily="50" charset="-127"/>
+                <a:ea typeface="나눔고딕 ExtraBold"/>
+              </a:rPr>
+              <a:t> 지방에서 만들어진 와인을 측정한 데이터</a:t>
             </a:r>
             <a:endParaRPr lang="en-US" altLang="ko-KR" sz="1600" b="1" dirty="0" smtClean="0">
               <a:gradFill>
@@ -7824,7 +7079,7 @@
       </p:sp>
       <p:sp>
         <p:nvSpPr>
-          <p:cNvPr id="5" name="텍스트 개체 틀 2"/>
+          <p:cNvPr id="8" name="텍스트 개체 틀 2"/>
           <p:cNvSpPr txBox="1">
             <a:spLocks/>
           </p:cNvSpPr>
@@ -7832,8 +7087,8 @@
         </p:nvSpPr>
         <p:spPr>
           <a:xfrm>
-            <a:off x="251520" y="2734702"/>
-            <a:ext cx="8640960" cy="2363724"/>
+            <a:off x="827584" y="6129074"/>
+            <a:ext cx="7488832" cy="270843"/>
           </a:xfrm>
           <a:prstGeom prst="rect">
             <a:avLst/>
@@ -7847,7 +7102,7 @@
           </a:ln>
         </p:spPr>
         <p:txBody>
-          <a:bodyPr lIns="0" tIns="0" rIns="0" bIns="0">
+          <a:bodyPr wrap="square" lIns="0" tIns="0" rIns="0" bIns="0">
             <a:spAutoFit/>
           </a:bodyPr>
           <a:lstStyle>
@@ -8109,6 +7364,24 @@
               <a:defRPr/>
             </a:pPr>
             <a:r>
+              <a:rPr lang="ko-KR" altLang="en-US" sz="1600" b="1" dirty="0" smtClean="0">
+                <a:gradFill>
+                  <a:gsLst>
+                    <a:gs pos="0">
+                      <a:srgbClr val="404040"/>
+                    </a:gs>
+                    <a:gs pos="100000">
+                      <a:srgbClr val="404040"/>
+                    </a:gs>
+                  </a:gsLst>
+                  <a:lin ang="5400000" scaled="0"/>
+                </a:gradFill>
+                <a:latin typeface="나눔고딕" panose="020D0604000000000000" pitchFamily="50" charset="-127"/>
+                <a:ea typeface="나눔고딕 ExtraBold"/>
+              </a:rPr>
+              <a:t>등급과 맛</a:t>
+            </a:r>
+            <a:r>
               <a:rPr lang="en-US" altLang="ko-KR" sz="1600" b="1" dirty="0" smtClean="0">
                 <a:gradFill>
                   <a:gsLst>
@@ -8124,30 +7397,25 @@
                 <a:latin typeface="나눔고딕" panose="020D0604000000000000" pitchFamily="50" charset="-127"/>
                 <a:ea typeface="나눔고딕 ExtraBold"/>
               </a:rPr>
-              <a:t>1. model = Sequential()</a:t>
-            </a:r>
-          </a:p>
-          <a:p>
-            <a:pPr algn="l">
-              <a:defRPr/>
-            </a:pPr>
-            <a:r>
-              <a:rPr lang="en-US" altLang="ko-KR" sz="1600" b="1" dirty="0">
-                <a:gradFill>
-                  <a:gsLst>
-                    <a:gs pos="0">
-                      <a:srgbClr val="404040"/>
-                    </a:gs>
-                    <a:gs pos="100000">
-                      <a:srgbClr val="404040"/>
-                    </a:gs>
-                  </a:gsLst>
-                  <a:lin ang="5400000" scaled="0"/>
-                </a:gradFill>
-                <a:latin typeface="나눔고딕" panose="020D0604000000000000" pitchFamily="50" charset="-127"/>
-                <a:ea typeface="나눔고딕 ExtraBold"/>
-              </a:rPr>
-              <a:t> </a:t>
+              <a:t>, </a:t>
+            </a:r>
+            <a:r>
+              <a:rPr lang="ko-KR" altLang="en-US" sz="1600" b="1" dirty="0" smtClean="0">
+                <a:gradFill>
+                  <a:gsLst>
+                    <a:gs pos="0">
+                      <a:srgbClr val="404040"/>
+                    </a:gs>
+                    <a:gs pos="100000">
+                      <a:srgbClr val="404040"/>
+                    </a:gs>
+                  </a:gsLst>
+                  <a:lin ang="5400000" scaled="0"/>
+                </a:gradFill>
+                <a:latin typeface="나눔고딕" panose="020D0604000000000000" pitchFamily="50" charset="-127"/>
+                <a:ea typeface="나눔고딕 ExtraBold"/>
+              </a:rPr>
+              <a:t>산도에 따라 레드와인인지 화이트와인인지 구분해 보자</a:t>
             </a:r>
             <a:r>
               <a:rPr lang="en-US" altLang="ko-KR" sz="1600" b="1" dirty="0" smtClean="0">
@@ -8165,403 +7433,7 @@
                 <a:latin typeface="나눔고딕" panose="020D0604000000000000" pitchFamily="50" charset="-127"/>
                 <a:ea typeface="나눔고딕 ExtraBold"/>
               </a:rPr>
-              <a:t>   </a:t>
-            </a:r>
-            <a:r>
-              <a:rPr lang="ko-KR" altLang="en-US" sz="1600" b="1" dirty="0" smtClean="0">
-                <a:gradFill>
-                  <a:gsLst>
-                    <a:gs pos="0">
-                      <a:srgbClr val="404040"/>
-                    </a:gs>
-                    <a:gs pos="100000">
-                      <a:srgbClr val="404040"/>
-                    </a:gs>
-                  </a:gsLst>
-                  <a:lin ang="5400000" scaled="0"/>
-                </a:gradFill>
-                <a:latin typeface="나눔고딕" panose="020D0604000000000000" pitchFamily="50" charset="-127"/>
-                <a:ea typeface="나눔고딕 ExtraBold"/>
-              </a:rPr>
-              <a:t>모델을 선언하고 시작되는 부분은 </a:t>
-            </a:r>
-            <a:r>
-              <a:rPr lang="ko-KR" altLang="en-US" sz="1600" b="1" dirty="0" err="1" smtClean="0">
-                <a:gradFill>
-                  <a:gsLst>
-                    <a:gs pos="0">
-                      <a:srgbClr val="404040"/>
-                    </a:gs>
-                    <a:gs pos="100000">
-                      <a:srgbClr val="404040"/>
-                    </a:gs>
-                  </a:gsLst>
-                  <a:lin ang="5400000" scaled="0"/>
-                </a:gradFill>
-                <a:latin typeface="나눔고딕" panose="020D0604000000000000" pitchFamily="50" charset="-127"/>
-                <a:ea typeface="나눔고딕 ExtraBold"/>
-              </a:rPr>
-              <a:t>딥러닝의</a:t>
-            </a:r>
-            <a:r>
-              <a:rPr lang="ko-KR" altLang="en-US" sz="1600" b="1" dirty="0" smtClean="0">
-                <a:gradFill>
-                  <a:gsLst>
-                    <a:gs pos="0">
-                      <a:srgbClr val="404040"/>
-                    </a:gs>
-                    <a:gs pos="100000">
-                      <a:srgbClr val="404040"/>
-                    </a:gs>
-                  </a:gsLst>
-                  <a:lin ang="5400000" scaled="0"/>
-                </a:gradFill>
-                <a:latin typeface="나눔고딕" panose="020D0604000000000000" pitchFamily="50" charset="-127"/>
-                <a:ea typeface="나눔고딕 ExtraBold"/>
-              </a:rPr>
-              <a:t> 구조를 짜고 층을 설정하는 부분</a:t>
-            </a:r>
-            <a:endParaRPr lang="en-US" altLang="ko-KR" sz="1600" b="1" dirty="0" smtClean="0">
-              <a:gradFill>
-                <a:gsLst>
-                  <a:gs pos="0">
-                    <a:srgbClr val="404040"/>
-                  </a:gs>
-                  <a:gs pos="100000">
-                    <a:srgbClr val="404040"/>
-                  </a:gs>
-                </a:gsLst>
-                <a:lin ang="5400000" scaled="0"/>
-              </a:gradFill>
-              <a:latin typeface="나눔고딕" panose="020D0604000000000000" pitchFamily="50" charset="-127"/>
-              <a:ea typeface="나눔고딕 ExtraBold"/>
-            </a:endParaRPr>
-          </a:p>
-          <a:p>
-            <a:pPr algn="l">
-              <a:defRPr/>
-            </a:pPr>
-            <a:r>
-              <a:rPr lang="en-US" altLang="ko-KR" sz="1600" b="1" dirty="0" smtClean="0">
-                <a:gradFill>
-                  <a:gsLst>
-                    <a:gs pos="0">
-                      <a:srgbClr val="404040"/>
-                    </a:gs>
-                    <a:gs pos="100000">
-                      <a:srgbClr val="404040"/>
-                    </a:gs>
-                  </a:gsLst>
-                  <a:lin ang="5400000" scaled="0"/>
-                </a:gradFill>
-                <a:latin typeface="나눔고딕" panose="020D0604000000000000" pitchFamily="50" charset="-127"/>
-                <a:ea typeface="나눔고딕 ExtraBold"/>
-              </a:rPr>
-              <a:t>  </a:t>
-            </a:r>
-          </a:p>
-          <a:p>
-            <a:pPr algn="l">
-              <a:defRPr/>
-            </a:pPr>
-            <a:r>
-              <a:rPr lang="en-US" altLang="ko-KR" sz="1600" b="1" dirty="0" smtClean="0">
-                <a:gradFill>
-                  <a:gsLst>
-                    <a:gs pos="0">
-                      <a:srgbClr val="404040"/>
-                    </a:gs>
-                    <a:gs pos="100000">
-                      <a:srgbClr val="404040"/>
-                    </a:gs>
-                  </a:gsLst>
-                  <a:lin ang="5400000" scaled="0"/>
-                </a:gradFill>
-                <a:latin typeface="나눔고딕" panose="020D0604000000000000" pitchFamily="50" charset="-127"/>
-                <a:ea typeface="나눔고딕 ExtraBold"/>
-              </a:rPr>
-              <a:t>2. </a:t>
-            </a:r>
-            <a:r>
-              <a:rPr lang="en-US" altLang="ko-KR" sz="1600" b="1" dirty="0" err="1" smtClean="0">
-                <a:gradFill>
-                  <a:gsLst>
-                    <a:gs pos="0">
-                      <a:srgbClr val="404040"/>
-                    </a:gs>
-                    <a:gs pos="100000">
-                      <a:srgbClr val="404040"/>
-                    </a:gs>
-                  </a:gsLst>
-                  <a:lin ang="5400000" scaled="0"/>
-                </a:gradFill>
-                <a:latin typeface="나눔고딕" panose="020D0604000000000000" pitchFamily="50" charset="-127"/>
-                <a:ea typeface="나눔고딕 ExtraBold"/>
-              </a:rPr>
-              <a:t>model.compile</a:t>
-            </a:r>
-            <a:r>
-              <a:rPr lang="en-US" altLang="ko-KR" sz="1600" b="1" dirty="0" smtClean="0">
-                <a:gradFill>
-                  <a:gsLst>
-                    <a:gs pos="0">
-                      <a:srgbClr val="404040"/>
-                    </a:gs>
-                    <a:gs pos="100000">
-                      <a:srgbClr val="404040"/>
-                    </a:gs>
-                  </a:gsLst>
-                  <a:lin ang="5400000" scaled="0"/>
-                </a:gradFill>
-                <a:latin typeface="나눔고딕" panose="020D0604000000000000" pitchFamily="50" charset="-127"/>
-                <a:ea typeface="나눔고딕 ExtraBold"/>
-              </a:rPr>
-              <a:t>()</a:t>
-            </a:r>
-          </a:p>
-          <a:p>
-            <a:pPr algn="l">
-              <a:defRPr/>
-            </a:pPr>
-            <a:r>
-              <a:rPr lang="en-US" altLang="ko-KR" sz="1600" b="1" dirty="0">
-                <a:gradFill>
-                  <a:gsLst>
-                    <a:gs pos="0">
-                      <a:srgbClr val="404040"/>
-                    </a:gs>
-                    <a:gs pos="100000">
-                      <a:srgbClr val="404040"/>
-                    </a:gs>
-                  </a:gsLst>
-                  <a:lin ang="5400000" scaled="0"/>
-                </a:gradFill>
-                <a:latin typeface="나눔고딕" panose="020D0604000000000000" pitchFamily="50" charset="-127"/>
-                <a:ea typeface="나눔고딕 ExtraBold"/>
-              </a:rPr>
-              <a:t> </a:t>
-            </a:r>
-            <a:r>
-              <a:rPr lang="en-US" altLang="ko-KR" sz="1600" b="1" dirty="0" smtClean="0">
-                <a:gradFill>
-                  <a:gsLst>
-                    <a:gs pos="0">
-                      <a:srgbClr val="404040"/>
-                    </a:gs>
-                    <a:gs pos="100000">
-                      <a:srgbClr val="404040"/>
-                    </a:gs>
-                  </a:gsLst>
-                  <a:lin ang="5400000" scaled="0"/>
-                </a:gradFill>
-                <a:latin typeface="나눔고딕" panose="020D0604000000000000" pitchFamily="50" charset="-127"/>
-                <a:ea typeface="나눔고딕 ExtraBold"/>
-              </a:rPr>
-              <a:t>   </a:t>
-            </a:r>
-            <a:r>
-              <a:rPr lang="ko-KR" altLang="en-US" sz="1600" b="1" dirty="0" smtClean="0">
-                <a:gradFill>
-                  <a:gsLst>
-                    <a:gs pos="0">
-                      <a:srgbClr val="404040"/>
-                    </a:gs>
-                    <a:gs pos="100000">
-                      <a:srgbClr val="404040"/>
-                    </a:gs>
-                  </a:gsLst>
-                  <a:lin ang="5400000" scaled="0"/>
-                </a:gradFill>
-                <a:latin typeface="나눔고딕" panose="020D0604000000000000" pitchFamily="50" charset="-127"/>
-                <a:ea typeface="나눔고딕 ExtraBold"/>
-              </a:rPr>
-              <a:t>위에서 정해진 </a:t>
-            </a:r>
-            <a:r>
-              <a:rPr lang="ko-KR" altLang="en-US" sz="1600" b="1" dirty="0">
-                <a:gradFill>
-                  <a:gsLst>
-                    <a:gs pos="0">
-                      <a:srgbClr val="404040"/>
-                    </a:gs>
-                    <a:gs pos="100000">
-                      <a:srgbClr val="404040"/>
-                    </a:gs>
-                  </a:gsLst>
-                  <a:lin ang="5400000" scaled="0"/>
-                </a:gradFill>
-                <a:latin typeface="나눔고딕" panose="020D0604000000000000" pitchFamily="50" charset="-127"/>
-                <a:ea typeface="나눔고딕 ExtraBold"/>
-              </a:rPr>
-              <a:t>모</a:t>
-            </a:r>
-            <a:r>
-              <a:rPr lang="ko-KR" altLang="en-US" sz="1600" b="1" dirty="0" smtClean="0">
-                <a:gradFill>
-                  <a:gsLst>
-                    <a:gs pos="0">
-                      <a:srgbClr val="404040"/>
-                    </a:gs>
-                    <a:gs pos="100000">
-                      <a:srgbClr val="404040"/>
-                    </a:gs>
-                  </a:gsLst>
-                  <a:lin ang="5400000" scaled="0"/>
-                </a:gradFill>
-                <a:latin typeface="나눔고딕" panose="020D0604000000000000" pitchFamily="50" charset="-127"/>
-                <a:ea typeface="나눔고딕 ExtraBold"/>
-              </a:rPr>
-              <a:t>델을 컴퓨터가 알아들을 수 있게끔 컴파일 하는 부분</a:t>
-            </a:r>
-            <a:endParaRPr lang="en-US" altLang="ko-KR" sz="1600" b="1" dirty="0" smtClean="0">
-              <a:gradFill>
-                <a:gsLst>
-                  <a:gs pos="0">
-                    <a:srgbClr val="404040"/>
-                  </a:gs>
-                  <a:gs pos="100000">
-                    <a:srgbClr val="404040"/>
-                  </a:gs>
-                </a:gsLst>
-                <a:lin ang="5400000" scaled="0"/>
-              </a:gradFill>
-              <a:latin typeface="나눔고딕" panose="020D0604000000000000" pitchFamily="50" charset="-127"/>
-              <a:ea typeface="나눔고딕 ExtraBold"/>
-            </a:endParaRPr>
-          </a:p>
-          <a:p>
-            <a:pPr algn="l">
-              <a:defRPr/>
-            </a:pPr>
-            <a:endParaRPr lang="en-US" altLang="ko-KR" sz="1600" b="1" dirty="0" smtClean="0">
-              <a:gradFill>
-                <a:gsLst>
-                  <a:gs pos="0">
-                    <a:srgbClr val="404040"/>
-                  </a:gs>
-                  <a:gs pos="100000">
-                    <a:srgbClr val="404040"/>
-                  </a:gs>
-                </a:gsLst>
-                <a:lin ang="5400000" scaled="0"/>
-              </a:gradFill>
-              <a:latin typeface="나눔고딕" panose="020D0604000000000000" pitchFamily="50" charset="-127"/>
-              <a:ea typeface="나눔고딕 ExtraBold"/>
-            </a:endParaRPr>
-          </a:p>
-          <a:p>
-            <a:pPr lvl="3" algn="l">
-              <a:defRPr/>
-            </a:pPr>
-            <a:r>
-              <a:rPr lang="en-US" altLang="ko-KR" sz="1600" b="1" dirty="0" smtClean="0">
-                <a:gradFill>
-                  <a:gsLst>
-                    <a:gs pos="0">
-                      <a:srgbClr val="404040"/>
-                    </a:gs>
-                    <a:gs pos="100000">
-                      <a:srgbClr val="404040"/>
-                    </a:gs>
-                  </a:gsLst>
-                  <a:lin ang="5400000" scaled="0"/>
-                </a:gradFill>
-                <a:latin typeface="나눔고딕" panose="020D0604000000000000" pitchFamily="50" charset="-127"/>
-                <a:ea typeface="나눔고딕 ExtraBold"/>
-              </a:rPr>
-              <a:t>3. </a:t>
-            </a:r>
-            <a:r>
-              <a:rPr lang="en-US" altLang="ko-KR" sz="1600" b="1" dirty="0" err="1" smtClean="0">
-                <a:gradFill>
-                  <a:gsLst>
-                    <a:gs pos="0">
-                      <a:srgbClr val="404040"/>
-                    </a:gs>
-                    <a:gs pos="100000">
-                      <a:srgbClr val="404040"/>
-                    </a:gs>
-                  </a:gsLst>
-                  <a:lin ang="5400000" scaled="0"/>
-                </a:gradFill>
-                <a:latin typeface="나눔고딕" panose="020D0604000000000000" pitchFamily="50" charset="-127"/>
-                <a:ea typeface="나눔고딕 ExtraBold"/>
-              </a:rPr>
-              <a:t>model.fit</a:t>
-            </a:r>
-            <a:endParaRPr lang="en-US" altLang="ko-KR" sz="1600" b="1" dirty="0" smtClean="0">
-              <a:gradFill>
-                <a:gsLst>
-                  <a:gs pos="0">
-                    <a:srgbClr val="404040"/>
-                  </a:gs>
-                  <a:gs pos="100000">
-                    <a:srgbClr val="404040"/>
-                  </a:gs>
-                </a:gsLst>
-                <a:lin ang="5400000" scaled="0"/>
-              </a:gradFill>
-              <a:latin typeface="나눔고딕" panose="020D0604000000000000" pitchFamily="50" charset="-127"/>
-              <a:ea typeface="나눔고딕 ExtraBold"/>
-            </a:endParaRPr>
-          </a:p>
-          <a:p>
-            <a:pPr lvl="3" algn="l">
-              <a:defRPr/>
-            </a:pPr>
-            <a:r>
-              <a:rPr lang="en-US" altLang="ko-KR" sz="1600" b="1" dirty="0">
-                <a:gradFill>
-                  <a:gsLst>
-                    <a:gs pos="0">
-                      <a:srgbClr val="404040"/>
-                    </a:gs>
-                    <a:gs pos="100000">
-                      <a:srgbClr val="404040"/>
-                    </a:gs>
-                  </a:gsLst>
-                  <a:lin ang="5400000" scaled="0"/>
-                </a:gradFill>
-                <a:latin typeface="나눔고딕" panose="020D0604000000000000" pitchFamily="50" charset="-127"/>
-                <a:ea typeface="나눔고딕 ExtraBold"/>
-              </a:rPr>
-              <a:t> </a:t>
-            </a:r>
-            <a:r>
-              <a:rPr lang="en-US" altLang="ko-KR" sz="1600" b="1" dirty="0" smtClean="0">
-                <a:gradFill>
-                  <a:gsLst>
-                    <a:gs pos="0">
-                      <a:srgbClr val="404040"/>
-                    </a:gs>
-                    <a:gs pos="100000">
-                      <a:srgbClr val="404040"/>
-                    </a:gs>
-                  </a:gsLst>
-                  <a:lin ang="5400000" scaled="0"/>
-                </a:gradFill>
-                <a:latin typeface="나눔고딕" panose="020D0604000000000000" pitchFamily="50" charset="-127"/>
-                <a:ea typeface="나눔고딕 ExtraBold"/>
-              </a:rPr>
-              <a:t>   </a:t>
-            </a:r>
-            <a:r>
-              <a:rPr lang="ko-KR" altLang="en-US" sz="1600" b="1" dirty="0" smtClean="0">
-                <a:gradFill>
-                  <a:gsLst>
-                    <a:gs pos="0">
-                      <a:srgbClr val="404040"/>
-                    </a:gs>
-                    <a:gs pos="100000">
-                      <a:srgbClr val="404040"/>
-                    </a:gs>
-                  </a:gsLst>
-                  <a:lin ang="5400000" scaled="0"/>
-                </a:gradFill>
-                <a:latin typeface="나눔고딕" panose="020D0604000000000000" pitchFamily="50" charset="-127"/>
-                <a:ea typeface="나눔고딕 ExtraBold"/>
-              </a:rPr>
-              <a:t>모델을 실제로 수행하는 부분</a:t>
+              <a:t>.</a:t>
             </a:r>
             <a:endParaRPr lang="en-US" altLang="ko-KR" sz="1600" b="1" dirty="0" smtClean="0">
               <a:gradFill>
@@ -8581,364 +7453,47 @@
           </a:p>
         </p:txBody>
       </p:sp>
-      <p:sp>
-        <p:nvSpPr>
-          <p:cNvPr id="6" name="텍스트 개체 틀 2"/>
-          <p:cNvSpPr txBox="1">
-            <a:spLocks/>
-          </p:cNvSpPr>
+      <p:pic>
+        <p:nvPicPr>
+          <p:cNvPr id="2050" name="Picture 2" descr="레드와인 화이트와인 이미지 검색결과&quot;"/>
+          <p:cNvPicPr>
+            <a:picLocks noChangeAspect="1" noChangeArrowheads="1"/>
+          </p:cNvPicPr>
           <p:nvPr/>
-        </p:nvSpPr>
-        <p:spPr>
+        </p:nvPicPr>
+        <p:blipFill>
+          <a:blip r:embed="rId3">
+            <a:extLst>
+              <a:ext uri="{28A0092B-C50C-407E-A947-70E740481C1C}">
+                <a14:useLocalDpi xmlns:a14="http://schemas.microsoft.com/office/drawing/2010/main" val="0"/>
+              </a:ext>
+            </a:extLst>
+          </a:blip>
+          <a:srcRect/>
+          <a:stretch>
+            <a:fillRect/>
+          </a:stretch>
+        </p:blipFill>
+        <p:spPr bwMode="auto">
           <a:xfrm>
-            <a:off x="251520" y="1700808"/>
-            <a:ext cx="8640960" cy="332399"/>
+            <a:off x="2507766" y="1512097"/>
+            <a:ext cx="3336305" cy="2990979"/>
           </a:xfrm>
           <a:prstGeom prst="rect">
             <a:avLst/>
           </a:prstGeom>
           <a:noFill/>
-          <a:ln w="9525">
-            <a:noFill/>
-            <a:miter lim="800000"/>
-            <a:headEnd/>
-            <a:tailEnd/>
-          </a:ln>
+          <a:extLst>
+            <a:ext uri="{909E8E84-426E-40DD-AFC4-6F175D3DCCD1}">
+              <a14:hiddenFill xmlns:a14="http://schemas.microsoft.com/office/drawing/2010/main">
+                <a:solidFill>
+                  <a:srgbClr val="FFFFFF"/>
+                </a:solidFill>
+              </a14:hiddenFill>
+            </a:ext>
+          </a:extLst>
         </p:spPr>
-        <p:txBody>
-          <a:bodyPr lIns="0" tIns="0" rIns="0" bIns="0">
-            <a:spAutoFit/>
-          </a:bodyPr>
-          <a:lstStyle>
-            <a:lvl1pPr marL="0" indent="0" algn="just" defTabSz="914400" rtl="0" eaLnBrk="1" fontAlgn="base" latinLnBrk="0" hangingPunct="1">
-              <a:lnSpc>
-                <a:spcPct val="120000"/>
-              </a:lnSpc>
-              <a:spcBef>
-                <a:spcPct val="0"/>
-              </a:spcBef>
-              <a:spcAft>
-                <a:spcPct val="0"/>
-              </a:spcAft>
-              <a:buFont typeface="Arial" charset="0"/>
-              <a:buNone/>
-              <a:tabLst/>
-              <a:defRPr kumimoji="1" lang="ko-KR" altLang="en-US" sz="1000" kern="1200" smtClean="0">
-                <a:gradFill>
-                  <a:gsLst>
-                    <a:gs pos="0">
-                      <a:schemeClr val="tx1">
-                        <a:lumMod val="75000"/>
-                        <a:lumOff val="25000"/>
-                      </a:schemeClr>
-                    </a:gs>
-                    <a:gs pos="100000">
-                      <a:schemeClr val="tx1">
-                        <a:lumMod val="75000"/>
-                        <a:lumOff val="25000"/>
-                      </a:schemeClr>
-                    </a:gs>
-                  </a:gsLst>
-                  <a:lin ang="5400000" scaled="0"/>
-                </a:gradFill>
-                <a:latin typeface="KoPub돋움체 Light" panose="02020603020101020101" pitchFamily="18" charset="-127"/>
-                <a:ea typeface="KoPub돋움체 Light" panose="02020603020101020101" pitchFamily="18" charset="-127"/>
-                <a:cs typeface="+mn-cs"/>
-              </a:defRPr>
-            </a:lvl1pPr>
-            <a:lvl2pPr marL="0" indent="0" algn="just" defTabSz="914400" rtl="0" eaLnBrk="1" fontAlgn="base" latinLnBrk="0" hangingPunct="1">
-              <a:lnSpc>
-                <a:spcPct val="120000"/>
-              </a:lnSpc>
-              <a:spcBef>
-                <a:spcPct val="0"/>
-              </a:spcBef>
-              <a:spcAft>
-                <a:spcPct val="0"/>
-              </a:spcAft>
-              <a:buFont typeface="Arial" charset="0"/>
-              <a:buNone/>
-              <a:tabLst/>
-              <a:defRPr kumimoji="1" lang="ko-KR" altLang="en-US" sz="1000" kern="1200" smtClean="0">
-                <a:gradFill>
-                  <a:gsLst>
-                    <a:gs pos="0">
-                      <a:schemeClr val="tx1">
-                        <a:lumMod val="75000"/>
-                        <a:lumOff val="25000"/>
-                      </a:schemeClr>
-                    </a:gs>
-                    <a:gs pos="100000">
-                      <a:schemeClr val="tx1">
-                        <a:lumMod val="75000"/>
-                        <a:lumOff val="25000"/>
-                      </a:schemeClr>
-                    </a:gs>
-                  </a:gsLst>
-                  <a:lin ang="5400000" scaled="0"/>
-                </a:gradFill>
-                <a:latin typeface="KoPub돋움체 Light" panose="02020603020101020101" pitchFamily="18" charset="-127"/>
-                <a:ea typeface="KoPub돋움체 Light" panose="02020603020101020101" pitchFamily="18" charset="-127"/>
-                <a:cs typeface="+mn-cs"/>
-              </a:defRPr>
-            </a:lvl2pPr>
-            <a:lvl3pPr marL="0" indent="0" algn="just" defTabSz="914400" rtl="0" eaLnBrk="1" fontAlgn="base" latinLnBrk="0" hangingPunct="1">
-              <a:lnSpc>
-                <a:spcPct val="120000"/>
-              </a:lnSpc>
-              <a:spcBef>
-                <a:spcPct val="0"/>
-              </a:spcBef>
-              <a:spcAft>
-                <a:spcPct val="0"/>
-              </a:spcAft>
-              <a:buFont typeface="Arial" charset="0"/>
-              <a:buNone/>
-              <a:tabLst/>
-              <a:defRPr kumimoji="1" lang="ko-KR" altLang="en-US" sz="1000" kern="1200" smtClean="0">
-                <a:gradFill>
-                  <a:gsLst>
-                    <a:gs pos="0">
-                      <a:schemeClr val="tx1">
-                        <a:lumMod val="75000"/>
-                        <a:lumOff val="25000"/>
-                      </a:schemeClr>
-                    </a:gs>
-                    <a:gs pos="100000">
-                      <a:schemeClr val="tx1">
-                        <a:lumMod val="75000"/>
-                        <a:lumOff val="25000"/>
-                      </a:schemeClr>
-                    </a:gs>
-                  </a:gsLst>
-                  <a:lin ang="5400000" scaled="0"/>
-                </a:gradFill>
-                <a:latin typeface="KoPub돋움체 Light" panose="02020603020101020101" pitchFamily="18" charset="-127"/>
-                <a:ea typeface="KoPub돋움체 Light" panose="02020603020101020101" pitchFamily="18" charset="-127"/>
-                <a:cs typeface="+mn-cs"/>
-              </a:defRPr>
-            </a:lvl3pPr>
-            <a:lvl4pPr marL="0" indent="0" algn="just" defTabSz="914400" rtl="0" eaLnBrk="1" fontAlgn="base" latinLnBrk="0" hangingPunct="1">
-              <a:lnSpc>
-                <a:spcPct val="120000"/>
-              </a:lnSpc>
-              <a:spcBef>
-                <a:spcPct val="0"/>
-              </a:spcBef>
-              <a:spcAft>
-                <a:spcPct val="0"/>
-              </a:spcAft>
-              <a:buFont typeface="Arial" charset="0"/>
-              <a:buNone/>
-              <a:tabLst/>
-              <a:defRPr kumimoji="1" lang="ko-KR" altLang="en-US" sz="1000" kern="1200" smtClean="0">
-                <a:gradFill>
-                  <a:gsLst>
-                    <a:gs pos="0">
-                      <a:schemeClr val="tx1">
-                        <a:lumMod val="75000"/>
-                        <a:lumOff val="25000"/>
-                      </a:schemeClr>
-                    </a:gs>
-                    <a:gs pos="100000">
-                      <a:schemeClr val="tx1">
-                        <a:lumMod val="75000"/>
-                        <a:lumOff val="25000"/>
-                      </a:schemeClr>
-                    </a:gs>
-                  </a:gsLst>
-                  <a:lin ang="5400000" scaled="0"/>
-                </a:gradFill>
-                <a:latin typeface="KoPub돋움체 Light" panose="02020603020101020101" pitchFamily="18" charset="-127"/>
-                <a:ea typeface="KoPub돋움체 Light" panose="02020603020101020101" pitchFamily="18" charset="-127"/>
-                <a:cs typeface="+mn-cs"/>
-              </a:defRPr>
-            </a:lvl4pPr>
-            <a:lvl5pPr marL="0" indent="0" algn="just" defTabSz="914400" rtl="0" eaLnBrk="1" fontAlgn="base" latinLnBrk="0" hangingPunct="1">
-              <a:lnSpc>
-                <a:spcPct val="120000"/>
-              </a:lnSpc>
-              <a:spcBef>
-                <a:spcPct val="0"/>
-              </a:spcBef>
-              <a:spcAft>
-                <a:spcPct val="0"/>
-              </a:spcAft>
-              <a:buFont typeface="Arial" charset="0"/>
-              <a:buNone/>
-              <a:tabLst/>
-              <a:defRPr kumimoji="1" lang="ko-KR" altLang="en-US" sz="1000" kern="1200">
-                <a:gradFill>
-                  <a:gsLst>
-                    <a:gs pos="0">
-                      <a:schemeClr val="tx1">
-                        <a:lumMod val="75000"/>
-                        <a:lumOff val="25000"/>
-                      </a:schemeClr>
-                    </a:gs>
-                    <a:gs pos="100000">
-                      <a:schemeClr val="tx1">
-                        <a:lumMod val="75000"/>
-                        <a:lumOff val="25000"/>
-                      </a:schemeClr>
-                    </a:gs>
-                  </a:gsLst>
-                  <a:lin ang="5400000" scaled="0"/>
-                </a:gradFill>
-                <a:latin typeface="KoPub돋움체 Light" panose="02020603020101020101" pitchFamily="18" charset="-127"/>
-                <a:ea typeface="KoPub돋움체 Light" panose="02020603020101020101" pitchFamily="18" charset="-127"/>
-                <a:cs typeface="+mn-cs"/>
-              </a:defRPr>
-            </a:lvl5pPr>
-            <a:lvl6pPr marL="2514600" indent="-228600" algn="l" defTabSz="914400" rtl="0" eaLnBrk="1" latinLnBrk="1" hangingPunct="1">
-              <a:lnSpc>
-                <a:spcPct val="90000"/>
-              </a:lnSpc>
-              <a:spcBef>
-                <a:spcPts val="500"/>
-              </a:spcBef>
-              <a:buFont typeface="Arial" panose="020B0604020202020204" pitchFamily="34" charset="0"/>
-              <a:buChar char="•"/>
-              <a:defRPr sz="1800" kern="1200">
-                <a:solidFill>
-                  <a:schemeClr val="tx1"/>
-                </a:solidFill>
-                <a:latin typeface="+mn-lt"/>
-                <a:ea typeface="+mn-ea"/>
-                <a:cs typeface="+mn-cs"/>
-              </a:defRPr>
-            </a:lvl6pPr>
-            <a:lvl7pPr marL="2971800" indent="-228600" algn="l" defTabSz="914400" rtl="0" eaLnBrk="1" latinLnBrk="1" hangingPunct="1">
-              <a:lnSpc>
-                <a:spcPct val="90000"/>
-              </a:lnSpc>
-              <a:spcBef>
-                <a:spcPts val="500"/>
-              </a:spcBef>
-              <a:buFont typeface="Arial" panose="020B0604020202020204" pitchFamily="34" charset="0"/>
-              <a:buChar char="•"/>
-              <a:defRPr sz="1800" kern="1200">
-                <a:solidFill>
-                  <a:schemeClr val="tx1"/>
-                </a:solidFill>
-                <a:latin typeface="+mn-lt"/>
-                <a:ea typeface="+mn-ea"/>
-                <a:cs typeface="+mn-cs"/>
-              </a:defRPr>
-            </a:lvl7pPr>
-            <a:lvl8pPr marL="3429000" indent="-228600" algn="l" defTabSz="914400" rtl="0" eaLnBrk="1" latinLnBrk="1" hangingPunct="1">
-              <a:lnSpc>
-                <a:spcPct val="90000"/>
-              </a:lnSpc>
-              <a:spcBef>
-                <a:spcPts val="500"/>
-              </a:spcBef>
-              <a:buFont typeface="Arial" panose="020B0604020202020204" pitchFamily="34" charset="0"/>
-              <a:buChar char="•"/>
-              <a:defRPr sz="1800" kern="1200">
-                <a:solidFill>
-                  <a:schemeClr val="tx1"/>
-                </a:solidFill>
-                <a:latin typeface="+mn-lt"/>
-                <a:ea typeface="+mn-ea"/>
-                <a:cs typeface="+mn-cs"/>
-              </a:defRPr>
-            </a:lvl8pPr>
-            <a:lvl9pPr marL="3886200" indent="-228600" algn="l" defTabSz="914400" rtl="0" eaLnBrk="1" latinLnBrk="1" hangingPunct="1">
-              <a:lnSpc>
-                <a:spcPct val="90000"/>
-              </a:lnSpc>
-              <a:spcBef>
-                <a:spcPts val="500"/>
-              </a:spcBef>
-              <a:buFont typeface="Arial" panose="020B0604020202020204" pitchFamily="34" charset="0"/>
-              <a:buChar char="•"/>
-              <a:defRPr sz="1800" kern="1200">
-                <a:solidFill>
-                  <a:schemeClr val="tx1"/>
-                </a:solidFill>
-                <a:latin typeface="+mn-lt"/>
-                <a:ea typeface="+mn-ea"/>
-                <a:cs typeface="+mn-cs"/>
-              </a:defRPr>
-            </a:lvl9pPr>
-          </a:lstStyle>
-          <a:p>
-            <a:pPr algn="l">
-              <a:defRPr/>
-            </a:pPr>
-            <a:r>
-              <a:rPr lang="ko-KR" altLang="en-US" sz="1800" b="1" dirty="0" smtClean="0">
-                <a:gradFill>
-                  <a:gsLst>
-                    <a:gs pos="0">
-                      <a:srgbClr val="404040"/>
-                    </a:gs>
-                    <a:gs pos="100000">
-                      <a:srgbClr val="404040"/>
-                    </a:gs>
-                  </a:gsLst>
-                  <a:lin ang="5400000" scaled="0"/>
-                </a:gradFill>
-                <a:latin typeface="나눔고딕" panose="020D0604000000000000" pitchFamily="50" charset="-127"/>
-                <a:ea typeface="나눔고딕 ExtraBold"/>
-              </a:rPr>
-              <a:t>목표</a:t>
-            </a:r>
-            <a:r>
-              <a:rPr lang="en-US" altLang="ko-KR" sz="1800" b="1" dirty="0" smtClean="0">
-                <a:gradFill>
-                  <a:gsLst>
-                    <a:gs pos="0">
-                      <a:srgbClr val="404040"/>
-                    </a:gs>
-                    <a:gs pos="100000">
-                      <a:srgbClr val="404040"/>
-                    </a:gs>
-                  </a:gsLst>
-                  <a:lin ang="5400000" scaled="0"/>
-                </a:gradFill>
-                <a:latin typeface="나눔고딕" panose="020D0604000000000000" pitchFamily="50" charset="-127"/>
-                <a:ea typeface="나눔고딕 ExtraBold"/>
-              </a:rPr>
-              <a:t>: </a:t>
-            </a:r>
-            <a:r>
-              <a:rPr lang="ko-KR" altLang="en-US" sz="1800" b="1" dirty="0" smtClean="0">
-                <a:gradFill>
-                  <a:gsLst>
-                    <a:gs pos="0">
-                      <a:srgbClr val="404040"/>
-                    </a:gs>
-                    <a:gs pos="100000">
-                      <a:srgbClr val="404040"/>
-                    </a:gs>
-                  </a:gsLst>
-                  <a:lin ang="5400000" scaled="0"/>
-                </a:gradFill>
-                <a:latin typeface="나눔고딕" panose="020D0604000000000000" pitchFamily="50" charset="-127"/>
-                <a:ea typeface="나눔고딕 ExtraBold"/>
-              </a:rPr>
-              <a:t>폐암 수술 환자의 생존율 예측하기</a:t>
-            </a:r>
-            <a:endParaRPr lang="en-US" altLang="ko-KR" sz="1800" b="1" dirty="0" smtClean="0">
-              <a:gradFill>
-                <a:gsLst>
-                  <a:gs pos="0">
-                    <a:srgbClr val="404040"/>
-                  </a:gs>
-                  <a:gs pos="100000">
-                    <a:srgbClr val="404040"/>
-                  </a:gs>
-                </a:gsLst>
-                <a:lin ang="5400000" scaled="0"/>
-              </a:gradFill>
-              <a:latin typeface="나눔고딕" panose="020D0604000000000000" pitchFamily="50" charset="-127"/>
-              <a:ea typeface="나눔고딕 ExtraBold"/>
-            </a:endParaRPr>
-          </a:p>
-        </p:txBody>
-      </p:sp>
+      </p:pic>
     </p:spTree>
     <p:extLst>
       <p:ext uri="{BB962C8B-B14F-4D97-AF65-F5344CB8AC3E}">
@@ -8978,6 +7533,2127 @@
       </p:grpSpPr>
       <p:sp>
         <p:nvSpPr>
+          <p:cNvPr id="10242" name="텍스트 개체 틀 3"/>
+          <p:cNvSpPr>
+            <a:spLocks noGrp="1" noChangeArrowheads="1"/>
+          </p:cNvSpPr>
+          <p:nvPr>
+            <p:ph type="body" sz="quarter" idx="4294967295"/>
+          </p:nvPr>
+        </p:nvSpPr>
+        <p:spPr bwMode="auto">
+          <a:xfrm>
+            <a:off x="755650" y="188913"/>
+            <a:ext cx="6840538" cy="522287"/>
+          </a:xfrm>
+          <a:prstGeom prst="rect">
+            <a:avLst/>
+          </a:prstGeom>
+          <a:noFill/>
+          <a:extLst>
+            <a:ext uri="{909E8E84-426E-40DD-AFC4-6F175D3DCCD1}">
+              <a14:hiddenFill xmlns:a14="http://schemas.microsoft.com/office/drawing/2010/main">
+                <a:solidFill>
+                  <a:srgbClr val="FFFFFF"/>
+                </a:solidFill>
+              </a14:hiddenFill>
+            </a:ext>
+            <a:ext uri="{91240B29-F687-4F45-9708-019B960494DF}">
+              <a14:hiddenLine xmlns:a14="http://schemas.microsoft.com/office/drawing/2010/main" w="9525">
+                <a:solidFill>
+                  <a:srgbClr val="000000"/>
+                </a:solidFill>
+                <a:miter lim="800000"/>
+                <a:headEnd/>
+                <a:tailEnd/>
+              </a14:hiddenLine>
+            </a:ext>
+          </a:extLst>
+        </p:spPr>
+        <p:txBody>
+          <a:bodyPr/>
+          <a:lstStyle/>
+          <a:p>
+            <a:pPr marL="0" indent="0">
+              <a:buFontTx/>
+              <a:buNone/>
+            </a:pPr>
+            <a:r>
+              <a:rPr lang="en-US" altLang="ko-KR" sz="2800" dirty="0" smtClean="0">
+                <a:latin typeface="나눔고딕 ExtraBold" panose="020D0904000000000000" pitchFamily="50" charset="-127"/>
+                <a:ea typeface="나눔고딕 ExtraBold" panose="020D0904000000000000" pitchFamily="50" charset="-127"/>
+              </a:rPr>
+              <a:t>4. </a:t>
+            </a:r>
+            <a:r>
+              <a:rPr lang="ko-KR" altLang="en-US" sz="2800" dirty="0" smtClean="0">
+                <a:latin typeface="나눔고딕 ExtraBold" panose="020D0904000000000000" pitchFamily="50" charset="-127"/>
+                <a:ea typeface="나눔고딕 ExtraBold" panose="020D0904000000000000" pitchFamily="50" charset="-127"/>
+              </a:rPr>
+              <a:t>베스트 모델</a:t>
+            </a:r>
+          </a:p>
+        </p:txBody>
+      </p:sp>
+      <p:sp>
+        <p:nvSpPr>
+          <p:cNvPr id="3" name="텍스트 개체 틀 2"/>
+          <p:cNvSpPr txBox="1">
+            <a:spLocks/>
+          </p:cNvSpPr>
+          <p:nvPr/>
+        </p:nvSpPr>
+        <p:spPr>
+          <a:xfrm>
+            <a:off x="251520" y="908720"/>
+            <a:ext cx="8640960" cy="338554"/>
+          </a:xfrm>
+          <a:prstGeom prst="rect">
+            <a:avLst/>
+          </a:prstGeom>
+          <a:noFill/>
+          <a:ln w="9525">
+            <a:noFill/>
+            <a:miter lim="800000"/>
+            <a:headEnd/>
+            <a:tailEnd/>
+          </a:ln>
+        </p:spPr>
+        <p:txBody>
+          <a:bodyPr lIns="0" tIns="0" rIns="0" bIns="0">
+            <a:spAutoFit/>
+          </a:bodyPr>
+          <a:lstStyle>
+            <a:lvl1pPr marL="0" indent="0" algn="just" defTabSz="914400" rtl="0" eaLnBrk="1" fontAlgn="base" latinLnBrk="0" hangingPunct="1">
+              <a:lnSpc>
+                <a:spcPct val="120000"/>
+              </a:lnSpc>
+              <a:spcBef>
+                <a:spcPct val="0"/>
+              </a:spcBef>
+              <a:spcAft>
+                <a:spcPct val="0"/>
+              </a:spcAft>
+              <a:buFont typeface="Arial" charset="0"/>
+              <a:buNone/>
+              <a:tabLst/>
+              <a:defRPr kumimoji="1" lang="ko-KR" altLang="en-US" sz="1000" kern="1200" smtClean="0">
+                <a:gradFill>
+                  <a:gsLst>
+                    <a:gs pos="0">
+                      <a:schemeClr val="tx1">
+                        <a:lumMod val="75000"/>
+                        <a:lumOff val="25000"/>
+                      </a:schemeClr>
+                    </a:gs>
+                    <a:gs pos="100000">
+                      <a:schemeClr val="tx1">
+                        <a:lumMod val="75000"/>
+                        <a:lumOff val="25000"/>
+                      </a:schemeClr>
+                    </a:gs>
+                  </a:gsLst>
+                  <a:lin ang="5400000" scaled="0"/>
+                </a:gradFill>
+                <a:latin typeface="KoPub돋움체 Light" panose="02020603020101020101" pitchFamily="18" charset="-127"/>
+                <a:ea typeface="KoPub돋움체 Light" panose="02020603020101020101" pitchFamily="18" charset="-127"/>
+                <a:cs typeface="+mn-cs"/>
+              </a:defRPr>
+            </a:lvl1pPr>
+            <a:lvl2pPr marL="0" indent="0" algn="just" defTabSz="914400" rtl="0" eaLnBrk="1" fontAlgn="base" latinLnBrk="0" hangingPunct="1">
+              <a:lnSpc>
+                <a:spcPct val="120000"/>
+              </a:lnSpc>
+              <a:spcBef>
+                <a:spcPct val="0"/>
+              </a:spcBef>
+              <a:spcAft>
+                <a:spcPct val="0"/>
+              </a:spcAft>
+              <a:buFont typeface="Arial" charset="0"/>
+              <a:buNone/>
+              <a:tabLst/>
+              <a:defRPr kumimoji="1" lang="ko-KR" altLang="en-US" sz="1000" kern="1200" smtClean="0">
+                <a:gradFill>
+                  <a:gsLst>
+                    <a:gs pos="0">
+                      <a:schemeClr val="tx1">
+                        <a:lumMod val="75000"/>
+                        <a:lumOff val="25000"/>
+                      </a:schemeClr>
+                    </a:gs>
+                    <a:gs pos="100000">
+                      <a:schemeClr val="tx1">
+                        <a:lumMod val="75000"/>
+                        <a:lumOff val="25000"/>
+                      </a:schemeClr>
+                    </a:gs>
+                  </a:gsLst>
+                  <a:lin ang="5400000" scaled="0"/>
+                </a:gradFill>
+                <a:latin typeface="KoPub돋움체 Light" panose="02020603020101020101" pitchFamily="18" charset="-127"/>
+                <a:ea typeface="KoPub돋움체 Light" panose="02020603020101020101" pitchFamily="18" charset="-127"/>
+                <a:cs typeface="+mn-cs"/>
+              </a:defRPr>
+            </a:lvl2pPr>
+            <a:lvl3pPr marL="0" indent="0" algn="just" defTabSz="914400" rtl="0" eaLnBrk="1" fontAlgn="base" latinLnBrk="0" hangingPunct="1">
+              <a:lnSpc>
+                <a:spcPct val="120000"/>
+              </a:lnSpc>
+              <a:spcBef>
+                <a:spcPct val="0"/>
+              </a:spcBef>
+              <a:spcAft>
+                <a:spcPct val="0"/>
+              </a:spcAft>
+              <a:buFont typeface="Arial" charset="0"/>
+              <a:buNone/>
+              <a:tabLst/>
+              <a:defRPr kumimoji="1" lang="ko-KR" altLang="en-US" sz="1000" kern="1200" smtClean="0">
+                <a:gradFill>
+                  <a:gsLst>
+                    <a:gs pos="0">
+                      <a:schemeClr val="tx1">
+                        <a:lumMod val="75000"/>
+                        <a:lumOff val="25000"/>
+                      </a:schemeClr>
+                    </a:gs>
+                    <a:gs pos="100000">
+                      <a:schemeClr val="tx1">
+                        <a:lumMod val="75000"/>
+                        <a:lumOff val="25000"/>
+                      </a:schemeClr>
+                    </a:gs>
+                  </a:gsLst>
+                  <a:lin ang="5400000" scaled="0"/>
+                </a:gradFill>
+                <a:latin typeface="KoPub돋움체 Light" panose="02020603020101020101" pitchFamily="18" charset="-127"/>
+                <a:ea typeface="KoPub돋움체 Light" panose="02020603020101020101" pitchFamily="18" charset="-127"/>
+                <a:cs typeface="+mn-cs"/>
+              </a:defRPr>
+            </a:lvl3pPr>
+            <a:lvl4pPr marL="0" indent="0" algn="just" defTabSz="914400" rtl="0" eaLnBrk="1" fontAlgn="base" latinLnBrk="0" hangingPunct="1">
+              <a:lnSpc>
+                <a:spcPct val="120000"/>
+              </a:lnSpc>
+              <a:spcBef>
+                <a:spcPct val="0"/>
+              </a:spcBef>
+              <a:spcAft>
+                <a:spcPct val="0"/>
+              </a:spcAft>
+              <a:buFont typeface="Arial" charset="0"/>
+              <a:buNone/>
+              <a:tabLst/>
+              <a:defRPr kumimoji="1" lang="ko-KR" altLang="en-US" sz="1000" kern="1200" smtClean="0">
+                <a:gradFill>
+                  <a:gsLst>
+                    <a:gs pos="0">
+                      <a:schemeClr val="tx1">
+                        <a:lumMod val="75000"/>
+                        <a:lumOff val="25000"/>
+                      </a:schemeClr>
+                    </a:gs>
+                    <a:gs pos="100000">
+                      <a:schemeClr val="tx1">
+                        <a:lumMod val="75000"/>
+                        <a:lumOff val="25000"/>
+                      </a:schemeClr>
+                    </a:gs>
+                  </a:gsLst>
+                  <a:lin ang="5400000" scaled="0"/>
+                </a:gradFill>
+                <a:latin typeface="KoPub돋움체 Light" panose="02020603020101020101" pitchFamily="18" charset="-127"/>
+                <a:ea typeface="KoPub돋움체 Light" panose="02020603020101020101" pitchFamily="18" charset="-127"/>
+                <a:cs typeface="+mn-cs"/>
+              </a:defRPr>
+            </a:lvl4pPr>
+            <a:lvl5pPr marL="0" indent="0" algn="just" defTabSz="914400" rtl="0" eaLnBrk="1" fontAlgn="base" latinLnBrk="0" hangingPunct="1">
+              <a:lnSpc>
+                <a:spcPct val="120000"/>
+              </a:lnSpc>
+              <a:spcBef>
+                <a:spcPct val="0"/>
+              </a:spcBef>
+              <a:spcAft>
+                <a:spcPct val="0"/>
+              </a:spcAft>
+              <a:buFont typeface="Arial" charset="0"/>
+              <a:buNone/>
+              <a:tabLst/>
+              <a:defRPr kumimoji="1" lang="ko-KR" altLang="en-US" sz="1000" kern="1200">
+                <a:gradFill>
+                  <a:gsLst>
+                    <a:gs pos="0">
+                      <a:schemeClr val="tx1">
+                        <a:lumMod val="75000"/>
+                        <a:lumOff val="25000"/>
+                      </a:schemeClr>
+                    </a:gs>
+                    <a:gs pos="100000">
+                      <a:schemeClr val="tx1">
+                        <a:lumMod val="75000"/>
+                        <a:lumOff val="25000"/>
+                      </a:schemeClr>
+                    </a:gs>
+                  </a:gsLst>
+                  <a:lin ang="5400000" scaled="0"/>
+                </a:gradFill>
+                <a:latin typeface="KoPub돋움체 Light" panose="02020603020101020101" pitchFamily="18" charset="-127"/>
+                <a:ea typeface="KoPub돋움체 Light" panose="02020603020101020101" pitchFamily="18" charset="-127"/>
+                <a:cs typeface="+mn-cs"/>
+              </a:defRPr>
+            </a:lvl5pPr>
+            <a:lvl6pPr marL="2514600" indent="-228600" algn="l" defTabSz="914400" rtl="0" eaLnBrk="1" latinLnBrk="1" hangingPunct="1">
+              <a:lnSpc>
+                <a:spcPct val="90000"/>
+              </a:lnSpc>
+              <a:spcBef>
+                <a:spcPts val="500"/>
+              </a:spcBef>
+              <a:buFont typeface="Arial" panose="020B0604020202020204" pitchFamily="34" charset="0"/>
+              <a:buChar char="•"/>
+              <a:defRPr sz="1800" kern="1200">
+                <a:solidFill>
+                  <a:schemeClr val="tx1"/>
+                </a:solidFill>
+                <a:latin typeface="+mn-lt"/>
+                <a:ea typeface="+mn-ea"/>
+                <a:cs typeface="+mn-cs"/>
+              </a:defRPr>
+            </a:lvl6pPr>
+            <a:lvl7pPr marL="2971800" indent="-228600" algn="l" defTabSz="914400" rtl="0" eaLnBrk="1" latinLnBrk="1" hangingPunct="1">
+              <a:lnSpc>
+                <a:spcPct val="90000"/>
+              </a:lnSpc>
+              <a:spcBef>
+                <a:spcPts val="500"/>
+              </a:spcBef>
+              <a:buFont typeface="Arial" panose="020B0604020202020204" pitchFamily="34" charset="0"/>
+              <a:buChar char="•"/>
+              <a:defRPr sz="1800" kern="1200">
+                <a:solidFill>
+                  <a:schemeClr val="tx1"/>
+                </a:solidFill>
+                <a:latin typeface="+mn-lt"/>
+                <a:ea typeface="+mn-ea"/>
+                <a:cs typeface="+mn-cs"/>
+              </a:defRPr>
+            </a:lvl7pPr>
+            <a:lvl8pPr marL="3429000" indent="-228600" algn="l" defTabSz="914400" rtl="0" eaLnBrk="1" latinLnBrk="1" hangingPunct="1">
+              <a:lnSpc>
+                <a:spcPct val="90000"/>
+              </a:lnSpc>
+              <a:spcBef>
+                <a:spcPts val="500"/>
+              </a:spcBef>
+              <a:buFont typeface="Arial" panose="020B0604020202020204" pitchFamily="34" charset="0"/>
+              <a:buChar char="•"/>
+              <a:defRPr sz="1800" kern="1200">
+                <a:solidFill>
+                  <a:schemeClr val="tx1"/>
+                </a:solidFill>
+                <a:latin typeface="+mn-lt"/>
+                <a:ea typeface="+mn-ea"/>
+                <a:cs typeface="+mn-cs"/>
+              </a:defRPr>
+            </a:lvl8pPr>
+            <a:lvl9pPr marL="3886200" indent="-228600" algn="l" defTabSz="914400" rtl="0" eaLnBrk="1" latinLnBrk="1" hangingPunct="1">
+              <a:lnSpc>
+                <a:spcPct val="90000"/>
+              </a:lnSpc>
+              <a:spcBef>
+                <a:spcPts val="500"/>
+              </a:spcBef>
+              <a:buFont typeface="Arial" panose="020B0604020202020204" pitchFamily="34" charset="0"/>
+              <a:buChar char="•"/>
+              <a:defRPr sz="1800" kern="1200">
+                <a:solidFill>
+                  <a:schemeClr val="tx1"/>
+                </a:solidFill>
+                <a:latin typeface="+mn-lt"/>
+                <a:ea typeface="+mn-ea"/>
+                <a:cs typeface="+mn-cs"/>
+              </a:defRPr>
+            </a:lvl9pPr>
+          </a:lstStyle>
+          <a:p>
+            <a:pPr algn="l">
+              <a:defRPr/>
+            </a:pPr>
+            <a:r>
+              <a:rPr lang="ko-KR" altLang="en-US" sz="2000" b="1" dirty="0" smtClean="0">
+                <a:gradFill>
+                  <a:gsLst>
+                    <a:gs pos="0">
+                      <a:srgbClr val="404040"/>
+                    </a:gs>
+                    <a:gs pos="100000">
+                      <a:srgbClr val="404040"/>
+                    </a:gs>
+                  </a:gsLst>
+                  <a:lin ang="5400000" scaled="0"/>
+                </a:gradFill>
+                <a:latin typeface="나눔고딕" panose="020D0604000000000000" pitchFamily="50" charset="-127"/>
+                <a:ea typeface="나눔고딕 ExtraBold"/>
+              </a:rPr>
+              <a:t>와인의 종류 예측</a:t>
+            </a:r>
+            <a:endParaRPr sz="2000" b="1" dirty="0">
+              <a:gradFill>
+                <a:gsLst>
+                  <a:gs pos="0">
+                    <a:srgbClr val="404040"/>
+                  </a:gs>
+                  <a:gs pos="100000">
+                    <a:srgbClr val="404040"/>
+                  </a:gs>
+                </a:gsLst>
+                <a:lin ang="5400000" scaled="0"/>
+              </a:gradFill>
+              <a:latin typeface="나눔고딕" panose="020D0604000000000000" pitchFamily="50" charset="-127"/>
+              <a:ea typeface="나눔고딕 ExtraBold"/>
+            </a:endParaRPr>
+          </a:p>
+        </p:txBody>
+      </p:sp>
+      <p:pic>
+        <p:nvPicPr>
+          <p:cNvPr id="4" name="그림 3"/>
+          <p:cNvPicPr>
+            <a:picLocks noChangeAspect="1"/>
+          </p:cNvPicPr>
+          <p:nvPr/>
+        </p:nvPicPr>
+        <p:blipFill>
+          <a:blip r:embed="rId3"/>
+          <a:stretch>
+            <a:fillRect/>
+          </a:stretch>
+        </p:blipFill>
+        <p:spPr>
+          <a:xfrm>
+            <a:off x="971805" y="1628800"/>
+            <a:ext cx="7272471" cy="2520280"/>
+          </a:xfrm>
+          <a:prstGeom prst="rect">
+            <a:avLst/>
+          </a:prstGeom>
+        </p:spPr>
+      </p:pic>
+      <p:sp>
+        <p:nvSpPr>
+          <p:cNvPr id="10" name="직사각형 9"/>
+          <p:cNvSpPr/>
+          <p:nvPr/>
+        </p:nvSpPr>
+        <p:spPr>
+          <a:xfrm>
+            <a:off x="755650" y="4315427"/>
+            <a:ext cx="7704782" cy="2308324"/>
+          </a:xfrm>
+          <a:prstGeom prst="rect">
+            <a:avLst/>
+          </a:prstGeom>
+        </p:spPr>
+        <p:txBody>
+          <a:bodyPr wrap="square">
+            <a:spAutoFit/>
+          </a:bodyPr>
+          <a:lstStyle/>
+          <a:p>
+            <a:pPr latinLnBrk="1">
+              <a:lnSpc>
+                <a:spcPct val="150000"/>
+              </a:lnSpc>
+            </a:pPr>
+            <a:r>
+              <a:rPr lang="en-US" altLang="ko-KR" sz="1600" b="1" dirty="0">
+                <a:gradFill>
+                  <a:gsLst>
+                    <a:gs pos="0">
+                      <a:srgbClr val="404040"/>
+                    </a:gs>
+                    <a:gs pos="100000">
+                      <a:srgbClr val="404040"/>
+                    </a:gs>
+                  </a:gsLst>
+                  <a:lin ang="5400000" scaled="0"/>
+                </a:gradFill>
+                <a:latin typeface="나눔고딕" panose="020D0604000000000000" pitchFamily="50" charset="-127"/>
+                <a:ea typeface="나눔고딕 ExtraBold"/>
+              </a:rPr>
+              <a:t>•</a:t>
+            </a:r>
+            <a:r>
+              <a:rPr lang="ko-KR" altLang="en-US" sz="1600" b="1" dirty="0">
+                <a:gradFill>
+                  <a:gsLst>
+                    <a:gs pos="0">
+                      <a:srgbClr val="404040"/>
+                    </a:gs>
+                    <a:gs pos="100000">
+                      <a:srgbClr val="404040"/>
+                    </a:gs>
+                  </a:gsLst>
+                  <a:lin ang="5400000" scaled="0"/>
+                </a:gradFill>
+                <a:latin typeface="나눔고딕" panose="020D0604000000000000" pitchFamily="50" charset="-127"/>
+                <a:ea typeface="나눔고딕 ExtraBold"/>
+              </a:rPr>
+              <a:t> 샘플 수</a:t>
+            </a:r>
+            <a:r>
+              <a:rPr lang="en-US" altLang="ko-KR" sz="1600" b="1" dirty="0">
+                <a:gradFill>
+                  <a:gsLst>
+                    <a:gs pos="0">
+                      <a:srgbClr val="404040"/>
+                    </a:gs>
+                    <a:gs pos="100000">
+                      <a:srgbClr val="404040"/>
+                    </a:gs>
+                  </a:gsLst>
+                  <a:lin ang="5400000" scaled="0"/>
+                </a:gradFill>
+                <a:latin typeface="나눔고딕" panose="020D0604000000000000" pitchFamily="50" charset="-127"/>
+                <a:ea typeface="나눔고딕 ExtraBold"/>
+              </a:rPr>
+              <a:t>: </a:t>
+            </a:r>
+            <a:r>
+              <a:rPr lang="en-US" altLang="ko-KR" sz="1600" b="1" dirty="0" smtClean="0">
+                <a:gradFill>
+                  <a:gsLst>
+                    <a:gs pos="0">
+                      <a:srgbClr val="404040"/>
+                    </a:gs>
+                    <a:gs pos="100000">
+                      <a:srgbClr val="404040"/>
+                    </a:gs>
+                  </a:gsLst>
+                  <a:lin ang="5400000" scaled="0"/>
+                </a:gradFill>
+                <a:latin typeface="나눔고딕" panose="020D0604000000000000" pitchFamily="50" charset="-127"/>
+                <a:ea typeface="나눔고딕 ExtraBold"/>
+              </a:rPr>
+              <a:t>6497</a:t>
+            </a:r>
+            <a:endParaRPr lang="en-US" altLang="ko-KR" sz="1600" b="1" dirty="0">
+              <a:gradFill>
+                <a:gsLst>
+                  <a:gs pos="0">
+                    <a:srgbClr val="404040"/>
+                  </a:gs>
+                  <a:gs pos="100000">
+                    <a:srgbClr val="404040"/>
+                  </a:gs>
+                </a:gsLst>
+                <a:lin ang="5400000" scaled="0"/>
+              </a:gradFill>
+              <a:latin typeface="나눔고딕" panose="020D0604000000000000" pitchFamily="50" charset="-127"/>
+              <a:ea typeface="나눔고딕 ExtraBold"/>
+            </a:endParaRPr>
+          </a:p>
+          <a:p>
+            <a:pPr latinLnBrk="1">
+              <a:lnSpc>
+                <a:spcPct val="150000"/>
+              </a:lnSpc>
+            </a:pPr>
+            <a:r>
+              <a:rPr lang="en-US" altLang="ko-KR" sz="1600" b="1" dirty="0">
+                <a:gradFill>
+                  <a:gsLst>
+                    <a:gs pos="0">
+                      <a:srgbClr val="404040"/>
+                    </a:gs>
+                    <a:gs pos="100000">
+                      <a:srgbClr val="404040"/>
+                    </a:gs>
+                  </a:gsLst>
+                  <a:lin ang="5400000" scaled="0"/>
+                </a:gradFill>
+                <a:latin typeface="나눔고딕" panose="020D0604000000000000" pitchFamily="50" charset="-127"/>
+                <a:ea typeface="나눔고딕 ExtraBold"/>
+              </a:rPr>
+              <a:t>•</a:t>
+            </a:r>
+            <a:r>
+              <a:rPr lang="ko-KR" altLang="en-US" sz="1600" b="1" dirty="0">
+                <a:gradFill>
+                  <a:gsLst>
+                    <a:gs pos="0">
+                      <a:srgbClr val="404040"/>
+                    </a:gs>
+                    <a:gs pos="100000">
+                      <a:srgbClr val="404040"/>
+                    </a:gs>
+                  </a:gsLst>
+                  <a:lin ang="5400000" scaled="0"/>
+                </a:gradFill>
+                <a:latin typeface="나눔고딕" panose="020D0604000000000000" pitchFamily="50" charset="-127"/>
+                <a:ea typeface="나눔고딕 ExtraBold"/>
+              </a:rPr>
+              <a:t> 속성 수</a:t>
+            </a:r>
+            <a:r>
+              <a:rPr lang="en-US" altLang="ko-KR" sz="1600" b="1" dirty="0">
+                <a:gradFill>
+                  <a:gsLst>
+                    <a:gs pos="0">
+                      <a:srgbClr val="404040"/>
+                    </a:gs>
+                    <a:gs pos="100000">
+                      <a:srgbClr val="404040"/>
+                    </a:gs>
+                  </a:gsLst>
+                  <a:lin ang="5400000" scaled="0"/>
+                </a:gradFill>
+                <a:latin typeface="나눔고딕" panose="020D0604000000000000" pitchFamily="50" charset="-127"/>
+                <a:ea typeface="나눔고딕 ExtraBold"/>
+              </a:rPr>
+              <a:t>: </a:t>
+            </a:r>
+            <a:r>
+              <a:rPr lang="en-US" altLang="ko-KR" sz="1600" b="1" dirty="0" smtClean="0">
+                <a:gradFill>
+                  <a:gsLst>
+                    <a:gs pos="0">
+                      <a:srgbClr val="404040"/>
+                    </a:gs>
+                    <a:gs pos="100000">
+                      <a:srgbClr val="404040"/>
+                    </a:gs>
+                  </a:gsLst>
+                  <a:lin ang="5400000" scaled="0"/>
+                </a:gradFill>
+                <a:latin typeface="나눔고딕" panose="020D0604000000000000" pitchFamily="50" charset="-127"/>
+                <a:ea typeface="나눔고딕 ExtraBold"/>
+              </a:rPr>
+              <a:t>12</a:t>
+            </a:r>
+            <a:endParaRPr lang="en-US" altLang="ko-KR" sz="1600" b="1" dirty="0">
+              <a:gradFill>
+                <a:gsLst>
+                  <a:gs pos="0">
+                    <a:srgbClr val="404040"/>
+                  </a:gs>
+                  <a:gs pos="100000">
+                    <a:srgbClr val="404040"/>
+                  </a:gs>
+                </a:gsLst>
+                <a:lin ang="5400000" scaled="0"/>
+              </a:gradFill>
+              <a:latin typeface="나눔고딕" panose="020D0604000000000000" pitchFamily="50" charset="-127"/>
+              <a:ea typeface="나눔고딕 ExtraBold"/>
+            </a:endParaRPr>
+          </a:p>
+          <a:p>
+            <a:pPr latinLnBrk="1">
+              <a:lnSpc>
+                <a:spcPct val="150000"/>
+              </a:lnSpc>
+            </a:pPr>
+            <a:r>
+              <a:rPr lang="en-US" altLang="ko-KR" sz="1200" dirty="0" smtClean="0">
+                <a:gradFill>
+                  <a:gsLst>
+                    <a:gs pos="0">
+                      <a:srgbClr val="404040"/>
+                    </a:gs>
+                    <a:gs pos="100000">
+                      <a:srgbClr val="404040"/>
+                    </a:gs>
+                  </a:gsLst>
+                  <a:lin ang="5400000" scaled="0"/>
+                </a:gradFill>
+                <a:latin typeface="나눔고딕" panose="020D0604000000000000" pitchFamily="50" charset="-127"/>
+                <a:ea typeface="나눔고딕 ExtraBold"/>
+              </a:rPr>
+              <a:t>     - </a:t>
+            </a:r>
+            <a:r>
+              <a:rPr lang="ko-KR" altLang="en-US" sz="1200" dirty="0">
+                <a:gradFill>
+                  <a:gsLst>
+                    <a:gs pos="0">
+                      <a:srgbClr val="404040"/>
+                    </a:gs>
+                    <a:gs pos="100000">
+                      <a:srgbClr val="404040"/>
+                    </a:gs>
+                  </a:gsLst>
+                  <a:lin ang="5400000" scaled="0"/>
+                </a:gradFill>
+                <a:latin typeface="나눔고딕" panose="020D0604000000000000" pitchFamily="50" charset="-127"/>
+                <a:ea typeface="나눔고딕 ExtraBold"/>
+              </a:rPr>
+              <a:t>정보 </a:t>
+            </a:r>
+            <a:r>
+              <a:rPr lang="en-US" altLang="ko-KR" sz="1200" dirty="0">
+                <a:gradFill>
+                  <a:gsLst>
+                    <a:gs pos="0">
+                      <a:srgbClr val="404040"/>
+                    </a:gs>
+                    <a:gs pos="100000">
+                      <a:srgbClr val="404040"/>
+                    </a:gs>
+                  </a:gsLst>
+                  <a:lin ang="5400000" scaled="0"/>
+                </a:gradFill>
+                <a:latin typeface="나눔고딕" panose="020D0604000000000000" pitchFamily="50" charset="-127"/>
+                <a:ea typeface="나눔고딕 ExtraBold"/>
+              </a:rPr>
+              <a:t>1: </a:t>
+            </a:r>
+            <a:r>
+              <a:rPr lang="ko-KR" altLang="en-US" sz="1200" dirty="0" smtClean="0">
+                <a:gradFill>
+                  <a:gsLst>
+                    <a:gs pos="0">
+                      <a:srgbClr val="404040"/>
+                    </a:gs>
+                    <a:gs pos="100000">
+                      <a:srgbClr val="404040"/>
+                    </a:gs>
+                  </a:gsLst>
+                  <a:lin ang="5400000" scaled="0"/>
+                </a:gradFill>
+                <a:latin typeface="나눔고딕" panose="020D0604000000000000" pitchFamily="50" charset="-127"/>
+                <a:ea typeface="나눔고딕 ExtraBold"/>
+              </a:rPr>
+              <a:t>주석산</a:t>
+            </a:r>
+            <a:endParaRPr lang="en-US" altLang="ko-KR" sz="1200" dirty="0" smtClean="0">
+              <a:gradFill>
+                <a:gsLst>
+                  <a:gs pos="0">
+                    <a:srgbClr val="404040"/>
+                  </a:gs>
+                  <a:gs pos="100000">
+                    <a:srgbClr val="404040"/>
+                  </a:gs>
+                </a:gsLst>
+                <a:lin ang="5400000" scaled="0"/>
+              </a:gradFill>
+              <a:latin typeface="나눔고딕" panose="020D0604000000000000" pitchFamily="50" charset="-127"/>
+              <a:ea typeface="나눔고딕 ExtraBold"/>
+            </a:endParaRPr>
+          </a:p>
+          <a:p>
+            <a:pPr latinLnBrk="1">
+              <a:lnSpc>
+                <a:spcPct val="150000"/>
+              </a:lnSpc>
+            </a:pPr>
+            <a:r>
+              <a:rPr lang="en-US" altLang="ko-KR" sz="1200" dirty="0" smtClean="0">
+                <a:gradFill>
+                  <a:gsLst>
+                    <a:gs pos="0">
+                      <a:srgbClr val="404040"/>
+                    </a:gs>
+                    <a:gs pos="100000">
+                      <a:srgbClr val="404040"/>
+                    </a:gs>
+                  </a:gsLst>
+                  <a:lin ang="5400000" scaled="0"/>
+                </a:gradFill>
+                <a:latin typeface="나눔고딕" panose="020D0604000000000000" pitchFamily="50" charset="-127"/>
+                <a:ea typeface="나눔고딕 ExtraBold"/>
+              </a:rPr>
+              <a:t>     - </a:t>
+            </a:r>
+            <a:r>
+              <a:rPr lang="ko-KR" altLang="en-US" sz="1200" dirty="0" smtClean="0">
+                <a:gradFill>
+                  <a:gsLst>
+                    <a:gs pos="0">
+                      <a:srgbClr val="404040"/>
+                    </a:gs>
+                    <a:gs pos="100000">
+                      <a:srgbClr val="404040"/>
+                    </a:gs>
+                  </a:gsLst>
+                  <a:lin ang="5400000" scaled="0"/>
+                </a:gradFill>
+                <a:latin typeface="나눔고딕" panose="020D0604000000000000" pitchFamily="50" charset="-127"/>
+                <a:ea typeface="나눔고딕 ExtraBold"/>
+              </a:rPr>
+              <a:t>정보 </a:t>
+            </a:r>
+            <a:r>
+              <a:rPr lang="en-US" altLang="ko-KR" sz="1200" dirty="0" smtClean="0">
+                <a:gradFill>
+                  <a:gsLst>
+                    <a:gs pos="0">
+                      <a:srgbClr val="404040"/>
+                    </a:gs>
+                    <a:gs pos="100000">
+                      <a:srgbClr val="404040"/>
+                    </a:gs>
+                  </a:gsLst>
+                  <a:lin ang="5400000" scaled="0"/>
+                </a:gradFill>
+                <a:latin typeface="나눔고딕" panose="020D0604000000000000" pitchFamily="50" charset="-127"/>
+                <a:ea typeface="나눔고딕 ExtraBold"/>
+              </a:rPr>
+              <a:t>2:</a:t>
+            </a:r>
+            <a:r>
+              <a:rPr lang="ko-KR" altLang="en-US" sz="1200" dirty="0" smtClean="0">
+                <a:gradFill>
+                  <a:gsLst>
+                    <a:gs pos="0">
+                      <a:srgbClr val="404040"/>
+                    </a:gs>
+                    <a:gs pos="100000">
+                      <a:srgbClr val="404040"/>
+                    </a:gs>
+                  </a:gsLst>
+                  <a:lin ang="5400000" scaled="0"/>
+                </a:gradFill>
+                <a:latin typeface="나눔고딕" panose="020D0604000000000000" pitchFamily="50" charset="-127"/>
+                <a:ea typeface="나눔고딕 ExtraBold"/>
+              </a:rPr>
+              <a:t>아세트산 농도    </a:t>
+            </a:r>
+            <a:endParaRPr lang="en-US" altLang="ko-KR" sz="1200" dirty="0" smtClean="0">
+              <a:gradFill>
+                <a:gsLst>
+                  <a:gs pos="0">
+                    <a:srgbClr val="404040"/>
+                  </a:gs>
+                  <a:gs pos="100000">
+                    <a:srgbClr val="404040"/>
+                  </a:gs>
+                </a:gsLst>
+                <a:lin ang="5400000" scaled="0"/>
+              </a:gradFill>
+              <a:latin typeface="나눔고딕" panose="020D0604000000000000" pitchFamily="50" charset="-127"/>
+              <a:ea typeface="나눔고딕 ExtraBold"/>
+            </a:endParaRPr>
+          </a:p>
+          <a:p>
+            <a:pPr latinLnBrk="1">
+              <a:lnSpc>
+                <a:spcPct val="150000"/>
+              </a:lnSpc>
+            </a:pPr>
+            <a:r>
+              <a:rPr lang="en-US" altLang="ko-KR" sz="1200" dirty="0" smtClean="0">
+                <a:gradFill>
+                  <a:gsLst>
+                    <a:gs pos="0">
+                      <a:srgbClr val="404040"/>
+                    </a:gs>
+                    <a:gs pos="100000">
+                      <a:srgbClr val="404040"/>
+                    </a:gs>
+                  </a:gsLst>
+                  <a:lin ang="5400000" scaled="0"/>
+                </a:gradFill>
+                <a:latin typeface="나눔고딕" panose="020D0604000000000000" pitchFamily="50" charset="-127"/>
+                <a:ea typeface="나눔고딕 ExtraBold"/>
+              </a:rPr>
+              <a:t>     - </a:t>
+            </a:r>
+            <a:r>
+              <a:rPr lang="ko-KR" altLang="en-US" sz="1200" dirty="0">
+                <a:gradFill>
+                  <a:gsLst>
+                    <a:gs pos="0">
+                      <a:srgbClr val="404040"/>
+                    </a:gs>
+                    <a:gs pos="100000">
+                      <a:srgbClr val="404040"/>
+                    </a:gs>
+                  </a:gsLst>
+                  <a:lin ang="5400000" scaled="0"/>
+                </a:gradFill>
+                <a:latin typeface="나눔고딕" panose="020D0604000000000000" pitchFamily="50" charset="-127"/>
+                <a:ea typeface="나눔고딕 ExtraBold"/>
+              </a:rPr>
+              <a:t>정보 </a:t>
+            </a:r>
+            <a:r>
+              <a:rPr lang="en-US" altLang="ko-KR" sz="1200" dirty="0">
+                <a:gradFill>
+                  <a:gsLst>
+                    <a:gs pos="0">
+                      <a:srgbClr val="404040"/>
+                    </a:gs>
+                    <a:gs pos="100000">
+                      <a:srgbClr val="404040"/>
+                    </a:gs>
+                  </a:gsLst>
+                  <a:lin ang="5400000" scaled="0"/>
+                </a:gradFill>
+                <a:latin typeface="나눔고딕" panose="020D0604000000000000" pitchFamily="50" charset="-127"/>
+                <a:ea typeface="나눔고딕 ExtraBold"/>
+              </a:rPr>
+              <a:t>3: </a:t>
+            </a:r>
+            <a:r>
+              <a:rPr lang="ko-KR" altLang="en-US" sz="1200" dirty="0" smtClean="0">
+                <a:gradFill>
+                  <a:gsLst>
+                    <a:gs pos="0">
+                      <a:srgbClr val="404040"/>
+                    </a:gs>
+                    <a:gs pos="100000">
+                      <a:srgbClr val="404040"/>
+                    </a:gs>
+                  </a:gsLst>
+                  <a:lin ang="5400000" scaled="0"/>
+                </a:gradFill>
+                <a:latin typeface="나눔고딕" panose="020D0604000000000000" pitchFamily="50" charset="-127"/>
+                <a:ea typeface="나눔고딕 ExtraBold"/>
+              </a:rPr>
+              <a:t>구연산 농도</a:t>
+            </a:r>
+            <a:endParaRPr lang="en-US" altLang="ko-KR" sz="1200" dirty="0">
+              <a:gradFill>
+                <a:gsLst>
+                  <a:gs pos="0">
+                    <a:srgbClr val="404040"/>
+                  </a:gs>
+                  <a:gs pos="100000">
+                    <a:srgbClr val="404040"/>
+                  </a:gs>
+                </a:gsLst>
+                <a:lin ang="5400000" scaled="0"/>
+              </a:gradFill>
+              <a:latin typeface="나눔고딕" panose="020D0604000000000000" pitchFamily="50" charset="-127"/>
+              <a:ea typeface="나눔고딕 ExtraBold"/>
+            </a:endParaRPr>
+          </a:p>
+          <a:p>
+            <a:pPr latinLnBrk="1">
+              <a:lnSpc>
+                <a:spcPct val="150000"/>
+              </a:lnSpc>
+            </a:pPr>
+            <a:r>
+              <a:rPr lang="en-US" altLang="ko-KR" sz="1200" dirty="0" smtClean="0">
+                <a:gradFill>
+                  <a:gsLst>
+                    <a:gs pos="0">
+                      <a:srgbClr val="404040"/>
+                    </a:gs>
+                    <a:gs pos="100000">
+                      <a:srgbClr val="404040"/>
+                    </a:gs>
+                  </a:gsLst>
+                  <a:lin ang="5400000" scaled="0"/>
+                </a:gradFill>
+                <a:latin typeface="나눔고딕" panose="020D0604000000000000" pitchFamily="50" charset="-127"/>
+                <a:ea typeface="나눔고딕 ExtraBold"/>
+              </a:rPr>
+              <a:t>     - </a:t>
+            </a:r>
+            <a:r>
+              <a:rPr lang="ko-KR" altLang="en-US" sz="1200" dirty="0">
+                <a:gradFill>
+                  <a:gsLst>
+                    <a:gs pos="0">
+                      <a:srgbClr val="404040"/>
+                    </a:gs>
+                    <a:gs pos="100000">
+                      <a:srgbClr val="404040"/>
+                    </a:gs>
+                  </a:gsLst>
+                  <a:lin ang="5400000" scaled="0"/>
+                </a:gradFill>
+                <a:latin typeface="나눔고딕" panose="020D0604000000000000" pitchFamily="50" charset="-127"/>
+                <a:ea typeface="나눔고딕 ExtraBold"/>
+              </a:rPr>
+              <a:t>정보 </a:t>
+            </a:r>
+            <a:r>
+              <a:rPr lang="en-US" altLang="ko-KR" sz="1200" dirty="0">
+                <a:gradFill>
+                  <a:gsLst>
+                    <a:gs pos="0">
+                      <a:srgbClr val="404040"/>
+                    </a:gs>
+                    <a:gs pos="100000">
+                      <a:srgbClr val="404040"/>
+                    </a:gs>
+                  </a:gsLst>
+                  <a:lin ang="5400000" scaled="0"/>
+                </a:gradFill>
+                <a:latin typeface="나눔고딕" panose="020D0604000000000000" pitchFamily="50" charset="-127"/>
+                <a:ea typeface="나눔고딕 ExtraBold"/>
+              </a:rPr>
+              <a:t>4</a:t>
+            </a:r>
+            <a:r>
+              <a:rPr lang="en-US" altLang="ko-KR" sz="1200" dirty="0" smtClean="0">
+                <a:gradFill>
+                  <a:gsLst>
+                    <a:gs pos="0">
+                      <a:srgbClr val="404040"/>
+                    </a:gs>
+                    <a:gs pos="100000">
+                      <a:srgbClr val="404040"/>
+                    </a:gs>
+                  </a:gsLst>
+                  <a:lin ang="5400000" scaled="0"/>
+                </a:gradFill>
+                <a:latin typeface="나눔고딕" panose="020D0604000000000000" pitchFamily="50" charset="-127"/>
+                <a:ea typeface="나눔고딕 ExtraBold"/>
+              </a:rPr>
+              <a:t>: </a:t>
+            </a:r>
+            <a:r>
+              <a:rPr lang="ko-KR" altLang="en-US" sz="1200" dirty="0" smtClean="0">
+                <a:gradFill>
+                  <a:gsLst>
+                    <a:gs pos="0">
+                      <a:srgbClr val="404040"/>
+                    </a:gs>
+                    <a:gs pos="100000">
+                      <a:srgbClr val="404040"/>
+                    </a:gs>
+                  </a:gsLst>
+                  <a:lin ang="5400000" scaled="0"/>
+                </a:gradFill>
+                <a:latin typeface="나눔고딕" panose="020D0604000000000000" pitchFamily="50" charset="-127"/>
+                <a:ea typeface="나눔고딕 ExtraBold"/>
+              </a:rPr>
+              <a:t>잔류 당분 농도</a:t>
+            </a:r>
+            <a:endParaRPr lang="en-US" altLang="ko-KR" sz="1200" dirty="0" smtClean="0">
+              <a:gradFill>
+                <a:gsLst>
+                  <a:gs pos="0">
+                    <a:srgbClr val="404040"/>
+                  </a:gs>
+                  <a:gs pos="100000">
+                    <a:srgbClr val="404040"/>
+                  </a:gs>
+                </a:gsLst>
+                <a:lin ang="5400000" scaled="0"/>
+              </a:gradFill>
+              <a:latin typeface="나눔고딕" panose="020D0604000000000000" pitchFamily="50" charset="-127"/>
+              <a:ea typeface="나눔고딕 ExtraBold"/>
+            </a:endParaRPr>
+          </a:p>
+          <a:p>
+            <a:pPr latinLnBrk="1">
+              <a:lnSpc>
+                <a:spcPct val="150000"/>
+              </a:lnSpc>
+            </a:pPr>
+            <a:r>
+              <a:rPr lang="en-US" altLang="ko-KR" sz="1600" b="1" dirty="0" smtClean="0">
+                <a:gradFill>
+                  <a:gsLst>
+                    <a:gs pos="0">
+                      <a:srgbClr val="404040"/>
+                    </a:gs>
+                    <a:gs pos="100000">
+                      <a:srgbClr val="404040"/>
+                    </a:gs>
+                  </a:gsLst>
+                  <a:lin ang="5400000" scaled="0"/>
+                </a:gradFill>
+                <a:latin typeface="나눔고딕" panose="020D0604000000000000" pitchFamily="50" charset="-127"/>
+                <a:ea typeface="나눔고딕 ExtraBold"/>
+              </a:rPr>
+              <a:t>•</a:t>
+            </a:r>
+            <a:r>
+              <a:rPr lang="ko-KR" altLang="en-US" sz="1600" b="1" dirty="0">
+                <a:gradFill>
+                  <a:gsLst>
+                    <a:gs pos="0">
+                      <a:srgbClr val="404040"/>
+                    </a:gs>
+                    <a:gs pos="100000">
+                      <a:srgbClr val="404040"/>
+                    </a:gs>
+                  </a:gsLst>
+                  <a:lin ang="5400000" scaled="0"/>
+                </a:gradFill>
+                <a:latin typeface="나눔고딕" panose="020D0604000000000000" pitchFamily="50" charset="-127"/>
+                <a:ea typeface="나눔고딕 ExtraBold"/>
+              </a:rPr>
+              <a:t> 클래스</a:t>
+            </a:r>
+            <a:r>
+              <a:rPr lang="en-US" altLang="ko-KR" sz="1600" b="1" dirty="0" smtClean="0">
+                <a:gradFill>
+                  <a:gsLst>
+                    <a:gs pos="0">
+                      <a:srgbClr val="404040"/>
+                    </a:gs>
+                    <a:gs pos="100000">
+                      <a:srgbClr val="404040"/>
+                    </a:gs>
+                  </a:gsLst>
+                  <a:lin ang="5400000" scaled="0"/>
+                </a:gradFill>
+                <a:latin typeface="나눔고딕" panose="020D0604000000000000" pitchFamily="50" charset="-127"/>
+                <a:ea typeface="나눔고딕 ExtraBold"/>
+              </a:rPr>
+              <a:t>: class(1: </a:t>
+            </a:r>
+            <a:r>
+              <a:rPr lang="ko-KR" altLang="en-US" sz="1600" b="1" dirty="0" err="1" smtClean="0">
+                <a:gradFill>
+                  <a:gsLst>
+                    <a:gs pos="0">
+                      <a:srgbClr val="404040"/>
+                    </a:gs>
+                    <a:gs pos="100000">
+                      <a:srgbClr val="404040"/>
+                    </a:gs>
+                  </a:gsLst>
+                  <a:lin ang="5400000" scaled="0"/>
+                </a:gradFill>
+                <a:latin typeface="나눔고딕" panose="020D0604000000000000" pitchFamily="50" charset="-127"/>
+                <a:ea typeface="나눔고딕 ExtraBold"/>
+              </a:rPr>
+              <a:t>레드와인</a:t>
+            </a:r>
+            <a:r>
+              <a:rPr lang="en-US" altLang="ko-KR" sz="1600" b="1" dirty="0" smtClean="0">
+                <a:gradFill>
+                  <a:gsLst>
+                    <a:gs pos="0">
+                      <a:srgbClr val="404040"/>
+                    </a:gs>
+                    <a:gs pos="100000">
+                      <a:srgbClr val="404040"/>
+                    </a:gs>
+                  </a:gsLst>
+                  <a:lin ang="5400000" scaled="0"/>
+                </a:gradFill>
+                <a:latin typeface="나눔고딕" panose="020D0604000000000000" pitchFamily="50" charset="-127"/>
+                <a:ea typeface="나눔고딕 ExtraBold"/>
+              </a:rPr>
+              <a:t>, 0: </a:t>
+            </a:r>
+            <a:r>
+              <a:rPr lang="ko-KR" altLang="en-US" sz="1600" b="1" dirty="0" smtClean="0">
+                <a:gradFill>
+                  <a:gsLst>
+                    <a:gs pos="0">
+                      <a:srgbClr val="404040"/>
+                    </a:gs>
+                    <a:gs pos="100000">
+                      <a:srgbClr val="404040"/>
+                    </a:gs>
+                  </a:gsLst>
+                  <a:lin ang="5400000" scaled="0"/>
+                </a:gradFill>
+                <a:latin typeface="나눔고딕" panose="020D0604000000000000" pitchFamily="50" charset="-127"/>
+                <a:ea typeface="나눔고딕 ExtraBold"/>
+              </a:rPr>
+              <a:t>화이트와인</a:t>
+            </a:r>
+            <a:r>
+              <a:rPr lang="en-US" altLang="ko-KR" sz="1600" b="1" dirty="0" smtClean="0">
+                <a:gradFill>
+                  <a:gsLst>
+                    <a:gs pos="0">
+                      <a:srgbClr val="404040"/>
+                    </a:gs>
+                    <a:gs pos="100000">
+                      <a:srgbClr val="404040"/>
+                    </a:gs>
+                  </a:gsLst>
+                  <a:lin ang="5400000" scaled="0"/>
+                </a:gradFill>
+                <a:latin typeface="나눔고딕" panose="020D0604000000000000" pitchFamily="50" charset="-127"/>
+                <a:ea typeface="나눔고딕 ExtraBold"/>
+              </a:rPr>
+              <a:t>)</a:t>
+            </a:r>
+            <a:endParaRPr lang="en-US" altLang="ko-KR" sz="1600" b="1" dirty="0">
+              <a:gradFill>
+                <a:gsLst>
+                  <a:gs pos="0">
+                    <a:srgbClr val="404040"/>
+                  </a:gs>
+                  <a:gs pos="100000">
+                    <a:srgbClr val="404040"/>
+                  </a:gs>
+                </a:gsLst>
+                <a:lin ang="5400000" scaled="0"/>
+              </a:gradFill>
+              <a:latin typeface="나눔고딕" panose="020D0604000000000000" pitchFamily="50" charset="-127"/>
+              <a:ea typeface="나눔고딕 ExtraBold"/>
+            </a:endParaRPr>
+          </a:p>
+        </p:txBody>
+      </p:sp>
+      <p:sp>
+        <p:nvSpPr>
+          <p:cNvPr id="6" name="직사각형 5"/>
+          <p:cNvSpPr/>
+          <p:nvPr/>
+        </p:nvSpPr>
+        <p:spPr>
+          <a:xfrm>
+            <a:off x="5076056" y="5021746"/>
+            <a:ext cx="4572000" cy="1200329"/>
+          </a:xfrm>
+          <a:prstGeom prst="rect">
+            <a:avLst/>
+          </a:prstGeom>
+        </p:spPr>
+        <p:txBody>
+          <a:bodyPr>
+            <a:spAutoFit/>
+          </a:bodyPr>
+          <a:lstStyle/>
+          <a:p>
+            <a:pPr latinLnBrk="1">
+              <a:lnSpc>
+                <a:spcPct val="150000"/>
+              </a:lnSpc>
+            </a:pPr>
+            <a:r>
+              <a:rPr lang="en-US" altLang="ko-KR" sz="1200" dirty="0" smtClean="0">
+                <a:gradFill>
+                  <a:gsLst>
+                    <a:gs pos="0">
+                      <a:srgbClr val="404040"/>
+                    </a:gs>
+                    <a:gs pos="100000">
+                      <a:srgbClr val="404040"/>
+                    </a:gs>
+                  </a:gsLst>
+                  <a:lin ang="5400000" scaled="0"/>
+                </a:gradFill>
+                <a:latin typeface="나눔고딕" panose="020D0604000000000000" pitchFamily="50" charset="-127"/>
+                <a:ea typeface="나눔고딕 ExtraBold"/>
+              </a:rPr>
+              <a:t>- </a:t>
+            </a:r>
+            <a:r>
+              <a:rPr lang="ko-KR" altLang="en-US" sz="1200" dirty="0">
+                <a:gradFill>
+                  <a:gsLst>
+                    <a:gs pos="0">
+                      <a:srgbClr val="404040"/>
+                    </a:gs>
+                    <a:gs pos="100000">
+                      <a:srgbClr val="404040"/>
+                    </a:gs>
+                  </a:gsLst>
+                  <a:lin ang="5400000" scaled="0"/>
+                </a:gradFill>
+                <a:latin typeface="나눔고딕" panose="020D0604000000000000" pitchFamily="50" charset="-127"/>
+                <a:ea typeface="나눔고딕 ExtraBold"/>
+              </a:rPr>
+              <a:t>정보 </a:t>
+            </a:r>
+            <a:r>
+              <a:rPr lang="en-US" altLang="ko-KR" sz="1200" dirty="0">
+                <a:gradFill>
+                  <a:gsLst>
+                    <a:gs pos="0">
+                      <a:srgbClr val="404040"/>
+                    </a:gs>
+                    <a:gs pos="100000">
+                      <a:srgbClr val="404040"/>
+                    </a:gs>
+                  </a:gsLst>
+                  <a:lin ang="5400000" scaled="0"/>
+                </a:gradFill>
+                <a:latin typeface="나눔고딕" panose="020D0604000000000000" pitchFamily="50" charset="-127"/>
+                <a:ea typeface="나눔고딕 ExtraBold"/>
+              </a:rPr>
+              <a:t>9</a:t>
+            </a:r>
+            <a:r>
+              <a:rPr lang="en-US" altLang="ko-KR" sz="1200" dirty="0" smtClean="0">
+                <a:gradFill>
+                  <a:gsLst>
+                    <a:gs pos="0">
+                      <a:srgbClr val="404040"/>
+                    </a:gs>
+                    <a:gs pos="100000">
+                      <a:srgbClr val="404040"/>
+                    </a:gs>
+                  </a:gsLst>
+                  <a:lin ang="5400000" scaled="0"/>
+                </a:gradFill>
+                <a:latin typeface="나눔고딕" panose="020D0604000000000000" pitchFamily="50" charset="-127"/>
+                <a:ea typeface="나눔고딕 ExtraBold"/>
+              </a:rPr>
+              <a:t>: pH</a:t>
+            </a:r>
+            <a:endParaRPr lang="en-US" altLang="ko-KR" sz="1200" dirty="0">
+              <a:gradFill>
+                <a:gsLst>
+                  <a:gs pos="0">
+                    <a:srgbClr val="404040"/>
+                  </a:gs>
+                  <a:gs pos="100000">
+                    <a:srgbClr val="404040"/>
+                  </a:gs>
+                </a:gsLst>
+                <a:lin ang="5400000" scaled="0"/>
+              </a:gradFill>
+              <a:latin typeface="나눔고딕" panose="020D0604000000000000" pitchFamily="50" charset="-127"/>
+              <a:ea typeface="나눔고딕 ExtraBold"/>
+            </a:endParaRPr>
+          </a:p>
+          <a:p>
+            <a:pPr latinLnBrk="1">
+              <a:lnSpc>
+                <a:spcPct val="150000"/>
+              </a:lnSpc>
+            </a:pPr>
+            <a:r>
+              <a:rPr lang="en-US" altLang="ko-KR" sz="1200" dirty="0" smtClean="0">
+                <a:gradFill>
+                  <a:gsLst>
+                    <a:gs pos="0">
+                      <a:srgbClr val="404040"/>
+                    </a:gs>
+                    <a:gs pos="100000">
+                      <a:srgbClr val="404040"/>
+                    </a:gs>
+                  </a:gsLst>
+                  <a:lin ang="5400000" scaled="0"/>
+                </a:gradFill>
+                <a:latin typeface="나눔고딕" panose="020D0604000000000000" pitchFamily="50" charset="-127"/>
+                <a:ea typeface="나눔고딕 ExtraBold"/>
+              </a:rPr>
+              <a:t>- </a:t>
+            </a:r>
+            <a:r>
+              <a:rPr lang="ko-KR" altLang="en-US" sz="1200" dirty="0">
+                <a:gradFill>
+                  <a:gsLst>
+                    <a:gs pos="0">
+                      <a:srgbClr val="404040"/>
+                    </a:gs>
+                    <a:gs pos="100000">
+                      <a:srgbClr val="404040"/>
+                    </a:gs>
+                  </a:gsLst>
+                  <a:lin ang="5400000" scaled="0"/>
+                </a:gradFill>
+                <a:latin typeface="나눔고딕" panose="020D0604000000000000" pitchFamily="50" charset="-127"/>
+                <a:ea typeface="나눔고딕 ExtraBold"/>
+              </a:rPr>
+              <a:t>정보 </a:t>
+            </a:r>
+            <a:r>
+              <a:rPr lang="en-US" altLang="ko-KR" sz="1200" dirty="0" smtClean="0">
+                <a:gradFill>
+                  <a:gsLst>
+                    <a:gs pos="0">
+                      <a:srgbClr val="404040"/>
+                    </a:gs>
+                    <a:gs pos="100000">
+                      <a:srgbClr val="404040"/>
+                    </a:gs>
+                  </a:gsLst>
+                  <a:lin ang="5400000" scaled="0"/>
+                </a:gradFill>
+                <a:latin typeface="나눔고딕" panose="020D0604000000000000" pitchFamily="50" charset="-127"/>
+                <a:ea typeface="나눔고딕 ExtraBold"/>
+              </a:rPr>
+              <a:t>10:</a:t>
+            </a:r>
+            <a:r>
+              <a:rPr lang="ko-KR" altLang="en-US" sz="1200" dirty="0" smtClean="0">
+                <a:gradFill>
+                  <a:gsLst>
+                    <a:gs pos="0">
+                      <a:srgbClr val="404040"/>
+                    </a:gs>
+                    <a:gs pos="100000">
+                      <a:srgbClr val="404040"/>
+                    </a:gs>
+                  </a:gsLst>
+                  <a:lin ang="5400000" scaled="0"/>
+                </a:gradFill>
+                <a:latin typeface="나눔고딕" panose="020D0604000000000000" pitchFamily="50" charset="-127"/>
+                <a:ea typeface="나눔고딕 ExtraBold"/>
+              </a:rPr>
+              <a:t> </a:t>
+            </a:r>
+            <a:r>
+              <a:rPr lang="ko-KR" altLang="en-US" sz="1200" dirty="0" err="1" smtClean="0">
+                <a:gradFill>
+                  <a:gsLst>
+                    <a:gs pos="0">
+                      <a:srgbClr val="404040"/>
+                    </a:gs>
+                    <a:gs pos="100000">
+                      <a:srgbClr val="404040"/>
+                    </a:gs>
+                  </a:gsLst>
+                  <a:lin ang="5400000" scaled="0"/>
+                </a:gradFill>
+                <a:latin typeface="나눔고딕" panose="020D0604000000000000" pitchFamily="50" charset="-127"/>
+                <a:ea typeface="나눔고딕 ExtraBold"/>
+              </a:rPr>
+              <a:t>황산칼륨</a:t>
+            </a:r>
+            <a:r>
+              <a:rPr lang="ko-KR" altLang="en-US" sz="1200" dirty="0" smtClean="0">
+                <a:gradFill>
+                  <a:gsLst>
+                    <a:gs pos="0">
+                      <a:srgbClr val="404040"/>
+                    </a:gs>
+                    <a:gs pos="100000">
+                      <a:srgbClr val="404040"/>
+                    </a:gs>
+                  </a:gsLst>
+                  <a:lin ang="5400000" scaled="0"/>
+                </a:gradFill>
+                <a:latin typeface="나눔고딕" panose="020D0604000000000000" pitchFamily="50" charset="-127"/>
+                <a:ea typeface="나눔고딕 ExtraBold"/>
+              </a:rPr>
+              <a:t> 농도</a:t>
+            </a:r>
+            <a:endParaRPr lang="en-US" altLang="ko-KR" sz="1200" dirty="0">
+              <a:gradFill>
+                <a:gsLst>
+                  <a:gs pos="0">
+                    <a:srgbClr val="404040"/>
+                  </a:gs>
+                  <a:gs pos="100000">
+                    <a:srgbClr val="404040"/>
+                  </a:gs>
+                </a:gsLst>
+                <a:lin ang="5400000" scaled="0"/>
+              </a:gradFill>
+              <a:latin typeface="나눔고딕" panose="020D0604000000000000" pitchFamily="50" charset="-127"/>
+              <a:ea typeface="나눔고딕 ExtraBold"/>
+            </a:endParaRPr>
+          </a:p>
+          <a:p>
+            <a:pPr latinLnBrk="1">
+              <a:lnSpc>
+                <a:spcPct val="150000"/>
+              </a:lnSpc>
+            </a:pPr>
+            <a:r>
+              <a:rPr lang="en-US" altLang="ko-KR" sz="1200" dirty="0" smtClean="0">
+                <a:gradFill>
+                  <a:gsLst>
+                    <a:gs pos="0">
+                      <a:srgbClr val="404040"/>
+                    </a:gs>
+                    <a:gs pos="100000">
+                      <a:srgbClr val="404040"/>
+                    </a:gs>
+                  </a:gsLst>
+                  <a:lin ang="5400000" scaled="0"/>
+                </a:gradFill>
+                <a:latin typeface="나눔고딕" panose="020D0604000000000000" pitchFamily="50" charset="-127"/>
+                <a:ea typeface="나눔고딕 ExtraBold"/>
+              </a:rPr>
+              <a:t>- </a:t>
+            </a:r>
+            <a:r>
+              <a:rPr lang="ko-KR" altLang="en-US" sz="1200" dirty="0">
+                <a:gradFill>
+                  <a:gsLst>
+                    <a:gs pos="0">
+                      <a:srgbClr val="404040"/>
+                    </a:gs>
+                    <a:gs pos="100000">
+                      <a:srgbClr val="404040"/>
+                    </a:gs>
+                  </a:gsLst>
+                  <a:lin ang="5400000" scaled="0"/>
+                </a:gradFill>
+                <a:latin typeface="나눔고딕" panose="020D0604000000000000" pitchFamily="50" charset="-127"/>
+                <a:ea typeface="나눔고딕 ExtraBold"/>
+              </a:rPr>
+              <a:t>정보 </a:t>
+            </a:r>
+            <a:r>
+              <a:rPr lang="en-US" altLang="ko-KR" sz="1200" dirty="0" smtClean="0">
+                <a:gradFill>
+                  <a:gsLst>
+                    <a:gs pos="0">
+                      <a:srgbClr val="404040"/>
+                    </a:gs>
+                    <a:gs pos="100000">
+                      <a:srgbClr val="404040"/>
+                    </a:gs>
+                  </a:gsLst>
+                  <a:lin ang="5400000" scaled="0"/>
+                </a:gradFill>
+                <a:latin typeface="나눔고딕" panose="020D0604000000000000" pitchFamily="50" charset="-127"/>
+                <a:ea typeface="나눔고딕 ExtraBold"/>
+              </a:rPr>
+              <a:t>11: </a:t>
+            </a:r>
+            <a:r>
+              <a:rPr lang="ko-KR" altLang="en-US" sz="1200" dirty="0" smtClean="0">
+                <a:gradFill>
+                  <a:gsLst>
+                    <a:gs pos="0">
+                      <a:srgbClr val="404040"/>
+                    </a:gs>
+                    <a:gs pos="100000">
+                      <a:srgbClr val="404040"/>
+                    </a:gs>
+                  </a:gsLst>
+                  <a:lin ang="5400000" scaled="0"/>
+                </a:gradFill>
+                <a:latin typeface="나눔고딕" panose="020D0604000000000000" pitchFamily="50" charset="-127"/>
+                <a:ea typeface="나눔고딕 ExtraBold"/>
+              </a:rPr>
+              <a:t>알코올 도수</a:t>
+            </a:r>
+            <a:endParaRPr lang="en-US" altLang="ko-KR" sz="1200" dirty="0">
+              <a:gradFill>
+                <a:gsLst>
+                  <a:gs pos="0">
+                    <a:srgbClr val="404040"/>
+                  </a:gs>
+                  <a:gs pos="100000">
+                    <a:srgbClr val="404040"/>
+                  </a:gs>
+                </a:gsLst>
+                <a:lin ang="5400000" scaled="0"/>
+              </a:gradFill>
+              <a:latin typeface="나눔고딕" panose="020D0604000000000000" pitchFamily="50" charset="-127"/>
+              <a:ea typeface="나눔고딕 ExtraBold"/>
+            </a:endParaRPr>
+          </a:p>
+          <a:p>
+            <a:pPr latinLnBrk="1">
+              <a:lnSpc>
+                <a:spcPct val="150000"/>
+              </a:lnSpc>
+            </a:pPr>
+            <a:r>
+              <a:rPr lang="en-US" altLang="ko-KR" sz="1200" dirty="0" smtClean="0">
+                <a:gradFill>
+                  <a:gsLst>
+                    <a:gs pos="0">
+                      <a:srgbClr val="404040"/>
+                    </a:gs>
+                    <a:gs pos="100000">
+                      <a:srgbClr val="404040"/>
+                    </a:gs>
+                  </a:gsLst>
+                  <a:lin ang="5400000" scaled="0"/>
+                </a:gradFill>
+                <a:latin typeface="나눔고딕" panose="020D0604000000000000" pitchFamily="50" charset="-127"/>
+                <a:ea typeface="나눔고딕 ExtraBold"/>
+              </a:rPr>
+              <a:t>- </a:t>
+            </a:r>
+            <a:r>
+              <a:rPr lang="ko-KR" altLang="en-US" sz="1200" dirty="0">
+                <a:gradFill>
+                  <a:gsLst>
+                    <a:gs pos="0">
+                      <a:srgbClr val="404040"/>
+                    </a:gs>
+                    <a:gs pos="100000">
+                      <a:srgbClr val="404040"/>
+                    </a:gs>
+                  </a:gsLst>
+                  <a:lin ang="5400000" scaled="0"/>
+                </a:gradFill>
+                <a:latin typeface="나눔고딕" panose="020D0604000000000000" pitchFamily="50" charset="-127"/>
+                <a:ea typeface="나눔고딕 ExtraBold"/>
+              </a:rPr>
+              <a:t>정보 </a:t>
+            </a:r>
+            <a:r>
+              <a:rPr lang="en-US" altLang="ko-KR" sz="1200" dirty="0" smtClean="0">
+                <a:gradFill>
+                  <a:gsLst>
+                    <a:gs pos="0">
+                      <a:srgbClr val="404040"/>
+                    </a:gs>
+                    <a:gs pos="100000">
+                      <a:srgbClr val="404040"/>
+                    </a:gs>
+                  </a:gsLst>
+                  <a:lin ang="5400000" scaled="0"/>
+                </a:gradFill>
+                <a:latin typeface="나눔고딕" panose="020D0604000000000000" pitchFamily="50" charset="-127"/>
+                <a:ea typeface="나눔고딕 ExtraBold"/>
+              </a:rPr>
+              <a:t>12:</a:t>
+            </a:r>
+            <a:r>
+              <a:rPr lang="ko-KR" altLang="en-US" sz="1200" dirty="0">
+                <a:gradFill>
+                  <a:gsLst>
+                    <a:gs pos="0">
+                      <a:srgbClr val="404040"/>
+                    </a:gs>
+                    <a:gs pos="100000">
+                      <a:srgbClr val="404040"/>
+                    </a:gs>
+                  </a:gsLst>
+                  <a:lin ang="5400000" scaled="0"/>
+                </a:gradFill>
+                <a:latin typeface="나눔고딕" panose="020D0604000000000000" pitchFamily="50" charset="-127"/>
+                <a:ea typeface="나눔고딕 ExtraBold"/>
+              </a:rPr>
+              <a:t> 와인의 맛</a:t>
+            </a:r>
+            <a:r>
+              <a:rPr lang="en-US" altLang="ko-KR" sz="1200" dirty="0">
+                <a:gradFill>
+                  <a:gsLst>
+                    <a:gs pos="0">
+                      <a:srgbClr val="404040"/>
+                    </a:gs>
+                    <a:gs pos="100000">
+                      <a:srgbClr val="404040"/>
+                    </a:gs>
+                  </a:gsLst>
+                  <a:lin ang="5400000" scaled="0"/>
+                </a:gradFill>
+                <a:latin typeface="나눔고딕" panose="020D0604000000000000" pitchFamily="50" charset="-127"/>
+                <a:ea typeface="나눔고딕 ExtraBold"/>
+              </a:rPr>
+              <a:t>(0~10</a:t>
+            </a:r>
+            <a:r>
+              <a:rPr lang="ko-KR" altLang="en-US" sz="1200" dirty="0">
+                <a:gradFill>
+                  <a:gsLst>
+                    <a:gs pos="0">
+                      <a:srgbClr val="404040"/>
+                    </a:gs>
+                    <a:gs pos="100000">
+                      <a:srgbClr val="404040"/>
+                    </a:gs>
+                  </a:gsLst>
+                  <a:lin ang="5400000" scaled="0"/>
+                </a:gradFill>
+                <a:latin typeface="나눔고딕" panose="020D0604000000000000" pitchFamily="50" charset="-127"/>
+                <a:ea typeface="나눔고딕 ExtraBold"/>
+              </a:rPr>
+              <a:t>등급</a:t>
+            </a:r>
+            <a:r>
+              <a:rPr lang="en-US" altLang="ko-KR" sz="1200" dirty="0">
+                <a:gradFill>
+                  <a:gsLst>
+                    <a:gs pos="0">
+                      <a:srgbClr val="404040"/>
+                    </a:gs>
+                    <a:gs pos="100000">
+                      <a:srgbClr val="404040"/>
+                    </a:gs>
+                  </a:gsLst>
+                  <a:lin ang="5400000" scaled="0"/>
+                </a:gradFill>
+                <a:latin typeface="나눔고딕" panose="020D0604000000000000" pitchFamily="50" charset="-127"/>
+                <a:ea typeface="나눔고딕 ExtraBold"/>
+              </a:rPr>
+              <a:t>)</a:t>
+            </a:r>
+            <a:endParaRPr lang="ko-KR" altLang="en-US" sz="1200" dirty="0">
+              <a:gradFill>
+                <a:gsLst>
+                  <a:gs pos="0">
+                    <a:srgbClr val="404040"/>
+                  </a:gs>
+                  <a:gs pos="100000">
+                    <a:srgbClr val="404040"/>
+                  </a:gs>
+                </a:gsLst>
+                <a:lin ang="5400000" scaled="0"/>
+              </a:gradFill>
+              <a:latin typeface="나눔고딕" panose="020D0604000000000000" pitchFamily="50" charset="-127"/>
+              <a:ea typeface="나눔고딕 ExtraBold"/>
+            </a:endParaRPr>
+          </a:p>
+        </p:txBody>
+      </p:sp>
+      <p:sp>
+        <p:nvSpPr>
+          <p:cNvPr id="9" name="직사각형 8"/>
+          <p:cNvSpPr/>
+          <p:nvPr/>
+        </p:nvSpPr>
+        <p:spPr>
+          <a:xfrm>
+            <a:off x="2927796" y="5045446"/>
+            <a:ext cx="4572000" cy="1200329"/>
+          </a:xfrm>
+          <a:prstGeom prst="rect">
+            <a:avLst/>
+          </a:prstGeom>
+        </p:spPr>
+        <p:txBody>
+          <a:bodyPr>
+            <a:spAutoFit/>
+          </a:bodyPr>
+          <a:lstStyle/>
+          <a:p>
+            <a:pPr latinLnBrk="1">
+              <a:lnSpc>
+                <a:spcPct val="150000"/>
+              </a:lnSpc>
+            </a:pPr>
+            <a:r>
+              <a:rPr lang="en-US" altLang="ko-KR" sz="1200" dirty="0">
+                <a:gradFill>
+                  <a:gsLst>
+                    <a:gs pos="0">
+                      <a:srgbClr val="404040"/>
+                    </a:gs>
+                    <a:gs pos="100000">
+                      <a:srgbClr val="404040"/>
+                    </a:gs>
+                  </a:gsLst>
+                  <a:lin ang="5400000" scaled="0"/>
+                </a:gradFill>
+                <a:latin typeface="나눔고딕" panose="020D0604000000000000" pitchFamily="50" charset="-127"/>
+                <a:ea typeface="나눔고딕 ExtraBold"/>
+              </a:rPr>
+              <a:t>- </a:t>
+            </a:r>
+            <a:r>
+              <a:rPr lang="ko-KR" altLang="en-US" sz="1200" dirty="0">
+                <a:gradFill>
+                  <a:gsLst>
+                    <a:gs pos="0">
+                      <a:srgbClr val="404040"/>
+                    </a:gs>
+                    <a:gs pos="100000">
+                      <a:srgbClr val="404040"/>
+                    </a:gs>
+                  </a:gsLst>
+                  <a:lin ang="5400000" scaled="0"/>
+                </a:gradFill>
+                <a:latin typeface="나눔고딕" panose="020D0604000000000000" pitchFamily="50" charset="-127"/>
+                <a:ea typeface="나눔고딕 ExtraBold"/>
+              </a:rPr>
+              <a:t>정보 </a:t>
+            </a:r>
+            <a:r>
+              <a:rPr lang="en-US" altLang="ko-KR" sz="1200" dirty="0">
+                <a:gradFill>
+                  <a:gsLst>
+                    <a:gs pos="0">
+                      <a:srgbClr val="404040"/>
+                    </a:gs>
+                    <a:gs pos="100000">
+                      <a:srgbClr val="404040"/>
+                    </a:gs>
+                  </a:gsLst>
+                  <a:lin ang="5400000" scaled="0"/>
+                </a:gradFill>
+                <a:latin typeface="나눔고딕" panose="020D0604000000000000" pitchFamily="50" charset="-127"/>
+                <a:ea typeface="나눔고딕 ExtraBold"/>
+              </a:rPr>
+              <a:t>5: </a:t>
+            </a:r>
+            <a:r>
+              <a:rPr lang="ko-KR" altLang="en-US" sz="1200" dirty="0" err="1">
+                <a:gradFill>
+                  <a:gsLst>
+                    <a:gs pos="0">
+                      <a:srgbClr val="404040"/>
+                    </a:gs>
+                    <a:gs pos="100000">
+                      <a:srgbClr val="404040"/>
+                    </a:gs>
+                  </a:gsLst>
+                  <a:lin ang="5400000" scaled="0"/>
+                </a:gradFill>
+                <a:latin typeface="나눔고딕" panose="020D0604000000000000" pitchFamily="50" charset="-127"/>
+                <a:ea typeface="나눔고딕 ExtraBold"/>
+              </a:rPr>
+              <a:t>염화나트륨</a:t>
+            </a:r>
+            <a:r>
+              <a:rPr lang="ko-KR" altLang="en-US" sz="1200" dirty="0">
+                <a:gradFill>
+                  <a:gsLst>
+                    <a:gs pos="0">
+                      <a:srgbClr val="404040"/>
+                    </a:gs>
+                    <a:gs pos="100000">
+                      <a:srgbClr val="404040"/>
+                    </a:gs>
+                  </a:gsLst>
+                  <a:lin ang="5400000" scaled="0"/>
+                </a:gradFill>
+                <a:latin typeface="나눔고딕" panose="020D0604000000000000" pitchFamily="50" charset="-127"/>
+                <a:ea typeface="나눔고딕 ExtraBold"/>
+              </a:rPr>
+              <a:t> 농도</a:t>
+            </a:r>
+            <a:endParaRPr lang="en-US" altLang="ko-KR" sz="1200" dirty="0">
+              <a:gradFill>
+                <a:gsLst>
+                  <a:gs pos="0">
+                    <a:srgbClr val="404040"/>
+                  </a:gs>
+                  <a:gs pos="100000">
+                    <a:srgbClr val="404040"/>
+                  </a:gs>
+                </a:gsLst>
+                <a:lin ang="5400000" scaled="0"/>
+              </a:gradFill>
+              <a:latin typeface="나눔고딕" panose="020D0604000000000000" pitchFamily="50" charset="-127"/>
+              <a:ea typeface="나눔고딕 ExtraBold"/>
+            </a:endParaRPr>
+          </a:p>
+          <a:p>
+            <a:pPr latinLnBrk="1">
+              <a:lnSpc>
+                <a:spcPct val="150000"/>
+              </a:lnSpc>
+            </a:pPr>
+            <a:r>
+              <a:rPr lang="en-US" altLang="ko-KR" sz="1200" dirty="0" smtClean="0">
+                <a:gradFill>
+                  <a:gsLst>
+                    <a:gs pos="0">
+                      <a:srgbClr val="404040"/>
+                    </a:gs>
+                    <a:gs pos="100000">
+                      <a:srgbClr val="404040"/>
+                    </a:gs>
+                  </a:gsLst>
+                  <a:lin ang="5400000" scaled="0"/>
+                </a:gradFill>
+                <a:latin typeface="나눔고딕" panose="020D0604000000000000" pitchFamily="50" charset="-127"/>
+                <a:ea typeface="나눔고딕 ExtraBold"/>
+              </a:rPr>
+              <a:t>- </a:t>
+            </a:r>
+            <a:r>
+              <a:rPr lang="ko-KR" altLang="en-US" sz="1200" dirty="0">
+                <a:gradFill>
+                  <a:gsLst>
+                    <a:gs pos="0">
+                      <a:srgbClr val="404040"/>
+                    </a:gs>
+                    <a:gs pos="100000">
+                      <a:srgbClr val="404040"/>
+                    </a:gs>
+                  </a:gsLst>
+                  <a:lin ang="5400000" scaled="0"/>
+                </a:gradFill>
+                <a:latin typeface="나눔고딕" panose="020D0604000000000000" pitchFamily="50" charset="-127"/>
+                <a:ea typeface="나눔고딕 ExtraBold"/>
+              </a:rPr>
+              <a:t>정보 </a:t>
+            </a:r>
+            <a:r>
+              <a:rPr lang="en-US" altLang="ko-KR" sz="1200" dirty="0">
+                <a:gradFill>
+                  <a:gsLst>
+                    <a:gs pos="0">
+                      <a:srgbClr val="404040"/>
+                    </a:gs>
+                    <a:gs pos="100000">
+                      <a:srgbClr val="404040"/>
+                    </a:gs>
+                  </a:gsLst>
+                  <a:lin ang="5400000" scaled="0"/>
+                </a:gradFill>
+                <a:latin typeface="나눔고딕" panose="020D0604000000000000" pitchFamily="50" charset="-127"/>
+                <a:ea typeface="나눔고딕 ExtraBold"/>
+              </a:rPr>
+              <a:t>6: </a:t>
+            </a:r>
+            <a:r>
+              <a:rPr lang="ko-KR" altLang="en-US" sz="1200" dirty="0">
+                <a:gradFill>
+                  <a:gsLst>
+                    <a:gs pos="0">
+                      <a:srgbClr val="404040"/>
+                    </a:gs>
+                    <a:gs pos="100000">
+                      <a:srgbClr val="404040"/>
+                    </a:gs>
+                  </a:gsLst>
+                  <a:lin ang="5400000" scaled="0"/>
+                </a:gradFill>
+                <a:latin typeface="나눔고딕" panose="020D0604000000000000" pitchFamily="50" charset="-127"/>
+                <a:ea typeface="나눔고딕 ExtraBold"/>
+              </a:rPr>
+              <a:t>유리 아황산 </a:t>
+            </a:r>
+            <a:r>
+              <a:rPr lang="ko-KR" altLang="en-US" sz="1200" dirty="0">
+                <a:gradFill>
+                  <a:gsLst>
+                    <a:gs pos="0">
+                      <a:srgbClr val="404040"/>
+                    </a:gs>
+                    <a:gs pos="100000">
+                      <a:srgbClr val="404040"/>
+                    </a:gs>
+                  </a:gsLst>
+                  <a:lin ang="5400000" scaled="0"/>
+                </a:gradFill>
+                <a:latin typeface="나눔고딕" panose="020D0604000000000000" pitchFamily="50" charset="-127"/>
+                <a:ea typeface="나눔고딕 ExtraBold"/>
+              </a:rPr>
+              <a:t>농도</a:t>
+            </a:r>
+            <a:endParaRPr lang="en-US" altLang="ko-KR" sz="1200" dirty="0">
+              <a:gradFill>
+                <a:gsLst>
+                  <a:gs pos="0">
+                    <a:srgbClr val="404040"/>
+                  </a:gs>
+                  <a:gs pos="100000">
+                    <a:srgbClr val="404040"/>
+                  </a:gs>
+                </a:gsLst>
+                <a:lin ang="5400000" scaled="0"/>
+              </a:gradFill>
+              <a:latin typeface="나눔고딕" panose="020D0604000000000000" pitchFamily="50" charset="-127"/>
+              <a:ea typeface="나눔고딕 ExtraBold"/>
+            </a:endParaRPr>
+          </a:p>
+          <a:p>
+            <a:pPr latinLnBrk="1">
+              <a:lnSpc>
+                <a:spcPct val="150000"/>
+              </a:lnSpc>
+            </a:pPr>
+            <a:r>
+              <a:rPr lang="en-US" altLang="ko-KR" sz="1200" dirty="0">
+                <a:gradFill>
+                  <a:gsLst>
+                    <a:gs pos="0">
+                      <a:srgbClr val="404040"/>
+                    </a:gs>
+                    <a:gs pos="100000">
+                      <a:srgbClr val="404040"/>
+                    </a:gs>
+                  </a:gsLst>
+                  <a:lin ang="5400000" scaled="0"/>
+                </a:gradFill>
+                <a:latin typeface="나눔고딕" panose="020D0604000000000000" pitchFamily="50" charset="-127"/>
+                <a:ea typeface="나눔고딕 ExtraBold"/>
+              </a:rPr>
+              <a:t>- </a:t>
+            </a:r>
+            <a:r>
+              <a:rPr lang="ko-KR" altLang="en-US" sz="1200" dirty="0">
+                <a:gradFill>
+                  <a:gsLst>
+                    <a:gs pos="0">
+                      <a:srgbClr val="404040"/>
+                    </a:gs>
+                    <a:gs pos="100000">
+                      <a:srgbClr val="404040"/>
+                    </a:gs>
+                  </a:gsLst>
+                  <a:lin ang="5400000" scaled="0"/>
+                </a:gradFill>
+                <a:latin typeface="나눔고딕" panose="020D0604000000000000" pitchFamily="50" charset="-127"/>
+                <a:ea typeface="나눔고딕 ExtraBold"/>
+              </a:rPr>
+              <a:t>정보 </a:t>
+            </a:r>
+            <a:r>
+              <a:rPr lang="en-US" altLang="ko-KR" sz="1200" dirty="0">
+                <a:gradFill>
+                  <a:gsLst>
+                    <a:gs pos="0">
+                      <a:srgbClr val="404040"/>
+                    </a:gs>
+                    <a:gs pos="100000">
+                      <a:srgbClr val="404040"/>
+                    </a:gs>
+                  </a:gsLst>
+                  <a:lin ang="5400000" scaled="0"/>
+                </a:gradFill>
+                <a:latin typeface="나눔고딕" panose="020D0604000000000000" pitchFamily="50" charset="-127"/>
+                <a:ea typeface="나눔고딕 ExtraBold"/>
+              </a:rPr>
+              <a:t>7: </a:t>
+            </a:r>
+            <a:r>
+              <a:rPr lang="ko-KR" altLang="en-US" sz="1200" dirty="0">
+                <a:gradFill>
+                  <a:gsLst>
+                    <a:gs pos="0">
+                      <a:srgbClr val="404040"/>
+                    </a:gs>
+                    <a:gs pos="100000">
+                      <a:srgbClr val="404040"/>
+                    </a:gs>
+                  </a:gsLst>
+                  <a:lin ang="5400000" scaled="0"/>
+                </a:gradFill>
+                <a:latin typeface="나눔고딕" panose="020D0604000000000000" pitchFamily="50" charset="-127"/>
+                <a:ea typeface="나눔고딕 ExtraBold"/>
+              </a:rPr>
+              <a:t>총 아황산 농도</a:t>
+            </a:r>
+            <a:endParaRPr lang="en-US" altLang="ko-KR" sz="1200" dirty="0">
+              <a:gradFill>
+                <a:gsLst>
+                  <a:gs pos="0">
+                    <a:srgbClr val="404040"/>
+                  </a:gs>
+                  <a:gs pos="100000">
+                    <a:srgbClr val="404040"/>
+                  </a:gs>
+                </a:gsLst>
+                <a:lin ang="5400000" scaled="0"/>
+              </a:gradFill>
+              <a:latin typeface="나눔고딕" panose="020D0604000000000000" pitchFamily="50" charset="-127"/>
+              <a:ea typeface="나눔고딕 ExtraBold"/>
+            </a:endParaRPr>
+          </a:p>
+          <a:p>
+            <a:pPr latinLnBrk="1">
+              <a:lnSpc>
+                <a:spcPct val="150000"/>
+              </a:lnSpc>
+            </a:pPr>
+            <a:r>
+              <a:rPr lang="en-US" altLang="ko-KR" sz="1200" dirty="0">
+                <a:gradFill>
+                  <a:gsLst>
+                    <a:gs pos="0">
+                      <a:srgbClr val="404040"/>
+                    </a:gs>
+                    <a:gs pos="100000">
+                      <a:srgbClr val="404040"/>
+                    </a:gs>
+                  </a:gsLst>
+                  <a:lin ang="5400000" scaled="0"/>
+                </a:gradFill>
+                <a:latin typeface="나눔고딕" panose="020D0604000000000000" pitchFamily="50" charset="-127"/>
+                <a:ea typeface="나눔고딕 ExtraBold"/>
+              </a:rPr>
+              <a:t>- </a:t>
+            </a:r>
+            <a:r>
+              <a:rPr lang="ko-KR" altLang="en-US" sz="1200" dirty="0">
+                <a:gradFill>
+                  <a:gsLst>
+                    <a:gs pos="0">
+                      <a:srgbClr val="404040"/>
+                    </a:gs>
+                    <a:gs pos="100000">
+                      <a:srgbClr val="404040"/>
+                    </a:gs>
+                  </a:gsLst>
+                  <a:lin ang="5400000" scaled="0"/>
+                </a:gradFill>
+                <a:latin typeface="나눔고딕" panose="020D0604000000000000" pitchFamily="50" charset="-127"/>
+                <a:ea typeface="나눔고딕 ExtraBold"/>
+              </a:rPr>
+              <a:t>정보 </a:t>
+            </a:r>
+            <a:r>
+              <a:rPr lang="en-US" altLang="ko-KR" sz="1200" dirty="0">
+                <a:gradFill>
+                  <a:gsLst>
+                    <a:gs pos="0">
+                      <a:srgbClr val="404040"/>
+                    </a:gs>
+                    <a:gs pos="100000">
+                      <a:srgbClr val="404040"/>
+                    </a:gs>
+                  </a:gsLst>
+                  <a:lin ang="5400000" scaled="0"/>
+                </a:gradFill>
+                <a:latin typeface="나눔고딕" panose="020D0604000000000000" pitchFamily="50" charset="-127"/>
+                <a:ea typeface="나눔고딕 ExtraBold"/>
+              </a:rPr>
+              <a:t>8: </a:t>
+            </a:r>
+            <a:r>
+              <a:rPr lang="ko-KR" altLang="en-US" sz="1200" dirty="0" smtClean="0">
+                <a:gradFill>
+                  <a:gsLst>
+                    <a:gs pos="0">
+                      <a:srgbClr val="404040"/>
+                    </a:gs>
+                    <a:gs pos="100000">
+                      <a:srgbClr val="404040"/>
+                    </a:gs>
+                  </a:gsLst>
+                  <a:lin ang="5400000" scaled="0"/>
+                </a:gradFill>
+                <a:latin typeface="나눔고딕" panose="020D0604000000000000" pitchFamily="50" charset="-127"/>
+                <a:ea typeface="나눔고딕 ExtraBold"/>
+              </a:rPr>
+              <a:t>밀도</a:t>
+            </a:r>
+            <a:endParaRPr lang="en-US" altLang="ko-KR" sz="1200" dirty="0">
+              <a:gradFill>
+                <a:gsLst>
+                  <a:gs pos="0">
+                    <a:srgbClr val="404040"/>
+                  </a:gs>
+                  <a:gs pos="100000">
+                    <a:srgbClr val="404040"/>
+                  </a:gs>
+                </a:gsLst>
+                <a:lin ang="5400000" scaled="0"/>
+              </a:gradFill>
+              <a:latin typeface="나눔고딕" panose="020D0604000000000000" pitchFamily="50" charset="-127"/>
+              <a:ea typeface="나눔고딕 ExtraBold"/>
+            </a:endParaRPr>
+          </a:p>
+        </p:txBody>
+      </p:sp>
+    </p:spTree>
+    <p:extLst>
+      <p:ext uri="{BB962C8B-B14F-4D97-AF65-F5344CB8AC3E}">
+        <p14:creationId xmlns:p14="http://schemas.microsoft.com/office/powerpoint/2010/main" val="2497971525"/>
+      </p:ext>
+    </p:extLst>
+  </p:cSld>
+  <p:clrMapOvr>
+    <a:masterClrMapping/>
+  </p:clrMapOvr>
+  <p:timing>
+    <p:tnLst>
+      <p:par>
+        <p:cTn id="1" dur="indefinite" restart="never" nodeType="tmRoot"/>
+      </p:par>
+    </p:tnLst>
+  </p:timing>
+</p:sld>
+</file>
+
+<file path=ppt/slides/slide15.xml><?xml version="1.0" encoding="utf-8"?>
+<p:sld xmlns:a="http://schemas.openxmlformats.org/drawingml/2006/main" xmlns:r="http://schemas.openxmlformats.org/officeDocument/2006/relationships" xmlns:p="http://schemas.openxmlformats.org/presentationml/2006/main">
+  <p:cSld>
+    <p:spTree>
+      <p:nvGrpSpPr>
+        <p:cNvPr id="1" name=""/>
+        <p:cNvGrpSpPr/>
+        <p:nvPr/>
+      </p:nvGrpSpPr>
+      <p:grpSpPr>
+        <a:xfrm>
+          <a:off x="0" y="0"/>
+          <a:ext cx="0" cy="0"/>
+          <a:chOff x="0" y="0"/>
+          <a:chExt cx="0" cy="0"/>
+        </a:xfrm>
+      </p:grpSpPr>
+      <p:sp>
+        <p:nvSpPr>
           <p:cNvPr id="4" name="제목 1"/>
           <p:cNvSpPr txBox="1">
             <a:spLocks/>
@@ -9405,7 +10081,7 @@
 </p:sld>
 </file>
 
-<file path=ppt/slides/slide15.xml><?xml version="1.0" encoding="utf-8"?>
+<file path=ppt/slides/slide16.xml><?xml version="1.0" encoding="utf-8"?>
 <p:sld xmlns:a="http://schemas.openxmlformats.org/drawingml/2006/main" xmlns:r="http://schemas.openxmlformats.org/officeDocument/2006/relationships" xmlns:p="http://schemas.openxmlformats.org/presentationml/2006/main">
   <p:cSld>
     <p:spTree>
@@ -10455,7 +11131,7 @@
 </p:sld>
 </file>
 
-<file path=ppt/slides/slide16.xml><?xml version="1.0" encoding="utf-8"?>
+<file path=ppt/slides/slide17.xml><?xml version="1.0" encoding="utf-8"?>
 <p:sld xmlns:a="http://schemas.openxmlformats.org/drawingml/2006/main" xmlns:r="http://schemas.openxmlformats.org/officeDocument/2006/relationships" xmlns:p="http://schemas.openxmlformats.org/presentationml/2006/main">
   <p:cSld>
     <p:spTree>
@@ -12433,14 +13109,6 @@
               </a:rPr>
               <a:t>데이터 다루기</a:t>
             </a:r>
-            <a:endParaRPr lang="ko-KR" altLang="en-US" sz="3800" kern="0" dirty="0" smtClean="0">
-              <a:solidFill>
-                <a:schemeClr val="tx1"/>
-              </a:solidFill>
-              <a:latin typeface="나눔고딕 ExtraBold" panose="020D0904000000000000" pitchFamily="50" charset="-127"/>
-              <a:ea typeface="나눔고딕 ExtraBold" panose="020D0904000000000000" pitchFamily="50" charset="-127"/>
-              <a:cs typeface="Nanum Gothic"/>
-            </a:endParaRPr>
           </a:p>
         </p:txBody>
       </p:sp>
@@ -12751,10 +13419,6 @@
               </a:rPr>
               <a:t>데이터 다루기</a:t>
             </a:r>
-            <a:endParaRPr lang="ko-KR" altLang="en-US" sz="2800" dirty="0" smtClean="0">
-              <a:latin typeface="나눔고딕 ExtraBold" panose="020D0904000000000000" pitchFamily="50" charset="-127"/>
-              <a:ea typeface="나눔고딕 ExtraBold" panose="020D0904000000000000" pitchFamily="50" charset="-127"/>
-            </a:endParaRPr>
           </a:p>
         </p:txBody>
       </p:sp>
@@ -13932,21 +14596,6 @@
               </a:rPr>
               <a:t>?</a:t>
             </a:r>
-            <a:endParaRPr lang="en-US" altLang="ko-KR" sz="1600" b="1" dirty="0" smtClean="0">
-              <a:gradFill>
-                <a:gsLst>
-                  <a:gs pos="0">
-                    <a:srgbClr val="404040"/>
-                  </a:gs>
-                  <a:gs pos="100000">
-                    <a:srgbClr val="404040"/>
-                  </a:gs>
-                </a:gsLst>
-                <a:lin ang="5400000" scaled="0"/>
-              </a:gradFill>
-              <a:latin typeface="나눔고딕" panose="020D0604000000000000" pitchFamily="50" charset="-127"/>
-              <a:ea typeface="나눔고딕 ExtraBold"/>
-            </a:endParaRPr>
           </a:p>
         </p:txBody>
       </p:sp>
@@ -14445,10 +15094,6 @@
               </a:rPr>
               <a:t>데이터 다루기</a:t>
             </a:r>
-            <a:endParaRPr lang="ko-KR" altLang="en-US" sz="2800" dirty="0" smtClean="0">
-              <a:latin typeface="나눔고딕 ExtraBold" panose="020D0904000000000000" pitchFamily="50" charset="-127"/>
-              <a:ea typeface="나눔고딕 ExtraBold" panose="020D0904000000000000" pitchFamily="50" charset="-127"/>
-            </a:endParaRPr>
           </a:p>
         </p:txBody>
       </p:sp>
@@ -16087,14 +16732,6 @@
               </a:rPr>
               <a:t>다중 분류 문제</a:t>
             </a:r>
-            <a:endParaRPr lang="ko-KR" altLang="en-US" sz="3800" kern="0" dirty="0" smtClean="0">
-              <a:solidFill>
-                <a:schemeClr val="tx1"/>
-              </a:solidFill>
-              <a:latin typeface="나눔고딕 ExtraBold" panose="020D0904000000000000" pitchFamily="50" charset="-127"/>
-              <a:ea typeface="나눔고딕 ExtraBold" panose="020D0904000000000000" pitchFamily="50" charset="-127"/>
-              <a:cs typeface="Nanum Gothic"/>
-            </a:endParaRPr>
           </a:p>
         </p:txBody>
       </p:sp>
@@ -16719,7 +17356,7 @@
                 <a:latin typeface="나눔고딕" panose="020D0604000000000000" pitchFamily="50" charset="-127"/>
                 <a:ea typeface="나눔고딕 ExtraBold"/>
               </a:rPr>
-              <a:t>피마 인디언 데이터 분석하기</a:t>
+              <a:t>아이리스 품종 예측하기</a:t>
             </a:r>
             <a:endParaRPr sz="2000" b="1" dirty="0">
               <a:gradFill>
@@ -16750,7 +17387,7 @@
         <p:spPr>
           <a:xfrm>
             <a:off x="827584" y="4725144"/>
-            <a:ext cx="7488832" cy="886397"/>
+            <a:ext cx="7488832" cy="566309"/>
           </a:xfrm>
           <a:prstGeom prst="rect">
             <a:avLst/>
@@ -17043,7 +17680,115 @@
                 <a:latin typeface="나눔고딕" panose="020D0604000000000000" pitchFamily="50" charset="-127"/>
                 <a:ea typeface="나눔고딕 ExtraBold"/>
               </a:rPr>
-              <a:t>피마 인디언은 미국 남서부에 살고 있는 원주민</a:t>
+              <a:t>꽃봉오리가 마치 먹물을 머금은 붓과 </a:t>
+            </a:r>
+            <a:r>
+              <a:rPr lang="ko-KR" altLang="en-US" sz="1600" b="1" dirty="0" err="1" smtClean="0">
+                <a:gradFill>
+                  <a:gsLst>
+                    <a:gs pos="0">
+                      <a:srgbClr val="404040"/>
+                    </a:gs>
+                    <a:gs pos="100000">
+                      <a:srgbClr val="404040"/>
+                    </a:gs>
+                  </a:gsLst>
+                  <a:lin ang="5400000" scaled="0"/>
+                </a:gradFill>
+                <a:latin typeface="나눔고딕" panose="020D0604000000000000" pitchFamily="50" charset="-127"/>
+                <a:ea typeface="나눔고딕 ExtraBold"/>
+              </a:rPr>
+              <a:t>같다하여</a:t>
+            </a:r>
+            <a:r>
+              <a:rPr lang="ko-KR" altLang="en-US" sz="1600" b="1" dirty="0" smtClean="0">
+                <a:gradFill>
+                  <a:gsLst>
+                    <a:gs pos="0">
+                      <a:srgbClr val="404040"/>
+                    </a:gs>
+                    <a:gs pos="100000">
+                      <a:srgbClr val="404040"/>
+                    </a:gs>
+                  </a:gsLst>
+                  <a:lin ang="5400000" scaled="0"/>
+                </a:gradFill>
+                <a:latin typeface="나눔고딕" panose="020D0604000000000000" pitchFamily="50" charset="-127"/>
+                <a:ea typeface="나눔고딕 ExtraBold"/>
+              </a:rPr>
+              <a:t> </a:t>
+            </a:r>
+            <a:r>
+              <a:rPr lang="en-US" altLang="ko-KR" sz="1600" b="1" dirty="0" smtClean="0">
+                <a:gradFill>
+                  <a:gsLst>
+                    <a:gs pos="0">
+                      <a:srgbClr val="404040"/>
+                    </a:gs>
+                    <a:gs pos="100000">
+                      <a:srgbClr val="404040"/>
+                    </a:gs>
+                  </a:gsLst>
+                  <a:lin ang="5400000" scaled="0"/>
+                </a:gradFill>
+                <a:latin typeface="나눔고딕" panose="020D0604000000000000" pitchFamily="50" charset="-127"/>
+                <a:ea typeface="나눔고딕 ExtraBold"/>
+              </a:rPr>
+              <a:t>‘</a:t>
+            </a:r>
+            <a:r>
+              <a:rPr lang="ko-KR" altLang="en-US" sz="1600" b="1" dirty="0" smtClean="0">
+                <a:gradFill>
+                  <a:gsLst>
+                    <a:gs pos="0">
+                      <a:srgbClr val="404040"/>
+                    </a:gs>
+                    <a:gs pos="100000">
+                      <a:srgbClr val="404040"/>
+                    </a:gs>
+                  </a:gsLst>
+                  <a:lin ang="5400000" scaled="0"/>
+                </a:gradFill>
+                <a:latin typeface="나눔고딕" panose="020D0604000000000000" pitchFamily="50" charset="-127"/>
+                <a:ea typeface="나눔고딕 ExtraBold"/>
+              </a:rPr>
+              <a:t>붓꽃</a:t>
+            </a:r>
+            <a:r>
+              <a:rPr lang="en-US" altLang="ko-KR" sz="1600" b="1" dirty="0" smtClean="0">
+                <a:gradFill>
+                  <a:gsLst>
+                    <a:gs pos="0">
+                      <a:srgbClr val="404040"/>
+                    </a:gs>
+                    <a:gs pos="100000">
+                      <a:srgbClr val="404040"/>
+                    </a:gs>
+                  </a:gsLst>
+                  <a:lin ang="5400000" scaled="0"/>
+                </a:gradFill>
+                <a:latin typeface="나눔고딕" panose="020D0604000000000000" pitchFamily="50" charset="-127"/>
+                <a:ea typeface="나눔고딕 ExtraBold"/>
+              </a:rPr>
+              <a:t>＇</a:t>
+            </a:r>
+            <a:r>
+              <a:rPr lang="ko-KR" altLang="en-US" sz="1600" b="1" dirty="0" smtClean="0">
+                <a:gradFill>
+                  <a:gsLst>
+                    <a:gs pos="0">
+                      <a:srgbClr val="404040"/>
+                    </a:gs>
+                    <a:gs pos="100000">
+                      <a:srgbClr val="404040"/>
+                    </a:gs>
+                  </a:gsLst>
+                  <a:lin ang="5400000" scaled="0"/>
+                </a:gradFill>
+                <a:latin typeface="나눔고딕" panose="020D0604000000000000" pitchFamily="50" charset="-127"/>
+                <a:ea typeface="나눔고딕 ExtraBold"/>
+              </a:rPr>
+              <a:t>이라 불림</a:t>
             </a:r>
             <a:endParaRPr lang="en-US" altLang="ko-KR" sz="1600" b="1" dirty="0" smtClean="0">
               <a:gradFill>
@@ -17068,24 +17813,6 @@
               <a:defRPr/>
             </a:pPr>
             <a:r>
-              <a:rPr lang="en-US" altLang="ko-KR" sz="1600" b="1" dirty="0" smtClean="0">
-                <a:gradFill>
-                  <a:gsLst>
-                    <a:gs pos="0">
-                      <a:srgbClr val="404040"/>
-                    </a:gs>
-                    <a:gs pos="100000">
-                      <a:srgbClr val="404040"/>
-                    </a:gs>
-                  </a:gsLst>
-                  <a:lin ang="5400000" scaled="0"/>
-                </a:gradFill>
-                <a:latin typeface="나눔고딕" panose="020D0604000000000000" pitchFamily="50" charset="-127"/>
-                <a:ea typeface="나눔고딕 ExtraBold"/>
-              </a:rPr>
-              <a:t>1950</a:t>
-            </a:r>
-            <a:r>
               <a:rPr lang="ko-KR" altLang="en-US" sz="1600" b="1" dirty="0" smtClean="0">
                 <a:gradFill>
                   <a:gsLst>
@@ -17101,119 +17828,7 @@
                 <a:latin typeface="나눔고딕" panose="020D0604000000000000" pitchFamily="50" charset="-127"/>
                 <a:ea typeface="나눔고딕 ExtraBold"/>
               </a:rPr>
-              <a:t>년대까지만 해도 비만이 단 한 명도 없는 민족</a:t>
-            </a:r>
-            <a:endParaRPr lang="en-US" altLang="ko-KR" sz="1600" b="1" dirty="0" smtClean="0">
-              <a:gradFill>
-                <a:gsLst>
-                  <a:gs pos="0">
-                    <a:srgbClr val="404040"/>
-                  </a:gs>
-                  <a:gs pos="100000">
-                    <a:srgbClr val="404040"/>
-                  </a:gs>
-                </a:gsLst>
-                <a:lin ang="5400000" scaled="0"/>
-              </a:gradFill>
-              <a:latin typeface="나눔고딕" panose="020D0604000000000000" pitchFamily="50" charset="-127"/>
-              <a:ea typeface="나눔고딕 ExtraBold"/>
-            </a:endParaRPr>
-          </a:p>
-          <a:p>
-            <a:pPr marL="285750" indent="-285750" algn="l">
-              <a:buFont typeface="Wingdings" panose="05000000000000000000" pitchFamily="2" charset="2"/>
-              <a:buChar char="ü"/>
-              <a:defRPr/>
-            </a:pPr>
-            <a:r>
-              <a:rPr lang="ko-KR" altLang="en-US" sz="1600" b="1" dirty="0" smtClean="0">
-                <a:gradFill>
-                  <a:gsLst>
-                    <a:gs pos="0">
-                      <a:srgbClr val="404040"/>
-                    </a:gs>
-                    <a:gs pos="100000">
-                      <a:srgbClr val="404040"/>
-                    </a:gs>
-                  </a:gsLst>
-                  <a:lin ang="5400000" scaled="0"/>
-                </a:gradFill>
-                <a:latin typeface="나눔고딕" panose="020D0604000000000000" pitchFamily="50" charset="-127"/>
-                <a:ea typeface="나눔고딕 ExtraBold"/>
-              </a:rPr>
-              <a:t>현재 전체 부족의 </a:t>
-            </a:r>
-            <a:r>
-              <a:rPr lang="en-US" altLang="ko-KR" sz="1600" b="1" dirty="0" smtClean="0">
-                <a:gradFill>
-                  <a:gsLst>
-                    <a:gs pos="0">
-                      <a:srgbClr val="404040"/>
-                    </a:gs>
-                    <a:gs pos="100000">
-                      <a:srgbClr val="404040"/>
-                    </a:gs>
-                  </a:gsLst>
-                  <a:lin ang="5400000" scaled="0"/>
-                </a:gradFill>
-                <a:latin typeface="나눔고딕" panose="020D0604000000000000" pitchFamily="50" charset="-127"/>
-                <a:ea typeface="나눔고딕 ExtraBold"/>
-              </a:rPr>
-              <a:t>60%</a:t>
-            </a:r>
-            <a:r>
-              <a:rPr lang="ko-KR" altLang="en-US" sz="1600" b="1" dirty="0" smtClean="0">
-                <a:gradFill>
-                  <a:gsLst>
-                    <a:gs pos="0">
-                      <a:srgbClr val="404040"/>
-                    </a:gs>
-                    <a:gs pos="100000">
-                      <a:srgbClr val="404040"/>
-                    </a:gs>
-                  </a:gsLst>
-                  <a:lin ang="5400000" scaled="0"/>
-                </a:gradFill>
-                <a:latin typeface="나눔고딕" panose="020D0604000000000000" pitchFamily="50" charset="-127"/>
-                <a:ea typeface="나눔고딕 ExtraBold"/>
-              </a:rPr>
-              <a:t>가 당뇨</a:t>
-            </a:r>
-            <a:r>
-              <a:rPr lang="en-US" altLang="ko-KR" sz="1600" b="1" dirty="0" smtClean="0">
-                <a:gradFill>
-                  <a:gsLst>
-                    <a:gs pos="0">
-                      <a:srgbClr val="404040"/>
-                    </a:gs>
-                    <a:gs pos="100000">
-                      <a:srgbClr val="404040"/>
-                    </a:gs>
-                  </a:gsLst>
-                  <a:lin ang="5400000" scaled="0"/>
-                </a:gradFill>
-                <a:latin typeface="나눔고딕" panose="020D0604000000000000" pitchFamily="50" charset="-127"/>
-                <a:ea typeface="나눔고딕 ExtraBold"/>
-              </a:rPr>
-              <a:t>, 80%</a:t>
-            </a:r>
-            <a:r>
-              <a:rPr lang="ko-KR" altLang="en-US" sz="1600" b="1" dirty="0" smtClean="0">
-                <a:gradFill>
-                  <a:gsLst>
-                    <a:gs pos="0">
-                      <a:srgbClr val="404040"/>
-                    </a:gs>
-                    <a:gs pos="100000">
-                      <a:srgbClr val="404040"/>
-                    </a:gs>
-                  </a:gsLst>
-                  <a:lin ang="5400000" scaled="0"/>
-                </a:gradFill>
-                <a:latin typeface="나눔고딕" panose="020D0604000000000000" pitchFamily="50" charset="-127"/>
-                <a:ea typeface="나눔고딕 ExtraBold"/>
-              </a:rPr>
-              <a:t>가 비만</a:t>
+              <a:t>꽃잎의 모양과 길이에 따라 여러 가지 품종으로 나뉨</a:t>
             </a:r>
             <a:endParaRPr lang="en-US" altLang="ko-KR" sz="1600" b="1" dirty="0" smtClean="0">
               <a:gradFill>
@@ -17243,8 +17858,8 @@
         </p:nvSpPr>
         <p:spPr>
           <a:xfrm>
-            <a:off x="827584" y="5802304"/>
-            <a:ext cx="7488832" cy="295466"/>
+            <a:off x="827584" y="5556276"/>
+            <a:ext cx="7488832" cy="270843"/>
           </a:xfrm>
           <a:prstGeom prst="rect">
             <a:avLst/>
@@ -17520,6 +18135,24 @@
               <a:defRPr/>
             </a:pPr>
             <a:r>
+              <a:rPr lang="ko-KR" altLang="en-US" sz="1600" b="1" dirty="0" err="1" smtClean="0">
+                <a:gradFill>
+                  <a:gsLst>
+                    <a:gs pos="0">
+                      <a:srgbClr val="404040"/>
+                    </a:gs>
+                    <a:gs pos="100000">
+                      <a:srgbClr val="404040"/>
+                    </a:gs>
+                  </a:gsLst>
+                  <a:lin ang="5400000" scaled="0"/>
+                </a:gradFill>
+                <a:latin typeface="나눔고딕" panose="020D0604000000000000" pitchFamily="50" charset="-127"/>
+                <a:ea typeface="나눔고딕 ExtraBold"/>
+              </a:rPr>
+              <a:t>딥러닝을</a:t>
+            </a:r>
+            <a:r>
               <a:rPr lang="ko-KR" altLang="en-US" sz="1600" b="1" dirty="0" smtClean="0">
                 <a:gradFill>
                   <a:gsLst>
@@ -17535,7 +18168,7 @@
                 <a:latin typeface="나눔고딕" panose="020D0604000000000000" pitchFamily="50" charset="-127"/>
                 <a:ea typeface="나눔고딕 ExtraBold"/>
               </a:rPr>
-              <a:t>비만은 유전일까</a:t>
+              <a:t> 통해서 품종을 구별할 수 있을까</a:t>
             </a:r>
             <a:r>
               <a:rPr lang="en-US" altLang="ko-KR" sz="1600" b="1" dirty="0" smtClean="0">
@@ -17553,401 +18186,7 @@
                 <a:latin typeface="나눔고딕" panose="020D0604000000000000" pitchFamily="50" charset="-127"/>
                 <a:ea typeface="나눔고딕 ExtraBold"/>
               </a:rPr>
-              <a:t>? </a:t>
-            </a:r>
-            <a:r>
-              <a:rPr lang="ko-KR" altLang="en-US" sz="1600" b="1" dirty="0" smtClean="0">
-                <a:gradFill>
-                  <a:gsLst>
-                    <a:gs pos="0">
-                      <a:srgbClr val="404040"/>
-                    </a:gs>
-                    <a:gs pos="100000">
-                      <a:srgbClr val="404040"/>
-                    </a:gs>
-                  </a:gsLst>
-                  <a:lin ang="5400000" scaled="0"/>
-                </a:gradFill>
-                <a:latin typeface="나눔고딕" panose="020D0604000000000000" pitchFamily="50" charset="-127"/>
-                <a:ea typeface="나눔고딕 ExtraBold"/>
-              </a:rPr>
-              <a:t>아니면 식습관 조절에 실패한 자신의 탓일까</a:t>
-            </a:r>
-            <a:r>
-              <a:rPr lang="en-US" altLang="ko-KR" sz="1600" b="1" dirty="0" smtClean="0">
-                <a:gradFill>
-                  <a:gsLst>
-                    <a:gs pos="0">
-                      <a:srgbClr val="404040"/>
-                    </a:gs>
-                    <a:gs pos="100000">
-                      <a:srgbClr val="404040"/>
-                    </a:gs>
-                  </a:gsLst>
-                  <a:lin ang="5400000" scaled="0"/>
-                </a:gradFill>
-                <a:latin typeface="나눔고딕" panose="020D0604000000000000" pitchFamily="50" charset="-127"/>
-                <a:ea typeface="나눔고딕 ExtraBold"/>
-              </a:rPr>
               <a:t>?</a:t>
-            </a:r>
-            <a:endParaRPr lang="en-US" altLang="ko-KR" sz="1600" b="1" dirty="0" smtClean="0">
-              <a:gradFill>
-                <a:gsLst>
-                  <a:gs pos="0">
-                    <a:srgbClr val="404040"/>
-                  </a:gs>
-                  <a:gs pos="100000">
-                    <a:srgbClr val="404040"/>
-                  </a:gs>
-                </a:gsLst>
-                <a:lin ang="5400000" scaled="0"/>
-              </a:gradFill>
-              <a:latin typeface="나눔고딕" panose="020D0604000000000000" pitchFamily="50" charset="-127"/>
-              <a:ea typeface="나눔고딕 ExtraBold"/>
-            </a:endParaRPr>
-          </a:p>
-        </p:txBody>
-      </p:sp>
-      <p:sp>
-        <p:nvSpPr>
-          <p:cNvPr id="7" name="텍스트 개체 틀 2"/>
-          <p:cNvSpPr txBox="1">
-            <a:spLocks/>
-          </p:cNvSpPr>
-          <p:nvPr/>
-        </p:nvSpPr>
-        <p:spPr>
-          <a:xfrm>
-            <a:off x="827584" y="6267170"/>
-            <a:ext cx="7488832" cy="295466"/>
-          </a:xfrm>
-          <a:prstGeom prst="rect">
-            <a:avLst/>
-          </a:prstGeom>
-          <a:noFill/>
-          <a:ln w="9525">
-            <a:noFill/>
-            <a:miter lim="800000"/>
-            <a:headEnd/>
-            <a:tailEnd/>
-          </a:ln>
-        </p:spPr>
-        <p:txBody>
-          <a:bodyPr wrap="square" lIns="0" tIns="0" rIns="0" bIns="0">
-            <a:spAutoFit/>
-          </a:bodyPr>
-          <a:lstStyle>
-            <a:lvl1pPr marL="0" indent="0" algn="just" defTabSz="914400" rtl="0" eaLnBrk="1" fontAlgn="base" latinLnBrk="0" hangingPunct="1">
-              <a:lnSpc>
-                <a:spcPct val="120000"/>
-              </a:lnSpc>
-              <a:spcBef>
-                <a:spcPct val="0"/>
-              </a:spcBef>
-              <a:spcAft>
-                <a:spcPct val="0"/>
-              </a:spcAft>
-              <a:buFont typeface="Arial" charset="0"/>
-              <a:buNone/>
-              <a:tabLst/>
-              <a:defRPr kumimoji="1" lang="ko-KR" altLang="en-US" sz="1000" kern="1200" smtClean="0">
-                <a:gradFill>
-                  <a:gsLst>
-                    <a:gs pos="0">
-                      <a:schemeClr val="tx1">
-                        <a:lumMod val="75000"/>
-                        <a:lumOff val="25000"/>
-                      </a:schemeClr>
-                    </a:gs>
-                    <a:gs pos="100000">
-                      <a:schemeClr val="tx1">
-                        <a:lumMod val="75000"/>
-                        <a:lumOff val="25000"/>
-                      </a:schemeClr>
-                    </a:gs>
-                  </a:gsLst>
-                  <a:lin ang="5400000" scaled="0"/>
-                </a:gradFill>
-                <a:latin typeface="KoPub돋움체 Light" panose="02020603020101020101" pitchFamily="18" charset="-127"/>
-                <a:ea typeface="KoPub돋움체 Light" panose="02020603020101020101" pitchFamily="18" charset="-127"/>
-                <a:cs typeface="+mn-cs"/>
-              </a:defRPr>
-            </a:lvl1pPr>
-            <a:lvl2pPr marL="0" indent="0" algn="just" defTabSz="914400" rtl="0" eaLnBrk="1" fontAlgn="base" latinLnBrk="0" hangingPunct="1">
-              <a:lnSpc>
-                <a:spcPct val="120000"/>
-              </a:lnSpc>
-              <a:spcBef>
-                <a:spcPct val="0"/>
-              </a:spcBef>
-              <a:spcAft>
-                <a:spcPct val="0"/>
-              </a:spcAft>
-              <a:buFont typeface="Arial" charset="0"/>
-              <a:buNone/>
-              <a:tabLst/>
-              <a:defRPr kumimoji="1" lang="ko-KR" altLang="en-US" sz="1000" kern="1200" smtClean="0">
-                <a:gradFill>
-                  <a:gsLst>
-                    <a:gs pos="0">
-                      <a:schemeClr val="tx1">
-                        <a:lumMod val="75000"/>
-                        <a:lumOff val="25000"/>
-                      </a:schemeClr>
-                    </a:gs>
-                    <a:gs pos="100000">
-                      <a:schemeClr val="tx1">
-                        <a:lumMod val="75000"/>
-                        <a:lumOff val="25000"/>
-                      </a:schemeClr>
-                    </a:gs>
-                  </a:gsLst>
-                  <a:lin ang="5400000" scaled="0"/>
-                </a:gradFill>
-                <a:latin typeface="KoPub돋움체 Light" panose="02020603020101020101" pitchFamily="18" charset="-127"/>
-                <a:ea typeface="KoPub돋움체 Light" panose="02020603020101020101" pitchFamily="18" charset="-127"/>
-                <a:cs typeface="+mn-cs"/>
-              </a:defRPr>
-            </a:lvl2pPr>
-            <a:lvl3pPr marL="0" indent="0" algn="just" defTabSz="914400" rtl="0" eaLnBrk="1" fontAlgn="base" latinLnBrk="0" hangingPunct="1">
-              <a:lnSpc>
-                <a:spcPct val="120000"/>
-              </a:lnSpc>
-              <a:spcBef>
-                <a:spcPct val="0"/>
-              </a:spcBef>
-              <a:spcAft>
-                <a:spcPct val="0"/>
-              </a:spcAft>
-              <a:buFont typeface="Arial" charset="0"/>
-              <a:buNone/>
-              <a:tabLst/>
-              <a:defRPr kumimoji="1" lang="ko-KR" altLang="en-US" sz="1000" kern="1200" smtClean="0">
-                <a:gradFill>
-                  <a:gsLst>
-                    <a:gs pos="0">
-                      <a:schemeClr val="tx1">
-                        <a:lumMod val="75000"/>
-                        <a:lumOff val="25000"/>
-                      </a:schemeClr>
-                    </a:gs>
-                    <a:gs pos="100000">
-                      <a:schemeClr val="tx1">
-                        <a:lumMod val="75000"/>
-                        <a:lumOff val="25000"/>
-                      </a:schemeClr>
-                    </a:gs>
-                  </a:gsLst>
-                  <a:lin ang="5400000" scaled="0"/>
-                </a:gradFill>
-                <a:latin typeface="KoPub돋움체 Light" panose="02020603020101020101" pitchFamily="18" charset="-127"/>
-                <a:ea typeface="KoPub돋움체 Light" panose="02020603020101020101" pitchFamily="18" charset="-127"/>
-                <a:cs typeface="+mn-cs"/>
-              </a:defRPr>
-            </a:lvl3pPr>
-            <a:lvl4pPr marL="0" indent="0" algn="just" defTabSz="914400" rtl="0" eaLnBrk="1" fontAlgn="base" latinLnBrk="0" hangingPunct="1">
-              <a:lnSpc>
-                <a:spcPct val="120000"/>
-              </a:lnSpc>
-              <a:spcBef>
-                <a:spcPct val="0"/>
-              </a:spcBef>
-              <a:spcAft>
-                <a:spcPct val="0"/>
-              </a:spcAft>
-              <a:buFont typeface="Arial" charset="0"/>
-              <a:buNone/>
-              <a:tabLst/>
-              <a:defRPr kumimoji="1" lang="ko-KR" altLang="en-US" sz="1000" kern="1200" smtClean="0">
-                <a:gradFill>
-                  <a:gsLst>
-                    <a:gs pos="0">
-                      <a:schemeClr val="tx1">
-                        <a:lumMod val="75000"/>
-                        <a:lumOff val="25000"/>
-                      </a:schemeClr>
-                    </a:gs>
-                    <a:gs pos="100000">
-                      <a:schemeClr val="tx1">
-                        <a:lumMod val="75000"/>
-                        <a:lumOff val="25000"/>
-                      </a:schemeClr>
-                    </a:gs>
-                  </a:gsLst>
-                  <a:lin ang="5400000" scaled="0"/>
-                </a:gradFill>
-                <a:latin typeface="KoPub돋움체 Light" panose="02020603020101020101" pitchFamily="18" charset="-127"/>
-                <a:ea typeface="KoPub돋움체 Light" panose="02020603020101020101" pitchFamily="18" charset="-127"/>
-                <a:cs typeface="+mn-cs"/>
-              </a:defRPr>
-            </a:lvl4pPr>
-            <a:lvl5pPr marL="0" indent="0" algn="just" defTabSz="914400" rtl="0" eaLnBrk="1" fontAlgn="base" latinLnBrk="0" hangingPunct="1">
-              <a:lnSpc>
-                <a:spcPct val="120000"/>
-              </a:lnSpc>
-              <a:spcBef>
-                <a:spcPct val="0"/>
-              </a:spcBef>
-              <a:spcAft>
-                <a:spcPct val="0"/>
-              </a:spcAft>
-              <a:buFont typeface="Arial" charset="0"/>
-              <a:buNone/>
-              <a:tabLst/>
-              <a:defRPr kumimoji="1" lang="ko-KR" altLang="en-US" sz="1000" kern="1200">
-                <a:gradFill>
-                  <a:gsLst>
-                    <a:gs pos="0">
-                      <a:schemeClr val="tx1">
-                        <a:lumMod val="75000"/>
-                        <a:lumOff val="25000"/>
-                      </a:schemeClr>
-                    </a:gs>
-                    <a:gs pos="100000">
-                      <a:schemeClr val="tx1">
-                        <a:lumMod val="75000"/>
-                        <a:lumOff val="25000"/>
-                      </a:schemeClr>
-                    </a:gs>
-                  </a:gsLst>
-                  <a:lin ang="5400000" scaled="0"/>
-                </a:gradFill>
-                <a:latin typeface="KoPub돋움체 Light" panose="02020603020101020101" pitchFamily="18" charset="-127"/>
-                <a:ea typeface="KoPub돋움체 Light" panose="02020603020101020101" pitchFamily="18" charset="-127"/>
-                <a:cs typeface="+mn-cs"/>
-              </a:defRPr>
-            </a:lvl5pPr>
-            <a:lvl6pPr marL="2514600" indent="-228600" algn="l" defTabSz="914400" rtl="0" eaLnBrk="1" latinLnBrk="1" hangingPunct="1">
-              <a:lnSpc>
-                <a:spcPct val="90000"/>
-              </a:lnSpc>
-              <a:spcBef>
-                <a:spcPts val="500"/>
-              </a:spcBef>
-              <a:buFont typeface="Arial" panose="020B0604020202020204" pitchFamily="34" charset="0"/>
-              <a:buChar char="•"/>
-              <a:defRPr sz="1800" kern="1200">
-                <a:solidFill>
-                  <a:schemeClr val="tx1"/>
-                </a:solidFill>
-                <a:latin typeface="+mn-lt"/>
-                <a:ea typeface="+mn-ea"/>
-                <a:cs typeface="+mn-cs"/>
-              </a:defRPr>
-            </a:lvl6pPr>
-            <a:lvl7pPr marL="2971800" indent="-228600" algn="l" defTabSz="914400" rtl="0" eaLnBrk="1" latinLnBrk="1" hangingPunct="1">
-              <a:lnSpc>
-                <a:spcPct val="90000"/>
-              </a:lnSpc>
-              <a:spcBef>
-                <a:spcPts val="500"/>
-              </a:spcBef>
-              <a:buFont typeface="Arial" panose="020B0604020202020204" pitchFamily="34" charset="0"/>
-              <a:buChar char="•"/>
-              <a:defRPr sz="1800" kern="1200">
-                <a:solidFill>
-                  <a:schemeClr val="tx1"/>
-                </a:solidFill>
-                <a:latin typeface="+mn-lt"/>
-                <a:ea typeface="+mn-ea"/>
-                <a:cs typeface="+mn-cs"/>
-              </a:defRPr>
-            </a:lvl7pPr>
-            <a:lvl8pPr marL="3429000" indent="-228600" algn="l" defTabSz="914400" rtl="0" eaLnBrk="1" latinLnBrk="1" hangingPunct="1">
-              <a:lnSpc>
-                <a:spcPct val="90000"/>
-              </a:lnSpc>
-              <a:spcBef>
-                <a:spcPts val="500"/>
-              </a:spcBef>
-              <a:buFont typeface="Arial" panose="020B0604020202020204" pitchFamily="34" charset="0"/>
-              <a:buChar char="•"/>
-              <a:defRPr sz="1800" kern="1200">
-                <a:solidFill>
-                  <a:schemeClr val="tx1"/>
-                </a:solidFill>
-                <a:latin typeface="+mn-lt"/>
-                <a:ea typeface="+mn-ea"/>
-                <a:cs typeface="+mn-cs"/>
-              </a:defRPr>
-            </a:lvl8pPr>
-            <a:lvl9pPr marL="3886200" indent="-228600" algn="l" defTabSz="914400" rtl="0" eaLnBrk="1" latinLnBrk="1" hangingPunct="1">
-              <a:lnSpc>
-                <a:spcPct val="90000"/>
-              </a:lnSpc>
-              <a:spcBef>
-                <a:spcPts val="500"/>
-              </a:spcBef>
-              <a:buFont typeface="Arial" panose="020B0604020202020204" pitchFamily="34" charset="0"/>
-              <a:buChar char="•"/>
-              <a:defRPr sz="1800" kern="1200">
-                <a:solidFill>
-                  <a:schemeClr val="tx1"/>
-                </a:solidFill>
-                <a:latin typeface="+mn-lt"/>
-                <a:ea typeface="+mn-ea"/>
-                <a:cs typeface="+mn-cs"/>
-              </a:defRPr>
-            </a:lvl9pPr>
-          </a:lstStyle>
-          <a:p>
-            <a:pPr algn="l">
-              <a:defRPr/>
-            </a:pPr>
-            <a:r>
-              <a:rPr lang="ko-KR" altLang="en-US" sz="1600" b="1" dirty="0" smtClean="0">
-                <a:gradFill>
-                  <a:gsLst>
-                    <a:gs pos="0">
-                      <a:srgbClr val="404040"/>
-                    </a:gs>
-                    <a:gs pos="100000">
-                      <a:srgbClr val="404040"/>
-                    </a:gs>
-                  </a:gsLst>
-                  <a:lin ang="5400000" scaled="0"/>
-                </a:gradFill>
-                <a:latin typeface="나눔고딕" panose="020D0604000000000000" pitchFamily="50" charset="-127"/>
-                <a:ea typeface="나눔고딕 ExtraBold"/>
-              </a:rPr>
-              <a:t>결론은 비만이 유전 및 환경</a:t>
-            </a:r>
-            <a:r>
-              <a:rPr lang="en-US" altLang="ko-KR" sz="1600" b="1" dirty="0" smtClean="0">
-                <a:gradFill>
-                  <a:gsLst>
-                    <a:gs pos="0">
-                      <a:srgbClr val="404040"/>
-                    </a:gs>
-                    <a:gs pos="100000">
-                      <a:srgbClr val="404040"/>
-                    </a:gs>
-                  </a:gsLst>
-                  <a:lin ang="5400000" scaled="0"/>
-                </a:gradFill>
-                <a:latin typeface="나눔고딕" panose="020D0604000000000000" pitchFamily="50" charset="-127"/>
-                <a:ea typeface="나눔고딕 ExtraBold"/>
-              </a:rPr>
-              <a:t>, </a:t>
-            </a:r>
-            <a:r>
-              <a:rPr lang="ko-KR" altLang="en-US" sz="1600" b="1" dirty="0" smtClean="0">
-                <a:gradFill>
-                  <a:gsLst>
-                    <a:gs pos="0">
-                      <a:srgbClr val="404040"/>
-                    </a:gs>
-                    <a:gs pos="100000">
-                      <a:srgbClr val="404040"/>
-                    </a:gs>
-                  </a:gsLst>
-                  <a:lin ang="5400000" scaled="0"/>
-                </a:gradFill>
-                <a:latin typeface="나눔고딕" panose="020D0604000000000000" pitchFamily="50" charset="-127"/>
-                <a:ea typeface="나눔고딕 ExtraBold"/>
-              </a:rPr>
-              <a:t>모두의 탓</a:t>
             </a:r>
             <a:endParaRPr lang="en-US" altLang="ko-KR" sz="1600" b="1" dirty="0" smtClean="0">
               <a:gradFill>
@@ -18097,7 +18336,7 @@
                 <a:latin typeface="나눔고딕 ExtraBold" panose="020D0904000000000000" pitchFamily="50" charset="-127"/>
                 <a:ea typeface="나눔고딕 ExtraBold" panose="020D0904000000000000" pitchFamily="50" charset="-127"/>
               </a:rPr>
-              <a:t>2. </a:t>
+              <a:t>1. </a:t>
             </a:r>
             <a:r>
               <a:rPr lang="ko-KR" altLang="en-US" sz="2800" dirty="0" smtClean="0">
@@ -18106,7 +18345,7 @@
               </a:rPr>
               <a:t>다중 분류 문제</a:t>
             </a:r>
-            <a:endParaRPr lang="ko-KR" altLang="en-US" sz="2800" dirty="0" smtClean="0">
+            <a:endParaRPr lang="en-US" altLang="ko-KR" sz="2800" dirty="0" smtClean="0">
               <a:latin typeface="나눔고딕 ExtraBold" panose="020D0904000000000000" pitchFamily="50" charset="-127"/>
               <a:ea typeface="나눔고딕 ExtraBold" panose="020D0904000000000000" pitchFamily="50" charset="-127"/>
             </a:endParaRPr>
@@ -18415,423 +18654,9 @@
                 <a:latin typeface="나눔고딕" panose="020D0604000000000000" pitchFamily="50" charset="-127"/>
                 <a:ea typeface="나눔고딕 ExtraBold"/>
               </a:rPr>
-              <a:t>오차 </a:t>
-            </a:r>
-            <a:r>
-              <a:rPr lang="ko-KR" altLang="en-US" sz="2000" b="1" dirty="0" err="1" smtClean="0">
-                <a:gradFill>
-                  <a:gsLst>
-                    <a:gs pos="0">
-                      <a:srgbClr val="404040"/>
-                    </a:gs>
-                    <a:gs pos="100000">
-                      <a:srgbClr val="404040"/>
-                    </a:gs>
-                  </a:gsLst>
-                  <a:lin ang="5400000" scaled="0"/>
-                </a:gradFill>
-                <a:latin typeface="나눔고딕" panose="020D0604000000000000" pitchFamily="50" charset="-127"/>
-                <a:ea typeface="나눔고딕 ExtraBold"/>
-              </a:rPr>
-              <a:t>역전파의</a:t>
-            </a:r>
-            <a:r>
-              <a:rPr lang="ko-KR" altLang="en-US" sz="2000" b="1" dirty="0" smtClean="0">
-                <a:gradFill>
-                  <a:gsLst>
-                    <a:gs pos="0">
-                      <a:srgbClr val="404040"/>
-                    </a:gs>
-                    <a:gs pos="100000">
-                      <a:srgbClr val="404040"/>
-                    </a:gs>
-                  </a:gsLst>
-                  <a:lin ang="5400000" scaled="0"/>
-                </a:gradFill>
-                <a:latin typeface="나눔고딕" panose="020D0604000000000000" pitchFamily="50" charset="-127"/>
-                <a:ea typeface="나눔고딕 ExtraBold"/>
-              </a:rPr>
-              <a:t> 개념</a:t>
+              <a:t>아이리스 품종 예측하기</a:t>
             </a:r>
             <a:endParaRPr sz="2000" b="1" dirty="0">
-              <a:gradFill>
-                <a:gsLst>
-                  <a:gs pos="0">
-                    <a:srgbClr val="404040"/>
-                  </a:gs>
-                  <a:gs pos="100000">
-                    <a:srgbClr val="404040"/>
-                  </a:gs>
-                </a:gsLst>
-                <a:lin ang="5400000" scaled="0"/>
-              </a:gradFill>
-              <a:latin typeface="나눔고딕" panose="020D0604000000000000" pitchFamily="50" charset="-127"/>
-              <a:ea typeface="나눔고딕 ExtraBold"/>
-            </a:endParaRPr>
-          </a:p>
-        </p:txBody>
-      </p:sp>
-      <p:sp>
-        <p:nvSpPr>
-          <p:cNvPr id="8" name="텍스트 개체 틀 2"/>
-          <p:cNvSpPr txBox="1">
-            <a:spLocks/>
-          </p:cNvSpPr>
-          <p:nvPr/>
-        </p:nvSpPr>
-        <p:spPr>
-          <a:xfrm>
-            <a:off x="251520" y="1628800"/>
-            <a:ext cx="8640960" cy="566309"/>
-          </a:xfrm>
-          <a:prstGeom prst="rect">
-            <a:avLst/>
-          </a:prstGeom>
-          <a:noFill/>
-          <a:ln w="9525">
-            <a:noFill/>
-            <a:miter lim="800000"/>
-            <a:headEnd/>
-            <a:tailEnd/>
-          </a:ln>
-        </p:spPr>
-        <p:txBody>
-          <a:bodyPr lIns="0" tIns="0" rIns="0" bIns="0">
-            <a:spAutoFit/>
-          </a:bodyPr>
-          <a:lstStyle>
-            <a:lvl1pPr marL="0" indent="0" algn="just" defTabSz="914400" rtl="0" eaLnBrk="1" fontAlgn="base" latinLnBrk="0" hangingPunct="1">
-              <a:lnSpc>
-                <a:spcPct val="120000"/>
-              </a:lnSpc>
-              <a:spcBef>
-                <a:spcPct val="0"/>
-              </a:spcBef>
-              <a:spcAft>
-                <a:spcPct val="0"/>
-              </a:spcAft>
-              <a:buFont typeface="Arial" charset="0"/>
-              <a:buNone/>
-              <a:tabLst/>
-              <a:defRPr kumimoji="1" lang="ko-KR" altLang="en-US" sz="1000" kern="1200" smtClean="0">
-                <a:gradFill>
-                  <a:gsLst>
-                    <a:gs pos="0">
-                      <a:schemeClr val="tx1">
-                        <a:lumMod val="75000"/>
-                        <a:lumOff val="25000"/>
-                      </a:schemeClr>
-                    </a:gs>
-                    <a:gs pos="100000">
-                      <a:schemeClr val="tx1">
-                        <a:lumMod val="75000"/>
-                        <a:lumOff val="25000"/>
-                      </a:schemeClr>
-                    </a:gs>
-                  </a:gsLst>
-                  <a:lin ang="5400000" scaled="0"/>
-                </a:gradFill>
-                <a:latin typeface="KoPub돋움체 Light" panose="02020603020101020101" pitchFamily="18" charset="-127"/>
-                <a:ea typeface="KoPub돋움체 Light" panose="02020603020101020101" pitchFamily="18" charset="-127"/>
-                <a:cs typeface="+mn-cs"/>
-              </a:defRPr>
-            </a:lvl1pPr>
-            <a:lvl2pPr marL="0" indent="0" algn="just" defTabSz="914400" rtl="0" eaLnBrk="1" fontAlgn="base" latinLnBrk="0" hangingPunct="1">
-              <a:lnSpc>
-                <a:spcPct val="120000"/>
-              </a:lnSpc>
-              <a:spcBef>
-                <a:spcPct val="0"/>
-              </a:spcBef>
-              <a:spcAft>
-                <a:spcPct val="0"/>
-              </a:spcAft>
-              <a:buFont typeface="Arial" charset="0"/>
-              <a:buNone/>
-              <a:tabLst/>
-              <a:defRPr kumimoji="1" lang="ko-KR" altLang="en-US" sz="1000" kern="1200" smtClean="0">
-                <a:gradFill>
-                  <a:gsLst>
-                    <a:gs pos="0">
-                      <a:schemeClr val="tx1">
-                        <a:lumMod val="75000"/>
-                        <a:lumOff val="25000"/>
-                      </a:schemeClr>
-                    </a:gs>
-                    <a:gs pos="100000">
-                      <a:schemeClr val="tx1">
-                        <a:lumMod val="75000"/>
-                        <a:lumOff val="25000"/>
-                      </a:schemeClr>
-                    </a:gs>
-                  </a:gsLst>
-                  <a:lin ang="5400000" scaled="0"/>
-                </a:gradFill>
-                <a:latin typeface="KoPub돋움체 Light" panose="02020603020101020101" pitchFamily="18" charset="-127"/>
-                <a:ea typeface="KoPub돋움체 Light" panose="02020603020101020101" pitchFamily="18" charset="-127"/>
-                <a:cs typeface="+mn-cs"/>
-              </a:defRPr>
-            </a:lvl2pPr>
-            <a:lvl3pPr marL="0" indent="0" algn="just" defTabSz="914400" rtl="0" eaLnBrk="1" fontAlgn="base" latinLnBrk="0" hangingPunct="1">
-              <a:lnSpc>
-                <a:spcPct val="120000"/>
-              </a:lnSpc>
-              <a:spcBef>
-                <a:spcPct val="0"/>
-              </a:spcBef>
-              <a:spcAft>
-                <a:spcPct val="0"/>
-              </a:spcAft>
-              <a:buFont typeface="Arial" charset="0"/>
-              <a:buNone/>
-              <a:tabLst/>
-              <a:defRPr kumimoji="1" lang="ko-KR" altLang="en-US" sz="1000" kern="1200" smtClean="0">
-                <a:gradFill>
-                  <a:gsLst>
-                    <a:gs pos="0">
-                      <a:schemeClr val="tx1">
-                        <a:lumMod val="75000"/>
-                        <a:lumOff val="25000"/>
-                      </a:schemeClr>
-                    </a:gs>
-                    <a:gs pos="100000">
-                      <a:schemeClr val="tx1">
-                        <a:lumMod val="75000"/>
-                        <a:lumOff val="25000"/>
-                      </a:schemeClr>
-                    </a:gs>
-                  </a:gsLst>
-                  <a:lin ang="5400000" scaled="0"/>
-                </a:gradFill>
-                <a:latin typeface="KoPub돋움체 Light" panose="02020603020101020101" pitchFamily="18" charset="-127"/>
-                <a:ea typeface="KoPub돋움체 Light" panose="02020603020101020101" pitchFamily="18" charset="-127"/>
-                <a:cs typeface="+mn-cs"/>
-              </a:defRPr>
-            </a:lvl3pPr>
-            <a:lvl4pPr marL="0" indent="0" algn="just" defTabSz="914400" rtl="0" eaLnBrk="1" fontAlgn="base" latinLnBrk="0" hangingPunct="1">
-              <a:lnSpc>
-                <a:spcPct val="120000"/>
-              </a:lnSpc>
-              <a:spcBef>
-                <a:spcPct val="0"/>
-              </a:spcBef>
-              <a:spcAft>
-                <a:spcPct val="0"/>
-              </a:spcAft>
-              <a:buFont typeface="Arial" charset="0"/>
-              <a:buNone/>
-              <a:tabLst/>
-              <a:defRPr kumimoji="1" lang="ko-KR" altLang="en-US" sz="1000" kern="1200" smtClean="0">
-                <a:gradFill>
-                  <a:gsLst>
-                    <a:gs pos="0">
-                      <a:schemeClr val="tx1">
-                        <a:lumMod val="75000"/>
-                        <a:lumOff val="25000"/>
-                      </a:schemeClr>
-                    </a:gs>
-                    <a:gs pos="100000">
-                      <a:schemeClr val="tx1">
-                        <a:lumMod val="75000"/>
-                        <a:lumOff val="25000"/>
-                      </a:schemeClr>
-                    </a:gs>
-                  </a:gsLst>
-                  <a:lin ang="5400000" scaled="0"/>
-                </a:gradFill>
-                <a:latin typeface="KoPub돋움체 Light" panose="02020603020101020101" pitchFamily="18" charset="-127"/>
-                <a:ea typeface="KoPub돋움체 Light" panose="02020603020101020101" pitchFamily="18" charset="-127"/>
-                <a:cs typeface="+mn-cs"/>
-              </a:defRPr>
-            </a:lvl4pPr>
-            <a:lvl5pPr marL="0" indent="0" algn="just" defTabSz="914400" rtl="0" eaLnBrk="1" fontAlgn="base" latinLnBrk="0" hangingPunct="1">
-              <a:lnSpc>
-                <a:spcPct val="120000"/>
-              </a:lnSpc>
-              <a:spcBef>
-                <a:spcPct val="0"/>
-              </a:spcBef>
-              <a:spcAft>
-                <a:spcPct val="0"/>
-              </a:spcAft>
-              <a:buFont typeface="Arial" charset="0"/>
-              <a:buNone/>
-              <a:tabLst/>
-              <a:defRPr kumimoji="1" lang="ko-KR" altLang="en-US" sz="1000" kern="1200">
-                <a:gradFill>
-                  <a:gsLst>
-                    <a:gs pos="0">
-                      <a:schemeClr val="tx1">
-                        <a:lumMod val="75000"/>
-                        <a:lumOff val="25000"/>
-                      </a:schemeClr>
-                    </a:gs>
-                    <a:gs pos="100000">
-                      <a:schemeClr val="tx1">
-                        <a:lumMod val="75000"/>
-                        <a:lumOff val="25000"/>
-                      </a:schemeClr>
-                    </a:gs>
-                  </a:gsLst>
-                  <a:lin ang="5400000" scaled="0"/>
-                </a:gradFill>
-                <a:latin typeface="KoPub돋움체 Light" panose="02020603020101020101" pitchFamily="18" charset="-127"/>
-                <a:ea typeface="KoPub돋움체 Light" panose="02020603020101020101" pitchFamily="18" charset="-127"/>
-                <a:cs typeface="+mn-cs"/>
-              </a:defRPr>
-            </a:lvl5pPr>
-            <a:lvl6pPr marL="2514600" indent="-228600" algn="l" defTabSz="914400" rtl="0" eaLnBrk="1" latinLnBrk="1" hangingPunct="1">
-              <a:lnSpc>
-                <a:spcPct val="90000"/>
-              </a:lnSpc>
-              <a:spcBef>
-                <a:spcPts val="500"/>
-              </a:spcBef>
-              <a:buFont typeface="Arial" panose="020B0604020202020204" pitchFamily="34" charset="0"/>
-              <a:buChar char="•"/>
-              <a:defRPr sz="1800" kern="1200">
-                <a:solidFill>
-                  <a:schemeClr val="tx1"/>
-                </a:solidFill>
-                <a:latin typeface="+mn-lt"/>
-                <a:ea typeface="+mn-ea"/>
-                <a:cs typeface="+mn-cs"/>
-              </a:defRPr>
-            </a:lvl6pPr>
-            <a:lvl7pPr marL="2971800" indent="-228600" algn="l" defTabSz="914400" rtl="0" eaLnBrk="1" latinLnBrk="1" hangingPunct="1">
-              <a:lnSpc>
-                <a:spcPct val="90000"/>
-              </a:lnSpc>
-              <a:spcBef>
-                <a:spcPts val="500"/>
-              </a:spcBef>
-              <a:buFont typeface="Arial" panose="020B0604020202020204" pitchFamily="34" charset="0"/>
-              <a:buChar char="•"/>
-              <a:defRPr sz="1800" kern="1200">
-                <a:solidFill>
-                  <a:schemeClr val="tx1"/>
-                </a:solidFill>
-                <a:latin typeface="+mn-lt"/>
-                <a:ea typeface="+mn-ea"/>
-                <a:cs typeface="+mn-cs"/>
-              </a:defRPr>
-            </a:lvl7pPr>
-            <a:lvl8pPr marL="3429000" indent="-228600" algn="l" defTabSz="914400" rtl="0" eaLnBrk="1" latinLnBrk="1" hangingPunct="1">
-              <a:lnSpc>
-                <a:spcPct val="90000"/>
-              </a:lnSpc>
-              <a:spcBef>
-                <a:spcPts val="500"/>
-              </a:spcBef>
-              <a:buFont typeface="Arial" panose="020B0604020202020204" pitchFamily="34" charset="0"/>
-              <a:buChar char="•"/>
-              <a:defRPr sz="1800" kern="1200">
-                <a:solidFill>
-                  <a:schemeClr val="tx1"/>
-                </a:solidFill>
-                <a:latin typeface="+mn-lt"/>
-                <a:ea typeface="+mn-ea"/>
-                <a:cs typeface="+mn-cs"/>
-              </a:defRPr>
-            </a:lvl8pPr>
-            <a:lvl9pPr marL="3886200" indent="-228600" algn="l" defTabSz="914400" rtl="0" eaLnBrk="1" latinLnBrk="1" hangingPunct="1">
-              <a:lnSpc>
-                <a:spcPct val="90000"/>
-              </a:lnSpc>
-              <a:spcBef>
-                <a:spcPts val="500"/>
-              </a:spcBef>
-              <a:buFont typeface="Arial" panose="020B0604020202020204" pitchFamily="34" charset="0"/>
-              <a:buChar char="•"/>
-              <a:defRPr sz="1800" kern="1200">
-                <a:solidFill>
-                  <a:schemeClr val="tx1"/>
-                </a:solidFill>
-                <a:latin typeface="+mn-lt"/>
-                <a:ea typeface="+mn-ea"/>
-                <a:cs typeface="+mn-cs"/>
-              </a:defRPr>
-            </a:lvl9pPr>
-          </a:lstStyle>
-          <a:p>
-            <a:pPr algn="l">
-              <a:defRPr/>
-            </a:pPr>
-            <a:r>
-              <a:rPr lang="ko-KR" altLang="en-US" sz="1600" b="1" dirty="0" smtClean="0">
-                <a:gradFill>
-                  <a:gsLst>
-                    <a:gs pos="0">
-                      <a:srgbClr val="404040"/>
-                    </a:gs>
-                    <a:gs pos="100000">
-                      <a:srgbClr val="404040"/>
-                    </a:gs>
-                  </a:gsLst>
-                  <a:lin ang="5400000" scaled="0"/>
-                </a:gradFill>
-                <a:latin typeface="나눔고딕" panose="020D0604000000000000" pitchFamily="50" charset="-127"/>
-                <a:ea typeface="나눔고딕 ExtraBold"/>
-              </a:rPr>
-              <a:t>가중치와 바이어스를 구해가는 과정</a:t>
-            </a:r>
-            <a:endParaRPr lang="en-US" altLang="ko-KR" sz="1600" b="1" dirty="0" smtClean="0">
-              <a:gradFill>
-                <a:gsLst>
-                  <a:gs pos="0">
-                    <a:srgbClr val="404040"/>
-                  </a:gs>
-                  <a:gs pos="100000">
-                    <a:srgbClr val="404040"/>
-                  </a:gs>
-                </a:gsLst>
-                <a:lin ang="5400000" scaled="0"/>
-              </a:gradFill>
-              <a:latin typeface="나눔고딕" panose="020D0604000000000000" pitchFamily="50" charset="-127"/>
-              <a:ea typeface="나눔고딕 ExtraBold"/>
-            </a:endParaRPr>
-          </a:p>
-          <a:p>
-            <a:pPr algn="l">
-              <a:defRPr/>
-            </a:pPr>
-            <a:r>
-              <a:rPr lang="ko-KR" altLang="en-US" sz="1600" b="1" dirty="0" err="1" smtClean="0">
-                <a:gradFill>
-                  <a:gsLst>
-                    <a:gs pos="0">
-                      <a:srgbClr val="404040"/>
-                    </a:gs>
-                    <a:gs pos="100000">
-                      <a:srgbClr val="404040"/>
-                    </a:gs>
-                  </a:gsLst>
-                  <a:lin ang="5400000" scaled="0"/>
-                </a:gradFill>
-                <a:latin typeface="나눔고딕" panose="020D0604000000000000" pitchFamily="50" charset="-127"/>
-                <a:ea typeface="나눔고딕 ExtraBold"/>
-              </a:rPr>
-              <a:t>결괏값의</a:t>
-            </a:r>
-            <a:r>
-              <a:rPr lang="ko-KR" altLang="en-US" sz="1600" b="1" dirty="0" smtClean="0">
-                <a:gradFill>
-                  <a:gsLst>
-                    <a:gs pos="0">
-                      <a:srgbClr val="404040"/>
-                    </a:gs>
-                    <a:gs pos="100000">
-                      <a:srgbClr val="404040"/>
-                    </a:gs>
-                  </a:gsLst>
-                  <a:lin ang="5400000" scaled="0"/>
-                </a:gradFill>
-                <a:latin typeface="나눔고딕" panose="020D0604000000000000" pitchFamily="50" charset="-127"/>
-                <a:ea typeface="나눔고딕 ExtraBold"/>
-              </a:rPr>
-              <a:t> 오차를 구해 이를 토대로 하나 앞선 가중치를 차례로 거슬러 올라가며 조정</a:t>
-            </a:r>
-            <a:endParaRPr lang="en-US" altLang="ko-KR" sz="1600" b="1" dirty="0" smtClean="0">
               <a:gradFill>
                 <a:gsLst>
                   <a:gs pos="0">
@@ -18851,447 +18676,832 @@
       </p:sp>
       <p:pic>
         <p:nvPicPr>
-          <p:cNvPr id="3" name="그림 2"/>
+          <p:cNvPr id="1026" name="Picture 2" descr="147"/>
           <p:cNvPicPr>
-            <a:picLocks noChangeAspect="1"/>
+            <a:picLocks noChangeAspect="1" noChangeArrowheads="1"/>
           </p:cNvPicPr>
           <p:nvPr/>
         </p:nvPicPr>
-        <p:blipFill>
-          <a:blip r:embed="rId3"/>
-          <a:stretch>
-            <a:fillRect/>
-          </a:stretch>
+        <p:blipFill rotWithShape="1">
+          <a:blip r:embed="rId3">
+            <a:extLst>
+              <a:ext uri="{28A0092B-C50C-407E-A947-70E740481C1C}">
+                <a14:useLocalDpi xmlns:a14="http://schemas.microsoft.com/office/drawing/2010/main" val="0"/>
+              </a:ext>
+            </a:extLst>
+          </a:blip>
+          <a:srcRect t="-10374" b="10374"/>
+          <a:stretch/>
         </p:blipFill>
+        <p:spPr bwMode="auto">
+          <a:xfrm>
+            <a:off x="467544" y="1412776"/>
+            <a:ext cx="7326032" cy="2808312"/>
+          </a:xfrm>
+          <a:prstGeom prst="rect">
+            <a:avLst/>
+          </a:prstGeom>
+          <a:noFill/>
+          <a:extLst>
+            <a:ext uri="{909E8E84-426E-40DD-AFC4-6F175D3DCCD1}">
+              <a14:hiddenFill xmlns:a14="http://schemas.microsoft.com/office/drawing/2010/main">
+                <a:solidFill>
+                  <a:srgbClr val="FFFFFF"/>
+                </a:solidFill>
+              </a14:hiddenFill>
+            </a:ext>
+          </a:extLst>
+        </p:spPr>
+      </p:pic>
+      <p:sp>
+        <p:nvSpPr>
+          <p:cNvPr id="9" name="직사각형 8"/>
+          <p:cNvSpPr/>
+          <p:nvPr/>
+        </p:nvSpPr>
         <p:spPr>
           <a:xfrm>
-            <a:off x="539552" y="2420888"/>
-            <a:ext cx="3266808" cy="1804789"/>
+            <a:off x="755650" y="4315427"/>
+            <a:ext cx="7704782" cy="2265236"/>
           </a:xfrm>
           <a:prstGeom prst="rect">
             <a:avLst/>
           </a:prstGeom>
         </p:spPr>
-      </p:pic>
-      <p:pic>
-        <p:nvPicPr>
-          <p:cNvPr id="4" name="그림 3"/>
-          <p:cNvPicPr>
-            <a:picLocks noChangeAspect="1"/>
-          </p:cNvPicPr>
-          <p:nvPr/>
-        </p:nvPicPr>
-        <p:blipFill>
-          <a:blip r:embed="rId4"/>
-          <a:stretch>
-            <a:fillRect/>
-          </a:stretch>
-        </p:blipFill>
-        <p:spPr>
-          <a:xfrm>
-            <a:off x="4788024" y="2420888"/>
-            <a:ext cx="4002556" cy="1804789"/>
-          </a:xfrm>
-          <a:prstGeom prst="rect">
-            <a:avLst/>
-          </a:prstGeom>
-        </p:spPr>
-      </p:pic>
-      <p:sp>
-        <p:nvSpPr>
-          <p:cNvPr id="12" name="텍스트 개체 틀 2"/>
-          <p:cNvSpPr txBox="1">
-            <a:spLocks/>
-          </p:cNvSpPr>
-          <p:nvPr/>
-        </p:nvSpPr>
-        <p:spPr>
-          <a:xfrm>
-            <a:off x="251520" y="4437112"/>
-            <a:ext cx="8640960" cy="270843"/>
-          </a:xfrm>
-          <a:prstGeom prst="rect">
-            <a:avLst/>
-          </a:prstGeom>
-          <a:noFill/>
-          <a:ln w="9525">
-            <a:noFill/>
-            <a:miter lim="800000"/>
-            <a:headEnd/>
-            <a:tailEnd/>
-          </a:ln>
-        </p:spPr>
         <p:txBody>
-          <a:bodyPr lIns="0" tIns="0" rIns="0" bIns="0">
+          <a:bodyPr wrap="square">
             <a:spAutoFit/>
           </a:bodyPr>
-          <a:lstStyle>
-            <a:lvl1pPr marL="0" indent="0" algn="just" defTabSz="914400" rtl="0" eaLnBrk="1" fontAlgn="base" latinLnBrk="0" hangingPunct="1">
+          <a:lstStyle/>
+          <a:p>
+            <a:pPr latinLnBrk="1">
               <a:lnSpc>
-                <a:spcPct val="120000"/>
+                <a:spcPct val="150000"/>
               </a:lnSpc>
-              <a:spcBef>
-                <a:spcPct val="0"/>
-              </a:spcBef>
-              <a:spcAft>
-                <a:spcPct val="0"/>
-              </a:spcAft>
-              <a:buFont typeface="Arial" charset="0"/>
-              <a:buNone/>
-              <a:tabLst/>
-              <a:defRPr kumimoji="1" lang="ko-KR" altLang="en-US" sz="1000" kern="1200" smtClean="0">
-                <a:gradFill>
-                  <a:gsLst>
-                    <a:gs pos="0">
-                      <a:schemeClr val="tx1">
-                        <a:lumMod val="75000"/>
-                        <a:lumOff val="25000"/>
-                      </a:schemeClr>
-                    </a:gs>
-                    <a:gs pos="100000">
-                      <a:schemeClr val="tx1">
-                        <a:lumMod val="75000"/>
-                        <a:lumOff val="25000"/>
-                      </a:schemeClr>
-                    </a:gs>
-                  </a:gsLst>
-                  <a:lin ang="5400000" scaled="0"/>
-                </a:gradFill>
-                <a:latin typeface="KoPub돋움체 Light" panose="02020603020101020101" pitchFamily="18" charset="-127"/>
-                <a:ea typeface="KoPub돋움체 Light" panose="02020603020101020101" pitchFamily="18" charset="-127"/>
-                <a:cs typeface="+mn-cs"/>
-              </a:defRPr>
-            </a:lvl1pPr>
-            <a:lvl2pPr marL="0" indent="0" algn="just" defTabSz="914400" rtl="0" eaLnBrk="1" fontAlgn="base" latinLnBrk="0" hangingPunct="1">
+            </a:pPr>
+            <a:r>
+              <a:rPr lang="en-US" altLang="ko-KR" sz="1600" b="1" dirty="0">
+                <a:gradFill>
+                  <a:gsLst>
+                    <a:gs pos="0">
+                      <a:srgbClr val="404040"/>
+                    </a:gs>
+                    <a:gs pos="100000">
+                      <a:srgbClr val="404040"/>
+                    </a:gs>
+                  </a:gsLst>
+                  <a:lin ang="5400000" scaled="0"/>
+                </a:gradFill>
+                <a:latin typeface="나눔고딕" panose="020D0604000000000000" pitchFamily="50" charset="-127"/>
+                <a:ea typeface="나눔고딕 ExtraBold"/>
+              </a:rPr>
+              <a:t>•</a:t>
+            </a:r>
+            <a:r>
+              <a:rPr lang="ko-KR" altLang="en-US" sz="1600" b="1" dirty="0">
+                <a:gradFill>
+                  <a:gsLst>
+                    <a:gs pos="0">
+                      <a:srgbClr val="404040"/>
+                    </a:gs>
+                    <a:gs pos="100000">
+                      <a:srgbClr val="404040"/>
+                    </a:gs>
+                  </a:gsLst>
+                  <a:lin ang="5400000" scaled="0"/>
+                </a:gradFill>
+                <a:latin typeface="나눔고딕" panose="020D0604000000000000" pitchFamily="50" charset="-127"/>
+                <a:ea typeface="나눔고딕 ExtraBold"/>
+              </a:rPr>
+              <a:t> 샘플 수</a:t>
+            </a:r>
+            <a:r>
+              <a:rPr lang="en-US" altLang="ko-KR" sz="1600" b="1" dirty="0">
+                <a:gradFill>
+                  <a:gsLst>
+                    <a:gs pos="0">
+                      <a:srgbClr val="404040"/>
+                    </a:gs>
+                    <a:gs pos="100000">
+                      <a:srgbClr val="404040"/>
+                    </a:gs>
+                  </a:gsLst>
+                  <a:lin ang="5400000" scaled="0"/>
+                </a:gradFill>
+                <a:latin typeface="나눔고딕" panose="020D0604000000000000" pitchFamily="50" charset="-127"/>
+                <a:ea typeface="나눔고딕 ExtraBold"/>
+              </a:rPr>
+              <a:t>: 150</a:t>
+            </a:r>
+          </a:p>
+          <a:p>
+            <a:pPr latinLnBrk="1">
               <a:lnSpc>
-                <a:spcPct val="120000"/>
+                <a:spcPct val="150000"/>
               </a:lnSpc>
-              <a:spcBef>
-                <a:spcPct val="0"/>
-              </a:spcBef>
-              <a:spcAft>
-                <a:spcPct val="0"/>
-              </a:spcAft>
-              <a:buFont typeface="Arial" charset="0"/>
-              <a:buNone/>
-              <a:tabLst/>
-              <a:defRPr kumimoji="1" lang="ko-KR" altLang="en-US" sz="1000" kern="1200" smtClean="0">
-                <a:gradFill>
-                  <a:gsLst>
-                    <a:gs pos="0">
-                      <a:schemeClr val="tx1">
-                        <a:lumMod val="75000"/>
-                        <a:lumOff val="25000"/>
-                      </a:schemeClr>
-                    </a:gs>
-                    <a:gs pos="100000">
-                      <a:schemeClr val="tx1">
-                        <a:lumMod val="75000"/>
-                        <a:lumOff val="25000"/>
-                      </a:schemeClr>
-                    </a:gs>
-                  </a:gsLst>
-                  <a:lin ang="5400000" scaled="0"/>
-                </a:gradFill>
-                <a:latin typeface="KoPub돋움체 Light" panose="02020603020101020101" pitchFamily="18" charset="-127"/>
-                <a:ea typeface="KoPub돋움체 Light" panose="02020603020101020101" pitchFamily="18" charset="-127"/>
-                <a:cs typeface="+mn-cs"/>
-              </a:defRPr>
-            </a:lvl2pPr>
-            <a:lvl3pPr marL="0" indent="0" algn="just" defTabSz="914400" rtl="0" eaLnBrk="1" fontAlgn="base" latinLnBrk="0" hangingPunct="1">
+            </a:pPr>
+            <a:r>
+              <a:rPr lang="en-US" altLang="ko-KR" sz="1600" b="1" dirty="0">
+                <a:gradFill>
+                  <a:gsLst>
+                    <a:gs pos="0">
+                      <a:srgbClr val="404040"/>
+                    </a:gs>
+                    <a:gs pos="100000">
+                      <a:srgbClr val="404040"/>
+                    </a:gs>
+                  </a:gsLst>
+                  <a:lin ang="5400000" scaled="0"/>
+                </a:gradFill>
+                <a:latin typeface="나눔고딕" panose="020D0604000000000000" pitchFamily="50" charset="-127"/>
+                <a:ea typeface="나눔고딕 ExtraBold"/>
+              </a:rPr>
+              <a:t>•</a:t>
+            </a:r>
+            <a:r>
+              <a:rPr lang="ko-KR" altLang="en-US" sz="1600" b="1" dirty="0">
+                <a:gradFill>
+                  <a:gsLst>
+                    <a:gs pos="0">
+                      <a:srgbClr val="404040"/>
+                    </a:gs>
+                    <a:gs pos="100000">
+                      <a:srgbClr val="404040"/>
+                    </a:gs>
+                  </a:gsLst>
+                  <a:lin ang="5400000" scaled="0"/>
+                </a:gradFill>
+                <a:latin typeface="나눔고딕" panose="020D0604000000000000" pitchFamily="50" charset="-127"/>
+                <a:ea typeface="나눔고딕 ExtraBold"/>
+              </a:rPr>
+              <a:t> 속성 수</a:t>
+            </a:r>
+            <a:r>
+              <a:rPr lang="en-US" altLang="ko-KR" sz="1600" b="1" dirty="0">
+                <a:gradFill>
+                  <a:gsLst>
+                    <a:gs pos="0">
+                      <a:srgbClr val="404040"/>
+                    </a:gs>
+                    <a:gs pos="100000">
+                      <a:srgbClr val="404040"/>
+                    </a:gs>
+                  </a:gsLst>
+                  <a:lin ang="5400000" scaled="0"/>
+                </a:gradFill>
+                <a:latin typeface="나눔고딕" panose="020D0604000000000000" pitchFamily="50" charset="-127"/>
+                <a:ea typeface="나눔고딕 ExtraBold"/>
+              </a:rPr>
+              <a:t>: 4</a:t>
+            </a:r>
+          </a:p>
+          <a:p>
+            <a:pPr latinLnBrk="1">
               <a:lnSpc>
-                <a:spcPct val="120000"/>
+                <a:spcPct val="150000"/>
               </a:lnSpc>
-              <a:spcBef>
-                <a:spcPct val="0"/>
-              </a:spcBef>
-              <a:spcAft>
-                <a:spcPct val="0"/>
-              </a:spcAft>
-              <a:buFont typeface="Arial" charset="0"/>
-              <a:buNone/>
-              <a:tabLst/>
-              <a:defRPr kumimoji="1" lang="ko-KR" altLang="en-US" sz="1000" kern="1200" smtClean="0">
-                <a:gradFill>
-                  <a:gsLst>
-                    <a:gs pos="0">
-                      <a:schemeClr val="tx1">
-                        <a:lumMod val="75000"/>
-                        <a:lumOff val="25000"/>
-                      </a:schemeClr>
-                    </a:gs>
-                    <a:gs pos="100000">
-                      <a:schemeClr val="tx1">
-                        <a:lumMod val="75000"/>
-                        <a:lumOff val="25000"/>
-                      </a:schemeClr>
-                    </a:gs>
-                  </a:gsLst>
-                  <a:lin ang="5400000" scaled="0"/>
-                </a:gradFill>
-                <a:latin typeface="KoPub돋움체 Light" panose="02020603020101020101" pitchFamily="18" charset="-127"/>
-                <a:ea typeface="KoPub돋움체 Light" panose="02020603020101020101" pitchFamily="18" charset="-127"/>
-                <a:cs typeface="+mn-cs"/>
-              </a:defRPr>
-            </a:lvl3pPr>
-            <a:lvl4pPr marL="0" indent="0" algn="just" defTabSz="914400" rtl="0" eaLnBrk="1" fontAlgn="base" latinLnBrk="0" hangingPunct="1">
+            </a:pPr>
+            <a:r>
+              <a:rPr lang="en-US" altLang="ko-KR" sz="1200" dirty="0" smtClean="0">
+                <a:gradFill>
+                  <a:gsLst>
+                    <a:gs pos="0">
+                      <a:srgbClr val="404040"/>
+                    </a:gs>
+                    <a:gs pos="100000">
+                      <a:srgbClr val="404040"/>
+                    </a:gs>
+                  </a:gsLst>
+                  <a:lin ang="5400000" scaled="0"/>
+                </a:gradFill>
+                <a:latin typeface="나눔고딕" panose="020D0604000000000000" pitchFamily="50" charset="-127"/>
+                <a:ea typeface="나눔고딕 ExtraBold"/>
+              </a:rPr>
+              <a:t>     - </a:t>
+            </a:r>
+            <a:r>
+              <a:rPr lang="ko-KR" altLang="en-US" sz="1200" dirty="0">
+                <a:gradFill>
+                  <a:gsLst>
+                    <a:gs pos="0">
+                      <a:srgbClr val="404040"/>
+                    </a:gs>
+                    <a:gs pos="100000">
+                      <a:srgbClr val="404040"/>
+                    </a:gs>
+                  </a:gsLst>
+                  <a:lin ang="5400000" scaled="0"/>
+                </a:gradFill>
+                <a:latin typeface="나눔고딕" panose="020D0604000000000000" pitchFamily="50" charset="-127"/>
+                <a:ea typeface="나눔고딕 ExtraBold"/>
+              </a:rPr>
+              <a:t>정보 </a:t>
+            </a:r>
+            <a:r>
+              <a:rPr lang="en-US" altLang="ko-KR" sz="1200" dirty="0">
+                <a:gradFill>
+                  <a:gsLst>
+                    <a:gs pos="0">
+                      <a:srgbClr val="404040"/>
+                    </a:gs>
+                    <a:gs pos="100000">
+                      <a:srgbClr val="404040"/>
+                    </a:gs>
+                  </a:gsLst>
+                  <a:lin ang="5400000" scaled="0"/>
+                </a:gradFill>
+                <a:latin typeface="나눔고딕" panose="020D0604000000000000" pitchFamily="50" charset="-127"/>
+                <a:ea typeface="나눔고딕 ExtraBold"/>
+              </a:rPr>
+              <a:t>1: </a:t>
+            </a:r>
+            <a:r>
+              <a:rPr lang="ko-KR" altLang="en-US" sz="1200" dirty="0">
+                <a:gradFill>
+                  <a:gsLst>
+                    <a:gs pos="0">
+                      <a:srgbClr val="404040"/>
+                    </a:gs>
+                    <a:gs pos="100000">
+                      <a:srgbClr val="404040"/>
+                    </a:gs>
+                  </a:gsLst>
+                  <a:lin ang="5400000" scaled="0"/>
+                </a:gradFill>
+                <a:latin typeface="나눔고딕" panose="020D0604000000000000" pitchFamily="50" charset="-127"/>
+                <a:ea typeface="나눔고딕 ExtraBold"/>
+              </a:rPr>
+              <a:t>꽃받침 길이 </a:t>
+            </a:r>
+            <a:r>
+              <a:rPr lang="en-US" altLang="ko-KR" sz="1200" dirty="0">
+                <a:gradFill>
+                  <a:gsLst>
+                    <a:gs pos="0">
+                      <a:srgbClr val="404040"/>
+                    </a:gs>
+                    <a:gs pos="100000">
+                      <a:srgbClr val="404040"/>
+                    </a:gs>
+                  </a:gsLst>
+                  <a:lin ang="5400000" scaled="0"/>
+                </a:gradFill>
+                <a:latin typeface="나눔고딕" panose="020D0604000000000000" pitchFamily="50" charset="-127"/>
+                <a:ea typeface="나눔고딕 ExtraBold"/>
+              </a:rPr>
+              <a:t>(sepal length, </a:t>
+            </a:r>
+            <a:r>
+              <a:rPr lang="ko-KR" altLang="en-US" sz="1200" dirty="0">
+                <a:gradFill>
+                  <a:gsLst>
+                    <a:gs pos="0">
+                      <a:srgbClr val="404040"/>
+                    </a:gs>
+                    <a:gs pos="100000">
+                      <a:srgbClr val="404040"/>
+                    </a:gs>
+                  </a:gsLst>
+                  <a:lin ang="5400000" scaled="0"/>
+                </a:gradFill>
+                <a:latin typeface="나눔고딕" panose="020D0604000000000000" pitchFamily="50" charset="-127"/>
+                <a:ea typeface="나눔고딕 ExtraBold"/>
+              </a:rPr>
+              <a:t>단위</a:t>
+            </a:r>
+            <a:r>
+              <a:rPr lang="en-US" altLang="ko-KR" sz="1200" dirty="0">
+                <a:gradFill>
+                  <a:gsLst>
+                    <a:gs pos="0">
+                      <a:srgbClr val="404040"/>
+                    </a:gs>
+                    <a:gs pos="100000">
+                      <a:srgbClr val="404040"/>
+                    </a:gs>
+                  </a:gsLst>
+                  <a:lin ang="5400000" scaled="0"/>
+                </a:gradFill>
+                <a:latin typeface="나눔고딕" panose="020D0604000000000000" pitchFamily="50" charset="-127"/>
+                <a:ea typeface="나눔고딕 ExtraBold"/>
+              </a:rPr>
+              <a:t>: cm)</a:t>
+            </a:r>
+          </a:p>
+          <a:p>
+            <a:pPr latinLnBrk="1">
               <a:lnSpc>
-                <a:spcPct val="120000"/>
+                <a:spcPct val="150000"/>
               </a:lnSpc>
-              <a:spcBef>
-                <a:spcPct val="0"/>
-              </a:spcBef>
-              <a:spcAft>
-                <a:spcPct val="0"/>
-              </a:spcAft>
-              <a:buFont typeface="Arial" charset="0"/>
-              <a:buNone/>
-              <a:tabLst/>
-              <a:defRPr kumimoji="1" lang="ko-KR" altLang="en-US" sz="1000" kern="1200" smtClean="0">
-                <a:gradFill>
-                  <a:gsLst>
-                    <a:gs pos="0">
-                      <a:schemeClr val="tx1">
-                        <a:lumMod val="75000"/>
-                        <a:lumOff val="25000"/>
-                      </a:schemeClr>
-                    </a:gs>
-                    <a:gs pos="100000">
-                      <a:schemeClr val="tx1">
-                        <a:lumMod val="75000"/>
-                        <a:lumOff val="25000"/>
-                      </a:schemeClr>
-                    </a:gs>
-                  </a:gsLst>
-                  <a:lin ang="5400000" scaled="0"/>
-                </a:gradFill>
-                <a:latin typeface="KoPub돋움체 Light" panose="02020603020101020101" pitchFamily="18" charset="-127"/>
-                <a:ea typeface="KoPub돋움체 Light" panose="02020603020101020101" pitchFamily="18" charset="-127"/>
-                <a:cs typeface="+mn-cs"/>
-              </a:defRPr>
-            </a:lvl4pPr>
-            <a:lvl5pPr marL="0" indent="0" algn="just" defTabSz="914400" rtl="0" eaLnBrk="1" fontAlgn="base" latinLnBrk="0" hangingPunct="1">
+            </a:pPr>
+            <a:r>
+              <a:rPr lang="en-US" altLang="ko-KR" sz="1200" dirty="0" smtClean="0">
+                <a:gradFill>
+                  <a:gsLst>
+                    <a:gs pos="0">
+                      <a:srgbClr val="404040"/>
+                    </a:gs>
+                    <a:gs pos="100000">
+                      <a:srgbClr val="404040"/>
+                    </a:gs>
+                  </a:gsLst>
+                  <a:lin ang="5400000" scaled="0"/>
+                </a:gradFill>
+                <a:latin typeface="나눔고딕" panose="020D0604000000000000" pitchFamily="50" charset="-127"/>
+                <a:ea typeface="나눔고딕 ExtraBold"/>
+              </a:rPr>
+              <a:t>     - </a:t>
+            </a:r>
+            <a:r>
+              <a:rPr lang="ko-KR" altLang="en-US" sz="1200" dirty="0">
+                <a:gradFill>
+                  <a:gsLst>
+                    <a:gs pos="0">
+                      <a:srgbClr val="404040"/>
+                    </a:gs>
+                    <a:gs pos="100000">
+                      <a:srgbClr val="404040"/>
+                    </a:gs>
+                  </a:gsLst>
+                  <a:lin ang="5400000" scaled="0"/>
+                </a:gradFill>
+                <a:latin typeface="나눔고딕" panose="020D0604000000000000" pitchFamily="50" charset="-127"/>
+                <a:ea typeface="나눔고딕 ExtraBold"/>
+              </a:rPr>
+              <a:t>정보 </a:t>
+            </a:r>
+            <a:r>
+              <a:rPr lang="en-US" altLang="ko-KR" sz="1200" dirty="0">
+                <a:gradFill>
+                  <a:gsLst>
+                    <a:gs pos="0">
+                      <a:srgbClr val="404040"/>
+                    </a:gs>
+                    <a:gs pos="100000">
+                      <a:srgbClr val="404040"/>
+                    </a:gs>
+                  </a:gsLst>
+                  <a:lin ang="5400000" scaled="0"/>
+                </a:gradFill>
+                <a:latin typeface="나눔고딕" panose="020D0604000000000000" pitchFamily="50" charset="-127"/>
+                <a:ea typeface="나눔고딕 ExtraBold"/>
+              </a:rPr>
+              <a:t>2: </a:t>
+            </a:r>
+            <a:r>
+              <a:rPr lang="ko-KR" altLang="en-US" sz="1200" dirty="0">
+                <a:gradFill>
+                  <a:gsLst>
+                    <a:gs pos="0">
+                      <a:srgbClr val="404040"/>
+                    </a:gs>
+                    <a:gs pos="100000">
+                      <a:srgbClr val="404040"/>
+                    </a:gs>
+                  </a:gsLst>
+                  <a:lin ang="5400000" scaled="0"/>
+                </a:gradFill>
+                <a:latin typeface="나눔고딕" panose="020D0604000000000000" pitchFamily="50" charset="-127"/>
+                <a:ea typeface="나눔고딕 ExtraBold"/>
+              </a:rPr>
+              <a:t>꽃받침 넓이 </a:t>
+            </a:r>
+            <a:r>
+              <a:rPr lang="en-US" altLang="ko-KR" sz="1200" dirty="0">
+                <a:gradFill>
+                  <a:gsLst>
+                    <a:gs pos="0">
+                      <a:srgbClr val="404040"/>
+                    </a:gs>
+                    <a:gs pos="100000">
+                      <a:srgbClr val="404040"/>
+                    </a:gs>
+                  </a:gsLst>
+                  <a:lin ang="5400000" scaled="0"/>
+                </a:gradFill>
+                <a:latin typeface="나눔고딕" panose="020D0604000000000000" pitchFamily="50" charset="-127"/>
+                <a:ea typeface="나눔고딕 ExtraBold"/>
+              </a:rPr>
+              <a:t>(sepal width, </a:t>
+            </a:r>
+            <a:r>
+              <a:rPr lang="ko-KR" altLang="en-US" sz="1200" dirty="0">
+                <a:gradFill>
+                  <a:gsLst>
+                    <a:gs pos="0">
+                      <a:srgbClr val="404040"/>
+                    </a:gs>
+                    <a:gs pos="100000">
+                      <a:srgbClr val="404040"/>
+                    </a:gs>
+                  </a:gsLst>
+                  <a:lin ang="5400000" scaled="0"/>
+                </a:gradFill>
+                <a:latin typeface="나눔고딕" panose="020D0604000000000000" pitchFamily="50" charset="-127"/>
+                <a:ea typeface="나눔고딕 ExtraBold"/>
+              </a:rPr>
+              <a:t>단위</a:t>
+            </a:r>
+            <a:r>
+              <a:rPr lang="en-US" altLang="ko-KR" sz="1200" dirty="0">
+                <a:gradFill>
+                  <a:gsLst>
+                    <a:gs pos="0">
+                      <a:srgbClr val="404040"/>
+                    </a:gs>
+                    <a:gs pos="100000">
+                      <a:srgbClr val="404040"/>
+                    </a:gs>
+                  </a:gsLst>
+                  <a:lin ang="5400000" scaled="0"/>
+                </a:gradFill>
+                <a:latin typeface="나눔고딕" panose="020D0604000000000000" pitchFamily="50" charset="-127"/>
+                <a:ea typeface="나눔고딕 ExtraBold"/>
+              </a:rPr>
+              <a:t>: cm)</a:t>
+            </a:r>
+          </a:p>
+          <a:p>
+            <a:pPr latinLnBrk="1">
               <a:lnSpc>
-                <a:spcPct val="120000"/>
+                <a:spcPct val="150000"/>
               </a:lnSpc>
-              <a:spcBef>
-                <a:spcPct val="0"/>
-              </a:spcBef>
-              <a:spcAft>
-                <a:spcPct val="0"/>
-              </a:spcAft>
-              <a:buFont typeface="Arial" charset="0"/>
-              <a:buNone/>
-              <a:tabLst/>
-              <a:defRPr kumimoji="1" lang="ko-KR" altLang="en-US" sz="1000" kern="1200">
-                <a:gradFill>
-                  <a:gsLst>
-                    <a:gs pos="0">
-                      <a:schemeClr val="tx1">
-                        <a:lumMod val="75000"/>
-                        <a:lumOff val="25000"/>
-                      </a:schemeClr>
-                    </a:gs>
-                    <a:gs pos="100000">
-                      <a:schemeClr val="tx1">
-                        <a:lumMod val="75000"/>
-                        <a:lumOff val="25000"/>
-                      </a:schemeClr>
-                    </a:gs>
-                  </a:gsLst>
-                  <a:lin ang="5400000" scaled="0"/>
-                </a:gradFill>
-                <a:latin typeface="KoPub돋움체 Light" panose="02020603020101020101" pitchFamily="18" charset="-127"/>
-                <a:ea typeface="KoPub돋움체 Light" panose="02020603020101020101" pitchFamily="18" charset="-127"/>
-                <a:cs typeface="+mn-cs"/>
-              </a:defRPr>
-            </a:lvl5pPr>
-            <a:lvl6pPr marL="2514600" indent="-228600" algn="l" defTabSz="914400" rtl="0" eaLnBrk="1" latinLnBrk="1" hangingPunct="1">
+            </a:pPr>
+            <a:r>
+              <a:rPr lang="en-US" altLang="ko-KR" sz="1200" dirty="0" smtClean="0">
+                <a:gradFill>
+                  <a:gsLst>
+                    <a:gs pos="0">
+                      <a:srgbClr val="404040"/>
+                    </a:gs>
+                    <a:gs pos="100000">
+                      <a:srgbClr val="404040"/>
+                    </a:gs>
+                  </a:gsLst>
+                  <a:lin ang="5400000" scaled="0"/>
+                </a:gradFill>
+                <a:latin typeface="나눔고딕" panose="020D0604000000000000" pitchFamily="50" charset="-127"/>
+                <a:ea typeface="나눔고딕 ExtraBold"/>
+              </a:rPr>
+              <a:t>     - </a:t>
+            </a:r>
+            <a:r>
+              <a:rPr lang="ko-KR" altLang="en-US" sz="1200" dirty="0">
+                <a:gradFill>
+                  <a:gsLst>
+                    <a:gs pos="0">
+                      <a:srgbClr val="404040"/>
+                    </a:gs>
+                    <a:gs pos="100000">
+                      <a:srgbClr val="404040"/>
+                    </a:gs>
+                  </a:gsLst>
+                  <a:lin ang="5400000" scaled="0"/>
+                </a:gradFill>
+                <a:latin typeface="나눔고딕" panose="020D0604000000000000" pitchFamily="50" charset="-127"/>
+                <a:ea typeface="나눔고딕 ExtraBold"/>
+              </a:rPr>
+              <a:t>정보 </a:t>
+            </a:r>
+            <a:r>
+              <a:rPr lang="en-US" altLang="ko-KR" sz="1200" dirty="0">
+                <a:gradFill>
+                  <a:gsLst>
+                    <a:gs pos="0">
+                      <a:srgbClr val="404040"/>
+                    </a:gs>
+                    <a:gs pos="100000">
+                      <a:srgbClr val="404040"/>
+                    </a:gs>
+                  </a:gsLst>
+                  <a:lin ang="5400000" scaled="0"/>
+                </a:gradFill>
+                <a:latin typeface="나눔고딕" panose="020D0604000000000000" pitchFamily="50" charset="-127"/>
+                <a:ea typeface="나눔고딕 ExtraBold"/>
+              </a:rPr>
+              <a:t>3: </a:t>
+            </a:r>
+            <a:r>
+              <a:rPr lang="ko-KR" altLang="en-US" sz="1200" dirty="0">
+                <a:gradFill>
+                  <a:gsLst>
+                    <a:gs pos="0">
+                      <a:srgbClr val="404040"/>
+                    </a:gs>
+                    <a:gs pos="100000">
+                      <a:srgbClr val="404040"/>
+                    </a:gs>
+                  </a:gsLst>
+                  <a:lin ang="5400000" scaled="0"/>
+                </a:gradFill>
+                <a:latin typeface="나눔고딕" panose="020D0604000000000000" pitchFamily="50" charset="-127"/>
+                <a:ea typeface="나눔고딕 ExtraBold"/>
+              </a:rPr>
+              <a:t>꽃잎 길이 </a:t>
+            </a:r>
+            <a:r>
+              <a:rPr lang="en-US" altLang="ko-KR" sz="1200" dirty="0">
+                <a:gradFill>
+                  <a:gsLst>
+                    <a:gs pos="0">
+                      <a:srgbClr val="404040"/>
+                    </a:gs>
+                    <a:gs pos="100000">
+                      <a:srgbClr val="404040"/>
+                    </a:gs>
+                  </a:gsLst>
+                  <a:lin ang="5400000" scaled="0"/>
+                </a:gradFill>
+                <a:latin typeface="나눔고딕" panose="020D0604000000000000" pitchFamily="50" charset="-127"/>
+                <a:ea typeface="나눔고딕 ExtraBold"/>
+              </a:rPr>
+              <a:t>(petal length, </a:t>
+            </a:r>
+            <a:r>
+              <a:rPr lang="ko-KR" altLang="en-US" sz="1200" dirty="0">
+                <a:gradFill>
+                  <a:gsLst>
+                    <a:gs pos="0">
+                      <a:srgbClr val="404040"/>
+                    </a:gs>
+                    <a:gs pos="100000">
+                      <a:srgbClr val="404040"/>
+                    </a:gs>
+                  </a:gsLst>
+                  <a:lin ang="5400000" scaled="0"/>
+                </a:gradFill>
+                <a:latin typeface="나눔고딕" panose="020D0604000000000000" pitchFamily="50" charset="-127"/>
+                <a:ea typeface="나눔고딕 ExtraBold"/>
+              </a:rPr>
+              <a:t>단위</a:t>
+            </a:r>
+            <a:r>
+              <a:rPr lang="en-US" altLang="ko-KR" sz="1200" dirty="0">
+                <a:gradFill>
+                  <a:gsLst>
+                    <a:gs pos="0">
+                      <a:srgbClr val="404040"/>
+                    </a:gs>
+                    <a:gs pos="100000">
+                      <a:srgbClr val="404040"/>
+                    </a:gs>
+                  </a:gsLst>
+                  <a:lin ang="5400000" scaled="0"/>
+                </a:gradFill>
+                <a:latin typeface="나눔고딕" panose="020D0604000000000000" pitchFamily="50" charset="-127"/>
+                <a:ea typeface="나눔고딕 ExtraBold"/>
+              </a:rPr>
+              <a:t>: cm)</a:t>
+            </a:r>
+          </a:p>
+          <a:p>
+            <a:pPr latinLnBrk="1">
               <a:lnSpc>
-                <a:spcPct val="90000"/>
+                <a:spcPct val="150000"/>
               </a:lnSpc>
-              <a:spcBef>
-                <a:spcPts val="500"/>
-              </a:spcBef>
-              <a:buFont typeface="Arial" panose="020B0604020202020204" pitchFamily="34" charset="0"/>
-              <a:buChar char="•"/>
-              <a:defRPr sz="1800" kern="1200">
-                <a:solidFill>
-                  <a:schemeClr val="tx1"/>
-                </a:solidFill>
-                <a:latin typeface="+mn-lt"/>
-                <a:ea typeface="+mn-ea"/>
-                <a:cs typeface="+mn-cs"/>
-              </a:defRPr>
-            </a:lvl6pPr>
-            <a:lvl7pPr marL="2971800" indent="-228600" algn="l" defTabSz="914400" rtl="0" eaLnBrk="1" latinLnBrk="1" hangingPunct="1">
+            </a:pPr>
+            <a:r>
+              <a:rPr lang="en-US" altLang="ko-KR" sz="1200" dirty="0" smtClean="0">
+                <a:gradFill>
+                  <a:gsLst>
+                    <a:gs pos="0">
+                      <a:srgbClr val="404040"/>
+                    </a:gs>
+                    <a:gs pos="100000">
+                      <a:srgbClr val="404040"/>
+                    </a:gs>
+                  </a:gsLst>
+                  <a:lin ang="5400000" scaled="0"/>
+                </a:gradFill>
+                <a:latin typeface="나눔고딕" panose="020D0604000000000000" pitchFamily="50" charset="-127"/>
+                <a:ea typeface="나눔고딕 ExtraBold"/>
+              </a:rPr>
+              <a:t>     - </a:t>
+            </a:r>
+            <a:r>
+              <a:rPr lang="ko-KR" altLang="en-US" sz="1200" dirty="0">
+                <a:gradFill>
+                  <a:gsLst>
+                    <a:gs pos="0">
+                      <a:srgbClr val="404040"/>
+                    </a:gs>
+                    <a:gs pos="100000">
+                      <a:srgbClr val="404040"/>
+                    </a:gs>
+                  </a:gsLst>
+                  <a:lin ang="5400000" scaled="0"/>
+                </a:gradFill>
+                <a:latin typeface="나눔고딕" panose="020D0604000000000000" pitchFamily="50" charset="-127"/>
+                <a:ea typeface="나눔고딕 ExtraBold"/>
+              </a:rPr>
+              <a:t>정보 </a:t>
+            </a:r>
+            <a:r>
+              <a:rPr lang="en-US" altLang="ko-KR" sz="1200" dirty="0">
+                <a:gradFill>
+                  <a:gsLst>
+                    <a:gs pos="0">
+                      <a:srgbClr val="404040"/>
+                    </a:gs>
+                    <a:gs pos="100000">
+                      <a:srgbClr val="404040"/>
+                    </a:gs>
+                  </a:gsLst>
+                  <a:lin ang="5400000" scaled="0"/>
+                </a:gradFill>
+                <a:latin typeface="나눔고딕" panose="020D0604000000000000" pitchFamily="50" charset="-127"/>
+                <a:ea typeface="나눔고딕 ExtraBold"/>
+              </a:rPr>
+              <a:t>4: </a:t>
+            </a:r>
+            <a:r>
+              <a:rPr lang="ko-KR" altLang="en-US" sz="1200" dirty="0">
+                <a:gradFill>
+                  <a:gsLst>
+                    <a:gs pos="0">
+                      <a:srgbClr val="404040"/>
+                    </a:gs>
+                    <a:gs pos="100000">
+                      <a:srgbClr val="404040"/>
+                    </a:gs>
+                  </a:gsLst>
+                  <a:lin ang="5400000" scaled="0"/>
+                </a:gradFill>
+                <a:latin typeface="나눔고딕" panose="020D0604000000000000" pitchFamily="50" charset="-127"/>
+                <a:ea typeface="나눔고딕 ExtraBold"/>
+              </a:rPr>
+              <a:t>꽃잎 넓이 </a:t>
+            </a:r>
+            <a:r>
+              <a:rPr lang="en-US" altLang="ko-KR" sz="1200" dirty="0">
+                <a:gradFill>
+                  <a:gsLst>
+                    <a:gs pos="0">
+                      <a:srgbClr val="404040"/>
+                    </a:gs>
+                    <a:gs pos="100000">
+                      <a:srgbClr val="404040"/>
+                    </a:gs>
+                  </a:gsLst>
+                  <a:lin ang="5400000" scaled="0"/>
+                </a:gradFill>
+                <a:latin typeface="나눔고딕" panose="020D0604000000000000" pitchFamily="50" charset="-127"/>
+                <a:ea typeface="나눔고딕 ExtraBold"/>
+              </a:rPr>
+              <a:t>(petal width, </a:t>
+            </a:r>
+            <a:r>
+              <a:rPr lang="ko-KR" altLang="en-US" sz="1200" dirty="0">
+                <a:gradFill>
+                  <a:gsLst>
+                    <a:gs pos="0">
+                      <a:srgbClr val="404040"/>
+                    </a:gs>
+                    <a:gs pos="100000">
+                      <a:srgbClr val="404040"/>
+                    </a:gs>
+                  </a:gsLst>
+                  <a:lin ang="5400000" scaled="0"/>
+                </a:gradFill>
+                <a:latin typeface="나눔고딕" panose="020D0604000000000000" pitchFamily="50" charset="-127"/>
+                <a:ea typeface="나눔고딕 ExtraBold"/>
+              </a:rPr>
+              <a:t>단위</a:t>
+            </a:r>
+            <a:r>
+              <a:rPr lang="en-US" altLang="ko-KR" sz="1200" dirty="0">
+                <a:gradFill>
+                  <a:gsLst>
+                    <a:gs pos="0">
+                      <a:srgbClr val="404040"/>
+                    </a:gs>
+                    <a:gs pos="100000">
+                      <a:srgbClr val="404040"/>
+                    </a:gs>
+                  </a:gsLst>
+                  <a:lin ang="5400000" scaled="0"/>
+                </a:gradFill>
+                <a:latin typeface="나눔고딕" panose="020D0604000000000000" pitchFamily="50" charset="-127"/>
+                <a:ea typeface="나눔고딕 ExtraBold"/>
+              </a:rPr>
+              <a:t>: cm)</a:t>
+            </a:r>
+          </a:p>
+          <a:p>
+            <a:pPr latinLnBrk="1">
               <a:lnSpc>
-                <a:spcPct val="90000"/>
+                <a:spcPct val="150000"/>
               </a:lnSpc>
-              <a:spcBef>
-                <a:spcPts val="500"/>
-              </a:spcBef>
-              <a:buFont typeface="Arial" panose="020B0604020202020204" pitchFamily="34" charset="0"/>
-              <a:buChar char="•"/>
-              <a:defRPr sz="1800" kern="1200">
-                <a:solidFill>
-                  <a:schemeClr val="tx1"/>
-                </a:solidFill>
-                <a:latin typeface="+mn-lt"/>
-                <a:ea typeface="+mn-ea"/>
-                <a:cs typeface="+mn-cs"/>
-              </a:defRPr>
-            </a:lvl7pPr>
-            <a:lvl8pPr marL="3429000" indent="-228600" algn="l" defTabSz="914400" rtl="0" eaLnBrk="1" latinLnBrk="1" hangingPunct="1">
-              <a:lnSpc>
-                <a:spcPct val="90000"/>
-              </a:lnSpc>
-              <a:spcBef>
-                <a:spcPts val="500"/>
-              </a:spcBef>
-              <a:buFont typeface="Arial" panose="020B0604020202020204" pitchFamily="34" charset="0"/>
-              <a:buChar char="•"/>
-              <a:defRPr sz="1800" kern="1200">
-                <a:solidFill>
-                  <a:schemeClr val="tx1"/>
-                </a:solidFill>
-                <a:latin typeface="+mn-lt"/>
-                <a:ea typeface="+mn-ea"/>
-                <a:cs typeface="+mn-cs"/>
-              </a:defRPr>
-            </a:lvl8pPr>
-            <a:lvl9pPr marL="3886200" indent="-228600" algn="l" defTabSz="914400" rtl="0" eaLnBrk="1" latinLnBrk="1" hangingPunct="1">
-              <a:lnSpc>
-                <a:spcPct val="90000"/>
-              </a:lnSpc>
-              <a:spcBef>
-                <a:spcPts val="500"/>
-              </a:spcBef>
-              <a:buFont typeface="Arial" panose="020B0604020202020204" pitchFamily="34" charset="0"/>
-              <a:buChar char="•"/>
-              <a:defRPr sz="1800" kern="1200">
-                <a:solidFill>
-                  <a:schemeClr val="tx1"/>
-                </a:solidFill>
-                <a:latin typeface="+mn-lt"/>
-                <a:ea typeface="+mn-ea"/>
-                <a:cs typeface="+mn-cs"/>
-              </a:defRPr>
-            </a:lvl9pPr>
-          </a:lstStyle>
-          <a:p>
-            <a:pPr algn="l">
-              <a:defRPr/>
             </a:pPr>
             <a:r>
-              <a:rPr lang="ko-KR" altLang="en-US" sz="1600" b="1" dirty="0" smtClean="0">
-                <a:gradFill>
-                  <a:gsLst>
-                    <a:gs pos="0">
-                      <a:srgbClr val="404040"/>
-                    </a:gs>
-                    <a:gs pos="100000">
-                      <a:srgbClr val="404040"/>
-                    </a:gs>
-                  </a:gsLst>
-                  <a:lin ang="5400000" scaled="0"/>
-                </a:gradFill>
-                <a:latin typeface="나눔고딕" panose="020D0604000000000000" pitchFamily="50" charset="-127"/>
-                <a:ea typeface="나눔고딕 ExtraBold"/>
-              </a:rPr>
-              <a:t>오차 </a:t>
-            </a:r>
-            <a:r>
-              <a:rPr lang="ko-KR" altLang="en-US" sz="1600" b="1" dirty="0" err="1" smtClean="0">
-                <a:gradFill>
-                  <a:gsLst>
-                    <a:gs pos="0">
-                      <a:srgbClr val="404040"/>
-                    </a:gs>
-                    <a:gs pos="100000">
-                      <a:srgbClr val="404040"/>
-                    </a:gs>
-                  </a:gsLst>
-                  <a:lin ang="5400000" scaled="0"/>
-                </a:gradFill>
-                <a:latin typeface="나눔고딕" panose="020D0604000000000000" pitchFamily="50" charset="-127"/>
-                <a:ea typeface="나눔고딕 ExtraBold"/>
-              </a:rPr>
-              <a:t>역전파</a:t>
-            </a:r>
-            <a:r>
-              <a:rPr lang="en-US" altLang="ko-KR" sz="1600" b="1" dirty="0" smtClean="0">
-                <a:gradFill>
-                  <a:gsLst>
-                    <a:gs pos="0">
-                      <a:srgbClr val="404040"/>
-                    </a:gs>
-                    <a:gs pos="100000">
-                      <a:srgbClr val="404040"/>
-                    </a:gs>
-                  </a:gsLst>
-                  <a:lin ang="5400000" scaled="0"/>
-                </a:gradFill>
-                <a:latin typeface="나눔고딕" panose="020D0604000000000000" pitchFamily="50" charset="-127"/>
-                <a:ea typeface="나눔고딕 ExtraBold"/>
-              </a:rPr>
-              <a:t>(back propagation): </a:t>
-            </a:r>
-            <a:r>
-              <a:rPr lang="ko-KR" altLang="en-US" sz="1600" b="1" dirty="0" smtClean="0">
-                <a:gradFill>
-                  <a:gsLst>
-                    <a:gs pos="0">
-                      <a:srgbClr val="404040"/>
-                    </a:gs>
-                    <a:gs pos="100000">
-                      <a:srgbClr val="404040"/>
-                    </a:gs>
-                  </a:gsLst>
-                  <a:lin ang="5400000" scaled="0"/>
-                </a:gradFill>
-                <a:latin typeface="나눔고딕" panose="020D0604000000000000" pitchFamily="50" charset="-127"/>
-                <a:ea typeface="나눔고딕 ExtraBold"/>
-              </a:rPr>
-              <a:t>최적화의 계산 방향이 </a:t>
-            </a:r>
-            <a:r>
-              <a:rPr lang="ko-KR" altLang="en-US" sz="1600" b="1" dirty="0" err="1" smtClean="0">
-                <a:gradFill>
-                  <a:gsLst>
-                    <a:gs pos="0">
-                      <a:srgbClr val="404040"/>
-                    </a:gs>
-                    <a:gs pos="100000">
-                      <a:srgbClr val="404040"/>
-                    </a:gs>
-                  </a:gsLst>
-                  <a:lin ang="5400000" scaled="0"/>
-                </a:gradFill>
-                <a:latin typeface="나눔고딕" panose="020D0604000000000000" pitchFamily="50" charset="-127"/>
-                <a:ea typeface="나눔고딕 ExtraBold"/>
-              </a:rPr>
-              <a:t>출력층에서</a:t>
-            </a:r>
-            <a:r>
-              <a:rPr lang="ko-KR" altLang="en-US" sz="1600" b="1" dirty="0" smtClean="0">
-                <a:gradFill>
-                  <a:gsLst>
-                    <a:gs pos="0">
-                      <a:srgbClr val="404040"/>
-                    </a:gs>
-                    <a:gs pos="100000">
-                      <a:srgbClr val="404040"/>
-                    </a:gs>
-                  </a:gsLst>
-                  <a:lin ang="5400000" scaled="0"/>
-                </a:gradFill>
-                <a:latin typeface="나눔고딕" panose="020D0604000000000000" pitchFamily="50" charset="-127"/>
-                <a:ea typeface="나눔고딕 ExtraBold"/>
-              </a:rPr>
-              <a:t> 시작해 앞으로 진행</a:t>
-            </a:r>
-            <a:endParaRPr lang="en-US" altLang="ko-KR" sz="1600" b="1" dirty="0" smtClean="0">
+              <a:rPr lang="en-US" altLang="ko-KR" sz="1600" b="1" dirty="0">
+                <a:gradFill>
+                  <a:gsLst>
+                    <a:gs pos="0">
+                      <a:srgbClr val="404040"/>
+                    </a:gs>
+                    <a:gs pos="100000">
+                      <a:srgbClr val="404040"/>
+                    </a:gs>
+                  </a:gsLst>
+                  <a:lin ang="5400000" scaled="0"/>
+                </a:gradFill>
+                <a:latin typeface="나눔고딕" panose="020D0604000000000000" pitchFamily="50" charset="-127"/>
+                <a:ea typeface="나눔고딕 ExtraBold"/>
+              </a:rPr>
+              <a:t>•</a:t>
+            </a:r>
+            <a:r>
+              <a:rPr lang="ko-KR" altLang="en-US" sz="1600" b="1" dirty="0">
+                <a:gradFill>
+                  <a:gsLst>
+                    <a:gs pos="0">
+                      <a:srgbClr val="404040"/>
+                    </a:gs>
+                    <a:gs pos="100000">
+                      <a:srgbClr val="404040"/>
+                    </a:gs>
+                  </a:gsLst>
+                  <a:lin ang="5400000" scaled="0"/>
+                </a:gradFill>
+                <a:latin typeface="나눔고딕" panose="020D0604000000000000" pitchFamily="50" charset="-127"/>
+                <a:ea typeface="나눔고딕 ExtraBold"/>
+              </a:rPr>
+              <a:t> 클래스</a:t>
+            </a:r>
+            <a:r>
+              <a:rPr lang="en-US" altLang="ko-KR" sz="1600" b="1" dirty="0">
+                <a:gradFill>
+                  <a:gsLst>
+                    <a:gs pos="0">
+                      <a:srgbClr val="404040"/>
+                    </a:gs>
+                    <a:gs pos="100000">
+                      <a:srgbClr val="404040"/>
+                    </a:gs>
+                  </a:gsLst>
+                  <a:lin ang="5400000" scaled="0"/>
+                </a:gradFill>
+                <a:latin typeface="나눔고딕" panose="020D0604000000000000" pitchFamily="50" charset="-127"/>
+                <a:ea typeface="나눔고딕 ExtraBold"/>
+              </a:rPr>
+              <a:t>: Iris-</a:t>
+            </a:r>
+            <a:r>
+              <a:rPr lang="en-US" altLang="ko-KR" sz="1600" b="1" dirty="0" err="1">
+                <a:gradFill>
+                  <a:gsLst>
+                    <a:gs pos="0">
+                      <a:srgbClr val="404040"/>
+                    </a:gs>
+                    <a:gs pos="100000">
+                      <a:srgbClr val="404040"/>
+                    </a:gs>
+                  </a:gsLst>
+                  <a:lin ang="5400000" scaled="0"/>
+                </a:gradFill>
+                <a:latin typeface="나눔고딕" panose="020D0604000000000000" pitchFamily="50" charset="-127"/>
+                <a:ea typeface="나눔고딕 ExtraBold"/>
+              </a:rPr>
+              <a:t>setosa</a:t>
+            </a:r>
+            <a:r>
+              <a:rPr lang="en-US" altLang="ko-KR" sz="1600" b="1" dirty="0">
+                <a:gradFill>
+                  <a:gsLst>
+                    <a:gs pos="0">
+                      <a:srgbClr val="404040"/>
+                    </a:gs>
+                    <a:gs pos="100000">
+                      <a:srgbClr val="404040"/>
+                    </a:gs>
+                  </a:gsLst>
+                  <a:lin ang="5400000" scaled="0"/>
+                </a:gradFill>
+                <a:latin typeface="나눔고딕" panose="020D0604000000000000" pitchFamily="50" charset="-127"/>
+                <a:ea typeface="나눔고딕 ExtraBold"/>
+              </a:rPr>
+              <a:t>, Iris-versicolor, Iris-</a:t>
+            </a:r>
+            <a:r>
+              <a:rPr lang="en-US" altLang="ko-KR" sz="1600" b="1" dirty="0" err="1">
+                <a:gradFill>
+                  <a:gsLst>
+                    <a:gs pos="0">
+                      <a:srgbClr val="404040"/>
+                    </a:gs>
+                    <a:gs pos="100000">
+                      <a:srgbClr val="404040"/>
+                    </a:gs>
+                  </a:gsLst>
+                  <a:lin ang="5400000" scaled="0"/>
+                </a:gradFill>
+                <a:latin typeface="나눔고딕" panose="020D0604000000000000" pitchFamily="50" charset="-127"/>
+                <a:ea typeface="나눔고딕 ExtraBold"/>
+              </a:rPr>
+              <a:t>virginica</a:t>
+            </a:r>
+            <a:endParaRPr lang="en-US" altLang="ko-KR" sz="1600" b="1" dirty="0">
               <a:gradFill>
                 <a:gsLst>
                   <a:gs pos="0">
@@ -19309,633 +19519,10 @@
           </a:p>
         </p:txBody>
       </p:sp>
-      <p:sp>
-        <p:nvSpPr>
-          <p:cNvPr id="13" name="텍스트 개체 틀 2"/>
-          <p:cNvSpPr txBox="1">
-            <a:spLocks/>
-          </p:cNvSpPr>
-          <p:nvPr/>
-        </p:nvSpPr>
-        <p:spPr>
-          <a:xfrm>
-            <a:off x="251520" y="4890839"/>
-            <a:ext cx="8640960" cy="867930"/>
-          </a:xfrm>
-          <a:prstGeom prst="rect">
-            <a:avLst/>
-          </a:prstGeom>
-          <a:noFill/>
-          <a:ln w="9525">
-            <a:noFill/>
-            <a:miter lim="800000"/>
-            <a:headEnd/>
-            <a:tailEnd/>
-          </a:ln>
-        </p:spPr>
-        <p:txBody>
-          <a:bodyPr lIns="0" tIns="0" rIns="0" bIns="0">
-            <a:spAutoFit/>
-          </a:bodyPr>
-          <a:lstStyle>
-            <a:lvl1pPr marL="0" indent="0" algn="just" defTabSz="914400" rtl="0" eaLnBrk="1" fontAlgn="base" latinLnBrk="0" hangingPunct="1">
-              <a:lnSpc>
-                <a:spcPct val="120000"/>
-              </a:lnSpc>
-              <a:spcBef>
-                <a:spcPct val="0"/>
-              </a:spcBef>
-              <a:spcAft>
-                <a:spcPct val="0"/>
-              </a:spcAft>
-              <a:buFont typeface="Arial" charset="0"/>
-              <a:buNone/>
-              <a:tabLst/>
-              <a:defRPr kumimoji="1" lang="ko-KR" altLang="en-US" sz="1000" kern="1200" smtClean="0">
-                <a:gradFill>
-                  <a:gsLst>
-                    <a:gs pos="0">
-                      <a:schemeClr val="tx1">
-                        <a:lumMod val="75000"/>
-                        <a:lumOff val="25000"/>
-                      </a:schemeClr>
-                    </a:gs>
-                    <a:gs pos="100000">
-                      <a:schemeClr val="tx1">
-                        <a:lumMod val="75000"/>
-                        <a:lumOff val="25000"/>
-                      </a:schemeClr>
-                    </a:gs>
-                  </a:gsLst>
-                  <a:lin ang="5400000" scaled="0"/>
-                </a:gradFill>
-                <a:latin typeface="KoPub돋움체 Light" panose="02020603020101020101" pitchFamily="18" charset="-127"/>
-                <a:ea typeface="KoPub돋움체 Light" panose="02020603020101020101" pitchFamily="18" charset="-127"/>
-                <a:cs typeface="+mn-cs"/>
-              </a:defRPr>
-            </a:lvl1pPr>
-            <a:lvl2pPr marL="0" indent="0" algn="just" defTabSz="914400" rtl="0" eaLnBrk="1" fontAlgn="base" latinLnBrk="0" hangingPunct="1">
-              <a:lnSpc>
-                <a:spcPct val="120000"/>
-              </a:lnSpc>
-              <a:spcBef>
-                <a:spcPct val="0"/>
-              </a:spcBef>
-              <a:spcAft>
-                <a:spcPct val="0"/>
-              </a:spcAft>
-              <a:buFont typeface="Arial" charset="0"/>
-              <a:buNone/>
-              <a:tabLst/>
-              <a:defRPr kumimoji="1" lang="ko-KR" altLang="en-US" sz="1000" kern="1200" smtClean="0">
-                <a:gradFill>
-                  <a:gsLst>
-                    <a:gs pos="0">
-                      <a:schemeClr val="tx1">
-                        <a:lumMod val="75000"/>
-                        <a:lumOff val="25000"/>
-                      </a:schemeClr>
-                    </a:gs>
-                    <a:gs pos="100000">
-                      <a:schemeClr val="tx1">
-                        <a:lumMod val="75000"/>
-                        <a:lumOff val="25000"/>
-                      </a:schemeClr>
-                    </a:gs>
-                  </a:gsLst>
-                  <a:lin ang="5400000" scaled="0"/>
-                </a:gradFill>
-                <a:latin typeface="KoPub돋움체 Light" panose="02020603020101020101" pitchFamily="18" charset="-127"/>
-                <a:ea typeface="KoPub돋움체 Light" panose="02020603020101020101" pitchFamily="18" charset="-127"/>
-                <a:cs typeface="+mn-cs"/>
-              </a:defRPr>
-            </a:lvl2pPr>
-            <a:lvl3pPr marL="0" indent="0" algn="just" defTabSz="914400" rtl="0" eaLnBrk="1" fontAlgn="base" latinLnBrk="0" hangingPunct="1">
-              <a:lnSpc>
-                <a:spcPct val="120000"/>
-              </a:lnSpc>
-              <a:spcBef>
-                <a:spcPct val="0"/>
-              </a:spcBef>
-              <a:spcAft>
-                <a:spcPct val="0"/>
-              </a:spcAft>
-              <a:buFont typeface="Arial" charset="0"/>
-              <a:buNone/>
-              <a:tabLst/>
-              <a:defRPr kumimoji="1" lang="ko-KR" altLang="en-US" sz="1000" kern="1200" smtClean="0">
-                <a:gradFill>
-                  <a:gsLst>
-                    <a:gs pos="0">
-                      <a:schemeClr val="tx1">
-                        <a:lumMod val="75000"/>
-                        <a:lumOff val="25000"/>
-                      </a:schemeClr>
-                    </a:gs>
-                    <a:gs pos="100000">
-                      <a:schemeClr val="tx1">
-                        <a:lumMod val="75000"/>
-                        <a:lumOff val="25000"/>
-                      </a:schemeClr>
-                    </a:gs>
-                  </a:gsLst>
-                  <a:lin ang="5400000" scaled="0"/>
-                </a:gradFill>
-                <a:latin typeface="KoPub돋움체 Light" panose="02020603020101020101" pitchFamily="18" charset="-127"/>
-                <a:ea typeface="KoPub돋움체 Light" panose="02020603020101020101" pitchFamily="18" charset="-127"/>
-                <a:cs typeface="+mn-cs"/>
-              </a:defRPr>
-            </a:lvl3pPr>
-            <a:lvl4pPr marL="0" indent="0" algn="just" defTabSz="914400" rtl="0" eaLnBrk="1" fontAlgn="base" latinLnBrk="0" hangingPunct="1">
-              <a:lnSpc>
-                <a:spcPct val="120000"/>
-              </a:lnSpc>
-              <a:spcBef>
-                <a:spcPct val="0"/>
-              </a:spcBef>
-              <a:spcAft>
-                <a:spcPct val="0"/>
-              </a:spcAft>
-              <a:buFont typeface="Arial" charset="0"/>
-              <a:buNone/>
-              <a:tabLst/>
-              <a:defRPr kumimoji="1" lang="ko-KR" altLang="en-US" sz="1000" kern="1200" smtClean="0">
-                <a:gradFill>
-                  <a:gsLst>
-                    <a:gs pos="0">
-                      <a:schemeClr val="tx1">
-                        <a:lumMod val="75000"/>
-                        <a:lumOff val="25000"/>
-                      </a:schemeClr>
-                    </a:gs>
-                    <a:gs pos="100000">
-                      <a:schemeClr val="tx1">
-                        <a:lumMod val="75000"/>
-                        <a:lumOff val="25000"/>
-                      </a:schemeClr>
-                    </a:gs>
-                  </a:gsLst>
-                  <a:lin ang="5400000" scaled="0"/>
-                </a:gradFill>
-                <a:latin typeface="KoPub돋움체 Light" panose="02020603020101020101" pitchFamily="18" charset="-127"/>
-                <a:ea typeface="KoPub돋움체 Light" panose="02020603020101020101" pitchFamily="18" charset="-127"/>
-                <a:cs typeface="+mn-cs"/>
-              </a:defRPr>
-            </a:lvl4pPr>
-            <a:lvl5pPr marL="0" indent="0" algn="just" defTabSz="914400" rtl="0" eaLnBrk="1" fontAlgn="base" latinLnBrk="0" hangingPunct="1">
-              <a:lnSpc>
-                <a:spcPct val="120000"/>
-              </a:lnSpc>
-              <a:spcBef>
-                <a:spcPct val="0"/>
-              </a:spcBef>
-              <a:spcAft>
-                <a:spcPct val="0"/>
-              </a:spcAft>
-              <a:buFont typeface="Arial" charset="0"/>
-              <a:buNone/>
-              <a:tabLst/>
-              <a:defRPr kumimoji="1" lang="ko-KR" altLang="en-US" sz="1000" kern="1200">
-                <a:gradFill>
-                  <a:gsLst>
-                    <a:gs pos="0">
-                      <a:schemeClr val="tx1">
-                        <a:lumMod val="75000"/>
-                        <a:lumOff val="25000"/>
-                      </a:schemeClr>
-                    </a:gs>
-                    <a:gs pos="100000">
-                      <a:schemeClr val="tx1">
-                        <a:lumMod val="75000"/>
-                        <a:lumOff val="25000"/>
-                      </a:schemeClr>
-                    </a:gs>
-                  </a:gsLst>
-                  <a:lin ang="5400000" scaled="0"/>
-                </a:gradFill>
-                <a:latin typeface="KoPub돋움체 Light" panose="02020603020101020101" pitchFamily="18" charset="-127"/>
-                <a:ea typeface="KoPub돋움체 Light" panose="02020603020101020101" pitchFamily="18" charset="-127"/>
-                <a:cs typeface="+mn-cs"/>
-              </a:defRPr>
-            </a:lvl5pPr>
-            <a:lvl6pPr marL="2514600" indent="-228600" algn="l" defTabSz="914400" rtl="0" eaLnBrk="1" latinLnBrk="1" hangingPunct="1">
-              <a:lnSpc>
-                <a:spcPct val="90000"/>
-              </a:lnSpc>
-              <a:spcBef>
-                <a:spcPts val="500"/>
-              </a:spcBef>
-              <a:buFont typeface="Arial" panose="020B0604020202020204" pitchFamily="34" charset="0"/>
-              <a:buChar char="•"/>
-              <a:defRPr sz="1800" kern="1200">
-                <a:solidFill>
-                  <a:schemeClr val="tx1"/>
-                </a:solidFill>
-                <a:latin typeface="+mn-lt"/>
-                <a:ea typeface="+mn-ea"/>
-                <a:cs typeface="+mn-cs"/>
-              </a:defRPr>
-            </a:lvl6pPr>
-            <a:lvl7pPr marL="2971800" indent="-228600" algn="l" defTabSz="914400" rtl="0" eaLnBrk="1" latinLnBrk="1" hangingPunct="1">
-              <a:lnSpc>
-                <a:spcPct val="90000"/>
-              </a:lnSpc>
-              <a:spcBef>
-                <a:spcPts val="500"/>
-              </a:spcBef>
-              <a:buFont typeface="Arial" panose="020B0604020202020204" pitchFamily="34" charset="0"/>
-              <a:buChar char="•"/>
-              <a:defRPr sz="1800" kern="1200">
-                <a:solidFill>
-                  <a:schemeClr val="tx1"/>
-                </a:solidFill>
-                <a:latin typeface="+mn-lt"/>
-                <a:ea typeface="+mn-ea"/>
-                <a:cs typeface="+mn-cs"/>
-              </a:defRPr>
-            </a:lvl7pPr>
-            <a:lvl8pPr marL="3429000" indent="-228600" algn="l" defTabSz="914400" rtl="0" eaLnBrk="1" latinLnBrk="1" hangingPunct="1">
-              <a:lnSpc>
-                <a:spcPct val="90000"/>
-              </a:lnSpc>
-              <a:spcBef>
-                <a:spcPts val="500"/>
-              </a:spcBef>
-              <a:buFont typeface="Arial" panose="020B0604020202020204" pitchFamily="34" charset="0"/>
-              <a:buChar char="•"/>
-              <a:defRPr sz="1800" kern="1200">
-                <a:solidFill>
-                  <a:schemeClr val="tx1"/>
-                </a:solidFill>
-                <a:latin typeface="+mn-lt"/>
-                <a:ea typeface="+mn-ea"/>
-                <a:cs typeface="+mn-cs"/>
-              </a:defRPr>
-            </a:lvl8pPr>
-            <a:lvl9pPr marL="3886200" indent="-228600" algn="l" defTabSz="914400" rtl="0" eaLnBrk="1" latinLnBrk="1" hangingPunct="1">
-              <a:lnSpc>
-                <a:spcPct val="90000"/>
-              </a:lnSpc>
-              <a:spcBef>
-                <a:spcPts val="500"/>
-              </a:spcBef>
-              <a:buFont typeface="Arial" panose="020B0604020202020204" pitchFamily="34" charset="0"/>
-              <a:buChar char="•"/>
-              <a:defRPr sz="1800" kern="1200">
-                <a:solidFill>
-                  <a:schemeClr val="tx1"/>
-                </a:solidFill>
-                <a:latin typeface="+mn-lt"/>
-                <a:ea typeface="+mn-ea"/>
-                <a:cs typeface="+mn-cs"/>
-              </a:defRPr>
-            </a:lvl9pPr>
-          </a:lstStyle>
-          <a:p>
-            <a:pPr marL="342900" indent="-342900" algn="l">
-              <a:buAutoNum type="arabicPeriod"/>
-              <a:defRPr/>
-            </a:pPr>
-            <a:r>
-              <a:rPr lang="ko-KR" altLang="en-US" sz="1200" b="1" dirty="0" smtClean="0">
-                <a:gradFill>
-                  <a:gsLst>
-                    <a:gs pos="0">
-                      <a:srgbClr val="404040"/>
-                    </a:gs>
-                    <a:gs pos="100000">
-                      <a:srgbClr val="404040"/>
-                    </a:gs>
-                  </a:gsLst>
-                  <a:lin ang="5400000" scaled="0"/>
-                </a:gradFill>
-                <a:latin typeface="나눔고딕" panose="020D0604000000000000" pitchFamily="50" charset="-127"/>
-                <a:ea typeface="나눔고딕 ExtraBold"/>
-              </a:rPr>
-              <a:t>임의의 초기 가중치</a:t>
-            </a:r>
-            <a:r>
-              <a:rPr lang="en-US" altLang="ko-KR" sz="1200" b="1" dirty="0" smtClean="0">
-                <a:gradFill>
-                  <a:gsLst>
-                    <a:gs pos="0">
-                      <a:srgbClr val="404040"/>
-                    </a:gs>
-                    <a:gs pos="100000">
-                      <a:srgbClr val="404040"/>
-                    </a:gs>
-                  </a:gsLst>
-                  <a:lin ang="5400000" scaled="0"/>
-                </a:gradFill>
-                <a:latin typeface="나눔고딕" panose="020D0604000000000000" pitchFamily="50" charset="-127"/>
-                <a:ea typeface="나눔고딕 ExtraBold"/>
-              </a:rPr>
-              <a:t>(w)</a:t>
-            </a:r>
-            <a:r>
-              <a:rPr lang="ko-KR" altLang="en-US" sz="1200" b="1" dirty="0" smtClean="0">
-                <a:gradFill>
-                  <a:gsLst>
-                    <a:gs pos="0">
-                      <a:srgbClr val="404040"/>
-                    </a:gs>
-                    <a:gs pos="100000">
-                      <a:srgbClr val="404040"/>
-                    </a:gs>
-                  </a:gsLst>
-                  <a:lin ang="5400000" scaled="0"/>
-                </a:gradFill>
-                <a:latin typeface="나눔고딕" panose="020D0604000000000000" pitchFamily="50" charset="-127"/>
-                <a:ea typeface="나눔고딕 ExtraBold"/>
-              </a:rPr>
-              <a:t>를 준 뒤 결과</a:t>
-            </a:r>
-            <a:r>
-              <a:rPr lang="en-US" altLang="ko-KR" sz="1200" b="1" dirty="0" smtClean="0">
-                <a:gradFill>
-                  <a:gsLst>
-                    <a:gs pos="0">
-                      <a:srgbClr val="404040"/>
-                    </a:gs>
-                    <a:gs pos="100000">
-                      <a:srgbClr val="404040"/>
-                    </a:gs>
-                  </a:gsLst>
-                  <a:lin ang="5400000" scaled="0"/>
-                </a:gradFill>
-                <a:latin typeface="나눔고딕" panose="020D0604000000000000" pitchFamily="50" charset="-127"/>
-                <a:ea typeface="나눔고딕 ExtraBold"/>
-              </a:rPr>
-              <a:t>(</a:t>
-            </a:r>
-            <a:r>
-              <a:rPr lang="en-US" altLang="ko-KR" sz="1200" b="1" dirty="0" err="1" smtClean="0">
-                <a:gradFill>
-                  <a:gsLst>
-                    <a:gs pos="0">
-                      <a:srgbClr val="404040"/>
-                    </a:gs>
-                    <a:gs pos="100000">
-                      <a:srgbClr val="404040"/>
-                    </a:gs>
-                  </a:gsLst>
-                  <a:lin ang="5400000" scaled="0"/>
-                </a:gradFill>
-                <a:latin typeface="나눔고딕" panose="020D0604000000000000" pitchFamily="50" charset="-127"/>
-                <a:ea typeface="나눔고딕 ExtraBold"/>
-              </a:rPr>
-              <a:t>yout</a:t>
-            </a:r>
-            <a:r>
-              <a:rPr lang="en-US" altLang="ko-KR" sz="1200" b="1" dirty="0" smtClean="0">
-                <a:gradFill>
-                  <a:gsLst>
-                    <a:gs pos="0">
-                      <a:srgbClr val="404040"/>
-                    </a:gs>
-                    <a:gs pos="100000">
-                      <a:srgbClr val="404040"/>
-                    </a:gs>
-                  </a:gsLst>
-                  <a:lin ang="5400000" scaled="0"/>
-                </a:gradFill>
-                <a:latin typeface="나눔고딕" panose="020D0604000000000000" pitchFamily="50" charset="-127"/>
-                <a:ea typeface="나눔고딕 ExtraBold"/>
-              </a:rPr>
-              <a:t>)</a:t>
-            </a:r>
-            <a:r>
-              <a:rPr lang="ko-KR" altLang="en-US" sz="1200" b="1" dirty="0" smtClean="0">
-                <a:gradFill>
-                  <a:gsLst>
-                    <a:gs pos="0">
-                      <a:srgbClr val="404040"/>
-                    </a:gs>
-                    <a:gs pos="100000">
-                      <a:srgbClr val="404040"/>
-                    </a:gs>
-                  </a:gsLst>
-                  <a:lin ang="5400000" scaled="0"/>
-                </a:gradFill>
-                <a:latin typeface="나눔고딕" panose="020D0604000000000000" pitchFamily="50" charset="-127"/>
-                <a:ea typeface="나눔고딕 ExtraBold"/>
-              </a:rPr>
-              <a:t>를 계산</a:t>
-            </a:r>
-            <a:endParaRPr lang="en-US" altLang="ko-KR" sz="1200" b="1" dirty="0" smtClean="0">
-              <a:gradFill>
-                <a:gsLst>
-                  <a:gs pos="0">
-                    <a:srgbClr val="404040"/>
-                  </a:gs>
-                  <a:gs pos="100000">
-                    <a:srgbClr val="404040"/>
-                  </a:gs>
-                </a:gsLst>
-                <a:lin ang="5400000" scaled="0"/>
-              </a:gradFill>
-              <a:latin typeface="나눔고딕" panose="020D0604000000000000" pitchFamily="50" charset="-127"/>
-              <a:ea typeface="나눔고딕 ExtraBold"/>
-            </a:endParaRPr>
-          </a:p>
-          <a:p>
-            <a:pPr marL="342900" indent="-342900" algn="l">
-              <a:buAutoNum type="arabicPeriod"/>
-              <a:defRPr/>
-            </a:pPr>
-            <a:r>
-              <a:rPr lang="ko-KR" altLang="en-US" sz="1200" b="1" dirty="0" smtClean="0">
-                <a:gradFill>
-                  <a:gsLst>
-                    <a:gs pos="0">
-                      <a:srgbClr val="404040"/>
-                    </a:gs>
-                    <a:gs pos="100000">
-                      <a:srgbClr val="404040"/>
-                    </a:gs>
-                  </a:gsLst>
-                  <a:lin ang="5400000" scaled="0"/>
-                </a:gradFill>
-                <a:latin typeface="나눔고딕" panose="020D0604000000000000" pitchFamily="50" charset="-127"/>
-                <a:ea typeface="나눔고딕 ExtraBold"/>
-              </a:rPr>
-              <a:t>계산 결과와 우리가 원하는 값 사이의 오차를 구함</a:t>
-            </a:r>
-            <a:endParaRPr lang="en-US" altLang="ko-KR" sz="1200" b="1" dirty="0" smtClean="0">
-              <a:gradFill>
-                <a:gsLst>
-                  <a:gs pos="0">
-                    <a:srgbClr val="404040"/>
-                  </a:gs>
-                  <a:gs pos="100000">
-                    <a:srgbClr val="404040"/>
-                  </a:gs>
-                </a:gsLst>
-                <a:lin ang="5400000" scaled="0"/>
-              </a:gradFill>
-              <a:latin typeface="나눔고딕" panose="020D0604000000000000" pitchFamily="50" charset="-127"/>
-              <a:ea typeface="나눔고딕 ExtraBold"/>
-            </a:endParaRPr>
-          </a:p>
-          <a:p>
-            <a:pPr marL="342900" indent="-342900" algn="l">
-              <a:buAutoNum type="arabicPeriod"/>
-              <a:defRPr/>
-            </a:pPr>
-            <a:r>
-              <a:rPr lang="ko-KR" altLang="en-US" sz="1200" b="1" dirty="0" smtClean="0">
-                <a:gradFill>
-                  <a:gsLst>
-                    <a:gs pos="0">
-                      <a:srgbClr val="404040"/>
-                    </a:gs>
-                    <a:gs pos="100000">
-                      <a:srgbClr val="404040"/>
-                    </a:gs>
-                  </a:gsLst>
-                  <a:lin ang="5400000" scaled="0"/>
-                </a:gradFill>
-                <a:latin typeface="나눔고딕" panose="020D0604000000000000" pitchFamily="50" charset="-127"/>
-                <a:ea typeface="나눔고딕 ExtraBold"/>
-              </a:rPr>
-              <a:t>경사 </a:t>
-            </a:r>
-            <a:r>
-              <a:rPr lang="ko-KR" altLang="en-US" sz="1200" b="1" dirty="0" err="1" smtClean="0">
-                <a:gradFill>
-                  <a:gsLst>
-                    <a:gs pos="0">
-                      <a:srgbClr val="404040"/>
-                    </a:gs>
-                    <a:gs pos="100000">
-                      <a:srgbClr val="404040"/>
-                    </a:gs>
-                  </a:gsLst>
-                  <a:lin ang="5400000" scaled="0"/>
-                </a:gradFill>
-                <a:latin typeface="나눔고딕" panose="020D0604000000000000" pitchFamily="50" charset="-127"/>
-                <a:ea typeface="나눔고딕 ExtraBold"/>
-              </a:rPr>
-              <a:t>하강법을</a:t>
-            </a:r>
-            <a:r>
-              <a:rPr lang="ko-KR" altLang="en-US" sz="1200" b="1" dirty="0" smtClean="0">
-                <a:gradFill>
-                  <a:gsLst>
-                    <a:gs pos="0">
-                      <a:srgbClr val="404040"/>
-                    </a:gs>
-                    <a:gs pos="100000">
-                      <a:srgbClr val="404040"/>
-                    </a:gs>
-                  </a:gsLst>
-                  <a:lin ang="5400000" scaled="0"/>
-                </a:gradFill>
-                <a:latin typeface="나눔고딕" panose="020D0604000000000000" pitchFamily="50" charset="-127"/>
-                <a:ea typeface="나눔고딕 ExtraBold"/>
-              </a:rPr>
-              <a:t> 이용해 앞 가중치를 오차가 작아지는 방향으로 업데이트</a:t>
-            </a:r>
-            <a:endParaRPr lang="en-US" altLang="ko-KR" sz="1200" b="1" dirty="0" smtClean="0">
-              <a:gradFill>
-                <a:gsLst>
-                  <a:gs pos="0">
-                    <a:srgbClr val="404040"/>
-                  </a:gs>
-                  <a:gs pos="100000">
-                    <a:srgbClr val="404040"/>
-                  </a:gs>
-                </a:gsLst>
-                <a:lin ang="5400000" scaled="0"/>
-              </a:gradFill>
-              <a:latin typeface="나눔고딕" panose="020D0604000000000000" pitchFamily="50" charset="-127"/>
-              <a:ea typeface="나눔고딕 ExtraBold"/>
-            </a:endParaRPr>
-          </a:p>
-          <a:p>
-            <a:pPr marL="342900" indent="-342900" algn="l">
-              <a:buAutoNum type="arabicPeriod"/>
-              <a:defRPr/>
-            </a:pPr>
-            <a:r>
-              <a:rPr lang="ko-KR" altLang="en-US" sz="1200" b="1" dirty="0" smtClean="0">
-                <a:gradFill>
-                  <a:gsLst>
-                    <a:gs pos="0">
-                      <a:srgbClr val="404040"/>
-                    </a:gs>
-                    <a:gs pos="100000">
-                      <a:srgbClr val="404040"/>
-                    </a:gs>
-                  </a:gsLst>
-                  <a:lin ang="5400000" scaled="0"/>
-                </a:gradFill>
-                <a:latin typeface="나눔고딕" panose="020D0604000000000000" pitchFamily="50" charset="-127"/>
-                <a:ea typeface="나눔고딕 ExtraBold"/>
-              </a:rPr>
-              <a:t>위 과정을 더 이상 오차가 줄어들지 않을 때까지 반복</a:t>
-            </a:r>
-            <a:endParaRPr lang="en-US" altLang="ko-KR" sz="1200" b="1" dirty="0" smtClean="0">
-              <a:gradFill>
-                <a:gsLst>
-                  <a:gs pos="0">
-                    <a:srgbClr val="404040"/>
-                  </a:gs>
-                  <a:gs pos="100000">
-                    <a:srgbClr val="404040"/>
-                  </a:gs>
-                </a:gsLst>
-                <a:lin ang="5400000" scaled="0"/>
-              </a:gradFill>
-              <a:latin typeface="나눔고딕" panose="020D0604000000000000" pitchFamily="50" charset="-127"/>
-              <a:ea typeface="나눔고딕 ExtraBold"/>
-            </a:endParaRPr>
-          </a:p>
-        </p:txBody>
-      </p:sp>
-      <p:pic>
-        <p:nvPicPr>
-          <p:cNvPr id="8198" name="Picture 6" descr="112"/>
-          <p:cNvPicPr>
-            <a:picLocks noChangeAspect="1" noChangeArrowheads="1"/>
-          </p:cNvPicPr>
-          <p:nvPr/>
-        </p:nvPicPr>
-        <p:blipFill rotWithShape="1">
-          <a:blip r:embed="rId5">
-            <a:extLst>
-              <a:ext uri="{28A0092B-C50C-407E-A947-70E740481C1C}">
-                <a14:useLocalDpi xmlns:a14="http://schemas.microsoft.com/office/drawing/2010/main" val="0"/>
-              </a:ext>
-            </a:extLst>
-          </a:blip>
-          <a:srcRect b="21660"/>
-          <a:stretch/>
-        </p:blipFill>
-        <p:spPr bwMode="auto">
-          <a:xfrm>
-            <a:off x="323528" y="5941653"/>
-            <a:ext cx="5715000" cy="858119"/>
-          </a:xfrm>
-          <a:prstGeom prst="rect">
-            <a:avLst/>
-          </a:prstGeom>
-          <a:noFill/>
-          <a:extLst>
-            <a:ext uri="{909E8E84-426E-40DD-AFC4-6F175D3DCCD1}">
-              <a14:hiddenFill xmlns:a14="http://schemas.microsoft.com/office/drawing/2010/main">
-                <a:solidFill>
-                  <a:srgbClr val="FFFFFF"/>
-                </a:solidFill>
-              </a14:hiddenFill>
-            </a:ext>
-          </a:extLst>
-        </p:spPr>
-      </p:pic>
     </p:spTree>
     <p:extLst>
       <p:ext uri="{BB962C8B-B14F-4D97-AF65-F5344CB8AC3E}">
-        <p14:creationId xmlns:p14="http://schemas.microsoft.com/office/powerpoint/2010/main" val="2844970696"/>
+        <p14:creationId xmlns:p14="http://schemas.microsoft.com/office/powerpoint/2010/main" val="2073112970"/>
       </p:ext>
     </p:extLst>
   </p:cSld>

--- a/Study/정리/Deep Learning03.pptx
+++ b/Study/정리/Deep Learning03.pptx
@@ -5,10 +5,10 @@
     <p:sldMasterId id="2147483648" r:id="rId1"/>
   </p:sldMasterIdLst>
   <p:notesMasterIdLst>
-    <p:notesMasterId r:id="rId19"/>
+    <p:notesMasterId r:id="rId20"/>
   </p:notesMasterIdLst>
   <p:handoutMasterIdLst>
-    <p:handoutMasterId r:id="rId20"/>
+    <p:handoutMasterId r:id="rId21"/>
   </p:handoutMasterIdLst>
   <p:sldIdLst>
     <p:sldId id="268" r:id="rId2"/>
@@ -25,9 +25,10 @@
     <p:sldId id="274" r:id="rId13"/>
     <p:sldId id="315" r:id="rId14"/>
     <p:sldId id="325" r:id="rId15"/>
-    <p:sldId id="277" r:id="rId16"/>
-    <p:sldId id="299" r:id="rId17"/>
-    <p:sldId id="260" r:id="rId18"/>
+    <p:sldId id="326" r:id="rId16"/>
+    <p:sldId id="277" r:id="rId17"/>
+    <p:sldId id="299" r:id="rId18"/>
+    <p:sldId id="260" r:id="rId19"/>
   </p:sldIdLst>
   <p:sldSz cx="9144000" cy="6858000" type="screen4x3"/>
   <p:notesSz cx="6858000" cy="9144000"/>
@@ -565,7 +566,7 @@
               <a:pPr>
                 <a:defRPr/>
               </a:pPr>
-              <a:t>2019-12-16</a:t>
+              <a:t>2019-12-17</a:t>
             </a:fld>
             <a:endParaRPr lang="ko-KR" altLang="en-US"/>
           </a:p>
@@ -1423,7 +1424,263 @@
             <a:fld id="{969F08EA-942F-48FB-B6FD-D4FF8599C3D1}" type="slidenum">
               <a:rPr lang="ko-KR" altLang="en-US" smtClean="0"/>
               <a:pPr/>
-              <a:t>16</a:t>
+              <a:t>15</a:t>
+            </a:fld>
+            <a:endParaRPr lang="en-US" altLang="ko-KR" smtClean="0"/>
+          </a:p>
+        </p:txBody>
+      </p:sp>
+    </p:spTree>
+    <p:extLst>
+      <p:ext uri="{BB962C8B-B14F-4D97-AF65-F5344CB8AC3E}">
+        <p14:creationId xmlns:p14="http://schemas.microsoft.com/office/powerpoint/2010/main" val="177212582"/>
+      </p:ext>
+    </p:extLst>
+  </p:cSld>
+  <p:clrMapOvr>
+    <a:masterClrMapping/>
+  </p:clrMapOvr>
+</p:notes>
+</file>
+
+<file path=ppt/notesSlides/notesSlide11.xml><?xml version="1.0" encoding="utf-8"?>
+<p:notes xmlns:a="http://schemas.openxmlformats.org/drawingml/2006/main" xmlns:r="http://schemas.openxmlformats.org/officeDocument/2006/relationships" xmlns:p="http://schemas.openxmlformats.org/presentationml/2006/main">
+  <p:cSld>
+    <p:spTree>
+      <p:nvGrpSpPr>
+        <p:cNvPr id="1" name=""/>
+        <p:cNvGrpSpPr/>
+        <p:nvPr/>
+      </p:nvGrpSpPr>
+      <p:grpSpPr>
+        <a:xfrm>
+          <a:off x="0" y="0"/>
+          <a:ext cx="0" cy="0"/>
+          <a:chOff x="0" y="0"/>
+          <a:chExt cx="0" cy="0"/>
+        </a:xfrm>
+      </p:grpSpPr>
+      <p:sp>
+        <p:nvSpPr>
+          <p:cNvPr id="11266" name="슬라이드 이미지 개체 틀 1"/>
+          <p:cNvSpPr>
+            <a:spLocks noGrp="1" noRot="1" noChangeAspect="1" noChangeArrowheads="1" noTextEdit="1"/>
+          </p:cNvSpPr>
+          <p:nvPr>
+            <p:ph type="sldImg"/>
+          </p:nvPr>
+        </p:nvSpPr>
+        <p:spPr bwMode="auto">
+          <a:noFill/>
+          <a:ln>
+            <a:solidFill>
+              <a:srgbClr val="000000"/>
+            </a:solidFill>
+            <a:miter lim="800000"/>
+            <a:headEnd/>
+            <a:tailEnd/>
+          </a:ln>
+          <a:extLst>
+            <a:ext uri="{909E8E84-426E-40DD-AFC4-6F175D3DCCD1}">
+              <a14:hiddenFill xmlns:a14="http://schemas.microsoft.com/office/drawing/2010/main">
+                <a:solidFill>
+                  <a:srgbClr val="FFFFFF"/>
+                </a:solidFill>
+              </a14:hiddenFill>
+            </a:ext>
+          </a:extLst>
+        </p:spPr>
+      </p:sp>
+      <p:sp>
+        <p:nvSpPr>
+          <p:cNvPr id="11267" name="슬라이드 노트 개체 틀 2"/>
+          <p:cNvSpPr>
+            <a:spLocks noGrp="1" noChangeArrowheads="1"/>
+          </p:cNvSpPr>
+          <p:nvPr>
+            <p:ph type="body" idx="1"/>
+          </p:nvPr>
+        </p:nvSpPr>
+        <p:spPr bwMode="auto">
+          <a:noFill/>
+          <a:extLst>
+            <a:ext uri="{909E8E84-426E-40DD-AFC4-6F175D3DCCD1}">
+              <a14:hiddenFill xmlns:a14="http://schemas.microsoft.com/office/drawing/2010/main">
+                <a:solidFill>
+                  <a:srgbClr val="FFFFFF"/>
+                </a:solidFill>
+              </a14:hiddenFill>
+            </a:ext>
+            <a:ext uri="{91240B29-F687-4F45-9708-019B960494DF}">
+              <a14:hiddenLine xmlns:a14="http://schemas.microsoft.com/office/drawing/2010/main" w="9525">
+                <a:solidFill>
+                  <a:srgbClr val="000000"/>
+                </a:solidFill>
+                <a:miter lim="800000"/>
+                <a:headEnd/>
+                <a:tailEnd/>
+              </a14:hiddenLine>
+            </a:ext>
+          </a:extLst>
+        </p:spPr>
+        <p:txBody>
+          <a:bodyPr wrap="square" numCol="1" anchor="t" anchorCtr="0" compatLnSpc="1">
+            <a:prstTxWarp prst="textNoShape">
+              <a:avLst/>
+            </a:prstTxWarp>
+          </a:bodyPr>
+          <a:lstStyle/>
+          <a:p>
+            <a:endParaRPr kumimoji="1" lang="en-US" altLang="ko-KR" dirty="0" smtClean="0"/>
+          </a:p>
+        </p:txBody>
+      </p:sp>
+      <p:sp>
+        <p:nvSpPr>
+          <p:cNvPr id="11268" name="슬라이드 번호 개체 틀 3"/>
+          <p:cNvSpPr>
+            <a:spLocks noGrp="1" noChangeArrowheads="1"/>
+          </p:cNvSpPr>
+          <p:nvPr>
+            <p:ph type="sldNum" sz="quarter" idx="5"/>
+          </p:nvPr>
+        </p:nvSpPr>
+        <p:spPr bwMode="auto">
+          <a:noFill/>
+          <a:extLst>
+            <a:ext uri="{909E8E84-426E-40DD-AFC4-6F175D3DCCD1}">
+              <a14:hiddenFill xmlns:a14="http://schemas.microsoft.com/office/drawing/2010/main">
+                <a:solidFill>
+                  <a:srgbClr val="FFFFFF"/>
+                </a:solidFill>
+              </a14:hiddenFill>
+            </a:ext>
+            <a:ext uri="{91240B29-F687-4F45-9708-019B960494DF}">
+              <a14:hiddenLine xmlns:a14="http://schemas.microsoft.com/office/drawing/2010/main" w="9525">
+                <a:solidFill>
+                  <a:srgbClr val="000000"/>
+                </a:solidFill>
+                <a:miter lim="800000"/>
+                <a:headEnd/>
+                <a:tailEnd/>
+              </a14:hiddenLine>
+            </a:ext>
+          </a:extLst>
+        </p:spPr>
+        <p:txBody>
+          <a:bodyPr/>
+          <a:lstStyle>
+            <a:lvl1pPr>
+              <a:defRPr kumimoji="1">
+                <a:solidFill>
+                  <a:schemeClr val="tx1"/>
+                </a:solidFill>
+                <a:latin typeface="굴림" panose="020B0600000101010101" pitchFamily="50" charset="-127"/>
+                <a:ea typeface="굴림" panose="020B0600000101010101" pitchFamily="50" charset="-127"/>
+              </a:defRPr>
+            </a:lvl1pPr>
+            <a:lvl2pPr marL="742950" indent="-285750">
+              <a:defRPr kumimoji="1">
+                <a:solidFill>
+                  <a:schemeClr val="tx1"/>
+                </a:solidFill>
+                <a:latin typeface="굴림" panose="020B0600000101010101" pitchFamily="50" charset="-127"/>
+                <a:ea typeface="굴림" panose="020B0600000101010101" pitchFamily="50" charset="-127"/>
+              </a:defRPr>
+            </a:lvl2pPr>
+            <a:lvl3pPr marL="1143000" indent="-228600">
+              <a:defRPr kumimoji="1">
+                <a:solidFill>
+                  <a:schemeClr val="tx1"/>
+                </a:solidFill>
+                <a:latin typeface="굴림" panose="020B0600000101010101" pitchFamily="50" charset="-127"/>
+                <a:ea typeface="굴림" panose="020B0600000101010101" pitchFamily="50" charset="-127"/>
+              </a:defRPr>
+            </a:lvl3pPr>
+            <a:lvl4pPr marL="1600200" indent="-228600">
+              <a:defRPr kumimoji="1">
+                <a:solidFill>
+                  <a:schemeClr val="tx1"/>
+                </a:solidFill>
+                <a:latin typeface="굴림" panose="020B0600000101010101" pitchFamily="50" charset="-127"/>
+                <a:ea typeface="굴림" panose="020B0600000101010101" pitchFamily="50" charset="-127"/>
+              </a:defRPr>
+            </a:lvl4pPr>
+            <a:lvl5pPr marL="2057400" indent="-228600">
+              <a:defRPr kumimoji="1">
+                <a:solidFill>
+                  <a:schemeClr val="tx1"/>
+                </a:solidFill>
+                <a:latin typeface="굴림" panose="020B0600000101010101" pitchFamily="50" charset="-127"/>
+                <a:ea typeface="굴림" panose="020B0600000101010101" pitchFamily="50" charset="-127"/>
+              </a:defRPr>
+            </a:lvl5pPr>
+            <a:lvl6pPr marL="2514600" indent="-228600" eaLnBrk="0" fontAlgn="base" hangingPunct="0">
+              <a:spcBef>
+                <a:spcPct val="0"/>
+              </a:spcBef>
+              <a:spcAft>
+                <a:spcPct val="0"/>
+              </a:spcAft>
+              <a:defRPr kumimoji="1">
+                <a:solidFill>
+                  <a:schemeClr val="tx1"/>
+                </a:solidFill>
+                <a:latin typeface="굴림" panose="020B0600000101010101" pitchFamily="50" charset="-127"/>
+                <a:ea typeface="굴림" panose="020B0600000101010101" pitchFamily="50" charset="-127"/>
+              </a:defRPr>
+            </a:lvl6pPr>
+            <a:lvl7pPr marL="2971800" indent="-228600" eaLnBrk="0" fontAlgn="base" hangingPunct="0">
+              <a:spcBef>
+                <a:spcPct val="0"/>
+              </a:spcBef>
+              <a:spcAft>
+                <a:spcPct val="0"/>
+              </a:spcAft>
+              <a:defRPr kumimoji="1">
+                <a:solidFill>
+                  <a:schemeClr val="tx1"/>
+                </a:solidFill>
+                <a:latin typeface="굴림" panose="020B0600000101010101" pitchFamily="50" charset="-127"/>
+                <a:ea typeface="굴림" panose="020B0600000101010101" pitchFamily="50" charset="-127"/>
+              </a:defRPr>
+            </a:lvl7pPr>
+            <a:lvl8pPr marL="3429000" indent="-228600" eaLnBrk="0" fontAlgn="base" hangingPunct="0">
+              <a:spcBef>
+                <a:spcPct val="0"/>
+              </a:spcBef>
+              <a:spcAft>
+                <a:spcPct val="0"/>
+              </a:spcAft>
+              <a:defRPr kumimoji="1">
+                <a:solidFill>
+                  <a:schemeClr val="tx1"/>
+                </a:solidFill>
+                <a:latin typeface="굴림" panose="020B0600000101010101" pitchFamily="50" charset="-127"/>
+                <a:ea typeface="굴림" panose="020B0600000101010101" pitchFamily="50" charset="-127"/>
+              </a:defRPr>
+            </a:lvl8pPr>
+            <a:lvl9pPr marL="3886200" indent="-228600" eaLnBrk="0" fontAlgn="base" hangingPunct="0">
+              <a:spcBef>
+                <a:spcPct val="0"/>
+              </a:spcBef>
+              <a:spcAft>
+                <a:spcPct val="0"/>
+              </a:spcAft>
+              <a:defRPr kumimoji="1">
+                <a:solidFill>
+                  <a:schemeClr val="tx1"/>
+                </a:solidFill>
+                <a:latin typeface="굴림" panose="020B0600000101010101" pitchFamily="50" charset="-127"/>
+                <a:ea typeface="굴림" panose="020B0600000101010101" pitchFamily="50" charset="-127"/>
+              </a:defRPr>
+            </a:lvl9pPr>
+          </a:lstStyle>
+          <a:p>
+            <a:fld id="{969F08EA-942F-48FB-B6FD-D4FF8599C3D1}" type="slidenum">
+              <a:rPr lang="ko-KR" altLang="en-US" smtClean="0"/>
+              <a:pPr/>
+              <a:t>17</a:t>
             </a:fld>
             <a:endParaRPr lang="en-US" altLang="ko-KR" smtClean="0"/>
           </a:p>
@@ -7435,21 +7692,6 @@
               </a:rPr>
               <a:t>.</a:t>
             </a:r>
-            <a:endParaRPr lang="en-US" altLang="ko-KR" sz="1600" b="1" dirty="0" smtClean="0">
-              <a:gradFill>
-                <a:gsLst>
-                  <a:gs pos="0">
-                    <a:srgbClr val="404040"/>
-                  </a:gs>
-                  <a:gs pos="100000">
-                    <a:srgbClr val="404040"/>
-                  </a:gs>
-                </a:gsLst>
-                <a:lin ang="5400000" scaled="0"/>
-              </a:gradFill>
-              <a:latin typeface="나눔고딕" panose="020D0604000000000000" pitchFamily="50" charset="-127"/>
-              <a:ea typeface="나눔고딕 ExtraBold"/>
-            </a:endParaRPr>
           </a:p>
         </p:txBody>
       </p:sp>
@@ -9389,25 +9631,7 @@
                 <a:latin typeface="나눔고딕" panose="020D0604000000000000" pitchFamily="50" charset="-127"/>
                 <a:ea typeface="나눔고딕 ExtraBold"/>
               </a:rPr>
-              <a:t>유리 아황산 </a:t>
-            </a:r>
-            <a:r>
-              <a:rPr lang="ko-KR" altLang="en-US" sz="1200" dirty="0">
-                <a:gradFill>
-                  <a:gsLst>
-                    <a:gs pos="0">
-                      <a:srgbClr val="404040"/>
-                    </a:gs>
-                    <a:gs pos="100000">
-                      <a:srgbClr val="404040"/>
-                    </a:gs>
-                  </a:gsLst>
-                  <a:lin ang="5400000" scaled="0"/>
-                </a:gradFill>
-                <a:latin typeface="나눔고딕" panose="020D0604000000000000" pitchFamily="50" charset="-127"/>
-                <a:ea typeface="나눔고딕 ExtraBold"/>
-              </a:rPr>
-              <a:t>농도</a:t>
+              <a:t>유리 아황산 농도</a:t>
             </a:r>
             <a:endParaRPr lang="en-US" altLang="ko-KR" sz="1200" dirty="0">
               <a:gradFill>
@@ -9654,6 +9878,453 @@
       </p:grpSpPr>
       <p:sp>
         <p:nvSpPr>
+          <p:cNvPr id="10242" name="텍스트 개체 틀 3"/>
+          <p:cNvSpPr>
+            <a:spLocks noGrp="1" noChangeArrowheads="1"/>
+          </p:cNvSpPr>
+          <p:nvPr>
+            <p:ph type="body" sz="quarter" idx="4294967295"/>
+          </p:nvPr>
+        </p:nvSpPr>
+        <p:spPr bwMode="auto">
+          <a:xfrm>
+            <a:off x="755650" y="188913"/>
+            <a:ext cx="6840538" cy="522287"/>
+          </a:xfrm>
+          <a:prstGeom prst="rect">
+            <a:avLst/>
+          </a:prstGeom>
+          <a:noFill/>
+          <a:extLst>
+            <a:ext uri="{909E8E84-426E-40DD-AFC4-6F175D3DCCD1}">
+              <a14:hiddenFill xmlns:a14="http://schemas.microsoft.com/office/drawing/2010/main">
+                <a:solidFill>
+                  <a:srgbClr val="FFFFFF"/>
+                </a:solidFill>
+              </a14:hiddenFill>
+            </a:ext>
+            <a:ext uri="{91240B29-F687-4F45-9708-019B960494DF}">
+              <a14:hiddenLine xmlns:a14="http://schemas.microsoft.com/office/drawing/2010/main" w="9525">
+                <a:solidFill>
+                  <a:srgbClr val="000000"/>
+                </a:solidFill>
+                <a:miter lim="800000"/>
+                <a:headEnd/>
+                <a:tailEnd/>
+              </a14:hiddenLine>
+            </a:ext>
+          </a:extLst>
+        </p:spPr>
+        <p:txBody>
+          <a:bodyPr/>
+          <a:lstStyle/>
+          <a:p>
+            <a:pPr marL="0" indent="0">
+              <a:buFontTx/>
+              <a:buNone/>
+            </a:pPr>
+            <a:r>
+              <a:rPr lang="en-US" altLang="ko-KR" sz="2800" dirty="0" smtClean="0">
+                <a:latin typeface="나눔고딕 ExtraBold" panose="020D0904000000000000" pitchFamily="50" charset="-127"/>
+                <a:ea typeface="나눔고딕 ExtraBold" panose="020D0904000000000000" pitchFamily="50" charset="-127"/>
+              </a:rPr>
+              <a:t>4. </a:t>
+            </a:r>
+            <a:r>
+              <a:rPr lang="ko-KR" altLang="en-US" sz="2800" dirty="0" smtClean="0">
+                <a:latin typeface="나눔고딕 ExtraBold" panose="020D0904000000000000" pitchFamily="50" charset="-127"/>
+                <a:ea typeface="나눔고딕 ExtraBold" panose="020D0904000000000000" pitchFamily="50" charset="-127"/>
+              </a:rPr>
+              <a:t>베스트 모델</a:t>
+            </a:r>
+          </a:p>
+        </p:txBody>
+      </p:sp>
+      <p:sp>
+        <p:nvSpPr>
+          <p:cNvPr id="3" name="텍스트 개체 틀 2"/>
+          <p:cNvSpPr txBox="1">
+            <a:spLocks/>
+          </p:cNvSpPr>
+          <p:nvPr/>
+        </p:nvSpPr>
+        <p:spPr>
+          <a:xfrm>
+            <a:off x="251520" y="908720"/>
+            <a:ext cx="8640960" cy="338554"/>
+          </a:xfrm>
+          <a:prstGeom prst="rect">
+            <a:avLst/>
+          </a:prstGeom>
+          <a:noFill/>
+          <a:ln w="9525">
+            <a:noFill/>
+            <a:miter lim="800000"/>
+            <a:headEnd/>
+            <a:tailEnd/>
+          </a:ln>
+        </p:spPr>
+        <p:txBody>
+          <a:bodyPr lIns="0" tIns="0" rIns="0" bIns="0">
+            <a:spAutoFit/>
+          </a:bodyPr>
+          <a:lstStyle>
+            <a:lvl1pPr marL="0" indent="0" algn="just" defTabSz="914400" rtl="0" eaLnBrk="1" fontAlgn="base" latinLnBrk="0" hangingPunct="1">
+              <a:lnSpc>
+                <a:spcPct val="120000"/>
+              </a:lnSpc>
+              <a:spcBef>
+                <a:spcPct val="0"/>
+              </a:spcBef>
+              <a:spcAft>
+                <a:spcPct val="0"/>
+              </a:spcAft>
+              <a:buFont typeface="Arial" charset="0"/>
+              <a:buNone/>
+              <a:tabLst/>
+              <a:defRPr kumimoji="1" lang="ko-KR" altLang="en-US" sz="1000" kern="1200" smtClean="0">
+                <a:gradFill>
+                  <a:gsLst>
+                    <a:gs pos="0">
+                      <a:schemeClr val="tx1">
+                        <a:lumMod val="75000"/>
+                        <a:lumOff val="25000"/>
+                      </a:schemeClr>
+                    </a:gs>
+                    <a:gs pos="100000">
+                      <a:schemeClr val="tx1">
+                        <a:lumMod val="75000"/>
+                        <a:lumOff val="25000"/>
+                      </a:schemeClr>
+                    </a:gs>
+                  </a:gsLst>
+                  <a:lin ang="5400000" scaled="0"/>
+                </a:gradFill>
+                <a:latin typeface="KoPub돋움체 Light" panose="02020603020101020101" pitchFamily="18" charset="-127"/>
+                <a:ea typeface="KoPub돋움체 Light" panose="02020603020101020101" pitchFamily="18" charset="-127"/>
+                <a:cs typeface="+mn-cs"/>
+              </a:defRPr>
+            </a:lvl1pPr>
+            <a:lvl2pPr marL="0" indent="0" algn="just" defTabSz="914400" rtl="0" eaLnBrk="1" fontAlgn="base" latinLnBrk="0" hangingPunct="1">
+              <a:lnSpc>
+                <a:spcPct val="120000"/>
+              </a:lnSpc>
+              <a:spcBef>
+                <a:spcPct val="0"/>
+              </a:spcBef>
+              <a:spcAft>
+                <a:spcPct val="0"/>
+              </a:spcAft>
+              <a:buFont typeface="Arial" charset="0"/>
+              <a:buNone/>
+              <a:tabLst/>
+              <a:defRPr kumimoji="1" lang="ko-KR" altLang="en-US" sz="1000" kern="1200" smtClean="0">
+                <a:gradFill>
+                  <a:gsLst>
+                    <a:gs pos="0">
+                      <a:schemeClr val="tx1">
+                        <a:lumMod val="75000"/>
+                        <a:lumOff val="25000"/>
+                      </a:schemeClr>
+                    </a:gs>
+                    <a:gs pos="100000">
+                      <a:schemeClr val="tx1">
+                        <a:lumMod val="75000"/>
+                        <a:lumOff val="25000"/>
+                      </a:schemeClr>
+                    </a:gs>
+                  </a:gsLst>
+                  <a:lin ang="5400000" scaled="0"/>
+                </a:gradFill>
+                <a:latin typeface="KoPub돋움체 Light" panose="02020603020101020101" pitchFamily="18" charset="-127"/>
+                <a:ea typeface="KoPub돋움체 Light" panose="02020603020101020101" pitchFamily="18" charset="-127"/>
+                <a:cs typeface="+mn-cs"/>
+              </a:defRPr>
+            </a:lvl2pPr>
+            <a:lvl3pPr marL="0" indent="0" algn="just" defTabSz="914400" rtl="0" eaLnBrk="1" fontAlgn="base" latinLnBrk="0" hangingPunct="1">
+              <a:lnSpc>
+                <a:spcPct val="120000"/>
+              </a:lnSpc>
+              <a:spcBef>
+                <a:spcPct val="0"/>
+              </a:spcBef>
+              <a:spcAft>
+                <a:spcPct val="0"/>
+              </a:spcAft>
+              <a:buFont typeface="Arial" charset="0"/>
+              <a:buNone/>
+              <a:tabLst/>
+              <a:defRPr kumimoji="1" lang="ko-KR" altLang="en-US" sz="1000" kern="1200" smtClean="0">
+                <a:gradFill>
+                  <a:gsLst>
+                    <a:gs pos="0">
+                      <a:schemeClr val="tx1">
+                        <a:lumMod val="75000"/>
+                        <a:lumOff val="25000"/>
+                      </a:schemeClr>
+                    </a:gs>
+                    <a:gs pos="100000">
+                      <a:schemeClr val="tx1">
+                        <a:lumMod val="75000"/>
+                        <a:lumOff val="25000"/>
+                      </a:schemeClr>
+                    </a:gs>
+                  </a:gsLst>
+                  <a:lin ang="5400000" scaled="0"/>
+                </a:gradFill>
+                <a:latin typeface="KoPub돋움체 Light" panose="02020603020101020101" pitchFamily="18" charset="-127"/>
+                <a:ea typeface="KoPub돋움체 Light" panose="02020603020101020101" pitchFamily="18" charset="-127"/>
+                <a:cs typeface="+mn-cs"/>
+              </a:defRPr>
+            </a:lvl3pPr>
+            <a:lvl4pPr marL="0" indent="0" algn="just" defTabSz="914400" rtl="0" eaLnBrk="1" fontAlgn="base" latinLnBrk="0" hangingPunct="1">
+              <a:lnSpc>
+                <a:spcPct val="120000"/>
+              </a:lnSpc>
+              <a:spcBef>
+                <a:spcPct val="0"/>
+              </a:spcBef>
+              <a:spcAft>
+                <a:spcPct val="0"/>
+              </a:spcAft>
+              <a:buFont typeface="Arial" charset="0"/>
+              <a:buNone/>
+              <a:tabLst/>
+              <a:defRPr kumimoji="1" lang="ko-KR" altLang="en-US" sz="1000" kern="1200" smtClean="0">
+                <a:gradFill>
+                  <a:gsLst>
+                    <a:gs pos="0">
+                      <a:schemeClr val="tx1">
+                        <a:lumMod val="75000"/>
+                        <a:lumOff val="25000"/>
+                      </a:schemeClr>
+                    </a:gs>
+                    <a:gs pos="100000">
+                      <a:schemeClr val="tx1">
+                        <a:lumMod val="75000"/>
+                        <a:lumOff val="25000"/>
+                      </a:schemeClr>
+                    </a:gs>
+                  </a:gsLst>
+                  <a:lin ang="5400000" scaled="0"/>
+                </a:gradFill>
+                <a:latin typeface="KoPub돋움체 Light" panose="02020603020101020101" pitchFamily="18" charset="-127"/>
+                <a:ea typeface="KoPub돋움체 Light" panose="02020603020101020101" pitchFamily="18" charset="-127"/>
+                <a:cs typeface="+mn-cs"/>
+              </a:defRPr>
+            </a:lvl4pPr>
+            <a:lvl5pPr marL="0" indent="0" algn="just" defTabSz="914400" rtl="0" eaLnBrk="1" fontAlgn="base" latinLnBrk="0" hangingPunct="1">
+              <a:lnSpc>
+                <a:spcPct val="120000"/>
+              </a:lnSpc>
+              <a:spcBef>
+                <a:spcPct val="0"/>
+              </a:spcBef>
+              <a:spcAft>
+                <a:spcPct val="0"/>
+              </a:spcAft>
+              <a:buFont typeface="Arial" charset="0"/>
+              <a:buNone/>
+              <a:tabLst/>
+              <a:defRPr kumimoji="1" lang="ko-KR" altLang="en-US" sz="1000" kern="1200">
+                <a:gradFill>
+                  <a:gsLst>
+                    <a:gs pos="0">
+                      <a:schemeClr val="tx1">
+                        <a:lumMod val="75000"/>
+                        <a:lumOff val="25000"/>
+                      </a:schemeClr>
+                    </a:gs>
+                    <a:gs pos="100000">
+                      <a:schemeClr val="tx1">
+                        <a:lumMod val="75000"/>
+                        <a:lumOff val="25000"/>
+                      </a:schemeClr>
+                    </a:gs>
+                  </a:gsLst>
+                  <a:lin ang="5400000" scaled="0"/>
+                </a:gradFill>
+                <a:latin typeface="KoPub돋움체 Light" panose="02020603020101020101" pitchFamily="18" charset="-127"/>
+                <a:ea typeface="KoPub돋움체 Light" panose="02020603020101020101" pitchFamily="18" charset="-127"/>
+                <a:cs typeface="+mn-cs"/>
+              </a:defRPr>
+            </a:lvl5pPr>
+            <a:lvl6pPr marL="2514600" indent="-228600" algn="l" defTabSz="914400" rtl="0" eaLnBrk="1" latinLnBrk="1" hangingPunct="1">
+              <a:lnSpc>
+                <a:spcPct val="90000"/>
+              </a:lnSpc>
+              <a:spcBef>
+                <a:spcPts val="500"/>
+              </a:spcBef>
+              <a:buFont typeface="Arial" panose="020B0604020202020204" pitchFamily="34" charset="0"/>
+              <a:buChar char="•"/>
+              <a:defRPr sz="1800" kern="1200">
+                <a:solidFill>
+                  <a:schemeClr val="tx1"/>
+                </a:solidFill>
+                <a:latin typeface="+mn-lt"/>
+                <a:ea typeface="+mn-ea"/>
+                <a:cs typeface="+mn-cs"/>
+              </a:defRPr>
+            </a:lvl6pPr>
+            <a:lvl7pPr marL="2971800" indent="-228600" algn="l" defTabSz="914400" rtl="0" eaLnBrk="1" latinLnBrk="1" hangingPunct="1">
+              <a:lnSpc>
+                <a:spcPct val="90000"/>
+              </a:lnSpc>
+              <a:spcBef>
+                <a:spcPts val="500"/>
+              </a:spcBef>
+              <a:buFont typeface="Arial" panose="020B0604020202020204" pitchFamily="34" charset="0"/>
+              <a:buChar char="•"/>
+              <a:defRPr sz="1800" kern="1200">
+                <a:solidFill>
+                  <a:schemeClr val="tx1"/>
+                </a:solidFill>
+                <a:latin typeface="+mn-lt"/>
+                <a:ea typeface="+mn-ea"/>
+                <a:cs typeface="+mn-cs"/>
+              </a:defRPr>
+            </a:lvl7pPr>
+            <a:lvl8pPr marL="3429000" indent="-228600" algn="l" defTabSz="914400" rtl="0" eaLnBrk="1" latinLnBrk="1" hangingPunct="1">
+              <a:lnSpc>
+                <a:spcPct val="90000"/>
+              </a:lnSpc>
+              <a:spcBef>
+                <a:spcPts val="500"/>
+              </a:spcBef>
+              <a:buFont typeface="Arial" panose="020B0604020202020204" pitchFamily="34" charset="0"/>
+              <a:buChar char="•"/>
+              <a:defRPr sz="1800" kern="1200">
+                <a:solidFill>
+                  <a:schemeClr val="tx1"/>
+                </a:solidFill>
+                <a:latin typeface="+mn-lt"/>
+                <a:ea typeface="+mn-ea"/>
+                <a:cs typeface="+mn-cs"/>
+              </a:defRPr>
+            </a:lvl8pPr>
+            <a:lvl9pPr marL="3886200" indent="-228600" algn="l" defTabSz="914400" rtl="0" eaLnBrk="1" latinLnBrk="1" hangingPunct="1">
+              <a:lnSpc>
+                <a:spcPct val="90000"/>
+              </a:lnSpc>
+              <a:spcBef>
+                <a:spcPts val="500"/>
+              </a:spcBef>
+              <a:buFont typeface="Arial" panose="020B0604020202020204" pitchFamily="34" charset="0"/>
+              <a:buChar char="•"/>
+              <a:defRPr sz="1800" kern="1200">
+                <a:solidFill>
+                  <a:schemeClr val="tx1"/>
+                </a:solidFill>
+                <a:latin typeface="+mn-lt"/>
+                <a:ea typeface="+mn-ea"/>
+                <a:cs typeface="+mn-cs"/>
+              </a:defRPr>
+            </a:lvl9pPr>
+          </a:lstStyle>
+          <a:p>
+            <a:pPr algn="l">
+              <a:defRPr/>
+            </a:pPr>
+            <a:r>
+              <a:rPr lang="ko-KR" altLang="en-US" sz="2000" b="1" dirty="0" smtClean="0">
+                <a:gradFill>
+                  <a:gsLst>
+                    <a:gs pos="0">
+                      <a:srgbClr val="404040"/>
+                    </a:gs>
+                    <a:gs pos="100000">
+                      <a:srgbClr val="404040"/>
+                    </a:gs>
+                  </a:gsLst>
+                  <a:lin ang="5400000" scaled="0"/>
+                </a:gradFill>
+                <a:latin typeface="나눔고딕" panose="020D0604000000000000" pitchFamily="50" charset="-127"/>
+                <a:ea typeface="나눔고딕 ExtraBold"/>
+              </a:rPr>
+              <a:t>와인의 종류 예측</a:t>
+            </a:r>
+            <a:endParaRPr sz="2000" b="1" dirty="0">
+              <a:gradFill>
+                <a:gsLst>
+                  <a:gs pos="0">
+                    <a:srgbClr val="404040"/>
+                  </a:gs>
+                  <a:gs pos="100000">
+                    <a:srgbClr val="404040"/>
+                  </a:gs>
+                </a:gsLst>
+                <a:lin ang="5400000" scaled="0"/>
+              </a:gradFill>
+              <a:latin typeface="나눔고딕" panose="020D0604000000000000" pitchFamily="50" charset="-127"/>
+              <a:ea typeface="나눔고딕 ExtraBold"/>
+            </a:endParaRPr>
+          </a:p>
+        </p:txBody>
+      </p:sp>
+      <p:pic>
+        <p:nvPicPr>
+          <p:cNvPr id="8" name="그림 7"/>
+          <p:cNvPicPr>
+            <a:picLocks noChangeAspect="1"/>
+          </p:cNvPicPr>
+          <p:nvPr/>
+        </p:nvPicPr>
+        <p:blipFill>
+          <a:blip r:embed="rId3"/>
+          <a:stretch>
+            <a:fillRect/>
+          </a:stretch>
+        </p:blipFill>
+        <p:spPr>
+          <a:xfrm>
+            <a:off x="402363" y="2060848"/>
+            <a:ext cx="7199784" cy="3899883"/>
+          </a:xfrm>
+          <a:prstGeom prst="rect">
+            <a:avLst/>
+          </a:prstGeom>
+        </p:spPr>
+      </p:pic>
+    </p:spTree>
+    <p:extLst>
+      <p:ext uri="{BB962C8B-B14F-4D97-AF65-F5344CB8AC3E}">
+        <p14:creationId xmlns:p14="http://schemas.microsoft.com/office/powerpoint/2010/main" val="3785307800"/>
+      </p:ext>
+    </p:extLst>
+  </p:cSld>
+  <p:clrMapOvr>
+    <a:masterClrMapping/>
+  </p:clrMapOvr>
+  <p:timing>
+    <p:tnLst>
+      <p:par>
+        <p:cTn id="1" dur="indefinite" restart="never" nodeType="tmRoot"/>
+      </p:par>
+    </p:tnLst>
+  </p:timing>
+</p:sld>
+</file>
+
+<file path=ppt/slides/slide16.xml><?xml version="1.0" encoding="utf-8"?>
+<p:sld xmlns:a="http://schemas.openxmlformats.org/drawingml/2006/main" xmlns:r="http://schemas.openxmlformats.org/officeDocument/2006/relationships" xmlns:p="http://schemas.openxmlformats.org/presentationml/2006/main">
+  <p:cSld>
+    <p:spTree>
+      <p:nvGrpSpPr>
+        <p:cNvPr id="1" name=""/>
+        <p:cNvGrpSpPr/>
+        <p:nvPr/>
+      </p:nvGrpSpPr>
+      <p:grpSpPr>
+        <a:xfrm>
+          <a:off x="0" y="0"/>
+          <a:ext cx="0" cy="0"/>
+          <a:chOff x="0" y="0"/>
+          <a:chExt cx="0" cy="0"/>
+        </a:xfrm>
+      </p:grpSpPr>
+      <p:sp>
+        <p:nvSpPr>
           <p:cNvPr id="4" name="제목 1"/>
           <p:cNvSpPr txBox="1">
             <a:spLocks/>
@@ -10081,7 +10752,7 @@
 </p:sld>
 </file>
 
-<file path=ppt/slides/slide16.xml><?xml version="1.0" encoding="utf-8"?>
+<file path=ppt/slides/slide17.xml><?xml version="1.0" encoding="utf-8"?>
 <p:sld xmlns:a="http://schemas.openxmlformats.org/drawingml/2006/main" xmlns:r="http://schemas.openxmlformats.org/officeDocument/2006/relationships" xmlns:p="http://schemas.openxmlformats.org/presentationml/2006/main">
   <p:cSld>
     <p:spTree>
@@ -11131,7 +11802,7 @@
 </p:sld>
 </file>
 
-<file path=ppt/slides/slide17.xml><?xml version="1.0" encoding="utf-8"?>
+<file path=ppt/slides/slide18.xml><?xml version="1.0" encoding="utf-8"?>
 <p:sld xmlns:a="http://schemas.openxmlformats.org/drawingml/2006/main" xmlns:r="http://schemas.openxmlformats.org/officeDocument/2006/relationships" xmlns:p="http://schemas.openxmlformats.org/presentationml/2006/main">
   <p:cSld>
     <p:spTree>
@@ -18188,21 +18859,6 @@
               </a:rPr>
               <a:t>?</a:t>
             </a:r>
-            <a:endParaRPr lang="en-US" altLang="ko-KR" sz="1600" b="1" dirty="0" smtClean="0">
-              <a:gradFill>
-                <a:gsLst>
-                  <a:gs pos="0">
-                    <a:srgbClr val="404040"/>
-                  </a:gs>
-                  <a:gs pos="100000">
-                    <a:srgbClr val="404040"/>
-                  </a:gs>
-                </a:gsLst>
-                <a:lin ang="5400000" scaled="0"/>
-              </a:gradFill>
-              <a:latin typeface="나눔고딕" panose="020D0604000000000000" pitchFamily="50" charset="-127"/>
-              <a:ea typeface="나눔고딕 ExtraBold"/>
-            </a:endParaRPr>
           </a:p>
         </p:txBody>
       </p:sp>

--- a/Study/정리/Deep Learning03.pptx
+++ b/Study/정리/Deep Learning03.pptx
@@ -566,7 +566,7 @@
               <a:pPr>
                 <a:defRPr/>
               </a:pPr>
-              <a:t>2019-12-17</a:t>
+              <a:t>2019-12-18</a:t>
             </a:fld>
             <a:endParaRPr lang="ko-KR" altLang="en-US"/>
           </a:p>
@@ -3071,74 +3071,7 @@
           </a:bodyPr>
           <a:lstStyle/>
           <a:p>
-            <a:r>
-              <a:rPr kumimoji="1" lang="ko-KR" altLang="en-US" dirty="0" smtClean="0"/>
-              <a:t>이렇게 다층 </a:t>
-            </a:r>
-            <a:r>
-              <a:rPr kumimoji="1" lang="ko-KR" altLang="en-US" dirty="0" err="1" smtClean="0"/>
-              <a:t>퍼셉트론이</a:t>
-            </a:r>
-            <a:r>
-              <a:rPr kumimoji="1" lang="ko-KR" altLang="en-US" dirty="0" smtClean="0"/>
-              <a:t> 오차 </a:t>
-            </a:r>
-            <a:r>
-              <a:rPr kumimoji="1" lang="ko-KR" altLang="en-US" dirty="0" err="1" smtClean="0"/>
-              <a:t>역전파를</a:t>
-            </a:r>
-            <a:r>
-              <a:rPr kumimoji="1" lang="ko-KR" altLang="en-US" dirty="0" smtClean="0"/>
-              <a:t> 만나 신경망이 되었고</a:t>
-            </a:r>
-            <a:r>
-              <a:rPr kumimoji="1" lang="en-US" altLang="ko-KR" dirty="0" smtClean="0"/>
-              <a:t>, </a:t>
-            </a:r>
-            <a:r>
-              <a:rPr kumimoji="1" lang="ko-KR" altLang="en-US" dirty="0" smtClean="0"/>
-              <a:t>신경망은 </a:t>
-            </a:r>
-            <a:r>
-              <a:rPr kumimoji="1" lang="en-US" altLang="ko-KR" dirty="0" smtClean="0"/>
-              <a:t>XOR </a:t>
-            </a:r>
-            <a:r>
-              <a:rPr kumimoji="1" lang="ko-KR" altLang="en-US" dirty="0" smtClean="0"/>
-              <a:t>문제를 간단하게 해결했습니다</a:t>
-            </a:r>
-            <a:r>
-              <a:rPr kumimoji="1" lang="en-US" altLang="ko-KR" dirty="0" smtClean="0"/>
-              <a:t>.</a:t>
-            </a:r>
-          </a:p>
-          <a:p>
-            <a:r>
-              <a:rPr kumimoji="1" lang="ko-KR" altLang="en-US" dirty="0" smtClean="0"/>
-              <a:t>이제 사람들은 신경망을 그림처럼 차곡차곡 </a:t>
-            </a:r>
-            <a:r>
-              <a:rPr kumimoji="1" lang="ko-KR" altLang="en-US" dirty="0" err="1" smtClean="0"/>
-              <a:t>쌓아올리면</a:t>
-            </a:r>
-            <a:r>
-              <a:rPr kumimoji="1" lang="ko-KR" altLang="en-US" dirty="0" smtClean="0"/>
-              <a:t> 마치 사람처럼 생각하고 판단하는 인공지능이 금방이라도 완성될것처럼 보였습니다</a:t>
-            </a:r>
-            <a:r>
-              <a:rPr kumimoji="1" lang="en-US" altLang="ko-KR" dirty="0" smtClean="0"/>
-              <a:t>.</a:t>
-            </a:r>
-          </a:p>
-          <a:p>
-            <a:r>
-              <a:rPr kumimoji="1" lang="ko-KR" altLang="en-US" dirty="0" smtClean="0"/>
-              <a:t>하지만 기대만큼 결과가 좋지는 않았는데 어떤 문제가 있었고 어떻게 해결이 되었는지 살펴보겠습니다</a:t>
-            </a:r>
-            <a:r>
-              <a:rPr kumimoji="1" lang="en-US" altLang="ko-KR" dirty="0" smtClean="0"/>
-              <a:t>.</a:t>
-            </a:r>
+            <a:endParaRPr kumimoji="1" lang="en-US" altLang="ko-KR" dirty="0" smtClean="0"/>
           </a:p>
         </p:txBody>
       </p:sp>
@@ -8175,7 +8108,7 @@
         </p:blipFill>
         <p:spPr>
           <a:xfrm>
-            <a:off x="971805" y="1628800"/>
+            <a:off x="971805" y="1772816"/>
             <a:ext cx="7272471" cy="2520280"/>
           </a:xfrm>
           <a:prstGeom prst="rect">
@@ -9820,6 +9753,279 @@
                 <a:ea typeface="나눔고딕 ExtraBold"/>
               </a:rPr>
               <a:t>밀도</a:t>
+            </a:r>
+            <a:endParaRPr lang="en-US" altLang="ko-KR" sz="1200" dirty="0">
+              <a:gradFill>
+                <a:gsLst>
+                  <a:gs pos="0">
+                    <a:srgbClr val="404040"/>
+                  </a:gs>
+                  <a:gs pos="100000">
+                    <a:srgbClr val="404040"/>
+                  </a:gs>
+                </a:gsLst>
+                <a:lin ang="5400000" scaled="0"/>
+              </a:gradFill>
+              <a:latin typeface="나눔고딕" panose="020D0604000000000000" pitchFamily="50" charset="-127"/>
+              <a:ea typeface="나눔고딕 ExtraBold"/>
+            </a:endParaRPr>
+          </a:p>
+        </p:txBody>
+      </p:sp>
+      <p:cxnSp>
+        <p:nvCxnSpPr>
+          <p:cNvPr id="13" name="직선 연결선 12"/>
+          <p:cNvCxnSpPr/>
+          <p:nvPr/>
+        </p:nvCxnSpPr>
+        <p:spPr bwMode="auto">
+          <a:xfrm>
+            <a:off x="1451272" y="1700808"/>
+            <a:ext cx="6048524" cy="0"/>
+          </a:xfrm>
+          <a:prstGeom prst="line">
+            <a:avLst/>
+          </a:prstGeom>
+          <a:solidFill>
+            <a:schemeClr val="accent1"/>
+          </a:solidFill>
+          <a:ln w="15875" cap="flat" cmpd="sng" algn="ctr">
+            <a:solidFill>
+              <a:schemeClr val="tx1"/>
+            </a:solidFill>
+            <a:prstDash val="solid"/>
+            <a:round/>
+            <a:headEnd type="none" w="med" len="med"/>
+            <a:tailEnd type="none" w="med" len="med"/>
+          </a:ln>
+          <a:effectLst/>
+        </p:spPr>
+      </p:cxnSp>
+      <p:sp>
+        <p:nvSpPr>
+          <p:cNvPr id="16" name="직사각형 15"/>
+          <p:cNvSpPr/>
+          <p:nvPr/>
+        </p:nvSpPr>
+        <p:spPr>
+          <a:xfrm>
+            <a:off x="4175273" y="1327789"/>
+            <a:ext cx="600522" cy="337015"/>
+          </a:xfrm>
+          <a:prstGeom prst="rect">
+            <a:avLst/>
+          </a:prstGeom>
+        </p:spPr>
+        <p:txBody>
+          <a:bodyPr wrap="square">
+            <a:spAutoFit/>
+          </a:bodyPr>
+          <a:lstStyle/>
+          <a:p>
+            <a:pPr algn="ctr" latinLnBrk="1">
+              <a:lnSpc>
+                <a:spcPct val="150000"/>
+              </a:lnSpc>
+            </a:pPr>
+            <a:r>
+              <a:rPr lang="ko-KR" altLang="en-US" sz="1200" dirty="0" smtClean="0">
+                <a:gradFill>
+                  <a:gsLst>
+                    <a:gs pos="0">
+                      <a:srgbClr val="404040"/>
+                    </a:gs>
+                    <a:gs pos="100000">
+                      <a:srgbClr val="404040"/>
+                    </a:gs>
+                  </a:gsLst>
+                  <a:lin ang="5400000" scaled="0"/>
+                </a:gradFill>
+                <a:latin typeface="나눔고딕" panose="020D0604000000000000" pitchFamily="50" charset="-127"/>
+                <a:ea typeface="나눔고딕 ExtraBold"/>
+              </a:rPr>
+              <a:t>속성</a:t>
+            </a:r>
+            <a:endParaRPr lang="en-US" altLang="ko-KR" sz="1200" dirty="0">
+              <a:gradFill>
+                <a:gsLst>
+                  <a:gs pos="0">
+                    <a:srgbClr val="404040"/>
+                  </a:gs>
+                  <a:gs pos="100000">
+                    <a:srgbClr val="404040"/>
+                  </a:gs>
+                </a:gsLst>
+                <a:lin ang="5400000" scaled="0"/>
+              </a:gradFill>
+              <a:latin typeface="나눔고딕" panose="020D0604000000000000" pitchFamily="50" charset="-127"/>
+              <a:ea typeface="나눔고딕 ExtraBold"/>
+            </a:endParaRPr>
+          </a:p>
+        </p:txBody>
+      </p:sp>
+      <p:sp>
+        <p:nvSpPr>
+          <p:cNvPr id="17" name="직사각형 16"/>
+          <p:cNvSpPr/>
+          <p:nvPr/>
+        </p:nvSpPr>
+        <p:spPr>
+          <a:xfrm>
+            <a:off x="7512033" y="1283278"/>
+            <a:ext cx="1032702" cy="369332"/>
+          </a:xfrm>
+          <a:prstGeom prst="rect">
+            <a:avLst/>
+          </a:prstGeom>
+        </p:spPr>
+        <p:txBody>
+          <a:bodyPr wrap="square">
+            <a:spAutoFit/>
+          </a:bodyPr>
+          <a:lstStyle/>
+          <a:p>
+            <a:pPr algn="ctr" latinLnBrk="1">
+              <a:lnSpc>
+                <a:spcPct val="150000"/>
+              </a:lnSpc>
+            </a:pPr>
+            <a:r>
+              <a:rPr lang="ko-KR" altLang="en-US" sz="1200" dirty="0" err="1" smtClean="0">
+                <a:gradFill>
+                  <a:gsLst>
+                    <a:gs pos="0">
+                      <a:srgbClr val="404040"/>
+                    </a:gs>
+                    <a:gs pos="100000">
+                      <a:srgbClr val="404040"/>
+                    </a:gs>
+                  </a:gsLst>
+                  <a:lin ang="5400000" scaled="0"/>
+                </a:gradFill>
+                <a:latin typeface="나눔고딕" panose="020D0604000000000000" pitchFamily="50" charset="-127"/>
+                <a:ea typeface="나눔고딕 ExtraBold"/>
+              </a:rPr>
+              <a:t>클레스</a:t>
+            </a:r>
+            <a:endParaRPr lang="en-US" altLang="ko-KR" sz="1200" dirty="0">
+              <a:gradFill>
+                <a:gsLst>
+                  <a:gs pos="0">
+                    <a:srgbClr val="404040"/>
+                  </a:gs>
+                  <a:gs pos="100000">
+                    <a:srgbClr val="404040"/>
+                  </a:gs>
+                </a:gsLst>
+                <a:lin ang="5400000" scaled="0"/>
+              </a:gradFill>
+              <a:latin typeface="나눔고딕" panose="020D0604000000000000" pitchFamily="50" charset="-127"/>
+              <a:ea typeface="나눔고딕 ExtraBold"/>
+            </a:endParaRPr>
+          </a:p>
+        </p:txBody>
+      </p:sp>
+      <p:cxnSp>
+        <p:nvCxnSpPr>
+          <p:cNvPr id="18" name="직선 연결선 17"/>
+          <p:cNvCxnSpPr/>
+          <p:nvPr/>
+        </p:nvCxnSpPr>
+        <p:spPr bwMode="auto">
+          <a:xfrm>
+            <a:off x="8028384" y="1664804"/>
+            <a:ext cx="5276" cy="125840"/>
+          </a:xfrm>
+          <a:prstGeom prst="line">
+            <a:avLst/>
+          </a:prstGeom>
+          <a:solidFill>
+            <a:schemeClr val="accent1"/>
+          </a:solidFill>
+          <a:ln w="15875" cap="flat" cmpd="sng" algn="ctr">
+            <a:solidFill>
+              <a:schemeClr val="tx1"/>
+            </a:solidFill>
+            <a:prstDash val="solid"/>
+            <a:round/>
+            <a:headEnd type="none" w="med" len="med"/>
+            <a:tailEnd type="none" w="med" len="med"/>
+          </a:ln>
+          <a:effectLst/>
+        </p:spPr>
+      </p:cxnSp>
+      <p:cxnSp>
+        <p:nvCxnSpPr>
+          <p:cNvPr id="22" name="직선 연결선 21"/>
+          <p:cNvCxnSpPr/>
+          <p:nvPr/>
+        </p:nvCxnSpPr>
+        <p:spPr bwMode="auto">
+          <a:xfrm>
+            <a:off x="907212" y="1810916"/>
+            <a:ext cx="0" cy="2470603"/>
+          </a:xfrm>
+          <a:prstGeom prst="line">
+            <a:avLst/>
+          </a:prstGeom>
+          <a:solidFill>
+            <a:schemeClr val="accent1"/>
+          </a:solidFill>
+          <a:ln w="15875" cap="flat" cmpd="sng" algn="ctr">
+            <a:solidFill>
+              <a:schemeClr val="tx1"/>
+            </a:solidFill>
+            <a:prstDash val="solid"/>
+            <a:round/>
+            <a:headEnd type="none" w="med" len="med"/>
+            <a:tailEnd type="none" w="med" len="med"/>
+          </a:ln>
+          <a:effectLst/>
+        </p:spPr>
+      </p:cxnSp>
+      <p:sp>
+        <p:nvSpPr>
+          <p:cNvPr id="24" name="직사각형 23"/>
+          <p:cNvSpPr/>
+          <p:nvPr/>
+        </p:nvSpPr>
+        <p:spPr>
+          <a:xfrm>
+            <a:off x="155128" y="2877709"/>
+            <a:ext cx="600522" cy="337015"/>
+          </a:xfrm>
+          <a:prstGeom prst="rect">
+            <a:avLst/>
+          </a:prstGeom>
+        </p:spPr>
+        <p:txBody>
+          <a:bodyPr wrap="square">
+            <a:spAutoFit/>
+          </a:bodyPr>
+          <a:lstStyle/>
+          <a:p>
+            <a:pPr algn="ctr" latinLnBrk="1">
+              <a:lnSpc>
+                <a:spcPct val="150000"/>
+              </a:lnSpc>
+            </a:pPr>
+            <a:r>
+              <a:rPr lang="ko-KR" altLang="en-US" sz="1200" dirty="0" smtClean="0">
+                <a:gradFill>
+                  <a:gsLst>
+                    <a:gs pos="0">
+                      <a:srgbClr val="404040"/>
+                    </a:gs>
+                    <a:gs pos="100000">
+                      <a:srgbClr val="404040"/>
+                    </a:gs>
+                  </a:gsLst>
+                  <a:lin ang="5400000" scaled="0"/>
+                </a:gradFill>
+                <a:latin typeface="나눔고딕" panose="020D0604000000000000" pitchFamily="50" charset="-127"/>
+                <a:ea typeface="나눔고딕 ExtraBold"/>
+              </a:rPr>
+              <a:t>샘플</a:t>
             </a:r>
             <a:endParaRPr lang="en-US" altLang="ko-KR" sz="1200" dirty="0">
               <a:gradFill>
@@ -12040,13 +12246,12 @@
         </p:nvSpPr>
         <p:spPr>
           <a:xfrm>
-            <a:off x="2857500" y="2239982"/>
-            <a:ext cx="6264275" cy="553998"/>
+            <a:off x="2839858" y="2367267"/>
+            <a:ext cx="6264275" cy="415498"/>
           </a:xfrm>
           <a:prstGeom prst="rect">
             <a:avLst/>
           </a:prstGeom>
-          <a:noFill/>
         </p:spPr>
         <p:txBody>
           <a:bodyPr anchor="ctr">
@@ -12072,21 +12277,24 @@
               <a:t>02. </a:t>
             </a:r>
             <a:r>
-              <a:rPr lang="ko-KR" altLang="en-US" b="1" spc="-150" dirty="0" smtClean="0">
+              <a:rPr lang="ko-KR" altLang="en-US" sz="2100" b="1" spc="-150" dirty="0">
                 <a:latin typeface="나눔고딕" panose="020D0604000000000000" pitchFamily="50" charset="-127"/>
                 <a:ea typeface="나눔고딕" panose="020D0604000000000000" pitchFamily="50" charset="-127"/>
                 <a:cs typeface="Nanum Gothic" charset="-127"/>
               </a:rPr>
-              <a:t>다중 분류 문제</a:t>
-            </a:r>
-            <a:endParaRPr lang="en-US" altLang="ko-KR" sz="3000" spc="-150" dirty="0">
-              <a:solidFill>
-                <a:schemeClr val="bg1">
-                  <a:lumMod val="50000"/>
-                </a:schemeClr>
-              </a:solidFill>
-              <a:latin typeface="NanumSquareOTF" panose="020B0600000101010101" pitchFamily="34" charset="-127"/>
-              <a:ea typeface="NanumSquareOTF" panose="020B0600000101010101" pitchFamily="34" charset="-127"/>
+              <a:t>다중 </a:t>
+            </a:r>
+            <a:r>
+              <a:rPr lang="ko-KR" altLang="en-US" sz="2100" b="1" spc="-150" dirty="0">
+                <a:latin typeface="나눔고딕" panose="020D0604000000000000" pitchFamily="50" charset="-127"/>
+                <a:ea typeface="나눔고딕" panose="020D0604000000000000" pitchFamily="50" charset="-127"/>
+                <a:cs typeface="Nanum Gothic" charset="-127"/>
+              </a:rPr>
+              <a:t>분류 문제</a:t>
+            </a:r>
+            <a:endParaRPr lang="en-US" altLang="ko-KR" sz="2100" b="1" spc="-150" dirty="0">
+              <a:latin typeface="나눔고딕" panose="020D0604000000000000" pitchFamily="50" charset="-127"/>
+              <a:ea typeface="나눔고딕" panose="020D0604000000000000" pitchFamily="50" charset="-127"/>
               <a:cs typeface="Nanum Gothic" charset="-127"/>
             </a:endParaRPr>
           </a:p>
@@ -12277,171 +12485,7 @@
         </p:nvSpPr>
         <p:spPr>
           <a:xfrm>
-            <a:off x="2857500" y="1628795"/>
-            <a:ext cx="6264275" cy="553998"/>
-          </a:xfrm>
-          <a:prstGeom prst="rect">
-            <a:avLst/>
-          </a:prstGeom>
-          <a:noFill/>
-        </p:spPr>
-        <p:txBody>
-          <a:bodyPr anchor="ctr">
-            <a:spAutoFit/>
-          </a:bodyPr>
-          <a:lstStyle/>
-          <a:p>
-            <a:pPr>
-              <a:buClr>
-                <a:schemeClr val="tx2">
-                  <a:lumMod val="20000"/>
-                  <a:lumOff val="80000"/>
-                </a:schemeClr>
-              </a:buClr>
-              <a:defRPr/>
-            </a:pPr>
-            <a:r>
-              <a:rPr lang="en-US" altLang="ko-KR" sz="2100" b="1" spc="-150" dirty="0">
-                <a:latin typeface="나눔고딕" panose="020D0604000000000000" pitchFamily="50" charset="-127"/>
-                <a:ea typeface="나눔고딕" panose="020D0604000000000000" pitchFamily="50" charset="-127"/>
-                <a:cs typeface="Nanum Gothic" charset="-127"/>
-              </a:rPr>
-              <a:t>01. </a:t>
-            </a:r>
-            <a:r>
-              <a:rPr lang="ko-KR" altLang="en-US" b="1" spc="-150" dirty="0" smtClean="0">
-                <a:latin typeface="나눔고딕" panose="020D0604000000000000" pitchFamily="50" charset="-127"/>
-                <a:ea typeface="나눔고딕" panose="020D0604000000000000" pitchFamily="50" charset="-127"/>
-                <a:cs typeface="Nanum Gothic" charset="-127"/>
-              </a:rPr>
-              <a:t>데이터 다루기</a:t>
-            </a:r>
-            <a:r>
-              <a:rPr lang="en-US" altLang="ko-KR" b="1" spc="-150" dirty="0" smtClean="0">
-                <a:latin typeface="나눔고딕" panose="020D0604000000000000" pitchFamily="50" charset="-127"/>
-                <a:ea typeface="나눔고딕" panose="020D0604000000000000" pitchFamily="50" charset="-127"/>
-                <a:cs typeface="Nanum Gothic" charset="-127"/>
-              </a:rPr>
-              <a:t>(pandas, </a:t>
-            </a:r>
-            <a:r>
-              <a:rPr lang="en-US" altLang="ko-KR" b="1" spc="-150" dirty="0" err="1" smtClean="0">
-                <a:latin typeface="나눔고딕" panose="020D0604000000000000" pitchFamily="50" charset="-127"/>
-                <a:ea typeface="나눔고딕" panose="020D0604000000000000" pitchFamily="50" charset="-127"/>
-                <a:cs typeface="Nanum Gothic" charset="-127"/>
-              </a:rPr>
-              <a:t>matplotlib</a:t>
-            </a:r>
-            <a:r>
-              <a:rPr lang="en-US" altLang="ko-KR" b="1" spc="-150" dirty="0" smtClean="0">
-                <a:latin typeface="나눔고딕" panose="020D0604000000000000" pitchFamily="50" charset="-127"/>
-                <a:ea typeface="나눔고딕" panose="020D0604000000000000" pitchFamily="50" charset="-127"/>
-                <a:cs typeface="Nanum Gothic" charset="-127"/>
-              </a:rPr>
-              <a:t>)</a:t>
-            </a:r>
-            <a:r>
-              <a:rPr lang="en-US" altLang="ko-KR" sz="3000" b="1" spc="-150" dirty="0" smtClean="0">
-                <a:solidFill>
-                  <a:schemeClr val="bg1">
-                    <a:lumMod val="50000"/>
-                  </a:schemeClr>
-                </a:solidFill>
-                <a:latin typeface="나눔고딕" panose="020D0604000000000000" pitchFamily="50" charset="-127"/>
-                <a:ea typeface="나눔고딕" panose="020D0604000000000000" pitchFamily="50" charset="-127"/>
-                <a:cs typeface="Nanum Gothic" charset="-127"/>
-              </a:rPr>
-              <a:t>  </a:t>
-            </a:r>
-            <a:endParaRPr lang="en-US" altLang="ko-KR" sz="3000" b="1" spc="-150" dirty="0">
-              <a:solidFill>
-                <a:schemeClr val="bg1">
-                  <a:lumMod val="50000"/>
-                </a:schemeClr>
-              </a:solidFill>
-              <a:latin typeface="나눔고딕" panose="020D0604000000000000" pitchFamily="50" charset="-127"/>
-              <a:ea typeface="나눔고딕" panose="020D0604000000000000" pitchFamily="50" charset="-127"/>
-              <a:cs typeface="Nanum Gothic" charset="-127"/>
-            </a:endParaRPr>
-          </a:p>
-        </p:txBody>
-      </p:sp>
-      <p:sp>
-        <p:nvSpPr>
-          <p:cNvPr id="10" name="텍스트 상자 1">
-            <a:extLst>
-              <a:ext uri="{FF2B5EF4-FFF2-40B4-BE49-F238E27FC236}">
-                <a16:creationId xmlns:a16="http://schemas.microsoft.com/office/drawing/2014/main" id="{4822F36E-30E7-5441-8010-5AC67857190F}"/>
-              </a:ext>
-            </a:extLst>
-          </p:cNvPr>
-          <p:cNvSpPr txBox="1"/>
-          <p:nvPr/>
-        </p:nvSpPr>
-        <p:spPr>
-          <a:xfrm>
-            <a:off x="2857500" y="3463925"/>
-            <a:ext cx="6264275" cy="554038"/>
-          </a:xfrm>
-          <a:prstGeom prst="rect">
-            <a:avLst/>
-          </a:prstGeom>
-          <a:noFill/>
-        </p:spPr>
-        <p:txBody>
-          <a:bodyPr anchor="ctr">
-            <a:spAutoFit/>
-          </a:bodyPr>
-          <a:lstStyle/>
-          <a:p>
-            <a:pPr>
-              <a:buClr>
-                <a:schemeClr val="tx2">
-                  <a:lumMod val="20000"/>
-                  <a:lumOff val="80000"/>
-                </a:schemeClr>
-              </a:buClr>
-              <a:defRPr/>
-            </a:pPr>
-            <a:r>
-              <a:rPr lang="en-US" altLang="ko-KR" sz="2100" b="1" spc="-150" dirty="0">
-                <a:latin typeface="나눔고딕" panose="020D0604000000000000" pitchFamily="50" charset="-127"/>
-                <a:ea typeface="나눔고딕" panose="020D0604000000000000" pitchFamily="50" charset="-127"/>
-                <a:cs typeface="Nanum Gothic" charset="-127"/>
-              </a:rPr>
-              <a:t>04. </a:t>
-            </a:r>
-            <a:r>
-              <a:rPr lang="ko-KR" altLang="en-US" b="1" spc="-150" dirty="0" smtClean="0">
-                <a:latin typeface="나눔고딕" panose="020D0604000000000000" pitchFamily="50" charset="-127"/>
-                <a:ea typeface="나눔고딕" panose="020D0604000000000000" pitchFamily="50" charset="-127"/>
-                <a:cs typeface="Nanum Gothic" charset="-127"/>
-              </a:rPr>
-              <a:t>베스트 모델 선정</a:t>
-            </a:r>
-            <a:endParaRPr lang="en-US" altLang="ko-KR" sz="3000" b="1" spc="-150" dirty="0">
-              <a:latin typeface="나눔고딕" panose="020D0604000000000000" pitchFamily="50" charset="-127"/>
-              <a:ea typeface="나눔고딕" panose="020D0604000000000000" pitchFamily="50" charset="-127"/>
-              <a:cs typeface="Nanum Gothic" charset="-127"/>
-            </a:endParaRPr>
-          </a:p>
-        </p:txBody>
-      </p:sp>
-      <p:sp>
-        <p:nvSpPr>
-          <p:cNvPr id="11" name="텍스트 상자 1">
-            <a:extLst>
-              <a:ext uri="{FF2B5EF4-FFF2-40B4-BE49-F238E27FC236}">
-                <a16:creationId xmlns:a16="http://schemas.microsoft.com/office/drawing/2014/main" id="{54B672C5-0CCE-3840-83A6-5C2FCB32D947}"/>
-              </a:ext>
-            </a:extLst>
-          </p:cNvPr>
-          <p:cNvSpPr txBox="1"/>
-          <p:nvPr/>
-        </p:nvSpPr>
-        <p:spPr>
-          <a:xfrm>
-            <a:off x="2857500" y="2922007"/>
+            <a:off x="2857498" y="1745027"/>
             <a:ext cx="6264275" cy="415498"/>
           </a:xfrm>
           <a:prstGeom prst="rect">
@@ -12470,30 +12514,174 @@
                 <a:ea typeface="나눔고딕" panose="020D0604000000000000" pitchFamily="50" charset="-127"/>
                 <a:cs typeface="Nanum Gothic" charset="-127"/>
               </a:rPr>
-              <a:t>03. </a:t>
-            </a:r>
-            <a:r>
-              <a:rPr lang="ko-KR" altLang="en-US" sz="2100" b="1" spc="-150" dirty="0" err="1" smtClean="0">
+              <a:t>01. </a:t>
+            </a:r>
+            <a:r>
+              <a:rPr lang="ko-KR" altLang="en-US" sz="2100" b="1" spc="-150" dirty="0">
                 <a:latin typeface="나눔고딕" panose="020D0604000000000000" pitchFamily="50" charset="-127"/>
                 <a:ea typeface="나눔고딕" panose="020D0604000000000000" pitchFamily="50" charset="-127"/>
                 <a:cs typeface="Nanum Gothic" charset="-127"/>
               </a:rPr>
-              <a:t>과적합</a:t>
-            </a:r>
-            <a:r>
-              <a:rPr lang="ko-KR" altLang="en-US" sz="2100" b="1" spc="-150" dirty="0" smtClean="0">
+              <a:t>데이터 </a:t>
+            </a:r>
+            <a:r>
+              <a:rPr lang="ko-KR" altLang="en-US" sz="2100" b="1" spc="-150" dirty="0">
                 <a:latin typeface="나눔고딕" panose="020D0604000000000000" pitchFamily="50" charset="-127"/>
                 <a:ea typeface="나눔고딕" panose="020D0604000000000000" pitchFamily="50" charset="-127"/>
                 <a:cs typeface="Nanum Gothic" charset="-127"/>
               </a:rPr>
+              <a:t>다루기</a:t>
+            </a:r>
+            <a:r>
+              <a:rPr lang="en-US" altLang="ko-KR" sz="2100" b="1" spc="-150" dirty="0">
+                <a:latin typeface="나눔고딕" panose="020D0604000000000000" pitchFamily="50" charset="-127"/>
+                <a:ea typeface="나눔고딕" panose="020D0604000000000000" pitchFamily="50" charset="-127"/>
+                <a:cs typeface="Nanum Gothic" charset="-127"/>
+              </a:rPr>
+              <a:t>(pandas, </a:t>
+            </a:r>
+            <a:r>
+              <a:rPr lang="en-US" altLang="ko-KR" sz="2100" b="1" spc="-150" dirty="0" err="1">
+                <a:latin typeface="나눔고딕" panose="020D0604000000000000" pitchFamily="50" charset="-127"/>
+                <a:ea typeface="나눔고딕" panose="020D0604000000000000" pitchFamily="50" charset="-127"/>
+                <a:cs typeface="Nanum Gothic" charset="-127"/>
+              </a:rPr>
+              <a:t>matplotlib</a:t>
+            </a:r>
+            <a:r>
+              <a:rPr lang="en-US" altLang="ko-KR" sz="2100" b="1" spc="-150" dirty="0">
+                <a:latin typeface="나눔고딕" panose="020D0604000000000000" pitchFamily="50" charset="-127"/>
+                <a:ea typeface="나눔고딕" panose="020D0604000000000000" pitchFamily="50" charset="-127"/>
+                <a:cs typeface="Nanum Gothic" charset="-127"/>
+              </a:rPr>
+              <a:t>)  </a:t>
+            </a:r>
+          </a:p>
+        </p:txBody>
+      </p:sp>
+      <p:sp>
+        <p:nvSpPr>
+          <p:cNvPr id="10" name="텍스트 상자 1">
+            <a:extLst>
+              <a:ext uri="{FF2B5EF4-FFF2-40B4-BE49-F238E27FC236}">
+                <a16:creationId xmlns:a16="http://schemas.microsoft.com/office/drawing/2014/main" id="{4822F36E-30E7-5441-8010-5AC67857190F}"/>
+              </a:ext>
+            </a:extLst>
+          </p:cNvPr>
+          <p:cNvSpPr txBox="1"/>
+          <p:nvPr/>
+        </p:nvSpPr>
+        <p:spPr>
+          <a:xfrm>
+            <a:off x="2857500" y="3607979"/>
+            <a:ext cx="6264275" cy="415498"/>
+          </a:xfrm>
+          <a:prstGeom prst="rect">
+            <a:avLst/>
+          </a:prstGeom>
+          <a:noFill/>
+        </p:spPr>
+        <p:txBody>
+          <a:bodyPr anchor="ctr">
+            <a:spAutoFit/>
+          </a:bodyPr>
+          <a:lstStyle/>
+          <a:p>
+            <a:pPr>
+              <a:buClr>
+                <a:schemeClr val="tx2">
+                  <a:lumMod val="20000"/>
+                  <a:lumOff val="80000"/>
+                </a:schemeClr>
+              </a:buClr>
+              <a:defRPr/>
+            </a:pPr>
+            <a:r>
+              <a:rPr lang="en-US" altLang="ko-KR" sz="2100" b="1" spc="-150" dirty="0">
+                <a:latin typeface="나눔고딕" panose="020D0604000000000000" pitchFamily="50" charset="-127"/>
+                <a:ea typeface="나눔고딕" panose="020D0604000000000000" pitchFamily="50" charset="-127"/>
+                <a:cs typeface="Nanum Gothic" charset="-127"/>
+              </a:rPr>
+              <a:t>04. </a:t>
+            </a:r>
+            <a:r>
+              <a:rPr lang="ko-KR" altLang="en-US" sz="2100" b="1" spc="-150" dirty="0">
+                <a:latin typeface="나눔고딕" panose="020D0604000000000000" pitchFamily="50" charset="-127"/>
+                <a:ea typeface="나눔고딕" panose="020D0604000000000000" pitchFamily="50" charset="-127"/>
+                <a:cs typeface="Nanum Gothic" charset="-127"/>
+              </a:rPr>
+              <a:t>베스트 모델 선정</a:t>
+            </a:r>
+            <a:endParaRPr lang="en-US" altLang="ko-KR" sz="2100" b="1" spc="-150" dirty="0">
+              <a:latin typeface="나눔고딕" panose="020D0604000000000000" pitchFamily="50" charset="-127"/>
+              <a:ea typeface="나눔고딕" panose="020D0604000000000000" pitchFamily="50" charset="-127"/>
+              <a:cs typeface="Nanum Gothic" charset="-127"/>
+            </a:endParaRPr>
+          </a:p>
+        </p:txBody>
+      </p:sp>
+      <p:sp>
+        <p:nvSpPr>
+          <p:cNvPr id="11" name="텍스트 상자 1">
+            <a:extLst>
+              <a:ext uri="{FF2B5EF4-FFF2-40B4-BE49-F238E27FC236}">
+                <a16:creationId xmlns:a16="http://schemas.microsoft.com/office/drawing/2014/main" id="{54B672C5-0CCE-3840-83A6-5C2FCB32D947}"/>
+              </a:ext>
+            </a:extLst>
+          </p:cNvPr>
+          <p:cNvSpPr txBox="1"/>
+          <p:nvPr/>
+        </p:nvSpPr>
+        <p:spPr>
+          <a:xfrm>
+            <a:off x="2857498" y="2989507"/>
+            <a:ext cx="6264275" cy="415498"/>
+          </a:xfrm>
+          <a:prstGeom prst="rect">
+            <a:avLst/>
+          </a:prstGeom>
+          <a:noFill/>
+        </p:spPr>
+        <p:txBody>
+          <a:bodyPr anchor="ctr">
+            <a:spAutoFit/>
+          </a:bodyPr>
+          <a:lstStyle/>
+          <a:p>
+            <a:pPr>
+              <a:buClr>
+                <a:schemeClr val="tx2">
+                  <a:lumMod val="20000"/>
+                  <a:lumOff val="80000"/>
+                </a:schemeClr>
+              </a:buClr>
+              <a:defRPr/>
+            </a:pPr>
+            <a:r>
+              <a:rPr lang="en-US" altLang="ko-KR" sz="2100" b="1" spc="-150" dirty="0">
+                <a:latin typeface="나눔고딕" panose="020D0604000000000000" pitchFamily="50" charset="-127"/>
+                <a:ea typeface="나눔고딕" panose="020D0604000000000000" pitchFamily="50" charset="-127"/>
+                <a:cs typeface="Nanum Gothic" charset="-127"/>
+              </a:rPr>
+              <a:t>03. </a:t>
+            </a:r>
+            <a:r>
+              <a:rPr lang="ko-KR" altLang="en-US" sz="2100" b="1" spc="-150" dirty="0" err="1">
+                <a:latin typeface="나눔고딕" panose="020D0604000000000000" pitchFamily="50" charset="-127"/>
+                <a:ea typeface="나눔고딕" panose="020D0604000000000000" pitchFamily="50" charset="-127"/>
+                <a:cs typeface="Nanum Gothic" charset="-127"/>
+              </a:rPr>
+              <a:t>과적합</a:t>
+            </a:r>
+            <a:r>
+              <a:rPr lang="ko-KR" altLang="en-US" sz="2100" b="1" spc="-150" dirty="0">
+                <a:latin typeface="나눔고딕" panose="020D0604000000000000" pitchFamily="50" charset="-127"/>
+                <a:ea typeface="나눔고딕" panose="020D0604000000000000" pitchFamily="50" charset="-127"/>
+                <a:cs typeface="Nanum Gothic" charset="-127"/>
+              </a:rPr>
               <a:t> 문제</a:t>
             </a:r>
-            <a:endParaRPr lang="en-US" altLang="ko-KR" sz="3000" b="1" spc="-150" dirty="0">
-              <a:solidFill>
-                <a:schemeClr val="bg1">
-                  <a:lumMod val="50000"/>
-                </a:schemeClr>
-              </a:solidFill>
+            <a:endParaRPr lang="en-US" altLang="ko-KR" sz="2100" b="1" spc="-150" dirty="0">
               <a:latin typeface="나눔고딕" panose="020D0604000000000000" pitchFamily="50" charset="-127"/>
               <a:ea typeface="나눔고딕" panose="020D0604000000000000" pitchFamily="50" charset="-127"/>
               <a:cs typeface="Nanum Gothic" charset="-127"/>

--- a/Study/정리/Deep Learning03.pptx
+++ b/Study/정리/Deep Learning03.pptx
@@ -12282,15 +12282,7 @@
                 <a:ea typeface="나눔고딕" panose="020D0604000000000000" pitchFamily="50" charset="-127"/>
                 <a:cs typeface="Nanum Gothic" charset="-127"/>
               </a:rPr>
-              <a:t>다중 </a:t>
-            </a:r>
-            <a:r>
-              <a:rPr lang="ko-KR" altLang="en-US" sz="2100" b="1" spc="-150" dirty="0">
-                <a:latin typeface="나눔고딕" panose="020D0604000000000000" pitchFamily="50" charset="-127"/>
-                <a:ea typeface="나눔고딕" panose="020D0604000000000000" pitchFamily="50" charset="-127"/>
-                <a:cs typeface="Nanum Gothic" charset="-127"/>
-              </a:rPr>
-              <a:t>분류 문제</a:t>
+              <a:t>다중 분류 문제</a:t>
             </a:r>
             <a:endParaRPr lang="en-US" altLang="ko-KR" sz="2100" b="1" spc="-150" dirty="0">
               <a:latin typeface="나눔고딕" panose="020D0604000000000000" pitchFamily="50" charset="-127"/>
@@ -12522,15 +12514,7 @@
                 <a:ea typeface="나눔고딕" panose="020D0604000000000000" pitchFamily="50" charset="-127"/>
                 <a:cs typeface="Nanum Gothic" charset="-127"/>
               </a:rPr>
-              <a:t>데이터 </a:t>
-            </a:r>
-            <a:r>
-              <a:rPr lang="ko-KR" altLang="en-US" sz="2100" b="1" spc="-150" dirty="0">
-                <a:latin typeface="나눔고딕" panose="020D0604000000000000" pitchFamily="50" charset="-127"/>
-                <a:ea typeface="나눔고딕" panose="020D0604000000000000" pitchFamily="50" charset="-127"/>
-                <a:cs typeface="Nanum Gothic" charset="-127"/>
-              </a:rPr>
-              <a:t>다루기</a:t>
+              <a:t>데이터 다루기</a:t>
             </a:r>
             <a:r>
               <a:rPr lang="en-US" altLang="ko-KR" sz="2100" b="1" spc="-150" dirty="0">

--- a/Study/정리/Deep Learning03.pptx
+++ b/Study/정리/Deep Learning03.pptx
@@ -5,10 +5,10 @@
     <p:sldMasterId id="2147483648" r:id="rId1"/>
   </p:sldMasterIdLst>
   <p:notesMasterIdLst>
-    <p:notesMasterId r:id="rId20"/>
+    <p:notesMasterId r:id="rId21"/>
   </p:notesMasterIdLst>
   <p:handoutMasterIdLst>
-    <p:handoutMasterId r:id="rId21"/>
+    <p:handoutMasterId r:id="rId22"/>
   </p:handoutMasterIdLst>
   <p:sldIdLst>
     <p:sldId id="268" r:id="rId2"/>
@@ -25,10 +25,11 @@
     <p:sldId id="274" r:id="rId13"/>
     <p:sldId id="315" r:id="rId14"/>
     <p:sldId id="325" r:id="rId15"/>
-    <p:sldId id="326" r:id="rId16"/>
-    <p:sldId id="277" r:id="rId17"/>
-    <p:sldId id="299" r:id="rId18"/>
-    <p:sldId id="260" r:id="rId19"/>
+    <p:sldId id="327" r:id="rId16"/>
+    <p:sldId id="326" r:id="rId17"/>
+    <p:sldId id="277" r:id="rId18"/>
+    <p:sldId id="299" r:id="rId19"/>
+    <p:sldId id="260" r:id="rId20"/>
   </p:sldIdLst>
   <p:sldSz cx="9144000" cy="6858000" type="screen4x3"/>
   <p:notesSz cx="6858000" cy="9144000"/>
@@ -566,7 +567,7 @@
               <a:pPr>
                 <a:defRPr/>
               </a:pPr>
-              <a:t>2019-12-18</a:t>
+              <a:t>2019-12-19</a:t>
             </a:fld>
             <a:endParaRPr lang="ko-KR" altLang="en-US"/>
           </a:p>
@@ -1424,7 +1425,7 @@
             <a:fld id="{969F08EA-942F-48FB-B6FD-D4FF8599C3D1}" type="slidenum">
               <a:rPr lang="ko-KR" altLang="en-US" smtClean="0"/>
               <a:pPr/>
-              <a:t>15</a:t>
+              <a:t>16</a:t>
             </a:fld>
             <a:endParaRPr lang="en-US" altLang="ko-KR" smtClean="0"/>
           </a:p>
@@ -1680,7 +1681,7 @@
             <a:fld id="{969F08EA-942F-48FB-B6FD-D4FF8599C3D1}" type="slidenum">
               <a:rPr lang="ko-KR" altLang="en-US" smtClean="0"/>
               <a:pPr/>
-              <a:t>17</a:t>
+              <a:t>18</a:t>
             </a:fld>
             <a:endParaRPr lang="en-US" altLang="ko-KR" smtClean="0"/>
           </a:p>
@@ -5882,6 +5883,30 @@
           </a:p>
         </p:txBody>
       </p:sp>
+      <p:pic>
+        <p:nvPicPr>
+          <p:cNvPr id="2" name="그림 1"/>
+          <p:cNvPicPr>
+            <a:picLocks noChangeAspect="1"/>
+          </p:cNvPicPr>
+          <p:nvPr/>
+        </p:nvPicPr>
+        <p:blipFill>
+          <a:blip r:embed="rId3"/>
+          <a:stretch>
+            <a:fillRect/>
+          </a:stretch>
+        </p:blipFill>
+        <p:spPr>
+          <a:xfrm>
+            <a:off x="467545" y="2780928"/>
+            <a:ext cx="4975032" cy="3703498"/>
+          </a:xfrm>
+          <a:prstGeom prst="rect">
+            <a:avLst/>
+          </a:prstGeom>
+        </p:spPr>
+      </p:pic>
     </p:spTree>
     <p:extLst>
       <p:ext uri="{BB962C8B-B14F-4D97-AF65-F5344CB8AC3E}">
@@ -10084,6 +10109,482 @@
       </p:grpSpPr>
       <p:sp>
         <p:nvSpPr>
+          <p:cNvPr id="4" name="제목 1"/>
+          <p:cNvSpPr txBox="1">
+            <a:spLocks/>
+          </p:cNvSpPr>
+          <p:nvPr/>
+        </p:nvSpPr>
+        <p:spPr bwMode="auto">
+          <a:xfrm>
+            <a:off x="530225" y="2960688"/>
+            <a:ext cx="7921625" cy="492125"/>
+          </a:xfrm>
+          <a:prstGeom prst="rect">
+            <a:avLst/>
+          </a:prstGeom>
+          <a:noFill/>
+          <a:extLst>
+            <a:ext uri="{909E8E84-426E-40DD-AFC4-6F175D3DCCD1}">
+              <a14:hiddenFill xmlns:a14="http://schemas.microsoft.com/office/drawing/2010/main">
+                <a:solidFill>
+                  <a:srgbClr val="FFFFFF"/>
+                </a:solidFill>
+              </a14:hiddenFill>
+            </a:ext>
+            <a:ext uri="{91240B29-F687-4F45-9708-019B960494DF}">
+              <a14:hiddenLine xmlns:a14="http://schemas.microsoft.com/office/drawing/2010/main" w="9525">
+                <a:solidFill>
+                  <a:srgbClr val="000000"/>
+                </a:solidFill>
+                <a:miter lim="800000"/>
+                <a:headEnd/>
+                <a:tailEnd/>
+              </a14:hiddenLine>
+            </a:ext>
+          </a:extLst>
+        </p:spPr>
+        <p:txBody>
+          <a:bodyPr/>
+          <a:lstStyle>
+            <a:lvl1pPr algn="ctr" rtl="0" eaLnBrk="0" fontAlgn="base" latinLnBrk="1" hangingPunct="0">
+              <a:spcBef>
+                <a:spcPct val="0"/>
+              </a:spcBef>
+              <a:spcAft>
+                <a:spcPct val="0"/>
+              </a:spcAft>
+              <a:defRPr kumimoji="1" sz="4400">
+                <a:solidFill>
+                  <a:schemeClr val="tx2"/>
+                </a:solidFill>
+                <a:latin typeface="+mj-lt"/>
+                <a:ea typeface="+mj-ea"/>
+                <a:cs typeface="+mj-cs"/>
+              </a:defRPr>
+            </a:lvl1pPr>
+            <a:lvl2pPr algn="ctr" rtl="0" eaLnBrk="0" fontAlgn="base" latinLnBrk="1" hangingPunct="0">
+              <a:spcBef>
+                <a:spcPct val="0"/>
+              </a:spcBef>
+              <a:spcAft>
+                <a:spcPct val="0"/>
+              </a:spcAft>
+              <a:defRPr kumimoji="1" sz="4400">
+                <a:solidFill>
+                  <a:schemeClr val="tx2"/>
+                </a:solidFill>
+                <a:latin typeface="굴림" pitchFamily="50" charset="-127"/>
+                <a:ea typeface="굴림" pitchFamily="50" charset="-127"/>
+              </a:defRPr>
+            </a:lvl2pPr>
+            <a:lvl3pPr algn="ctr" rtl="0" eaLnBrk="0" fontAlgn="base" latinLnBrk="1" hangingPunct="0">
+              <a:spcBef>
+                <a:spcPct val="0"/>
+              </a:spcBef>
+              <a:spcAft>
+                <a:spcPct val="0"/>
+              </a:spcAft>
+              <a:defRPr kumimoji="1" sz="4400">
+                <a:solidFill>
+                  <a:schemeClr val="tx2"/>
+                </a:solidFill>
+                <a:latin typeface="굴림" pitchFamily="50" charset="-127"/>
+                <a:ea typeface="굴림" pitchFamily="50" charset="-127"/>
+              </a:defRPr>
+            </a:lvl3pPr>
+            <a:lvl4pPr algn="ctr" rtl="0" eaLnBrk="0" fontAlgn="base" latinLnBrk="1" hangingPunct="0">
+              <a:spcBef>
+                <a:spcPct val="0"/>
+              </a:spcBef>
+              <a:spcAft>
+                <a:spcPct val="0"/>
+              </a:spcAft>
+              <a:defRPr kumimoji="1" sz="4400">
+                <a:solidFill>
+                  <a:schemeClr val="tx2"/>
+                </a:solidFill>
+                <a:latin typeface="굴림" pitchFamily="50" charset="-127"/>
+                <a:ea typeface="굴림" pitchFamily="50" charset="-127"/>
+              </a:defRPr>
+            </a:lvl4pPr>
+            <a:lvl5pPr algn="ctr" rtl="0" eaLnBrk="0" fontAlgn="base" latinLnBrk="1" hangingPunct="0">
+              <a:spcBef>
+                <a:spcPct val="0"/>
+              </a:spcBef>
+              <a:spcAft>
+                <a:spcPct val="0"/>
+              </a:spcAft>
+              <a:defRPr kumimoji="1" sz="4400">
+                <a:solidFill>
+                  <a:schemeClr val="tx2"/>
+                </a:solidFill>
+                <a:latin typeface="굴림" pitchFamily="50" charset="-127"/>
+                <a:ea typeface="굴림" pitchFamily="50" charset="-127"/>
+              </a:defRPr>
+            </a:lvl5pPr>
+            <a:lvl6pPr marL="457200" algn="ctr" rtl="0" fontAlgn="base" latinLnBrk="1">
+              <a:spcBef>
+                <a:spcPct val="0"/>
+              </a:spcBef>
+              <a:spcAft>
+                <a:spcPct val="0"/>
+              </a:spcAft>
+              <a:defRPr kumimoji="1" sz="4400">
+                <a:solidFill>
+                  <a:schemeClr val="tx2"/>
+                </a:solidFill>
+                <a:latin typeface="굴림" pitchFamily="50" charset="-127"/>
+                <a:ea typeface="굴림" pitchFamily="50" charset="-127"/>
+              </a:defRPr>
+            </a:lvl6pPr>
+            <a:lvl7pPr marL="914400" algn="ctr" rtl="0" fontAlgn="base" latinLnBrk="1">
+              <a:spcBef>
+                <a:spcPct val="0"/>
+              </a:spcBef>
+              <a:spcAft>
+                <a:spcPct val="0"/>
+              </a:spcAft>
+              <a:defRPr kumimoji="1" sz="4400">
+                <a:solidFill>
+                  <a:schemeClr val="tx2"/>
+                </a:solidFill>
+                <a:latin typeface="굴림" pitchFamily="50" charset="-127"/>
+                <a:ea typeface="굴림" pitchFamily="50" charset="-127"/>
+              </a:defRPr>
+            </a:lvl7pPr>
+            <a:lvl8pPr marL="1371600" algn="ctr" rtl="0" fontAlgn="base" latinLnBrk="1">
+              <a:spcBef>
+                <a:spcPct val="0"/>
+              </a:spcBef>
+              <a:spcAft>
+                <a:spcPct val="0"/>
+              </a:spcAft>
+              <a:defRPr kumimoji="1" sz="4400">
+                <a:solidFill>
+                  <a:schemeClr val="tx2"/>
+                </a:solidFill>
+                <a:latin typeface="굴림" pitchFamily="50" charset="-127"/>
+                <a:ea typeface="굴림" pitchFamily="50" charset="-127"/>
+              </a:defRPr>
+            </a:lvl8pPr>
+            <a:lvl9pPr marL="1828800" algn="ctr" rtl="0" fontAlgn="base" latinLnBrk="1">
+              <a:spcBef>
+                <a:spcPct val="0"/>
+              </a:spcBef>
+              <a:spcAft>
+                <a:spcPct val="0"/>
+              </a:spcAft>
+              <a:defRPr kumimoji="1" sz="4400">
+                <a:solidFill>
+                  <a:schemeClr val="tx2"/>
+                </a:solidFill>
+                <a:latin typeface="굴림" pitchFamily="50" charset="-127"/>
+                <a:ea typeface="굴림" pitchFamily="50" charset="-127"/>
+              </a:defRPr>
+            </a:lvl9pPr>
+          </a:lstStyle>
+          <a:p>
+            <a:pPr algn="l">
+              <a:defRPr/>
+            </a:pPr>
+            <a:r>
+              <a:rPr lang="en-US" altLang="ko-KR" sz="3800" kern="0" dirty="0" err="1" smtClean="0">
+                <a:solidFill>
+                  <a:schemeClr val="tx1"/>
+                </a:solidFill>
+                <a:latin typeface="나눔고딕 ExtraBold" panose="020D0904000000000000" pitchFamily="50" charset="-127"/>
+                <a:ea typeface="나눔고딕 ExtraBold" panose="020D0904000000000000" pitchFamily="50" charset="-127"/>
+                <a:cs typeface="Nanum Gothic"/>
+              </a:rPr>
+              <a:t>Mxnet</a:t>
+            </a:r>
+            <a:r>
+              <a:rPr lang="en-US" altLang="ko-KR" sz="3800" kern="0" dirty="0" smtClean="0">
+                <a:solidFill>
+                  <a:schemeClr val="tx1"/>
+                </a:solidFill>
+                <a:latin typeface="나눔고딕 ExtraBold" panose="020D0904000000000000" pitchFamily="50" charset="-127"/>
+                <a:ea typeface="나눔고딕 ExtraBold" panose="020D0904000000000000" pitchFamily="50" charset="-127"/>
+                <a:cs typeface="Nanum Gothic"/>
+              </a:rPr>
+              <a:t> </a:t>
+            </a:r>
+            <a:r>
+              <a:rPr lang="en-US" altLang="ko-KR" sz="3800" kern="0" dirty="0" err="1" smtClean="0">
+                <a:solidFill>
+                  <a:schemeClr val="tx1"/>
+                </a:solidFill>
+                <a:latin typeface="나눔고딕 ExtraBold" panose="020D0904000000000000" pitchFamily="50" charset="-127"/>
+                <a:ea typeface="나눔고딕 ExtraBold" panose="020D0904000000000000" pitchFamily="50" charset="-127"/>
+                <a:cs typeface="Nanum Gothic"/>
+              </a:rPr>
+              <a:t>Gluone</a:t>
+            </a:r>
+            <a:endParaRPr lang="ko-KR" altLang="en-US" sz="3800" kern="0" dirty="0" smtClean="0">
+              <a:solidFill>
+                <a:schemeClr val="tx1"/>
+              </a:solidFill>
+              <a:latin typeface="나눔고딕 ExtraBold" panose="020D0904000000000000" pitchFamily="50" charset="-127"/>
+              <a:ea typeface="나눔고딕 ExtraBold" panose="020D0904000000000000" pitchFamily="50" charset="-127"/>
+              <a:cs typeface="Nanum Gothic"/>
+            </a:endParaRPr>
+          </a:p>
+        </p:txBody>
+      </p:sp>
+      <p:sp>
+        <p:nvSpPr>
+          <p:cNvPr id="5" name="내용 개체 틀 2"/>
+          <p:cNvSpPr txBox="1">
+            <a:spLocks/>
+          </p:cNvSpPr>
+          <p:nvPr/>
+        </p:nvSpPr>
+        <p:spPr bwMode="auto">
+          <a:xfrm>
+            <a:off x="530225" y="2024063"/>
+            <a:ext cx="1079500" cy="936625"/>
+          </a:xfrm>
+          <a:prstGeom prst="rect">
+            <a:avLst/>
+          </a:prstGeom>
+          <a:noFill/>
+          <a:extLst>
+            <a:ext uri="{909E8E84-426E-40DD-AFC4-6F175D3DCCD1}">
+              <a14:hiddenFill xmlns:a14="http://schemas.microsoft.com/office/drawing/2010/main">
+                <a:solidFill>
+                  <a:srgbClr val="FFFFFF"/>
+                </a:solidFill>
+              </a14:hiddenFill>
+            </a:ext>
+            <a:ext uri="{91240B29-F687-4F45-9708-019B960494DF}">
+              <a14:hiddenLine xmlns:a14="http://schemas.microsoft.com/office/drawing/2010/main" w="9525">
+                <a:solidFill>
+                  <a:srgbClr val="000000"/>
+                </a:solidFill>
+                <a:miter lim="800000"/>
+                <a:headEnd/>
+                <a:tailEnd/>
+              </a14:hiddenLine>
+            </a:ext>
+          </a:extLst>
+        </p:spPr>
+        <p:txBody>
+          <a:bodyPr/>
+          <a:lstStyle>
+            <a:lvl1pPr marL="342900" indent="-342900" algn="l" rtl="0" eaLnBrk="0" fontAlgn="base" latinLnBrk="1" hangingPunct="0">
+              <a:spcBef>
+                <a:spcPct val="20000"/>
+              </a:spcBef>
+              <a:spcAft>
+                <a:spcPct val="0"/>
+              </a:spcAft>
+              <a:buChar char="•"/>
+              <a:defRPr kumimoji="1" sz="3200">
+                <a:solidFill>
+                  <a:schemeClr val="tx1"/>
+                </a:solidFill>
+                <a:latin typeface="+mn-lt"/>
+                <a:ea typeface="+mn-ea"/>
+                <a:cs typeface="+mn-cs"/>
+              </a:defRPr>
+            </a:lvl1pPr>
+            <a:lvl2pPr marL="742950" indent="-285750" algn="l" rtl="0" eaLnBrk="0" fontAlgn="base" latinLnBrk="1" hangingPunct="0">
+              <a:spcBef>
+                <a:spcPct val="20000"/>
+              </a:spcBef>
+              <a:spcAft>
+                <a:spcPct val="0"/>
+              </a:spcAft>
+              <a:buChar char="–"/>
+              <a:defRPr kumimoji="1" sz="2800">
+                <a:solidFill>
+                  <a:schemeClr val="tx1"/>
+                </a:solidFill>
+                <a:latin typeface="+mn-lt"/>
+                <a:ea typeface="+mn-ea"/>
+              </a:defRPr>
+            </a:lvl2pPr>
+            <a:lvl3pPr marL="1143000" indent="-228600" algn="l" rtl="0" eaLnBrk="0" fontAlgn="base" latinLnBrk="1" hangingPunct="0">
+              <a:spcBef>
+                <a:spcPct val="20000"/>
+              </a:spcBef>
+              <a:spcAft>
+                <a:spcPct val="0"/>
+              </a:spcAft>
+              <a:buChar char="•"/>
+              <a:defRPr kumimoji="1" sz="2400">
+                <a:solidFill>
+                  <a:schemeClr val="tx1"/>
+                </a:solidFill>
+                <a:latin typeface="+mn-lt"/>
+                <a:ea typeface="+mn-ea"/>
+              </a:defRPr>
+            </a:lvl3pPr>
+            <a:lvl4pPr marL="1600200" indent="-228600" algn="l" rtl="0" eaLnBrk="0" fontAlgn="base" latinLnBrk="1" hangingPunct="0">
+              <a:spcBef>
+                <a:spcPct val="20000"/>
+              </a:spcBef>
+              <a:spcAft>
+                <a:spcPct val="0"/>
+              </a:spcAft>
+              <a:buChar char="–"/>
+              <a:defRPr kumimoji="1" sz="2000">
+                <a:solidFill>
+                  <a:schemeClr val="tx1"/>
+                </a:solidFill>
+                <a:latin typeface="+mn-lt"/>
+                <a:ea typeface="+mn-ea"/>
+              </a:defRPr>
+            </a:lvl4pPr>
+            <a:lvl5pPr marL="2057400" indent="-228600" algn="l" rtl="0" eaLnBrk="0" fontAlgn="base" latinLnBrk="1" hangingPunct="0">
+              <a:spcBef>
+                <a:spcPct val="20000"/>
+              </a:spcBef>
+              <a:spcAft>
+                <a:spcPct val="0"/>
+              </a:spcAft>
+              <a:buChar char="»"/>
+              <a:defRPr kumimoji="1" sz="2000">
+                <a:solidFill>
+                  <a:schemeClr val="tx1"/>
+                </a:solidFill>
+                <a:latin typeface="+mn-lt"/>
+                <a:ea typeface="+mn-ea"/>
+              </a:defRPr>
+            </a:lvl5pPr>
+            <a:lvl6pPr marL="2514600" indent="-228600" algn="l" rtl="0" fontAlgn="base" latinLnBrk="1">
+              <a:spcBef>
+                <a:spcPct val="20000"/>
+              </a:spcBef>
+              <a:spcAft>
+                <a:spcPct val="0"/>
+              </a:spcAft>
+              <a:buChar char="»"/>
+              <a:defRPr kumimoji="1" sz="2000">
+                <a:solidFill>
+                  <a:schemeClr val="tx1"/>
+                </a:solidFill>
+                <a:latin typeface="+mn-lt"/>
+                <a:ea typeface="+mn-ea"/>
+              </a:defRPr>
+            </a:lvl6pPr>
+            <a:lvl7pPr marL="2971800" indent="-228600" algn="l" rtl="0" fontAlgn="base" latinLnBrk="1">
+              <a:spcBef>
+                <a:spcPct val="20000"/>
+              </a:spcBef>
+              <a:spcAft>
+                <a:spcPct val="0"/>
+              </a:spcAft>
+              <a:buChar char="»"/>
+              <a:defRPr kumimoji="1" sz="2000">
+                <a:solidFill>
+                  <a:schemeClr val="tx1"/>
+                </a:solidFill>
+                <a:latin typeface="+mn-lt"/>
+                <a:ea typeface="+mn-ea"/>
+              </a:defRPr>
+            </a:lvl7pPr>
+            <a:lvl8pPr marL="3429000" indent="-228600" algn="l" rtl="0" fontAlgn="base" latinLnBrk="1">
+              <a:spcBef>
+                <a:spcPct val="20000"/>
+              </a:spcBef>
+              <a:spcAft>
+                <a:spcPct val="0"/>
+              </a:spcAft>
+              <a:buChar char="»"/>
+              <a:defRPr kumimoji="1" sz="2000">
+                <a:solidFill>
+                  <a:schemeClr val="tx1"/>
+                </a:solidFill>
+                <a:latin typeface="+mn-lt"/>
+                <a:ea typeface="+mn-ea"/>
+              </a:defRPr>
+            </a:lvl8pPr>
+            <a:lvl9pPr marL="3886200" indent="-228600" algn="l" rtl="0" fontAlgn="base" latinLnBrk="1">
+              <a:spcBef>
+                <a:spcPct val="20000"/>
+              </a:spcBef>
+              <a:spcAft>
+                <a:spcPct val="0"/>
+              </a:spcAft>
+              <a:buChar char="»"/>
+              <a:defRPr kumimoji="1" sz="2000">
+                <a:solidFill>
+                  <a:schemeClr val="tx1"/>
+                </a:solidFill>
+                <a:latin typeface="+mn-lt"/>
+                <a:ea typeface="+mn-ea"/>
+              </a:defRPr>
+            </a:lvl9pPr>
+          </a:lstStyle>
+          <a:p>
+            <a:pPr marL="0" indent="0">
+              <a:buFontTx/>
+              <a:buNone/>
+              <a:defRPr/>
+            </a:pPr>
+            <a:r>
+              <a:rPr lang="en-US" altLang="ko-KR" sz="3800" kern="0" dirty="0" smtClean="0">
+                <a:solidFill>
+                  <a:srgbClr val="0070C0"/>
+                </a:solidFill>
+                <a:latin typeface="나눔고딕 ExtraBold" panose="020D0904000000000000" pitchFamily="50" charset="-127"/>
+                <a:ea typeface="나눔고딕 ExtraBold" panose="020D0904000000000000" pitchFamily="50" charset="-127"/>
+                <a:cs typeface="Nanum Gothic"/>
+              </a:rPr>
+              <a:t>05.</a:t>
+            </a:r>
+            <a:endParaRPr lang="ko-KR" altLang="en-US" sz="3800" kern="0" dirty="0" smtClean="0">
+              <a:solidFill>
+                <a:srgbClr val="0070C0"/>
+              </a:solidFill>
+              <a:latin typeface="나눔고딕 ExtraBold" panose="020D0904000000000000" pitchFamily="50" charset="-127"/>
+              <a:ea typeface="나눔고딕 ExtraBold" panose="020D0904000000000000" pitchFamily="50" charset="-127"/>
+              <a:cs typeface="Nanum Gothic"/>
+            </a:endParaRPr>
+          </a:p>
+        </p:txBody>
+      </p:sp>
+    </p:spTree>
+    <p:extLst>
+      <p:ext uri="{BB962C8B-B14F-4D97-AF65-F5344CB8AC3E}">
+        <p14:creationId xmlns:p14="http://schemas.microsoft.com/office/powerpoint/2010/main" val="620627563"/>
+      </p:ext>
+    </p:extLst>
+  </p:cSld>
+  <p:clrMapOvr>
+    <a:masterClrMapping/>
+  </p:clrMapOvr>
+  <p:timing>
+    <p:tnLst>
+      <p:par>
+        <p:cTn id="1" dur="indefinite" restart="never" nodeType="tmRoot"/>
+      </p:par>
+    </p:tnLst>
+  </p:timing>
+</p:sld>
+</file>
+
+<file path=ppt/slides/slide16.xml><?xml version="1.0" encoding="utf-8"?>
+<p:sld xmlns:a="http://schemas.openxmlformats.org/drawingml/2006/main" xmlns:r="http://schemas.openxmlformats.org/officeDocument/2006/relationships" xmlns:p="http://schemas.openxmlformats.org/presentationml/2006/main">
+  <p:cSld>
+    <p:spTree>
+      <p:nvGrpSpPr>
+        <p:cNvPr id="1" name=""/>
+        <p:cNvGrpSpPr/>
+        <p:nvPr/>
+      </p:nvGrpSpPr>
+      <p:grpSpPr>
+        <a:xfrm>
+          <a:off x="0" y="0"/>
+          <a:ext cx="0" cy="0"/>
+          <a:chOff x="0" y="0"/>
+          <a:chExt cx="0" cy="0"/>
+        </a:xfrm>
+      </p:grpSpPr>
+      <p:sp>
+        <p:nvSpPr>
           <p:cNvPr id="10242" name="텍스트 개체 틀 3"/>
           <p:cNvSpPr>
             <a:spLocks noGrp="1" noChangeArrowheads="1"/>
@@ -10512,7 +11013,7 @@
 </p:sld>
 </file>
 
-<file path=ppt/slides/slide16.xml><?xml version="1.0" encoding="utf-8"?>
+<file path=ppt/slides/slide17.xml><?xml version="1.0" encoding="utf-8"?>
 <p:sld xmlns:a="http://schemas.openxmlformats.org/drawingml/2006/main" xmlns:r="http://schemas.openxmlformats.org/officeDocument/2006/relationships" xmlns:p="http://schemas.openxmlformats.org/presentationml/2006/main">
   <p:cSld>
     <p:spTree>
@@ -10958,7 +11459,7 @@
 </p:sld>
 </file>
 
-<file path=ppt/slides/slide17.xml><?xml version="1.0" encoding="utf-8"?>
+<file path=ppt/slides/slide18.xml><?xml version="1.0" encoding="utf-8"?>
 <p:sld xmlns:a="http://schemas.openxmlformats.org/drawingml/2006/main" xmlns:r="http://schemas.openxmlformats.org/officeDocument/2006/relationships" xmlns:p="http://schemas.openxmlformats.org/presentationml/2006/main">
   <p:cSld>
     <p:spTree>
@@ -12008,7 +12509,7 @@
 </p:sld>
 </file>
 
-<file path=ppt/slides/slide18.xml><?xml version="1.0" encoding="utf-8"?>
+<file path=ppt/slides/slide19.xml><?xml version="1.0" encoding="utf-8"?>
 <p:sld xmlns:a="http://schemas.openxmlformats.org/drawingml/2006/main" xmlns:r="http://schemas.openxmlformats.org/officeDocument/2006/relationships" xmlns:p="http://schemas.openxmlformats.org/presentationml/2006/main">
   <p:cSld>
     <p:spTree>
@@ -14567,7 +15068,7 @@
                 <a:latin typeface="나눔고딕" panose="020D0604000000000000" pitchFamily="50" charset="-127"/>
                 <a:ea typeface="나눔고딕 ExtraBold"/>
               </a:rPr>
-              <a:t>피마 인디언 데이터 분석하기</a:t>
+              <a:t>피마 인디언 당뇨병 예측하기</a:t>
             </a:r>
             <a:endParaRPr sz="2000" b="1" dirty="0">
               <a:gradFill>
@@ -15940,328 +16441,6 @@
           </a:p>
         </p:txBody>
       </p:sp>
-      <p:sp>
-        <p:nvSpPr>
-          <p:cNvPr id="17" name="텍스트 개체 틀 2"/>
-          <p:cNvSpPr txBox="1">
-            <a:spLocks/>
-          </p:cNvSpPr>
-          <p:nvPr/>
-        </p:nvSpPr>
-        <p:spPr>
-          <a:xfrm>
-            <a:off x="251520" y="908720"/>
-            <a:ext cx="8640960" cy="338554"/>
-          </a:xfrm>
-          <a:prstGeom prst="rect">
-            <a:avLst/>
-          </a:prstGeom>
-          <a:noFill/>
-          <a:ln w="9525">
-            <a:noFill/>
-            <a:miter lim="800000"/>
-            <a:headEnd/>
-            <a:tailEnd/>
-          </a:ln>
-        </p:spPr>
-        <p:txBody>
-          <a:bodyPr lIns="0" tIns="0" rIns="0" bIns="0">
-            <a:spAutoFit/>
-          </a:bodyPr>
-          <a:lstStyle>
-            <a:lvl1pPr marL="0" indent="0" algn="just" defTabSz="914400" rtl="0" eaLnBrk="1" fontAlgn="base" latinLnBrk="0" hangingPunct="1">
-              <a:lnSpc>
-                <a:spcPct val="120000"/>
-              </a:lnSpc>
-              <a:spcBef>
-                <a:spcPct val="0"/>
-              </a:spcBef>
-              <a:spcAft>
-                <a:spcPct val="0"/>
-              </a:spcAft>
-              <a:buFont typeface="Arial" charset="0"/>
-              <a:buNone/>
-              <a:tabLst/>
-              <a:defRPr kumimoji="1" lang="ko-KR" altLang="en-US" sz="1000" kern="1200" smtClean="0">
-                <a:gradFill>
-                  <a:gsLst>
-                    <a:gs pos="0">
-                      <a:schemeClr val="tx1">
-                        <a:lumMod val="75000"/>
-                        <a:lumOff val="25000"/>
-                      </a:schemeClr>
-                    </a:gs>
-                    <a:gs pos="100000">
-                      <a:schemeClr val="tx1">
-                        <a:lumMod val="75000"/>
-                        <a:lumOff val="25000"/>
-                      </a:schemeClr>
-                    </a:gs>
-                  </a:gsLst>
-                  <a:lin ang="5400000" scaled="0"/>
-                </a:gradFill>
-                <a:latin typeface="KoPub돋움체 Light" panose="02020603020101020101" pitchFamily="18" charset="-127"/>
-                <a:ea typeface="KoPub돋움체 Light" panose="02020603020101020101" pitchFamily="18" charset="-127"/>
-                <a:cs typeface="+mn-cs"/>
-              </a:defRPr>
-            </a:lvl1pPr>
-            <a:lvl2pPr marL="0" indent="0" algn="just" defTabSz="914400" rtl="0" eaLnBrk="1" fontAlgn="base" latinLnBrk="0" hangingPunct="1">
-              <a:lnSpc>
-                <a:spcPct val="120000"/>
-              </a:lnSpc>
-              <a:spcBef>
-                <a:spcPct val="0"/>
-              </a:spcBef>
-              <a:spcAft>
-                <a:spcPct val="0"/>
-              </a:spcAft>
-              <a:buFont typeface="Arial" charset="0"/>
-              <a:buNone/>
-              <a:tabLst/>
-              <a:defRPr kumimoji="1" lang="ko-KR" altLang="en-US" sz="1000" kern="1200" smtClean="0">
-                <a:gradFill>
-                  <a:gsLst>
-                    <a:gs pos="0">
-                      <a:schemeClr val="tx1">
-                        <a:lumMod val="75000"/>
-                        <a:lumOff val="25000"/>
-                      </a:schemeClr>
-                    </a:gs>
-                    <a:gs pos="100000">
-                      <a:schemeClr val="tx1">
-                        <a:lumMod val="75000"/>
-                        <a:lumOff val="25000"/>
-                      </a:schemeClr>
-                    </a:gs>
-                  </a:gsLst>
-                  <a:lin ang="5400000" scaled="0"/>
-                </a:gradFill>
-                <a:latin typeface="KoPub돋움체 Light" panose="02020603020101020101" pitchFamily="18" charset="-127"/>
-                <a:ea typeface="KoPub돋움체 Light" panose="02020603020101020101" pitchFamily="18" charset="-127"/>
-                <a:cs typeface="+mn-cs"/>
-              </a:defRPr>
-            </a:lvl2pPr>
-            <a:lvl3pPr marL="0" indent="0" algn="just" defTabSz="914400" rtl="0" eaLnBrk="1" fontAlgn="base" latinLnBrk="0" hangingPunct="1">
-              <a:lnSpc>
-                <a:spcPct val="120000"/>
-              </a:lnSpc>
-              <a:spcBef>
-                <a:spcPct val="0"/>
-              </a:spcBef>
-              <a:spcAft>
-                <a:spcPct val="0"/>
-              </a:spcAft>
-              <a:buFont typeface="Arial" charset="0"/>
-              <a:buNone/>
-              <a:tabLst/>
-              <a:defRPr kumimoji="1" lang="ko-KR" altLang="en-US" sz="1000" kern="1200" smtClean="0">
-                <a:gradFill>
-                  <a:gsLst>
-                    <a:gs pos="0">
-                      <a:schemeClr val="tx1">
-                        <a:lumMod val="75000"/>
-                        <a:lumOff val="25000"/>
-                      </a:schemeClr>
-                    </a:gs>
-                    <a:gs pos="100000">
-                      <a:schemeClr val="tx1">
-                        <a:lumMod val="75000"/>
-                        <a:lumOff val="25000"/>
-                      </a:schemeClr>
-                    </a:gs>
-                  </a:gsLst>
-                  <a:lin ang="5400000" scaled="0"/>
-                </a:gradFill>
-                <a:latin typeface="KoPub돋움체 Light" panose="02020603020101020101" pitchFamily="18" charset="-127"/>
-                <a:ea typeface="KoPub돋움체 Light" panose="02020603020101020101" pitchFamily="18" charset="-127"/>
-                <a:cs typeface="+mn-cs"/>
-              </a:defRPr>
-            </a:lvl3pPr>
-            <a:lvl4pPr marL="0" indent="0" algn="just" defTabSz="914400" rtl="0" eaLnBrk="1" fontAlgn="base" latinLnBrk="0" hangingPunct="1">
-              <a:lnSpc>
-                <a:spcPct val="120000"/>
-              </a:lnSpc>
-              <a:spcBef>
-                <a:spcPct val="0"/>
-              </a:spcBef>
-              <a:spcAft>
-                <a:spcPct val="0"/>
-              </a:spcAft>
-              <a:buFont typeface="Arial" charset="0"/>
-              <a:buNone/>
-              <a:tabLst/>
-              <a:defRPr kumimoji="1" lang="ko-KR" altLang="en-US" sz="1000" kern="1200" smtClean="0">
-                <a:gradFill>
-                  <a:gsLst>
-                    <a:gs pos="0">
-                      <a:schemeClr val="tx1">
-                        <a:lumMod val="75000"/>
-                        <a:lumOff val="25000"/>
-                      </a:schemeClr>
-                    </a:gs>
-                    <a:gs pos="100000">
-                      <a:schemeClr val="tx1">
-                        <a:lumMod val="75000"/>
-                        <a:lumOff val="25000"/>
-                      </a:schemeClr>
-                    </a:gs>
-                  </a:gsLst>
-                  <a:lin ang="5400000" scaled="0"/>
-                </a:gradFill>
-                <a:latin typeface="KoPub돋움체 Light" panose="02020603020101020101" pitchFamily="18" charset="-127"/>
-                <a:ea typeface="KoPub돋움체 Light" panose="02020603020101020101" pitchFamily="18" charset="-127"/>
-                <a:cs typeface="+mn-cs"/>
-              </a:defRPr>
-            </a:lvl4pPr>
-            <a:lvl5pPr marL="0" indent="0" algn="just" defTabSz="914400" rtl="0" eaLnBrk="1" fontAlgn="base" latinLnBrk="0" hangingPunct="1">
-              <a:lnSpc>
-                <a:spcPct val="120000"/>
-              </a:lnSpc>
-              <a:spcBef>
-                <a:spcPct val="0"/>
-              </a:spcBef>
-              <a:spcAft>
-                <a:spcPct val="0"/>
-              </a:spcAft>
-              <a:buFont typeface="Arial" charset="0"/>
-              <a:buNone/>
-              <a:tabLst/>
-              <a:defRPr kumimoji="1" lang="ko-KR" altLang="en-US" sz="1000" kern="1200">
-                <a:gradFill>
-                  <a:gsLst>
-                    <a:gs pos="0">
-                      <a:schemeClr val="tx1">
-                        <a:lumMod val="75000"/>
-                        <a:lumOff val="25000"/>
-                      </a:schemeClr>
-                    </a:gs>
-                    <a:gs pos="100000">
-                      <a:schemeClr val="tx1">
-                        <a:lumMod val="75000"/>
-                        <a:lumOff val="25000"/>
-                      </a:schemeClr>
-                    </a:gs>
-                  </a:gsLst>
-                  <a:lin ang="5400000" scaled="0"/>
-                </a:gradFill>
-                <a:latin typeface="KoPub돋움체 Light" panose="02020603020101020101" pitchFamily="18" charset="-127"/>
-                <a:ea typeface="KoPub돋움체 Light" panose="02020603020101020101" pitchFamily="18" charset="-127"/>
-                <a:cs typeface="+mn-cs"/>
-              </a:defRPr>
-            </a:lvl5pPr>
-            <a:lvl6pPr marL="2514600" indent="-228600" algn="l" defTabSz="914400" rtl="0" eaLnBrk="1" latinLnBrk="1" hangingPunct="1">
-              <a:lnSpc>
-                <a:spcPct val="90000"/>
-              </a:lnSpc>
-              <a:spcBef>
-                <a:spcPts val="500"/>
-              </a:spcBef>
-              <a:buFont typeface="Arial" panose="020B0604020202020204" pitchFamily="34" charset="0"/>
-              <a:buChar char="•"/>
-              <a:defRPr sz="1800" kern="1200">
-                <a:solidFill>
-                  <a:schemeClr val="tx1"/>
-                </a:solidFill>
-                <a:latin typeface="+mn-lt"/>
-                <a:ea typeface="+mn-ea"/>
-                <a:cs typeface="+mn-cs"/>
-              </a:defRPr>
-            </a:lvl6pPr>
-            <a:lvl7pPr marL="2971800" indent="-228600" algn="l" defTabSz="914400" rtl="0" eaLnBrk="1" latinLnBrk="1" hangingPunct="1">
-              <a:lnSpc>
-                <a:spcPct val="90000"/>
-              </a:lnSpc>
-              <a:spcBef>
-                <a:spcPts val="500"/>
-              </a:spcBef>
-              <a:buFont typeface="Arial" panose="020B0604020202020204" pitchFamily="34" charset="0"/>
-              <a:buChar char="•"/>
-              <a:defRPr sz="1800" kern="1200">
-                <a:solidFill>
-                  <a:schemeClr val="tx1"/>
-                </a:solidFill>
-                <a:latin typeface="+mn-lt"/>
-                <a:ea typeface="+mn-ea"/>
-                <a:cs typeface="+mn-cs"/>
-              </a:defRPr>
-            </a:lvl7pPr>
-            <a:lvl8pPr marL="3429000" indent="-228600" algn="l" defTabSz="914400" rtl="0" eaLnBrk="1" latinLnBrk="1" hangingPunct="1">
-              <a:lnSpc>
-                <a:spcPct val="90000"/>
-              </a:lnSpc>
-              <a:spcBef>
-                <a:spcPts val="500"/>
-              </a:spcBef>
-              <a:buFont typeface="Arial" panose="020B0604020202020204" pitchFamily="34" charset="0"/>
-              <a:buChar char="•"/>
-              <a:defRPr sz="1800" kern="1200">
-                <a:solidFill>
-                  <a:schemeClr val="tx1"/>
-                </a:solidFill>
-                <a:latin typeface="+mn-lt"/>
-                <a:ea typeface="+mn-ea"/>
-                <a:cs typeface="+mn-cs"/>
-              </a:defRPr>
-            </a:lvl8pPr>
-            <a:lvl9pPr marL="3886200" indent="-228600" algn="l" defTabSz="914400" rtl="0" eaLnBrk="1" latinLnBrk="1" hangingPunct="1">
-              <a:lnSpc>
-                <a:spcPct val="90000"/>
-              </a:lnSpc>
-              <a:spcBef>
-                <a:spcPts val="500"/>
-              </a:spcBef>
-              <a:buFont typeface="Arial" panose="020B0604020202020204" pitchFamily="34" charset="0"/>
-              <a:buChar char="•"/>
-              <a:defRPr sz="1800" kern="1200">
-                <a:solidFill>
-                  <a:schemeClr val="tx1"/>
-                </a:solidFill>
-                <a:latin typeface="+mn-lt"/>
-                <a:ea typeface="+mn-ea"/>
-                <a:cs typeface="+mn-cs"/>
-              </a:defRPr>
-            </a:lvl9pPr>
-          </a:lstStyle>
-          <a:p>
-            <a:pPr algn="l">
-              <a:defRPr/>
-            </a:pPr>
-            <a:r>
-              <a:rPr lang="ko-KR" altLang="en-US" sz="2000" b="1" dirty="0" smtClean="0">
-                <a:gradFill>
-                  <a:gsLst>
-                    <a:gs pos="0">
-                      <a:srgbClr val="404040"/>
-                    </a:gs>
-                    <a:gs pos="100000">
-                      <a:srgbClr val="404040"/>
-                    </a:gs>
-                  </a:gsLst>
-                  <a:lin ang="5400000" scaled="0"/>
-                </a:gradFill>
-                <a:latin typeface="나눔고딕" panose="020D0604000000000000" pitchFamily="50" charset="-127"/>
-                <a:ea typeface="나눔고딕 ExtraBold"/>
-              </a:rPr>
-              <a:t>피마 인디언 데이터 분석하기</a:t>
-            </a:r>
-            <a:endParaRPr sz="2000" b="1" dirty="0">
-              <a:gradFill>
-                <a:gsLst>
-                  <a:gs pos="0">
-                    <a:srgbClr val="404040"/>
-                  </a:gs>
-                  <a:gs pos="100000">
-                    <a:srgbClr val="404040"/>
-                  </a:gs>
-                </a:gsLst>
-                <a:lin ang="5400000" scaled="0"/>
-              </a:gradFill>
-              <a:latin typeface="나눔고딕" panose="020D0604000000000000" pitchFamily="50" charset="-127"/>
-              <a:ea typeface="나눔고딕 ExtraBold"/>
-            </a:endParaRPr>
-          </a:p>
-        </p:txBody>
-      </p:sp>
       <p:pic>
         <p:nvPicPr>
           <p:cNvPr id="2050" name="Picture 2" descr="133_2"/>
@@ -16310,7 +16489,7 @@
         <p:spPr>
           <a:xfrm>
             <a:off x="755650" y="4315427"/>
-            <a:ext cx="7704782" cy="2369880"/>
+            <a:ext cx="7704782" cy="2308324"/>
           </a:xfrm>
           <a:prstGeom prst="rect">
             <a:avLst/>
@@ -16322,7 +16501,11 @@
           </a:bodyPr>
           <a:lstStyle/>
           <a:p>
-            <a:pPr algn="just" latinLnBrk="1"/>
+            <a:pPr algn="just" latinLnBrk="1">
+              <a:lnSpc>
+                <a:spcPct val="150000"/>
+              </a:lnSpc>
+            </a:pPr>
             <a:r>
               <a:rPr lang="en-US" altLang="ko-KR" sz="1600" b="1" dirty="0">
                 <a:gradFill>
@@ -16379,7 +16562,11 @@
             </a:r>
           </a:p>
           <a:p>
-            <a:pPr algn="just" latinLnBrk="1"/>
+            <a:pPr algn="just" latinLnBrk="1">
+              <a:lnSpc>
+                <a:spcPct val="150000"/>
+              </a:lnSpc>
+            </a:pPr>
             <a:r>
               <a:rPr lang="en-US" altLang="ko-KR" sz="1600" b="1" dirty="0">
                 <a:gradFill>
@@ -16436,7 +16623,11 @@
             </a:r>
           </a:p>
           <a:p>
-            <a:pPr algn="just" latinLnBrk="1"/>
+            <a:pPr algn="just" latinLnBrk="1">
+              <a:lnSpc>
+                <a:spcPct val="150000"/>
+              </a:lnSpc>
+            </a:pPr>
             <a:r>
               <a:rPr lang="en-US" altLang="ko-KR" sz="1200" dirty="0" smtClean="0">
                 <a:gradFill>
@@ -16511,7 +16702,11 @@
             </a:r>
           </a:p>
           <a:p>
-            <a:pPr algn="just" latinLnBrk="1"/>
+            <a:pPr algn="just" latinLnBrk="1">
+              <a:lnSpc>
+                <a:spcPct val="150000"/>
+              </a:lnSpc>
+            </a:pPr>
             <a:r>
               <a:rPr lang="en-US" altLang="ko-KR" sz="1200" dirty="0" smtClean="0">
                 <a:gradFill>
@@ -16567,6 +16762,24 @@
               <a:t>2 (plasma): </a:t>
             </a:r>
             <a:r>
+              <a:rPr lang="ko-KR" altLang="en-US" sz="1200" dirty="0" smtClean="0">
+                <a:gradFill>
+                  <a:gsLst>
+                    <a:gs pos="0">
+                      <a:srgbClr val="404040"/>
+                    </a:gs>
+                    <a:gs pos="100000">
+                      <a:srgbClr val="404040"/>
+                    </a:gs>
+                  </a:gsLst>
+                  <a:lin ang="5400000" scaled="0"/>
+                </a:gradFill>
+                <a:latin typeface="나눔고딕" panose="020D0604000000000000" pitchFamily="50" charset="-127"/>
+                <a:ea typeface="나눔고딕 ExtraBold"/>
+              </a:rPr>
+              <a:t>공복 </a:t>
+            </a:r>
+            <a:r>
               <a:rPr lang="ko-KR" altLang="en-US" sz="1200" dirty="0">
                 <a:gradFill>
                   <a:gsLst>
@@ -16582,43 +16795,7 @@
                 <a:latin typeface="나눔고딕" panose="020D0604000000000000" pitchFamily="50" charset="-127"/>
                 <a:ea typeface="나눔고딕 ExtraBold"/>
               </a:rPr>
-              <a:t>포도당 부하 검사 </a:t>
-            </a:r>
-            <a:r>
-              <a:rPr lang="en-US" altLang="ko-KR" sz="1200" dirty="0">
-                <a:gradFill>
-                  <a:gsLst>
-                    <a:gs pos="0">
-                      <a:srgbClr val="404040"/>
-                    </a:gs>
-                    <a:gs pos="100000">
-                      <a:srgbClr val="404040"/>
-                    </a:gs>
-                  </a:gsLst>
-                  <a:lin ang="5400000" scaled="0"/>
-                </a:gradFill>
-                <a:latin typeface="나눔고딕" panose="020D0604000000000000" pitchFamily="50" charset="-127"/>
-                <a:ea typeface="나눔고딕 ExtraBold"/>
-              </a:rPr>
-              <a:t>2</a:t>
-            </a:r>
-            <a:r>
-              <a:rPr lang="ko-KR" altLang="en-US" sz="1200" dirty="0">
-                <a:gradFill>
-                  <a:gsLst>
-                    <a:gs pos="0">
-                      <a:srgbClr val="404040"/>
-                    </a:gs>
-                    <a:gs pos="100000">
-                      <a:srgbClr val="404040"/>
-                    </a:gs>
-                  </a:gsLst>
-                  <a:lin ang="5400000" scaled="0"/>
-                </a:gradFill>
-                <a:latin typeface="나눔고딕" panose="020D0604000000000000" pitchFamily="50" charset="-127"/>
-                <a:ea typeface="나눔고딕 ExtraBold"/>
-              </a:rPr>
-              <a:t>시간 후 공복 혈당 농도</a:t>
+              <a:t>혈당 농도</a:t>
             </a:r>
             <a:r>
               <a:rPr lang="en-US" altLang="ko-KR" sz="1200" dirty="0">
@@ -16640,7 +16817,11 @@
             </a:r>
           </a:p>
           <a:p>
-            <a:pPr algn="just" latinLnBrk="1"/>
+            <a:pPr algn="just" latinLnBrk="1">
+              <a:lnSpc>
+                <a:spcPct val="150000"/>
+              </a:lnSpc>
+            </a:pPr>
             <a:r>
               <a:rPr lang="en-US" altLang="ko-KR" sz="1200" dirty="0" smtClean="0">
                 <a:gradFill>
@@ -16751,7 +16932,11 @@
             </a:r>
           </a:p>
           <a:p>
-            <a:pPr algn="just" latinLnBrk="1"/>
+            <a:pPr algn="just" latinLnBrk="1">
+              <a:lnSpc>
+                <a:spcPct val="150000"/>
+              </a:lnSpc>
+            </a:pPr>
             <a:r>
               <a:rPr lang="en-US" altLang="ko-KR" sz="1200" dirty="0" smtClean="0">
                 <a:gradFill>
@@ -16862,7 +17047,166 @@
             </a:r>
           </a:p>
           <a:p>
-            <a:pPr algn="just" latinLnBrk="1"/>
+            <a:pPr algn="just" latinLnBrk="1">
+              <a:lnSpc>
+                <a:spcPct val="150000"/>
+              </a:lnSpc>
+            </a:pPr>
+            <a:r>
+              <a:rPr lang="en-US" altLang="ko-KR" sz="1600" b="1" dirty="0" smtClean="0">
+                <a:gradFill>
+                  <a:gsLst>
+                    <a:gs pos="0">
+                      <a:srgbClr val="404040"/>
+                    </a:gs>
+                    <a:gs pos="100000">
+                      <a:srgbClr val="404040"/>
+                    </a:gs>
+                  </a:gsLst>
+                  <a:lin ang="5400000" scaled="0"/>
+                </a:gradFill>
+                <a:latin typeface="나눔고딕" panose="020D0604000000000000" pitchFamily="50" charset="-127"/>
+                <a:ea typeface="나눔고딕 ExtraBold"/>
+              </a:rPr>
+              <a:t>•</a:t>
+            </a:r>
+            <a:r>
+              <a:rPr lang="ko-KR" altLang="en-US" sz="1600" b="1" dirty="0">
+                <a:gradFill>
+                  <a:gsLst>
+                    <a:gs pos="0">
+                      <a:srgbClr val="404040"/>
+                    </a:gs>
+                    <a:gs pos="100000">
+                      <a:srgbClr val="404040"/>
+                    </a:gs>
+                  </a:gsLst>
+                  <a:lin ang="5400000" scaled="0"/>
+                </a:gradFill>
+                <a:latin typeface="나눔고딕" panose="020D0604000000000000" pitchFamily="50" charset="-127"/>
+                <a:ea typeface="나눔고딕 ExtraBold"/>
+              </a:rPr>
+              <a:t> 클래스</a:t>
+            </a:r>
+            <a:r>
+              <a:rPr lang="en-US" altLang="ko-KR" sz="1600" b="1" dirty="0">
+                <a:gradFill>
+                  <a:gsLst>
+                    <a:gs pos="0">
+                      <a:srgbClr val="404040"/>
+                    </a:gs>
+                    <a:gs pos="100000">
+                      <a:srgbClr val="404040"/>
+                    </a:gs>
+                  </a:gsLst>
+                  <a:lin ang="5400000" scaled="0"/>
+                </a:gradFill>
+                <a:latin typeface="나눔고딕" panose="020D0604000000000000" pitchFamily="50" charset="-127"/>
+                <a:ea typeface="나눔고딕 ExtraBold"/>
+              </a:rPr>
+              <a:t>: </a:t>
+            </a:r>
+            <a:r>
+              <a:rPr lang="ko-KR" altLang="en-US" sz="1600" b="1" dirty="0">
+                <a:gradFill>
+                  <a:gsLst>
+                    <a:gs pos="0">
+                      <a:srgbClr val="404040"/>
+                    </a:gs>
+                    <a:gs pos="100000">
+                      <a:srgbClr val="404040"/>
+                    </a:gs>
+                  </a:gsLst>
+                  <a:lin ang="5400000" scaled="0"/>
+                </a:gradFill>
+                <a:latin typeface="나눔고딕" panose="020D0604000000000000" pitchFamily="50" charset="-127"/>
+                <a:ea typeface="나눔고딕 ExtraBold"/>
+              </a:rPr>
+              <a:t>당뇨</a:t>
+            </a:r>
+            <a:r>
+              <a:rPr lang="en-US" altLang="ko-KR" sz="1600" b="1" dirty="0">
+                <a:gradFill>
+                  <a:gsLst>
+                    <a:gs pos="0">
+                      <a:srgbClr val="404040"/>
+                    </a:gs>
+                    <a:gs pos="100000">
+                      <a:srgbClr val="404040"/>
+                    </a:gs>
+                  </a:gsLst>
+                  <a:lin ang="5400000" scaled="0"/>
+                </a:gradFill>
+                <a:latin typeface="나눔고딕" panose="020D0604000000000000" pitchFamily="50" charset="-127"/>
+                <a:ea typeface="나눔고딕 ExtraBold"/>
+              </a:rPr>
+              <a:t>(1), </a:t>
+            </a:r>
+            <a:r>
+              <a:rPr lang="ko-KR" altLang="en-US" sz="1600" b="1" dirty="0">
+                <a:gradFill>
+                  <a:gsLst>
+                    <a:gs pos="0">
+                      <a:srgbClr val="404040"/>
+                    </a:gs>
+                    <a:gs pos="100000">
+                      <a:srgbClr val="404040"/>
+                    </a:gs>
+                  </a:gsLst>
+                  <a:lin ang="5400000" scaled="0"/>
+                </a:gradFill>
+                <a:latin typeface="나눔고딕" panose="020D0604000000000000" pitchFamily="50" charset="-127"/>
+                <a:ea typeface="나눔고딕 ExtraBold"/>
+              </a:rPr>
+              <a:t>당뇨 아님</a:t>
+            </a:r>
+            <a:r>
+              <a:rPr lang="en-US" altLang="ko-KR" sz="1600" b="1" dirty="0">
+                <a:gradFill>
+                  <a:gsLst>
+                    <a:gs pos="0">
+                      <a:srgbClr val="404040"/>
+                    </a:gs>
+                    <a:gs pos="100000">
+                      <a:srgbClr val="404040"/>
+                    </a:gs>
+                  </a:gsLst>
+                  <a:lin ang="5400000" scaled="0"/>
+                </a:gradFill>
+                <a:latin typeface="나눔고딕" panose="020D0604000000000000" pitchFamily="50" charset="-127"/>
+                <a:ea typeface="나눔고딕 ExtraBold"/>
+              </a:rPr>
+              <a:t>(0)</a:t>
+            </a:r>
+          </a:p>
+        </p:txBody>
+      </p:sp>
+      <p:sp>
+        <p:nvSpPr>
+          <p:cNvPr id="6" name="직사각형 5"/>
+          <p:cNvSpPr/>
+          <p:nvPr/>
+        </p:nvSpPr>
+        <p:spPr>
+          <a:xfrm>
+            <a:off x="4499992" y="5108991"/>
+            <a:ext cx="4572000" cy="1200329"/>
+          </a:xfrm>
+          <a:prstGeom prst="rect">
+            <a:avLst/>
+          </a:prstGeom>
+        </p:spPr>
+        <p:txBody>
+          <a:bodyPr>
+            <a:spAutoFit/>
+          </a:bodyPr>
+          <a:lstStyle/>
+          <a:p>
+            <a:pPr algn="just" latinLnBrk="1">
+              <a:lnSpc>
+                <a:spcPct val="150000"/>
+              </a:lnSpc>
+            </a:pPr>
             <a:r>
               <a:rPr lang="en-US" altLang="ko-KR" sz="1200" dirty="0" smtClean="0">
                 <a:gradFill>
@@ -16879,7 +17223,7 @@
                 <a:latin typeface="나눔고딕" panose="020D0604000000000000" pitchFamily="50" charset="-127"/>
                 <a:ea typeface="나눔고딕 ExtraBold"/>
               </a:rPr>
-              <a:t>     - </a:t>
+              <a:t>- </a:t>
             </a:r>
             <a:r>
               <a:rPr lang="ko-KR" altLang="en-US" sz="1200" dirty="0">
@@ -16955,7 +17299,11 @@
             </a:r>
           </a:p>
           <a:p>
-            <a:pPr algn="just" latinLnBrk="1"/>
+            <a:pPr algn="just" latinLnBrk="1">
+              <a:lnSpc>
+                <a:spcPct val="150000"/>
+              </a:lnSpc>
+            </a:pPr>
             <a:r>
               <a:rPr lang="en-US" altLang="ko-KR" sz="1200" dirty="0" smtClean="0">
                 <a:gradFill>
@@ -16972,7 +17320,7 @@
                 <a:latin typeface="나눔고딕" panose="020D0604000000000000" pitchFamily="50" charset="-127"/>
                 <a:ea typeface="나눔고딕 ExtraBold"/>
               </a:rPr>
-              <a:t>     - </a:t>
+              <a:t>- </a:t>
             </a:r>
             <a:r>
               <a:rPr lang="ko-KR" altLang="en-US" sz="1200" dirty="0">
@@ -17062,11 +17410,48 @@
                 <a:latin typeface="나눔고딕" panose="020D0604000000000000" pitchFamily="50" charset="-127"/>
                 <a:ea typeface="나눔고딕 ExtraBold"/>
               </a:rPr>
-              <a:t>(BMI, weight in kg/(height in m)2)</a:t>
-            </a:r>
+              <a:t>(BMI, weight in kg/(height in </a:t>
+            </a:r>
+            <a:r>
+              <a:rPr lang="en-US" altLang="ko-KR" sz="1200" dirty="0" smtClean="0">
+                <a:gradFill>
+                  <a:gsLst>
+                    <a:gs pos="0">
+                      <a:srgbClr val="404040"/>
+                    </a:gs>
+                    <a:gs pos="100000">
+                      <a:srgbClr val="404040"/>
+                    </a:gs>
+                  </a:gsLst>
+                  <a:lin ang="5400000" scaled="0"/>
+                </a:gradFill>
+                <a:latin typeface="나눔고딕" panose="020D0604000000000000" pitchFamily="50" charset="-127"/>
+                <a:ea typeface="나눔고딕 ExtraBold"/>
+              </a:rPr>
+              <a:t>m)2</a:t>
+            </a:r>
+            <a:endParaRPr lang="en-US" altLang="ko-KR" sz="1200" dirty="0">
+              <a:gradFill>
+                <a:gsLst>
+                  <a:gs pos="0">
+                    <a:srgbClr val="404040"/>
+                  </a:gs>
+                  <a:gs pos="100000">
+                    <a:srgbClr val="404040"/>
+                  </a:gs>
+                </a:gsLst>
+                <a:lin ang="5400000" scaled="0"/>
+              </a:gradFill>
+              <a:latin typeface="나눔고딕" panose="020D0604000000000000" pitchFamily="50" charset="-127"/>
+              <a:ea typeface="나눔고딕 ExtraBold"/>
+            </a:endParaRPr>
           </a:p>
           <a:p>
-            <a:pPr algn="just" latinLnBrk="1"/>
+            <a:pPr algn="just" latinLnBrk="1">
+              <a:lnSpc>
+                <a:spcPct val="150000"/>
+              </a:lnSpc>
+            </a:pPr>
             <a:r>
               <a:rPr lang="en-US" altLang="ko-KR" sz="1200" dirty="0" smtClean="0">
                 <a:gradFill>
@@ -17083,7 +17468,7 @@
                 <a:latin typeface="나눔고딕" panose="020D0604000000000000" pitchFamily="50" charset="-127"/>
                 <a:ea typeface="나눔고딕 ExtraBold"/>
               </a:rPr>
-              <a:t>     - </a:t>
+              <a:t>- </a:t>
             </a:r>
             <a:r>
               <a:rPr lang="ko-KR" altLang="en-US" sz="1200" dirty="0">
@@ -17141,7 +17526,11 @@
             </a:r>
           </a:p>
           <a:p>
-            <a:pPr algn="just" latinLnBrk="1"/>
+            <a:pPr algn="just" latinLnBrk="1">
+              <a:lnSpc>
+                <a:spcPct val="150000"/>
+              </a:lnSpc>
+            </a:pPr>
             <a:r>
               <a:rPr lang="en-US" altLang="ko-KR" sz="1200" dirty="0" smtClean="0">
                 <a:gradFill>
@@ -17158,7 +17547,7 @@
                 <a:latin typeface="나눔고딕" panose="020D0604000000000000" pitchFamily="50" charset="-127"/>
                 <a:ea typeface="나눔고딕 ExtraBold"/>
               </a:rPr>
-              <a:t>     - </a:t>
+              <a:t>- </a:t>
             </a:r>
             <a:r>
               <a:rPr lang="ko-KR" altLang="en-US" sz="1200" dirty="0">
@@ -17214,135 +17603,343 @@
               </a:rPr>
               <a:t>나이</a:t>
             </a:r>
+            <a:endParaRPr lang="ko-KR" altLang="en-US" sz="1200" dirty="0">
+              <a:gradFill>
+                <a:gsLst>
+                  <a:gs pos="0">
+                    <a:srgbClr val="404040"/>
+                  </a:gs>
+                  <a:gs pos="100000">
+                    <a:srgbClr val="404040"/>
+                  </a:gs>
+                </a:gsLst>
+                <a:lin ang="5400000" scaled="0"/>
+              </a:gradFill>
+              <a:latin typeface="나눔고딕" panose="020D0604000000000000" pitchFamily="50" charset="-127"/>
+              <a:ea typeface="나눔고딕 ExtraBold"/>
+            </a:endParaRPr>
           </a:p>
+        </p:txBody>
+      </p:sp>
+      <p:sp>
+        <p:nvSpPr>
+          <p:cNvPr id="7" name="텍스트 개체 틀 2"/>
+          <p:cNvSpPr txBox="1">
+            <a:spLocks/>
+          </p:cNvSpPr>
+          <p:nvPr/>
+        </p:nvSpPr>
+        <p:spPr>
+          <a:xfrm>
+            <a:off x="251520" y="908720"/>
+            <a:ext cx="8640960" cy="338554"/>
+          </a:xfrm>
+          <a:prstGeom prst="rect">
+            <a:avLst/>
+          </a:prstGeom>
+          <a:noFill/>
+          <a:ln w="9525">
+            <a:noFill/>
+            <a:miter lim="800000"/>
+            <a:headEnd/>
+            <a:tailEnd/>
+          </a:ln>
+        </p:spPr>
+        <p:txBody>
+          <a:bodyPr lIns="0" tIns="0" rIns="0" bIns="0">
+            <a:spAutoFit/>
+          </a:bodyPr>
+          <a:lstStyle>
+            <a:lvl1pPr marL="0" indent="0" algn="just" defTabSz="914400" rtl="0" eaLnBrk="1" fontAlgn="base" latinLnBrk="0" hangingPunct="1">
+              <a:lnSpc>
+                <a:spcPct val="120000"/>
+              </a:lnSpc>
+              <a:spcBef>
+                <a:spcPct val="0"/>
+              </a:spcBef>
+              <a:spcAft>
+                <a:spcPct val="0"/>
+              </a:spcAft>
+              <a:buFont typeface="Arial" charset="0"/>
+              <a:buNone/>
+              <a:tabLst/>
+              <a:defRPr kumimoji="1" lang="ko-KR" altLang="en-US" sz="1000" kern="1200" smtClean="0">
+                <a:gradFill>
+                  <a:gsLst>
+                    <a:gs pos="0">
+                      <a:schemeClr val="tx1">
+                        <a:lumMod val="75000"/>
+                        <a:lumOff val="25000"/>
+                      </a:schemeClr>
+                    </a:gs>
+                    <a:gs pos="100000">
+                      <a:schemeClr val="tx1">
+                        <a:lumMod val="75000"/>
+                        <a:lumOff val="25000"/>
+                      </a:schemeClr>
+                    </a:gs>
+                  </a:gsLst>
+                  <a:lin ang="5400000" scaled="0"/>
+                </a:gradFill>
+                <a:latin typeface="KoPub돋움체 Light" panose="02020603020101020101" pitchFamily="18" charset="-127"/>
+                <a:ea typeface="KoPub돋움체 Light" panose="02020603020101020101" pitchFamily="18" charset="-127"/>
+                <a:cs typeface="+mn-cs"/>
+              </a:defRPr>
+            </a:lvl1pPr>
+            <a:lvl2pPr marL="0" indent="0" algn="just" defTabSz="914400" rtl="0" eaLnBrk="1" fontAlgn="base" latinLnBrk="0" hangingPunct="1">
+              <a:lnSpc>
+                <a:spcPct val="120000"/>
+              </a:lnSpc>
+              <a:spcBef>
+                <a:spcPct val="0"/>
+              </a:spcBef>
+              <a:spcAft>
+                <a:spcPct val="0"/>
+              </a:spcAft>
+              <a:buFont typeface="Arial" charset="0"/>
+              <a:buNone/>
+              <a:tabLst/>
+              <a:defRPr kumimoji="1" lang="ko-KR" altLang="en-US" sz="1000" kern="1200" smtClean="0">
+                <a:gradFill>
+                  <a:gsLst>
+                    <a:gs pos="0">
+                      <a:schemeClr val="tx1">
+                        <a:lumMod val="75000"/>
+                        <a:lumOff val="25000"/>
+                      </a:schemeClr>
+                    </a:gs>
+                    <a:gs pos="100000">
+                      <a:schemeClr val="tx1">
+                        <a:lumMod val="75000"/>
+                        <a:lumOff val="25000"/>
+                      </a:schemeClr>
+                    </a:gs>
+                  </a:gsLst>
+                  <a:lin ang="5400000" scaled="0"/>
+                </a:gradFill>
+                <a:latin typeface="KoPub돋움체 Light" panose="02020603020101020101" pitchFamily="18" charset="-127"/>
+                <a:ea typeface="KoPub돋움체 Light" panose="02020603020101020101" pitchFamily="18" charset="-127"/>
+                <a:cs typeface="+mn-cs"/>
+              </a:defRPr>
+            </a:lvl2pPr>
+            <a:lvl3pPr marL="0" indent="0" algn="just" defTabSz="914400" rtl="0" eaLnBrk="1" fontAlgn="base" latinLnBrk="0" hangingPunct="1">
+              <a:lnSpc>
+                <a:spcPct val="120000"/>
+              </a:lnSpc>
+              <a:spcBef>
+                <a:spcPct val="0"/>
+              </a:spcBef>
+              <a:spcAft>
+                <a:spcPct val="0"/>
+              </a:spcAft>
+              <a:buFont typeface="Arial" charset="0"/>
+              <a:buNone/>
+              <a:tabLst/>
+              <a:defRPr kumimoji="1" lang="ko-KR" altLang="en-US" sz="1000" kern="1200" smtClean="0">
+                <a:gradFill>
+                  <a:gsLst>
+                    <a:gs pos="0">
+                      <a:schemeClr val="tx1">
+                        <a:lumMod val="75000"/>
+                        <a:lumOff val="25000"/>
+                      </a:schemeClr>
+                    </a:gs>
+                    <a:gs pos="100000">
+                      <a:schemeClr val="tx1">
+                        <a:lumMod val="75000"/>
+                        <a:lumOff val="25000"/>
+                      </a:schemeClr>
+                    </a:gs>
+                  </a:gsLst>
+                  <a:lin ang="5400000" scaled="0"/>
+                </a:gradFill>
+                <a:latin typeface="KoPub돋움체 Light" panose="02020603020101020101" pitchFamily="18" charset="-127"/>
+                <a:ea typeface="KoPub돋움체 Light" panose="02020603020101020101" pitchFamily="18" charset="-127"/>
+                <a:cs typeface="+mn-cs"/>
+              </a:defRPr>
+            </a:lvl3pPr>
+            <a:lvl4pPr marL="0" indent="0" algn="just" defTabSz="914400" rtl="0" eaLnBrk="1" fontAlgn="base" latinLnBrk="0" hangingPunct="1">
+              <a:lnSpc>
+                <a:spcPct val="120000"/>
+              </a:lnSpc>
+              <a:spcBef>
+                <a:spcPct val="0"/>
+              </a:spcBef>
+              <a:spcAft>
+                <a:spcPct val="0"/>
+              </a:spcAft>
+              <a:buFont typeface="Arial" charset="0"/>
+              <a:buNone/>
+              <a:tabLst/>
+              <a:defRPr kumimoji="1" lang="ko-KR" altLang="en-US" sz="1000" kern="1200" smtClean="0">
+                <a:gradFill>
+                  <a:gsLst>
+                    <a:gs pos="0">
+                      <a:schemeClr val="tx1">
+                        <a:lumMod val="75000"/>
+                        <a:lumOff val="25000"/>
+                      </a:schemeClr>
+                    </a:gs>
+                    <a:gs pos="100000">
+                      <a:schemeClr val="tx1">
+                        <a:lumMod val="75000"/>
+                        <a:lumOff val="25000"/>
+                      </a:schemeClr>
+                    </a:gs>
+                  </a:gsLst>
+                  <a:lin ang="5400000" scaled="0"/>
+                </a:gradFill>
+                <a:latin typeface="KoPub돋움체 Light" panose="02020603020101020101" pitchFamily="18" charset="-127"/>
+                <a:ea typeface="KoPub돋움체 Light" panose="02020603020101020101" pitchFamily="18" charset="-127"/>
+                <a:cs typeface="+mn-cs"/>
+              </a:defRPr>
+            </a:lvl4pPr>
+            <a:lvl5pPr marL="0" indent="0" algn="just" defTabSz="914400" rtl="0" eaLnBrk="1" fontAlgn="base" latinLnBrk="0" hangingPunct="1">
+              <a:lnSpc>
+                <a:spcPct val="120000"/>
+              </a:lnSpc>
+              <a:spcBef>
+                <a:spcPct val="0"/>
+              </a:spcBef>
+              <a:spcAft>
+                <a:spcPct val="0"/>
+              </a:spcAft>
+              <a:buFont typeface="Arial" charset="0"/>
+              <a:buNone/>
+              <a:tabLst/>
+              <a:defRPr kumimoji="1" lang="ko-KR" altLang="en-US" sz="1000" kern="1200">
+                <a:gradFill>
+                  <a:gsLst>
+                    <a:gs pos="0">
+                      <a:schemeClr val="tx1">
+                        <a:lumMod val="75000"/>
+                        <a:lumOff val="25000"/>
+                      </a:schemeClr>
+                    </a:gs>
+                    <a:gs pos="100000">
+                      <a:schemeClr val="tx1">
+                        <a:lumMod val="75000"/>
+                        <a:lumOff val="25000"/>
+                      </a:schemeClr>
+                    </a:gs>
+                  </a:gsLst>
+                  <a:lin ang="5400000" scaled="0"/>
+                </a:gradFill>
+                <a:latin typeface="KoPub돋움체 Light" panose="02020603020101020101" pitchFamily="18" charset="-127"/>
+                <a:ea typeface="KoPub돋움체 Light" panose="02020603020101020101" pitchFamily="18" charset="-127"/>
+                <a:cs typeface="+mn-cs"/>
+              </a:defRPr>
+            </a:lvl5pPr>
+            <a:lvl6pPr marL="2514600" indent="-228600" algn="l" defTabSz="914400" rtl="0" eaLnBrk="1" latinLnBrk="1" hangingPunct="1">
+              <a:lnSpc>
+                <a:spcPct val="90000"/>
+              </a:lnSpc>
+              <a:spcBef>
+                <a:spcPts val="500"/>
+              </a:spcBef>
+              <a:buFont typeface="Arial" panose="020B0604020202020204" pitchFamily="34" charset="0"/>
+              <a:buChar char="•"/>
+              <a:defRPr sz="1800" kern="1200">
+                <a:solidFill>
+                  <a:schemeClr val="tx1"/>
+                </a:solidFill>
+                <a:latin typeface="+mn-lt"/>
+                <a:ea typeface="+mn-ea"/>
+                <a:cs typeface="+mn-cs"/>
+              </a:defRPr>
+            </a:lvl6pPr>
+            <a:lvl7pPr marL="2971800" indent="-228600" algn="l" defTabSz="914400" rtl="0" eaLnBrk="1" latinLnBrk="1" hangingPunct="1">
+              <a:lnSpc>
+                <a:spcPct val="90000"/>
+              </a:lnSpc>
+              <a:spcBef>
+                <a:spcPts val="500"/>
+              </a:spcBef>
+              <a:buFont typeface="Arial" panose="020B0604020202020204" pitchFamily="34" charset="0"/>
+              <a:buChar char="•"/>
+              <a:defRPr sz="1800" kern="1200">
+                <a:solidFill>
+                  <a:schemeClr val="tx1"/>
+                </a:solidFill>
+                <a:latin typeface="+mn-lt"/>
+                <a:ea typeface="+mn-ea"/>
+                <a:cs typeface="+mn-cs"/>
+              </a:defRPr>
+            </a:lvl7pPr>
+            <a:lvl8pPr marL="3429000" indent="-228600" algn="l" defTabSz="914400" rtl="0" eaLnBrk="1" latinLnBrk="1" hangingPunct="1">
+              <a:lnSpc>
+                <a:spcPct val="90000"/>
+              </a:lnSpc>
+              <a:spcBef>
+                <a:spcPts val="500"/>
+              </a:spcBef>
+              <a:buFont typeface="Arial" panose="020B0604020202020204" pitchFamily="34" charset="0"/>
+              <a:buChar char="•"/>
+              <a:defRPr sz="1800" kern="1200">
+                <a:solidFill>
+                  <a:schemeClr val="tx1"/>
+                </a:solidFill>
+                <a:latin typeface="+mn-lt"/>
+                <a:ea typeface="+mn-ea"/>
+                <a:cs typeface="+mn-cs"/>
+              </a:defRPr>
+            </a:lvl8pPr>
+            <a:lvl9pPr marL="3886200" indent="-228600" algn="l" defTabSz="914400" rtl="0" eaLnBrk="1" latinLnBrk="1" hangingPunct="1">
+              <a:lnSpc>
+                <a:spcPct val="90000"/>
+              </a:lnSpc>
+              <a:spcBef>
+                <a:spcPts val="500"/>
+              </a:spcBef>
+              <a:buFont typeface="Arial" panose="020B0604020202020204" pitchFamily="34" charset="0"/>
+              <a:buChar char="•"/>
+              <a:defRPr sz="1800" kern="1200">
+                <a:solidFill>
+                  <a:schemeClr val="tx1"/>
+                </a:solidFill>
+                <a:latin typeface="+mn-lt"/>
+                <a:ea typeface="+mn-ea"/>
+                <a:cs typeface="+mn-cs"/>
+              </a:defRPr>
+            </a:lvl9pPr>
+          </a:lstStyle>
           <a:p>
-            <a:pPr algn="just" latinLnBrk="1"/>
-            <a:r>
-              <a:rPr lang="en-US" altLang="ko-KR" sz="1600" b="1" dirty="0">
-                <a:gradFill>
-                  <a:gsLst>
-                    <a:gs pos="0">
-                      <a:srgbClr val="404040"/>
-                    </a:gs>
-                    <a:gs pos="100000">
-                      <a:srgbClr val="404040"/>
-                    </a:gs>
-                  </a:gsLst>
-                  <a:lin ang="5400000" scaled="0"/>
-                </a:gradFill>
-                <a:latin typeface="나눔고딕" panose="020D0604000000000000" pitchFamily="50" charset="-127"/>
-                <a:ea typeface="나눔고딕 ExtraBold"/>
-              </a:rPr>
-              <a:t>•</a:t>
-            </a:r>
-            <a:r>
-              <a:rPr lang="ko-KR" altLang="en-US" sz="1600" b="1" dirty="0">
-                <a:gradFill>
-                  <a:gsLst>
-                    <a:gs pos="0">
-                      <a:srgbClr val="404040"/>
-                    </a:gs>
-                    <a:gs pos="100000">
-                      <a:srgbClr val="404040"/>
-                    </a:gs>
-                  </a:gsLst>
-                  <a:lin ang="5400000" scaled="0"/>
-                </a:gradFill>
-                <a:latin typeface="나눔고딕" panose="020D0604000000000000" pitchFamily="50" charset="-127"/>
-                <a:ea typeface="나눔고딕 ExtraBold"/>
-              </a:rPr>
-              <a:t> 클래스</a:t>
-            </a:r>
-            <a:r>
-              <a:rPr lang="en-US" altLang="ko-KR" sz="1600" b="1" dirty="0">
-                <a:gradFill>
-                  <a:gsLst>
-                    <a:gs pos="0">
-                      <a:srgbClr val="404040"/>
-                    </a:gs>
-                    <a:gs pos="100000">
-                      <a:srgbClr val="404040"/>
-                    </a:gs>
-                  </a:gsLst>
-                  <a:lin ang="5400000" scaled="0"/>
-                </a:gradFill>
-                <a:latin typeface="나눔고딕" panose="020D0604000000000000" pitchFamily="50" charset="-127"/>
-                <a:ea typeface="나눔고딕 ExtraBold"/>
-              </a:rPr>
-              <a:t>: </a:t>
-            </a:r>
-            <a:r>
-              <a:rPr lang="ko-KR" altLang="en-US" sz="1600" b="1" dirty="0">
-                <a:gradFill>
-                  <a:gsLst>
-                    <a:gs pos="0">
-                      <a:srgbClr val="404040"/>
-                    </a:gs>
-                    <a:gs pos="100000">
-                      <a:srgbClr val="404040"/>
-                    </a:gs>
-                  </a:gsLst>
-                  <a:lin ang="5400000" scaled="0"/>
-                </a:gradFill>
-                <a:latin typeface="나눔고딕" panose="020D0604000000000000" pitchFamily="50" charset="-127"/>
-                <a:ea typeface="나눔고딕 ExtraBold"/>
-              </a:rPr>
-              <a:t>당뇨</a:t>
-            </a:r>
-            <a:r>
-              <a:rPr lang="en-US" altLang="ko-KR" sz="1600" b="1" dirty="0">
-                <a:gradFill>
-                  <a:gsLst>
-                    <a:gs pos="0">
-                      <a:srgbClr val="404040"/>
-                    </a:gs>
-                    <a:gs pos="100000">
-                      <a:srgbClr val="404040"/>
-                    </a:gs>
-                  </a:gsLst>
-                  <a:lin ang="5400000" scaled="0"/>
-                </a:gradFill>
-                <a:latin typeface="나눔고딕" panose="020D0604000000000000" pitchFamily="50" charset="-127"/>
-                <a:ea typeface="나눔고딕 ExtraBold"/>
-              </a:rPr>
-              <a:t>(1), </a:t>
-            </a:r>
-            <a:r>
-              <a:rPr lang="ko-KR" altLang="en-US" sz="1600" b="1" dirty="0">
-                <a:gradFill>
-                  <a:gsLst>
-                    <a:gs pos="0">
-                      <a:srgbClr val="404040"/>
-                    </a:gs>
-                    <a:gs pos="100000">
-                      <a:srgbClr val="404040"/>
-                    </a:gs>
-                  </a:gsLst>
-                  <a:lin ang="5400000" scaled="0"/>
-                </a:gradFill>
-                <a:latin typeface="나눔고딕" panose="020D0604000000000000" pitchFamily="50" charset="-127"/>
-                <a:ea typeface="나눔고딕 ExtraBold"/>
-              </a:rPr>
-              <a:t>당뇨 아님</a:t>
-            </a:r>
-            <a:r>
-              <a:rPr lang="en-US" altLang="ko-KR" sz="1600" b="1" dirty="0">
-                <a:gradFill>
-                  <a:gsLst>
-                    <a:gs pos="0">
-                      <a:srgbClr val="404040"/>
-                    </a:gs>
-                    <a:gs pos="100000">
-                      <a:srgbClr val="404040"/>
-                    </a:gs>
-                  </a:gsLst>
-                  <a:lin ang="5400000" scaled="0"/>
-                </a:gradFill>
-                <a:latin typeface="나눔고딕" panose="020D0604000000000000" pitchFamily="50" charset="-127"/>
-                <a:ea typeface="나눔고딕 ExtraBold"/>
-              </a:rPr>
-              <a:t>(0)</a:t>
-            </a:r>
+            <a:pPr algn="l">
+              <a:defRPr/>
+            </a:pPr>
+            <a:r>
+              <a:rPr lang="ko-KR" altLang="en-US" sz="2000" b="1" dirty="0" smtClean="0">
+                <a:gradFill>
+                  <a:gsLst>
+                    <a:gs pos="0">
+                      <a:srgbClr val="404040"/>
+                    </a:gs>
+                    <a:gs pos="100000">
+                      <a:srgbClr val="404040"/>
+                    </a:gs>
+                  </a:gsLst>
+                  <a:lin ang="5400000" scaled="0"/>
+                </a:gradFill>
+                <a:latin typeface="나눔고딕" panose="020D0604000000000000" pitchFamily="50" charset="-127"/>
+                <a:ea typeface="나눔고딕 ExtraBold"/>
+              </a:rPr>
+              <a:t>피마 인디언 당뇨병 예측하기</a:t>
+            </a:r>
+            <a:endParaRPr sz="2000" b="1" dirty="0">
+              <a:gradFill>
+                <a:gsLst>
+                  <a:gs pos="0">
+                    <a:srgbClr val="404040"/>
+                  </a:gs>
+                  <a:gs pos="100000">
+                    <a:srgbClr val="404040"/>
+                  </a:gs>
+                </a:gsLst>
+                <a:lin ang="5400000" scaled="0"/>
+              </a:gradFill>
+              <a:latin typeface="나눔고딕" panose="020D0604000000000000" pitchFamily="50" charset="-127"/>
+              <a:ea typeface="나눔고딕 ExtraBold"/>
+            </a:endParaRPr>
           </a:p>
         </p:txBody>
       </p:sp>

--- a/Study/정리/Deep Learning03.pptx
+++ b/Study/정리/Deep Learning03.pptx
@@ -5,10 +5,10 @@
     <p:sldMasterId id="2147483648" r:id="rId1"/>
   </p:sldMasterIdLst>
   <p:notesMasterIdLst>
-    <p:notesMasterId r:id="rId21"/>
+    <p:notesMasterId r:id="rId22"/>
   </p:notesMasterIdLst>
   <p:handoutMasterIdLst>
-    <p:handoutMasterId r:id="rId22"/>
+    <p:handoutMasterId r:id="rId23"/>
   </p:handoutMasterIdLst>
   <p:sldIdLst>
     <p:sldId id="268" r:id="rId2"/>
@@ -22,14 +22,15 @@
     <p:sldId id="324" r:id="rId10"/>
     <p:sldId id="273" r:id="rId11"/>
     <p:sldId id="298" r:id="rId12"/>
-    <p:sldId id="274" r:id="rId13"/>
-    <p:sldId id="315" r:id="rId14"/>
-    <p:sldId id="325" r:id="rId15"/>
-    <p:sldId id="327" r:id="rId16"/>
-    <p:sldId id="326" r:id="rId17"/>
-    <p:sldId id="277" r:id="rId18"/>
-    <p:sldId id="299" r:id="rId19"/>
-    <p:sldId id="260" r:id="rId20"/>
+    <p:sldId id="328" r:id="rId13"/>
+    <p:sldId id="274" r:id="rId14"/>
+    <p:sldId id="315" r:id="rId15"/>
+    <p:sldId id="325" r:id="rId16"/>
+    <p:sldId id="327" r:id="rId17"/>
+    <p:sldId id="326" r:id="rId18"/>
+    <p:sldId id="277" r:id="rId19"/>
+    <p:sldId id="299" r:id="rId20"/>
+    <p:sldId id="260" r:id="rId21"/>
   </p:sldIdLst>
   <p:sldSz cx="9144000" cy="6858000" type="screen4x3"/>
   <p:notesSz cx="6858000" cy="9144000"/>
@@ -1425,7 +1426,7 @@
             <a:fld id="{969F08EA-942F-48FB-B6FD-D4FF8599C3D1}" type="slidenum">
               <a:rPr lang="ko-KR" altLang="en-US" smtClean="0"/>
               <a:pPr/>
-              <a:t>16</a:t>
+              <a:t>15</a:t>
             </a:fld>
             <a:endParaRPr lang="en-US" altLang="ko-KR" smtClean="0"/>
           </a:p>
@@ -1434,7 +1435,7 @@
     </p:spTree>
     <p:extLst>
       <p:ext uri="{BB962C8B-B14F-4D97-AF65-F5344CB8AC3E}">
-        <p14:creationId xmlns:p14="http://schemas.microsoft.com/office/powerpoint/2010/main" val="177212582"/>
+        <p14:creationId xmlns:p14="http://schemas.microsoft.com/office/powerpoint/2010/main" val="131914518"/>
       </p:ext>
     </p:extLst>
   </p:cSld>
@@ -1681,7 +1682,263 @@
             <a:fld id="{969F08EA-942F-48FB-B6FD-D4FF8599C3D1}" type="slidenum">
               <a:rPr lang="ko-KR" altLang="en-US" smtClean="0"/>
               <a:pPr/>
-              <a:t>18</a:t>
+              <a:t>17</a:t>
+            </a:fld>
+            <a:endParaRPr lang="en-US" altLang="ko-KR" smtClean="0"/>
+          </a:p>
+        </p:txBody>
+      </p:sp>
+    </p:spTree>
+    <p:extLst>
+      <p:ext uri="{BB962C8B-B14F-4D97-AF65-F5344CB8AC3E}">
+        <p14:creationId xmlns:p14="http://schemas.microsoft.com/office/powerpoint/2010/main" val="177212582"/>
+      </p:ext>
+    </p:extLst>
+  </p:cSld>
+  <p:clrMapOvr>
+    <a:masterClrMapping/>
+  </p:clrMapOvr>
+</p:notes>
+</file>
+
+<file path=ppt/notesSlides/notesSlide12.xml><?xml version="1.0" encoding="utf-8"?>
+<p:notes xmlns:a="http://schemas.openxmlformats.org/drawingml/2006/main" xmlns:r="http://schemas.openxmlformats.org/officeDocument/2006/relationships" xmlns:p="http://schemas.openxmlformats.org/presentationml/2006/main">
+  <p:cSld>
+    <p:spTree>
+      <p:nvGrpSpPr>
+        <p:cNvPr id="1" name=""/>
+        <p:cNvGrpSpPr/>
+        <p:nvPr/>
+      </p:nvGrpSpPr>
+      <p:grpSpPr>
+        <a:xfrm>
+          <a:off x="0" y="0"/>
+          <a:ext cx="0" cy="0"/>
+          <a:chOff x="0" y="0"/>
+          <a:chExt cx="0" cy="0"/>
+        </a:xfrm>
+      </p:grpSpPr>
+      <p:sp>
+        <p:nvSpPr>
+          <p:cNvPr id="11266" name="슬라이드 이미지 개체 틀 1"/>
+          <p:cNvSpPr>
+            <a:spLocks noGrp="1" noRot="1" noChangeAspect="1" noChangeArrowheads="1" noTextEdit="1"/>
+          </p:cNvSpPr>
+          <p:nvPr>
+            <p:ph type="sldImg"/>
+          </p:nvPr>
+        </p:nvSpPr>
+        <p:spPr bwMode="auto">
+          <a:noFill/>
+          <a:ln>
+            <a:solidFill>
+              <a:srgbClr val="000000"/>
+            </a:solidFill>
+            <a:miter lim="800000"/>
+            <a:headEnd/>
+            <a:tailEnd/>
+          </a:ln>
+          <a:extLst>
+            <a:ext uri="{909E8E84-426E-40DD-AFC4-6F175D3DCCD1}">
+              <a14:hiddenFill xmlns:a14="http://schemas.microsoft.com/office/drawing/2010/main">
+                <a:solidFill>
+                  <a:srgbClr val="FFFFFF"/>
+                </a:solidFill>
+              </a14:hiddenFill>
+            </a:ext>
+          </a:extLst>
+        </p:spPr>
+      </p:sp>
+      <p:sp>
+        <p:nvSpPr>
+          <p:cNvPr id="11267" name="슬라이드 노트 개체 틀 2"/>
+          <p:cNvSpPr>
+            <a:spLocks noGrp="1" noChangeArrowheads="1"/>
+          </p:cNvSpPr>
+          <p:nvPr>
+            <p:ph type="body" idx="1"/>
+          </p:nvPr>
+        </p:nvSpPr>
+        <p:spPr bwMode="auto">
+          <a:noFill/>
+          <a:extLst>
+            <a:ext uri="{909E8E84-426E-40DD-AFC4-6F175D3DCCD1}">
+              <a14:hiddenFill xmlns:a14="http://schemas.microsoft.com/office/drawing/2010/main">
+                <a:solidFill>
+                  <a:srgbClr val="FFFFFF"/>
+                </a:solidFill>
+              </a14:hiddenFill>
+            </a:ext>
+            <a:ext uri="{91240B29-F687-4F45-9708-019B960494DF}">
+              <a14:hiddenLine xmlns:a14="http://schemas.microsoft.com/office/drawing/2010/main" w="9525">
+                <a:solidFill>
+                  <a:srgbClr val="000000"/>
+                </a:solidFill>
+                <a:miter lim="800000"/>
+                <a:headEnd/>
+                <a:tailEnd/>
+              </a14:hiddenLine>
+            </a:ext>
+          </a:extLst>
+        </p:spPr>
+        <p:txBody>
+          <a:bodyPr wrap="square" numCol="1" anchor="t" anchorCtr="0" compatLnSpc="1">
+            <a:prstTxWarp prst="textNoShape">
+              <a:avLst/>
+            </a:prstTxWarp>
+          </a:bodyPr>
+          <a:lstStyle/>
+          <a:p>
+            <a:endParaRPr kumimoji="1" lang="en-US" altLang="ko-KR" dirty="0" smtClean="0"/>
+          </a:p>
+        </p:txBody>
+      </p:sp>
+      <p:sp>
+        <p:nvSpPr>
+          <p:cNvPr id="11268" name="슬라이드 번호 개체 틀 3"/>
+          <p:cNvSpPr>
+            <a:spLocks noGrp="1" noChangeArrowheads="1"/>
+          </p:cNvSpPr>
+          <p:nvPr>
+            <p:ph type="sldNum" sz="quarter" idx="5"/>
+          </p:nvPr>
+        </p:nvSpPr>
+        <p:spPr bwMode="auto">
+          <a:noFill/>
+          <a:extLst>
+            <a:ext uri="{909E8E84-426E-40DD-AFC4-6F175D3DCCD1}">
+              <a14:hiddenFill xmlns:a14="http://schemas.microsoft.com/office/drawing/2010/main">
+                <a:solidFill>
+                  <a:srgbClr val="FFFFFF"/>
+                </a:solidFill>
+              </a14:hiddenFill>
+            </a:ext>
+            <a:ext uri="{91240B29-F687-4F45-9708-019B960494DF}">
+              <a14:hiddenLine xmlns:a14="http://schemas.microsoft.com/office/drawing/2010/main" w="9525">
+                <a:solidFill>
+                  <a:srgbClr val="000000"/>
+                </a:solidFill>
+                <a:miter lim="800000"/>
+                <a:headEnd/>
+                <a:tailEnd/>
+              </a14:hiddenLine>
+            </a:ext>
+          </a:extLst>
+        </p:spPr>
+        <p:txBody>
+          <a:bodyPr/>
+          <a:lstStyle>
+            <a:lvl1pPr>
+              <a:defRPr kumimoji="1">
+                <a:solidFill>
+                  <a:schemeClr val="tx1"/>
+                </a:solidFill>
+                <a:latin typeface="굴림" panose="020B0600000101010101" pitchFamily="50" charset="-127"/>
+                <a:ea typeface="굴림" panose="020B0600000101010101" pitchFamily="50" charset="-127"/>
+              </a:defRPr>
+            </a:lvl1pPr>
+            <a:lvl2pPr marL="742950" indent="-285750">
+              <a:defRPr kumimoji="1">
+                <a:solidFill>
+                  <a:schemeClr val="tx1"/>
+                </a:solidFill>
+                <a:latin typeface="굴림" panose="020B0600000101010101" pitchFamily="50" charset="-127"/>
+                <a:ea typeface="굴림" panose="020B0600000101010101" pitchFamily="50" charset="-127"/>
+              </a:defRPr>
+            </a:lvl2pPr>
+            <a:lvl3pPr marL="1143000" indent="-228600">
+              <a:defRPr kumimoji="1">
+                <a:solidFill>
+                  <a:schemeClr val="tx1"/>
+                </a:solidFill>
+                <a:latin typeface="굴림" panose="020B0600000101010101" pitchFamily="50" charset="-127"/>
+                <a:ea typeface="굴림" panose="020B0600000101010101" pitchFamily="50" charset="-127"/>
+              </a:defRPr>
+            </a:lvl3pPr>
+            <a:lvl4pPr marL="1600200" indent="-228600">
+              <a:defRPr kumimoji="1">
+                <a:solidFill>
+                  <a:schemeClr val="tx1"/>
+                </a:solidFill>
+                <a:latin typeface="굴림" panose="020B0600000101010101" pitchFamily="50" charset="-127"/>
+                <a:ea typeface="굴림" panose="020B0600000101010101" pitchFamily="50" charset="-127"/>
+              </a:defRPr>
+            </a:lvl4pPr>
+            <a:lvl5pPr marL="2057400" indent="-228600">
+              <a:defRPr kumimoji="1">
+                <a:solidFill>
+                  <a:schemeClr val="tx1"/>
+                </a:solidFill>
+                <a:latin typeface="굴림" panose="020B0600000101010101" pitchFamily="50" charset="-127"/>
+                <a:ea typeface="굴림" panose="020B0600000101010101" pitchFamily="50" charset="-127"/>
+              </a:defRPr>
+            </a:lvl5pPr>
+            <a:lvl6pPr marL="2514600" indent="-228600" eaLnBrk="0" fontAlgn="base" hangingPunct="0">
+              <a:spcBef>
+                <a:spcPct val="0"/>
+              </a:spcBef>
+              <a:spcAft>
+                <a:spcPct val="0"/>
+              </a:spcAft>
+              <a:defRPr kumimoji="1">
+                <a:solidFill>
+                  <a:schemeClr val="tx1"/>
+                </a:solidFill>
+                <a:latin typeface="굴림" panose="020B0600000101010101" pitchFamily="50" charset="-127"/>
+                <a:ea typeface="굴림" panose="020B0600000101010101" pitchFamily="50" charset="-127"/>
+              </a:defRPr>
+            </a:lvl6pPr>
+            <a:lvl7pPr marL="2971800" indent="-228600" eaLnBrk="0" fontAlgn="base" hangingPunct="0">
+              <a:spcBef>
+                <a:spcPct val="0"/>
+              </a:spcBef>
+              <a:spcAft>
+                <a:spcPct val="0"/>
+              </a:spcAft>
+              <a:defRPr kumimoji="1">
+                <a:solidFill>
+                  <a:schemeClr val="tx1"/>
+                </a:solidFill>
+                <a:latin typeface="굴림" panose="020B0600000101010101" pitchFamily="50" charset="-127"/>
+                <a:ea typeface="굴림" panose="020B0600000101010101" pitchFamily="50" charset="-127"/>
+              </a:defRPr>
+            </a:lvl7pPr>
+            <a:lvl8pPr marL="3429000" indent="-228600" eaLnBrk="0" fontAlgn="base" hangingPunct="0">
+              <a:spcBef>
+                <a:spcPct val="0"/>
+              </a:spcBef>
+              <a:spcAft>
+                <a:spcPct val="0"/>
+              </a:spcAft>
+              <a:defRPr kumimoji="1">
+                <a:solidFill>
+                  <a:schemeClr val="tx1"/>
+                </a:solidFill>
+                <a:latin typeface="굴림" panose="020B0600000101010101" pitchFamily="50" charset="-127"/>
+                <a:ea typeface="굴림" panose="020B0600000101010101" pitchFamily="50" charset="-127"/>
+              </a:defRPr>
+            </a:lvl8pPr>
+            <a:lvl9pPr marL="3886200" indent="-228600" eaLnBrk="0" fontAlgn="base" hangingPunct="0">
+              <a:spcBef>
+                <a:spcPct val="0"/>
+              </a:spcBef>
+              <a:spcAft>
+                <a:spcPct val="0"/>
+              </a:spcAft>
+              <a:defRPr kumimoji="1">
+                <a:solidFill>
+                  <a:schemeClr val="tx1"/>
+                </a:solidFill>
+                <a:latin typeface="굴림" panose="020B0600000101010101" pitchFamily="50" charset="-127"/>
+                <a:ea typeface="굴림" panose="020B0600000101010101" pitchFamily="50" charset="-127"/>
+              </a:defRPr>
+            </a:lvl9pPr>
+          </a:lstStyle>
+          <a:p>
+            <a:fld id="{969F08EA-942F-48FB-B6FD-D4FF8599C3D1}" type="slidenum">
+              <a:rPr lang="ko-KR" altLang="en-US" smtClean="0"/>
+              <a:pPr/>
+              <a:t>19</a:t>
             </a:fld>
             <a:endParaRPr lang="en-US" altLang="ko-KR" smtClean="0"/>
           </a:p>
@@ -3477,7 +3734,7 @@
             <a:fld id="{969F08EA-942F-48FB-B6FD-D4FF8599C3D1}" type="slidenum">
               <a:rPr lang="ko-KR" altLang="en-US" smtClean="0"/>
               <a:pPr/>
-              <a:t>13</a:t>
+              <a:t>12</a:t>
             </a:fld>
             <a:endParaRPr lang="en-US" altLang="ko-KR" smtClean="0"/>
           </a:p>
@@ -3486,7 +3743,7 @@
     </p:spTree>
     <p:extLst>
       <p:ext uri="{BB962C8B-B14F-4D97-AF65-F5344CB8AC3E}">
-        <p14:creationId xmlns:p14="http://schemas.microsoft.com/office/powerpoint/2010/main" val="402611901"/>
+        <p14:creationId xmlns:p14="http://schemas.microsoft.com/office/powerpoint/2010/main" val="357318573"/>
       </p:ext>
     </p:extLst>
   </p:cSld>
@@ -3742,7 +3999,7 @@
     </p:spTree>
     <p:extLst>
       <p:ext uri="{BB962C8B-B14F-4D97-AF65-F5344CB8AC3E}">
-        <p14:creationId xmlns:p14="http://schemas.microsoft.com/office/powerpoint/2010/main" val="131914518"/>
+        <p14:creationId xmlns:p14="http://schemas.microsoft.com/office/powerpoint/2010/main" val="402611901"/>
       </p:ext>
     </p:extLst>
   </p:cSld>
@@ -5848,22 +6105,58 @@
               <a:defRPr/>
             </a:pPr>
             <a:r>
-              <a:rPr lang="ko-KR" altLang="en-US" sz="2000" b="1" dirty="0" smtClean="0">
-                <a:gradFill>
-                  <a:gsLst>
-                    <a:gs pos="0">
-                      <a:srgbClr val="404040"/>
-                    </a:gs>
-                    <a:gs pos="100000">
-                      <a:srgbClr val="404040"/>
-                    </a:gs>
-                  </a:gsLst>
-                  <a:lin ang="5400000" scaled="0"/>
-                </a:gradFill>
-                <a:latin typeface="나눔고딕" panose="020D0604000000000000" pitchFamily="50" charset="-127"/>
-                <a:ea typeface="나눔고딕 ExtraBold"/>
-              </a:rPr>
-              <a:t>초음파 광물 예측</a:t>
+              <a:rPr lang="ko-KR" altLang="en-US" sz="2000" b="1" dirty="0" err="1" smtClean="0">
+                <a:gradFill>
+                  <a:gsLst>
+                    <a:gs pos="0">
+                      <a:srgbClr val="404040"/>
+                    </a:gs>
+                    <a:gs pos="100000">
+                      <a:srgbClr val="404040"/>
+                    </a:gs>
+                  </a:gsLst>
+                  <a:lin ang="5400000" scaled="0"/>
+                </a:gradFill>
+                <a:latin typeface="나눔고딕" panose="020D0604000000000000" pitchFamily="50" charset="-127"/>
+                <a:ea typeface="나눔고딕 ExtraBold"/>
+              </a:rPr>
+              <a:t>과적합</a:t>
+            </a:r>
+            <a:r>
+              <a:rPr lang="en-US" altLang="ko-KR" sz="2000" b="1" dirty="0" smtClean="0">
+                <a:gradFill>
+                  <a:gsLst>
+                    <a:gs pos="0">
+                      <a:srgbClr val="404040"/>
+                    </a:gs>
+                    <a:gs pos="100000">
+                      <a:srgbClr val="404040"/>
+                    </a:gs>
+                  </a:gsLst>
+                  <a:lin ang="5400000" scaled="0"/>
+                </a:gradFill>
+                <a:latin typeface="나눔고딕" panose="020D0604000000000000" pitchFamily="50" charset="-127"/>
+                <a:ea typeface="나눔고딕 ExtraBold"/>
+              </a:rPr>
+              <a:t>(</a:t>
+            </a:r>
+            <a:r>
+              <a:rPr lang="en-US" altLang="ko-KR" sz="2000" b="1" dirty="0" smtClean="0">
+                <a:gradFill>
+                  <a:gsLst>
+                    <a:gs pos="0">
+                      <a:srgbClr val="404040"/>
+                    </a:gs>
+                    <a:gs pos="100000">
+                      <a:srgbClr val="404040"/>
+                    </a:gs>
+                  </a:gsLst>
+                  <a:lin ang="5400000" scaled="0"/>
+                </a:gradFill>
+                <a:latin typeface="나눔고딕" panose="020D0604000000000000" pitchFamily="50" charset="-127"/>
+                <a:ea typeface="나눔고딕 ExtraBold"/>
+              </a:rPr>
+              <a:t>overfitting)</a:t>
             </a:r>
             <a:endParaRPr sz="2000" b="1" dirty="0">
               <a:gradFill>
@@ -5885,28 +6178,967 @@
       </p:sp>
       <p:pic>
         <p:nvPicPr>
-          <p:cNvPr id="2" name="그림 1"/>
+          <p:cNvPr id="1026" name="Picture 2" descr="관련 이미지"/>
           <p:cNvPicPr>
-            <a:picLocks noChangeAspect="1"/>
+            <a:picLocks noChangeAspect="1" noChangeArrowheads="1"/>
           </p:cNvPicPr>
           <p:nvPr/>
         </p:nvPicPr>
         <p:blipFill>
-          <a:blip r:embed="rId3"/>
+          <a:blip r:embed="rId3">
+            <a:extLst>
+              <a:ext uri="{28A0092B-C50C-407E-A947-70E740481C1C}">
+                <a14:useLocalDpi xmlns:a14="http://schemas.microsoft.com/office/drawing/2010/main" val="0"/>
+              </a:ext>
+            </a:extLst>
+          </a:blip>
+          <a:srcRect/>
           <a:stretch>
             <a:fillRect/>
           </a:stretch>
         </p:blipFill>
-        <p:spPr>
+        <p:spPr bwMode="auto">
           <a:xfrm>
-            <a:off x="467545" y="2780928"/>
-            <a:ext cx="4975032" cy="3703498"/>
+            <a:off x="395536" y="2329867"/>
+            <a:ext cx="5256584" cy="3753603"/>
           </a:xfrm>
           <a:prstGeom prst="rect">
             <a:avLst/>
           </a:prstGeom>
+          <a:noFill/>
+          <a:extLst>
+            <a:ext uri="{909E8E84-426E-40DD-AFC4-6F175D3DCCD1}">
+              <a14:hiddenFill xmlns:a14="http://schemas.microsoft.com/office/drawing/2010/main">
+                <a:solidFill>
+                  <a:srgbClr val="FFFFFF"/>
+                </a:solidFill>
+              </a14:hiddenFill>
+            </a:ext>
+          </a:extLst>
         </p:spPr>
       </p:pic>
+      <p:sp>
+        <p:nvSpPr>
+          <p:cNvPr id="6" name="텍스트 개체 틀 2"/>
+          <p:cNvSpPr txBox="1">
+            <a:spLocks/>
+          </p:cNvSpPr>
+          <p:nvPr/>
+        </p:nvSpPr>
+        <p:spPr>
+          <a:xfrm>
+            <a:off x="251520" y="1412776"/>
+            <a:ext cx="8640960" cy="566309"/>
+          </a:xfrm>
+          <a:prstGeom prst="rect">
+            <a:avLst/>
+          </a:prstGeom>
+          <a:noFill/>
+          <a:ln w="9525">
+            <a:noFill/>
+            <a:miter lim="800000"/>
+            <a:headEnd/>
+            <a:tailEnd/>
+          </a:ln>
+        </p:spPr>
+        <p:txBody>
+          <a:bodyPr lIns="0" tIns="0" rIns="0" bIns="0">
+            <a:spAutoFit/>
+          </a:bodyPr>
+          <a:lstStyle>
+            <a:lvl1pPr marL="0" indent="0" algn="just" defTabSz="914400" rtl="0" eaLnBrk="1" fontAlgn="base" latinLnBrk="0" hangingPunct="1">
+              <a:lnSpc>
+                <a:spcPct val="120000"/>
+              </a:lnSpc>
+              <a:spcBef>
+                <a:spcPct val="0"/>
+              </a:spcBef>
+              <a:spcAft>
+                <a:spcPct val="0"/>
+              </a:spcAft>
+              <a:buFont typeface="Arial" charset="0"/>
+              <a:buNone/>
+              <a:tabLst/>
+              <a:defRPr kumimoji="1" lang="ko-KR" altLang="en-US" sz="1000" kern="1200" smtClean="0">
+                <a:gradFill>
+                  <a:gsLst>
+                    <a:gs pos="0">
+                      <a:schemeClr val="tx1">
+                        <a:lumMod val="75000"/>
+                        <a:lumOff val="25000"/>
+                      </a:schemeClr>
+                    </a:gs>
+                    <a:gs pos="100000">
+                      <a:schemeClr val="tx1">
+                        <a:lumMod val="75000"/>
+                        <a:lumOff val="25000"/>
+                      </a:schemeClr>
+                    </a:gs>
+                  </a:gsLst>
+                  <a:lin ang="5400000" scaled="0"/>
+                </a:gradFill>
+                <a:latin typeface="KoPub돋움체 Light" panose="02020603020101020101" pitchFamily="18" charset="-127"/>
+                <a:ea typeface="KoPub돋움체 Light" panose="02020603020101020101" pitchFamily="18" charset="-127"/>
+                <a:cs typeface="+mn-cs"/>
+              </a:defRPr>
+            </a:lvl1pPr>
+            <a:lvl2pPr marL="0" indent="0" algn="just" defTabSz="914400" rtl="0" eaLnBrk="1" fontAlgn="base" latinLnBrk="0" hangingPunct="1">
+              <a:lnSpc>
+                <a:spcPct val="120000"/>
+              </a:lnSpc>
+              <a:spcBef>
+                <a:spcPct val="0"/>
+              </a:spcBef>
+              <a:spcAft>
+                <a:spcPct val="0"/>
+              </a:spcAft>
+              <a:buFont typeface="Arial" charset="0"/>
+              <a:buNone/>
+              <a:tabLst/>
+              <a:defRPr kumimoji="1" lang="ko-KR" altLang="en-US" sz="1000" kern="1200" smtClean="0">
+                <a:gradFill>
+                  <a:gsLst>
+                    <a:gs pos="0">
+                      <a:schemeClr val="tx1">
+                        <a:lumMod val="75000"/>
+                        <a:lumOff val="25000"/>
+                      </a:schemeClr>
+                    </a:gs>
+                    <a:gs pos="100000">
+                      <a:schemeClr val="tx1">
+                        <a:lumMod val="75000"/>
+                        <a:lumOff val="25000"/>
+                      </a:schemeClr>
+                    </a:gs>
+                  </a:gsLst>
+                  <a:lin ang="5400000" scaled="0"/>
+                </a:gradFill>
+                <a:latin typeface="KoPub돋움체 Light" panose="02020603020101020101" pitchFamily="18" charset="-127"/>
+                <a:ea typeface="KoPub돋움체 Light" panose="02020603020101020101" pitchFamily="18" charset="-127"/>
+                <a:cs typeface="+mn-cs"/>
+              </a:defRPr>
+            </a:lvl2pPr>
+            <a:lvl3pPr marL="0" indent="0" algn="just" defTabSz="914400" rtl="0" eaLnBrk="1" fontAlgn="base" latinLnBrk="0" hangingPunct="1">
+              <a:lnSpc>
+                <a:spcPct val="120000"/>
+              </a:lnSpc>
+              <a:spcBef>
+                <a:spcPct val="0"/>
+              </a:spcBef>
+              <a:spcAft>
+                <a:spcPct val="0"/>
+              </a:spcAft>
+              <a:buFont typeface="Arial" charset="0"/>
+              <a:buNone/>
+              <a:tabLst/>
+              <a:defRPr kumimoji="1" lang="ko-KR" altLang="en-US" sz="1000" kern="1200" smtClean="0">
+                <a:gradFill>
+                  <a:gsLst>
+                    <a:gs pos="0">
+                      <a:schemeClr val="tx1">
+                        <a:lumMod val="75000"/>
+                        <a:lumOff val="25000"/>
+                      </a:schemeClr>
+                    </a:gs>
+                    <a:gs pos="100000">
+                      <a:schemeClr val="tx1">
+                        <a:lumMod val="75000"/>
+                        <a:lumOff val="25000"/>
+                      </a:schemeClr>
+                    </a:gs>
+                  </a:gsLst>
+                  <a:lin ang="5400000" scaled="0"/>
+                </a:gradFill>
+                <a:latin typeface="KoPub돋움체 Light" panose="02020603020101020101" pitchFamily="18" charset="-127"/>
+                <a:ea typeface="KoPub돋움체 Light" panose="02020603020101020101" pitchFamily="18" charset="-127"/>
+                <a:cs typeface="+mn-cs"/>
+              </a:defRPr>
+            </a:lvl3pPr>
+            <a:lvl4pPr marL="0" indent="0" algn="just" defTabSz="914400" rtl="0" eaLnBrk="1" fontAlgn="base" latinLnBrk="0" hangingPunct="1">
+              <a:lnSpc>
+                <a:spcPct val="120000"/>
+              </a:lnSpc>
+              <a:spcBef>
+                <a:spcPct val="0"/>
+              </a:spcBef>
+              <a:spcAft>
+                <a:spcPct val="0"/>
+              </a:spcAft>
+              <a:buFont typeface="Arial" charset="0"/>
+              <a:buNone/>
+              <a:tabLst/>
+              <a:defRPr kumimoji="1" lang="ko-KR" altLang="en-US" sz="1000" kern="1200" smtClean="0">
+                <a:gradFill>
+                  <a:gsLst>
+                    <a:gs pos="0">
+                      <a:schemeClr val="tx1">
+                        <a:lumMod val="75000"/>
+                        <a:lumOff val="25000"/>
+                      </a:schemeClr>
+                    </a:gs>
+                    <a:gs pos="100000">
+                      <a:schemeClr val="tx1">
+                        <a:lumMod val="75000"/>
+                        <a:lumOff val="25000"/>
+                      </a:schemeClr>
+                    </a:gs>
+                  </a:gsLst>
+                  <a:lin ang="5400000" scaled="0"/>
+                </a:gradFill>
+                <a:latin typeface="KoPub돋움체 Light" panose="02020603020101020101" pitchFamily="18" charset="-127"/>
+                <a:ea typeface="KoPub돋움체 Light" panose="02020603020101020101" pitchFamily="18" charset="-127"/>
+                <a:cs typeface="+mn-cs"/>
+              </a:defRPr>
+            </a:lvl4pPr>
+            <a:lvl5pPr marL="0" indent="0" algn="just" defTabSz="914400" rtl="0" eaLnBrk="1" fontAlgn="base" latinLnBrk="0" hangingPunct="1">
+              <a:lnSpc>
+                <a:spcPct val="120000"/>
+              </a:lnSpc>
+              <a:spcBef>
+                <a:spcPct val="0"/>
+              </a:spcBef>
+              <a:spcAft>
+                <a:spcPct val="0"/>
+              </a:spcAft>
+              <a:buFont typeface="Arial" charset="0"/>
+              <a:buNone/>
+              <a:tabLst/>
+              <a:defRPr kumimoji="1" lang="ko-KR" altLang="en-US" sz="1000" kern="1200">
+                <a:gradFill>
+                  <a:gsLst>
+                    <a:gs pos="0">
+                      <a:schemeClr val="tx1">
+                        <a:lumMod val="75000"/>
+                        <a:lumOff val="25000"/>
+                      </a:schemeClr>
+                    </a:gs>
+                    <a:gs pos="100000">
+                      <a:schemeClr val="tx1">
+                        <a:lumMod val="75000"/>
+                        <a:lumOff val="25000"/>
+                      </a:schemeClr>
+                    </a:gs>
+                  </a:gsLst>
+                  <a:lin ang="5400000" scaled="0"/>
+                </a:gradFill>
+                <a:latin typeface="KoPub돋움체 Light" panose="02020603020101020101" pitchFamily="18" charset="-127"/>
+                <a:ea typeface="KoPub돋움체 Light" panose="02020603020101020101" pitchFamily="18" charset="-127"/>
+                <a:cs typeface="+mn-cs"/>
+              </a:defRPr>
+            </a:lvl5pPr>
+            <a:lvl6pPr marL="2514600" indent="-228600" algn="l" defTabSz="914400" rtl="0" eaLnBrk="1" latinLnBrk="1" hangingPunct="1">
+              <a:lnSpc>
+                <a:spcPct val="90000"/>
+              </a:lnSpc>
+              <a:spcBef>
+                <a:spcPts val="500"/>
+              </a:spcBef>
+              <a:buFont typeface="Arial" panose="020B0604020202020204" pitchFamily="34" charset="0"/>
+              <a:buChar char="•"/>
+              <a:defRPr sz="1800" kern="1200">
+                <a:solidFill>
+                  <a:schemeClr val="tx1"/>
+                </a:solidFill>
+                <a:latin typeface="+mn-lt"/>
+                <a:ea typeface="+mn-ea"/>
+                <a:cs typeface="+mn-cs"/>
+              </a:defRPr>
+            </a:lvl6pPr>
+            <a:lvl7pPr marL="2971800" indent="-228600" algn="l" defTabSz="914400" rtl="0" eaLnBrk="1" latinLnBrk="1" hangingPunct="1">
+              <a:lnSpc>
+                <a:spcPct val="90000"/>
+              </a:lnSpc>
+              <a:spcBef>
+                <a:spcPts val="500"/>
+              </a:spcBef>
+              <a:buFont typeface="Arial" panose="020B0604020202020204" pitchFamily="34" charset="0"/>
+              <a:buChar char="•"/>
+              <a:defRPr sz="1800" kern="1200">
+                <a:solidFill>
+                  <a:schemeClr val="tx1"/>
+                </a:solidFill>
+                <a:latin typeface="+mn-lt"/>
+                <a:ea typeface="+mn-ea"/>
+                <a:cs typeface="+mn-cs"/>
+              </a:defRPr>
+            </a:lvl7pPr>
+            <a:lvl8pPr marL="3429000" indent="-228600" algn="l" defTabSz="914400" rtl="0" eaLnBrk="1" latinLnBrk="1" hangingPunct="1">
+              <a:lnSpc>
+                <a:spcPct val="90000"/>
+              </a:lnSpc>
+              <a:spcBef>
+                <a:spcPts val="500"/>
+              </a:spcBef>
+              <a:buFont typeface="Arial" panose="020B0604020202020204" pitchFamily="34" charset="0"/>
+              <a:buChar char="•"/>
+              <a:defRPr sz="1800" kern="1200">
+                <a:solidFill>
+                  <a:schemeClr val="tx1"/>
+                </a:solidFill>
+                <a:latin typeface="+mn-lt"/>
+                <a:ea typeface="+mn-ea"/>
+                <a:cs typeface="+mn-cs"/>
+              </a:defRPr>
+            </a:lvl8pPr>
+            <a:lvl9pPr marL="3886200" indent="-228600" algn="l" defTabSz="914400" rtl="0" eaLnBrk="1" latinLnBrk="1" hangingPunct="1">
+              <a:lnSpc>
+                <a:spcPct val="90000"/>
+              </a:lnSpc>
+              <a:spcBef>
+                <a:spcPts val="500"/>
+              </a:spcBef>
+              <a:buFont typeface="Arial" panose="020B0604020202020204" pitchFamily="34" charset="0"/>
+              <a:buChar char="•"/>
+              <a:defRPr sz="1800" kern="1200">
+                <a:solidFill>
+                  <a:schemeClr val="tx1"/>
+                </a:solidFill>
+                <a:latin typeface="+mn-lt"/>
+                <a:ea typeface="+mn-ea"/>
+                <a:cs typeface="+mn-cs"/>
+              </a:defRPr>
+            </a:lvl9pPr>
+          </a:lstStyle>
+          <a:p>
+            <a:pPr algn="l">
+              <a:defRPr/>
+            </a:pPr>
+            <a:r>
+              <a:rPr lang="ko-KR" altLang="en-US" sz="1600" b="1" dirty="0" smtClean="0">
+                <a:gradFill>
+                  <a:gsLst>
+                    <a:gs pos="0">
+                      <a:srgbClr val="404040"/>
+                    </a:gs>
+                    <a:gs pos="100000">
+                      <a:srgbClr val="404040"/>
+                    </a:gs>
+                  </a:gsLst>
+                  <a:lin ang="5400000" scaled="0"/>
+                </a:gradFill>
+                <a:latin typeface="나눔고딕" panose="020D0604000000000000" pitchFamily="50" charset="-127"/>
+                <a:ea typeface="나눔고딕 ExtraBold"/>
+              </a:rPr>
+              <a:t>     데이터를 과하게 학습하는 것</a:t>
+            </a:r>
+            <a:endParaRPr lang="en-US" altLang="ko-KR" sz="1600" b="1" dirty="0" smtClean="0">
+              <a:gradFill>
+                <a:gsLst>
+                  <a:gs pos="0">
+                    <a:srgbClr val="404040"/>
+                  </a:gs>
+                  <a:gs pos="100000">
+                    <a:srgbClr val="404040"/>
+                  </a:gs>
+                </a:gsLst>
+                <a:lin ang="5400000" scaled="0"/>
+              </a:gradFill>
+              <a:latin typeface="나눔고딕" panose="020D0604000000000000" pitchFamily="50" charset="-127"/>
+              <a:ea typeface="나눔고딕 ExtraBold"/>
+            </a:endParaRPr>
+          </a:p>
+          <a:p>
+            <a:pPr algn="l">
+              <a:defRPr/>
+            </a:pPr>
+            <a:r>
+              <a:rPr lang="ko-KR" altLang="en-US" sz="1600" b="1" dirty="0" smtClean="0">
+                <a:gradFill>
+                  <a:gsLst>
+                    <a:gs pos="0">
+                      <a:srgbClr val="404040"/>
+                    </a:gs>
+                    <a:gs pos="100000">
+                      <a:srgbClr val="404040"/>
+                    </a:gs>
+                  </a:gsLst>
+                  <a:lin ang="5400000" scaled="0"/>
+                </a:gradFill>
+                <a:latin typeface="나눔고딕" panose="020D0604000000000000" pitchFamily="50" charset="-127"/>
+                <a:ea typeface="나눔고딕 ExtraBold"/>
+              </a:rPr>
+              <a:t>     학습데이터에 대해서는 오차가 감소하지만 실제 데이터는 오차가 증가</a:t>
+            </a:r>
+            <a:endParaRPr sz="1600" b="1" dirty="0">
+              <a:gradFill>
+                <a:gsLst>
+                  <a:gs pos="0">
+                    <a:srgbClr val="404040"/>
+                  </a:gs>
+                  <a:gs pos="100000">
+                    <a:srgbClr val="404040"/>
+                  </a:gs>
+                </a:gsLst>
+                <a:lin ang="5400000" scaled="0"/>
+              </a:gradFill>
+              <a:latin typeface="나눔고딕" panose="020D0604000000000000" pitchFamily="50" charset="-127"/>
+              <a:ea typeface="나눔고딕 ExtraBold"/>
+            </a:endParaRPr>
+          </a:p>
+        </p:txBody>
+      </p:sp>
+      <p:sp>
+        <p:nvSpPr>
+          <p:cNvPr id="8" name="텍스트 개체 틀 2"/>
+          <p:cNvSpPr txBox="1">
+            <a:spLocks/>
+          </p:cNvSpPr>
+          <p:nvPr/>
+        </p:nvSpPr>
+        <p:spPr>
+          <a:xfrm>
+            <a:off x="5900255" y="3283338"/>
+            <a:ext cx="3000287" cy="1846659"/>
+          </a:xfrm>
+          <a:prstGeom prst="rect">
+            <a:avLst/>
+          </a:prstGeom>
+          <a:noFill/>
+          <a:ln w="9525">
+            <a:noFill/>
+            <a:miter lim="800000"/>
+            <a:headEnd/>
+            <a:tailEnd/>
+          </a:ln>
+        </p:spPr>
+        <p:txBody>
+          <a:bodyPr wrap="square" lIns="0" tIns="0" rIns="0" bIns="0">
+            <a:spAutoFit/>
+          </a:bodyPr>
+          <a:lstStyle>
+            <a:lvl1pPr marL="0" indent="0" algn="just" defTabSz="914400" rtl="0" eaLnBrk="1" fontAlgn="base" latinLnBrk="0" hangingPunct="1">
+              <a:lnSpc>
+                <a:spcPct val="120000"/>
+              </a:lnSpc>
+              <a:spcBef>
+                <a:spcPct val="0"/>
+              </a:spcBef>
+              <a:spcAft>
+                <a:spcPct val="0"/>
+              </a:spcAft>
+              <a:buFont typeface="Arial" charset="0"/>
+              <a:buNone/>
+              <a:tabLst/>
+              <a:defRPr kumimoji="1" lang="ko-KR" altLang="en-US" sz="1000" kern="1200" smtClean="0">
+                <a:gradFill>
+                  <a:gsLst>
+                    <a:gs pos="0">
+                      <a:schemeClr val="tx1">
+                        <a:lumMod val="75000"/>
+                        <a:lumOff val="25000"/>
+                      </a:schemeClr>
+                    </a:gs>
+                    <a:gs pos="100000">
+                      <a:schemeClr val="tx1">
+                        <a:lumMod val="75000"/>
+                        <a:lumOff val="25000"/>
+                      </a:schemeClr>
+                    </a:gs>
+                  </a:gsLst>
+                  <a:lin ang="5400000" scaled="0"/>
+                </a:gradFill>
+                <a:latin typeface="KoPub돋움체 Light" panose="02020603020101020101" pitchFamily="18" charset="-127"/>
+                <a:ea typeface="KoPub돋움체 Light" panose="02020603020101020101" pitchFamily="18" charset="-127"/>
+                <a:cs typeface="+mn-cs"/>
+              </a:defRPr>
+            </a:lvl1pPr>
+            <a:lvl2pPr marL="0" indent="0" algn="just" defTabSz="914400" rtl="0" eaLnBrk="1" fontAlgn="base" latinLnBrk="0" hangingPunct="1">
+              <a:lnSpc>
+                <a:spcPct val="120000"/>
+              </a:lnSpc>
+              <a:spcBef>
+                <a:spcPct val="0"/>
+              </a:spcBef>
+              <a:spcAft>
+                <a:spcPct val="0"/>
+              </a:spcAft>
+              <a:buFont typeface="Arial" charset="0"/>
+              <a:buNone/>
+              <a:tabLst/>
+              <a:defRPr kumimoji="1" lang="ko-KR" altLang="en-US" sz="1000" kern="1200" smtClean="0">
+                <a:gradFill>
+                  <a:gsLst>
+                    <a:gs pos="0">
+                      <a:schemeClr val="tx1">
+                        <a:lumMod val="75000"/>
+                        <a:lumOff val="25000"/>
+                      </a:schemeClr>
+                    </a:gs>
+                    <a:gs pos="100000">
+                      <a:schemeClr val="tx1">
+                        <a:lumMod val="75000"/>
+                        <a:lumOff val="25000"/>
+                      </a:schemeClr>
+                    </a:gs>
+                  </a:gsLst>
+                  <a:lin ang="5400000" scaled="0"/>
+                </a:gradFill>
+                <a:latin typeface="KoPub돋움체 Light" panose="02020603020101020101" pitchFamily="18" charset="-127"/>
+                <a:ea typeface="KoPub돋움체 Light" panose="02020603020101020101" pitchFamily="18" charset="-127"/>
+                <a:cs typeface="+mn-cs"/>
+              </a:defRPr>
+            </a:lvl2pPr>
+            <a:lvl3pPr marL="0" indent="0" algn="just" defTabSz="914400" rtl="0" eaLnBrk="1" fontAlgn="base" latinLnBrk="0" hangingPunct="1">
+              <a:lnSpc>
+                <a:spcPct val="120000"/>
+              </a:lnSpc>
+              <a:spcBef>
+                <a:spcPct val="0"/>
+              </a:spcBef>
+              <a:spcAft>
+                <a:spcPct val="0"/>
+              </a:spcAft>
+              <a:buFont typeface="Arial" charset="0"/>
+              <a:buNone/>
+              <a:tabLst/>
+              <a:defRPr kumimoji="1" lang="ko-KR" altLang="en-US" sz="1000" kern="1200" smtClean="0">
+                <a:gradFill>
+                  <a:gsLst>
+                    <a:gs pos="0">
+                      <a:schemeClr val="tx1">
+                        <a:lumMod val="75000"/>
+                        <a:lumOff val="25000"/>
+                      </a:schemeClr>
+                    </a:gs>
+                    <a:gs pos="100000">
+                      <a:schemeClr val="tx1">
+                        <a:lumMod val="75000"/>
+                        <a:lumOff val="25000"/>
+                      </a:schemeClr>
+                    </a:gs>
+                  </a:gsLst>
+                  <a:lin ang="5400000" scaled="0"/>
+                </a:gradFill>
+                <a:latin typeface="KoPub돋움체 Light" panose="02020603020101020101" pitchFamily="18" charset="-127"/>
+                <a:ea typeface="KoPub돋움체 Light" panose="02020603020101020101" pitchFamily="18" charset="-127"/>
+                <a:cs typeface="+mn-cs"/>
+              </a:defRPr>
+            </a:lvl3pPr>
+            <a:lvl4pPr marL="0" indent="0" algn="just" defTabSz="914400" rtl="0" eaLnBrk="1" fontAlgn="base" latinLnBrk="0" hangingPunct="1">
+              <a:lnSpc>
+                <a:spcPct val="120000"/>
+              </a:lnSpc>
+              <a:spcBef>
+                <a:spcPct val="0"/>
+              </a:spcBef>
+              <a:spcAft>
+                <a:spcPct val="0"/>
+              </a:spcAft>
+              <a:buFont typeface="Arial" charset="0"/>
+              <a:buNone/>
+              <a:tabLst/>
+              <a:defRPr kumimoji="1" lang="ko-KR" altLang="en-US" sz="1000" kern="1200" smtClean="0">
+                <a:gradFill>
+                  <a:gsLst>
+                    <a:gs pos="0">
+                      <a:schemeClr val="tx1">
+                        <a:lumMod val="75000"/>
+                        <a:lumOff val="25000"/>
+                      </a:schemeClr>
+                    </a:gs>
+                    <a:gs pos="100000">
+                      <a:schemeClr val="tx1">
+                        <a:lumMod val="75000"/>
+                        <a:lumOff val="25000"/>
+                      </a:schemeClr>
+                    </a:gs>
+                  </a:gsLst>
+                  <a:lin ang="5400000" scaled="0"/>
+                </a:gradFill>
+                <a:latin typeface="KoPub돋움체 Light" panose="02020603020101020101" pitchFamily="18" charset="-127"/>
+                <a:ea typeface="KoPub돋움체 Light" panose="02020603020101020101" pitchFamily="18" charset="-127"/>
+                <a:cs typeface="+mn-cs"/>
+              </a:defRPr>
+            </a:lvl4pPr>
+            <a:lvl5pPr marL="0" indent="0" algn="just" defTabSz="914400" rtl="0" eaLnBrk="1" fontAlgn="base" latinLnBrk="0" hangingPunct="1">
+              <a:lnSpc>
+                <a:spcPct val="120000"/>
+              </a:lnSpc>
+              <a:spcBef>
+                <a:spcPct val="0"/>
+              </a:spcBef>
+              <a:spcAft>
+                <a:spcPct val="0"/>
+              </a:spcAft>
+              <a:buFont typeface="Arial" charset="0"/>
+              <a:buNone/>
+              <a:tabLst/>
+              <a:defRPr kumimoji="1" lang="ko-KR" altLang="en-US" sz="1000" kern="1200">
+                <a:gradFill>
+                  <a:gsLst>
+                    <a:gs pos="0">
+                      <a:schemeClr val="tx1">
+                        <a:lumMod val="75000"/>
+                        <a:lumOff val="25000"/>
+                      </a:schemeClr>
+                    </a:gs>
+                    <a:gs pos="100000">
+                      <a:schemeClr val="tx1">
+                        <a:lumMod val="75000"/>
+                        <a:lumOff val="25000"/>
+                      </a:schemeClr>
+                    </a:gs>
+                  </a:gsLst>
+                  <a:lin ang="5400000" scaled="0"/>
+                </a:gradFill>
+                <a:latin typeface="KoPub돋움체 Light" panose="02020603020101020101" pitchFamily="18" charset="-127"/>
+                <a:ea typeface="KoPub돋움체 Light" panose="02020603020101020101" pitchFamily="18" charset="-127"/>
+                <a:cs typeface="+mn-cs"/>
+              </a:defRPr>
+            </a:lvl5pPr>
+            <a:lvl6pPr marL="2514600" indent="-228600" algn="l" defTabSz="914400" rtl="0" eaLnBrk="1" latinLnBrk="1" hangingPunct="1">
+              <a:lnSpc>
+                <a:spcPct val="90000"/>
+              </a:lnSpc>
+              <a:spcBef>
+                <a:spcPts val="500"/>
+              </a:spcBef>
+              <a:buFont typeface="Arial" panose="020B0604020202020204" pitchFamily="34" charset="0"/>
+              <a:buChar char="•"/>
+              <a:defRPr sz="1800" kern="1200">
+                <a:solidFill>
+                  <a:schemeClr val="tx1"/>
+                </a:solidFill>
+                <a:latin typeface="+mn-lt"/>
+                <a:ea typeface="+mn-ea"/>
+                <a:cs typeface="+mn-cs"/>
+              </a:defRPr>
+            </a:lvl6pPr>
+            <a:lvl7pPr marL="2971800" indent="-228600" algn="l" defTabSz="914400" rtl="0" eaLnBrk="1" latinLnBrk="1" hangingPunct="1">
+              <a:lnSpc>
+                <a:spcPct val="90000"/>
+              </a:lnSpc>
+              <a:spcBef>
+                <a:spcPts val="500"/>
+              </a:spcBef>
+              <a:buFont typeface="Arial" panose="020B0604020202020204" pitchFamily="34" charset="0"/>
+              <a:buChar char="•"/>
+              <a:defRPr sz="1800" kern="1200">
+                <a:solidFill>
+                  <a:schemeClr val="tx1"/>
+                </a:solidFill>
+                <a:latin typeface="+mn-lt"/>
+                <a:ea typeface="+mn-ea"/>
+                <a:cs typeface="+mn-cs"/>
+              </a:defRPr>
+            </a:lvl7pPr>
+            <a:lvl8pPr marL="3429000" indent="-228600" algn="l" defTabSz="914400" rtl="0" eaLnBrk="1" latinLnBrk="1" hangingPunct="1">
+              <a:lnSpc>
+                <a:spcPct val="90000"/>
+              </a:lnSpc>
+              <a:spcBef>
+                <a:spcPts val="500"/>
+              </a:spcBef>
+              <a:buFont typeface="Arial" panose="020B0604020202020204" pitchFamily="34" charset="0"/>
+              <a:buChar char="•"/>
+              <a:defRPr sz="1800" kern="1200">
+                <a:solidFill>
+                  <a:schemeClr val="tx1"/>
+                </a:solidFill>
+                <a:latin typeface="+mn-lt"/>
+                <a:ea typeface="+mn-ea"/>
+                <a:cs typeface="+mn-cs"/>
+              </a:defRPr>
+            </a:lvl8pPr>
+            <a:lvl9pPr marL="3886200" indent="-228600" algn="l" defTabSz="914400" rtl="0" eaLnBrk="1" latinLnBrk="1" hangingPunct="1">
+              <a:lnSpc>
+                <a:spcPct val="90000"/>
+              </a:lnSpc>
+              <a:spcBef>
+                <a:spcPts val="500"/>
+              </a:spcBef>
+              <a:buFont typeface="Arial" panose="020B0604020202020204" pitchFamily="34" charset="0"/>
+              <a:buChar char="•"/>
+              <a:defRPr sz="1800" kern="1200">
+                <a:solidFill>
+                  <a:schemeClr val="tx1"/>
+                </a:solidFill>
+                <a:latin typeface="+mn-lt"/>
+                <a:ea typeface="+mn-ea"/>
+                <a:cs typeface="+mn-cs"/>
+              </a:defRPr>
+            </a:lvl9pPr>
+          </a:lstStyle>
+          <a:p>
+            <a:pPr marL="285750" indent="-285750" algn="l">
+              <a:lnSpc>
+                <a:spcPct val="150000"/>
+              </a:lnSpc>
+              <a:buFont typeface="Wingdings" panose="05000000000000000000" pitchFamily="2" charset="2"/>
+              <a:buChar char="ü"/>
+              <a:defRPr/>
+            </a:pPr>
+            <a:r>
+              <a:rPr lang="ko-KR" altLang="en-US" sz="1600" b="1" dirty="0" err="1" smtClean="0">
+                <a:gradFill>
+                  <a:gsLst>
+                    <a:gs pos="0">
+                      <a:srgbClr val="404040"/>
+                    </a:gs>
+                    <a:gs pos="100000">
+                      <a:srgbClr val="404040"/>
+                    </a:gs>
+                  </a:gsLst>
+                  <a:lin ang="5400000" scaled="0"/>
+                </a:gradFill>
+                <a:latin typeface="나눔고딕" panose="020D0604000000000000" pitchFamily="50" charset="-127"/>
+                <a:ea typeface="나눔고딕 ExtraBold"/>
+              </a:rPr>
+              <a:t>학습셋과</a:t>
+            </a:r>
+            <a:r>
+              <a:rPr lang="ko-KR" altLang="en-US" sz="1600" b="1" dirty="0" smtClean="0">
+                <a:gradFill>
+                  <a:gsLst>
+                    <a:gs pos="0">
+                      <a:srgbClr val="404040"/>
+                    </a:gs>
+                    <a:gs pos="100000">
+                      <a:srgbClr val="404040"/>
+                    </a:gs>
+                  </a:gsLst>
+                  <a:lin ang="5400000" scaled="0"/>
+                </a:gradFill>
+                <a:latin typeface="나눔고딕" panose="020D0604000000000000" pitchFamily="50" charset="-127"/>
+                <a:ea typeface="나눔고딕 ExtraBold"/>
+              </a:rPr>
+              <a:t> </a:t>
+            </a:r>
+            <a:r>
+              <a:rPr lang="ko-KR" altLang="en-US" sz="1600" b="1" dirty="0" err="1" smtClean="0">
+                <a:gradFill>
+                  <a:gsLst>
+                    <a:gs pos="0">
+                      <a:srgbClr val="404040"/>
+                    </a:gs>
+                    <a:gs pos="100000">
+                      <a:srgbClr val="404040"/>
+                    </a:gs>
+                  </a:gsLst>
+                  <a:lin ang="5400000" scaled="0"/>
+                </a:gradFill>
+                <a:latin typeface="나눔고딕" panose="020D0604000000000000" pitchFamily="50" charset="-127"/>
+                <a:ea typeface="나눔고딕 ExtraBold"/>
+              </a:rPr>
+              <a:t>테스트셋을</a:t>
+            </a:r>
+            <a:r>
+              <a:rPr lang="ko-KR" altLang="en-US" sz="1600" b="1" dirty="0" smtClean="0">
+                <a:gradFill>
+                  <a:gsLst>
+                    <a:gs pos="0">
+                      <a:srgbClr val="404040"/>
+                    </a:gs>
+                    <a:gs pos="100000">
+                      <a:srgbClr val="404040"/>
+                    </a:gs>
+                  </a:gsLst>
+                  <a:lin ang="5400000" scaled="0"/>
+                </a:gradFill>
+                <a:latin typeface="나눔고딕" panose="020D0604000000000000" pitchFamily="50" charset="-127"/>
+                <a:ea typeface="나눔고딕 ExtraBold"/>
+              </a:rPr>
+              <a:t> </a:t>
+            </a:r>
+            <a:endParaRPr lang="en-US" altLang="ko-KR" sz="1600" b="1" dirty="0" smtClean="0">
+              <a:gradFill>
+                <a:gsLst>
+                  <a:gs pos="0">
+                    <a:srgbClr val="404040"/>
+                  </a:gs>
+                  <a:gs pos="100000">
+                    <a:srgbClr val="404040"/>
+                  </a:gs>
+                </a:gsLst>
+                <a:lin ang="5400000" scaled="0"/>
+              </a:gradFill>
+              <a:latin typeface="나눔고딕" panose="020D0604000000000000" pitchFamily="50" charset="-127"/>
+              <a:ea typeface="나눔고딕 ExtraBold"/>
+            </a:endParaRPr>
+          </a:p>
+          <a:p>
+            <a:pPr algn="l">
+              <a:lnSpc>
+                <a:spcPct val="150000"/>
+              </a:lnSpc>
+              <a:defRPr/>
+            </a:pPr>
+            <a:r>
+              <a:rPr lang="en-US" altLang="ko-KR" sz="1600" b="1" dirty="0">
+                <a:gradFill>
+                  <a:gsLst>
+                    <a:gs pos="0">
+                      <a:srgbClr val="404040"/>
+                    </a:gs>
+                    <a:gs pos="100000">
+                      <a:srgbClr val="404040"/>
+                    </a:gs>
+                  </a:gsLst>
+                  <a:lin ang="5400000" scaled="0"/>
+                </a:gradFill>
+                <a:latin typeface="나눔고딕" panose="020D0604000000000000" pitchFamily="50" charset="-127"/>
+                <a:ea typeface="나눔고딕 ExtraBold"/>
+              </a:rPr>
+              <a:t> </a:t>
+            </a:r>
+            <a:r>
+              <a:rPr lang="en-US" altLang="ko-KR" sz="1600" b="1" dirty="0" smtClean="0">
+                <a:gradFill>
+                  <a:gsLst>
+                    <a:gs pos="0">
+                      <a:srgbClr val="404040"/>
+                    </a:gs>
+                    <a:gs pos="100000">
+                      <a:srgbClr val="404040"/>
+                    </a:gs>
+                  </a:gsLst>
+                  <a:lin ang="5400000" scaled="0"/>
+                </a:gradFill>
+                <a:latin typeface="나눔고딕" panose="020D0604000000000000" pitchFamily="50" charset="-127"/>
+                <a:ea typeface="나눔고딕 ExtraBold"/>
+              </a:rPr>
+              <a:t>    </a:t>
+            </a:r>
+            <a:r>
+              <a:rPr lang="ko-KR" altLang="en-US" sz="1600" b="1" dirty="0" smtClean="0">
+                <a:gradFill>
+                  <a:gsLst>
+                    <a:gs pos="0">
+                      <a:srgbClr val="404040"/>
+                    </a:gs>
+                    <a:gs pos="100000">
+                      <a:srgbClr val="404040"/>
+                    </a:gs>
+                  </a:gsLst>
+                  <a:lin ang="5400000" scaled="0"/>
+                </a:gradFill>
+                <a:latin typeface="나눔고딕" panose="020D0604000000000000" pitchFamily="50" charset="-127"/>
+                <a:ea typeface="나눔고딕 ExtraBold"/>
+              </a:rPr>
+              <a:t>나누어 진행</a:t>
+            </a:r>
+            <a:endParaRPr lang="en-US" altLang="ko-KR" sz="1600" b="1" dirty="0">
+              <a:gradFill>
+                <a:gsLst>
+                  <a:gs pos="0">
+                    <a:srgbClr val="404040"/>
+                  </a:gs>
+                  <a:gs pos="100000">
+                    <a:srgbClr val="404040"/>
+                  </a:gs>
+                </a:gsLst>
+                <a:lin ang="5400000" scaled="0"/>
+              </a:gradFill>
+              <a:latin typeface="나눔고딕" panose="020D0604000000000000" pitchFamily="50" charset="-127"/>
+              <a:ea typeface="나눔고딕 ExtraBold"/>
+            </a:endParaRPr>
+          </a:p>
+          <a:p>
+            <a:pPr marL="285750" indent="-285750" algn="l">
+              <a:lnSpc>
+                <a:spcPct val="150000"/>
+              </a:lnSpc>
+              <a:buFont typeface="Wingdings" panose="05000000000000000000" pitchFamily="2" charset="2"/>
+              <a:buChar char="ü"/>
+              <a:defRPr/>
+            </a:pPr>
+            <a:r>
+              <a:rPr lang="ko-KR" altLang="en-US" sz="1600" b="1" dirty="0" err="1" smtClean="0">
+                <a:gradFill>
+                  <a:gsLst>
+                    <a:gs pos="0">
+                      <a:srgbClr val="404040"/>
+                    </a:gs>
+                    <a:gs pos="100000">
+                      <a:srgbClr val="404040"/>
+                    </a:gs>
+                  </a:gsLst>
+                  <a:lin ang="5400000" scaled="0"/>
+                </a:gradFill>
+                <a:latin typeface="나눔고딕" panose="020D0604000000000000" pitchFamily="50" charset="-127"/>
+                <a:ea typeface="나눔고딕 ExtraBold"/>
+              </a:rPr>
+              <a:t>테스트셋</a:t>
+            </a:r>
+            <a:r>
+              <a:rPr lang="ko-KR" altLang="en-US" sz="1600" b="1" dirty="0" smtClean="0">
+                <a:gradFill>
+                  <a:gsLst>
+                    <a:gs pos="0">
+                      <a:srgbClr val="404040"/>
+                    </a:gs>
+                    <a:gs pos="100000">
+                      <a:srgbClr val="404040"/>
+                    </a:gs>
+                  </a:gsLst>
+                  <a:lin ang="5400000" scaled="0"/>
+                </a:gradFill>
+                <a:latin typeface="나눔고딕" panose="020D0604000000000000" pitchFamily="50" charset="-127"/>
+                <a:ea typeface="나눔고딕 ExtraBold"/>
+              </a:rPr>
+              <a:t> 오차가 증가하는 시점에서 학습 중단</a:t>
+            </a:r>
+            <a:endParaRPr lang="en-US" altLang="ko-KR" sz="1600" b="1" dirty="0" smtClean="0">
+              <a:gradFill>
+                <a:gsLst>
+                  <a:gs pos="0">
+                    <a:srgbClr val="404040"/>
+                  </a:gs>
+                  <a:gs pos="100000">
+                    <a:srgbClr val="404040"/>
+                  </a:gs>
+                </a:gsLst>
+                <a:lin ang="5400000" scaled="0"/>
+              </a:gradFill>
+              <a:latin typeface="나눔고딕" panose="020D0604000000000000" pitchFamily="50" charset="-127"/>
+              <a:ea typeface="나눔고딕 ExtraBold"/>
+            </a:endParaRPr>
+          </a:p>
+          <a:p>
+            <a:pPr marL="285750" indent="-285750" algn="l">
+              <a:lnSpc>
+                <a:spcPct val="150000"/>
+              </a:lnSpc>
+              <a:buFont typeface="Wingdings" panose="05000000000000000000" pitchFamily="2" charset="2"/>
+              <a:buChar char="ü"/>
+              <a:defRPr/>
+            </a:pPr>
+            <a:r>
+              <a:rPr lang="ko-KR" altLang="en-US" sz="1600" b="1" dirty="0" smtClean="0">
+                <a:gradFill>
+                  <a:gsLst>
+                    <a:gs pos="0">
+                      <a:srgbClr val="404040"/>
+                    </a:gs>
+                    <a:gs pos="100000">
+                      <a:srgbClr val="404040"/>
+                    </a:gs>
+                  </a:gsLst>
+                  <a:lin ang="5400000" scaled="0"/>
+                </a:gradFill>
+                <a:latin typeface="나눔고딕" panose="020D0604000000000000" pitchFamily="50" charset="-127"/>
+                <a:ea typeface="나눔고딕 ExtraBold"/>
+              </a:rPr>
+              <a:t>중단한 시점의 모델 사용</a:t>
+            </a:r>
+            <a:endParaRPr lang="en-US" altLang="ko-KR" sz="1600" b="1" dirty="0" smtClean="0">
+              <a:gradFill>
+                <a:gsLst>
+                  <a:gs pos="0">
+                    <a:srgbClr val="404040"/>
+                  </a:gs>
+                  <a:gs pos="100000">
+                    <a:srgbClr val="404040"/>
+                  </a:gs>
+                </a:gsLst>
+                <a:lin ang="5400000" scaled="0"/>
+              </a:gradFill>
+              <a:latin typeface="나눔고딕" panose="020D0604000000000000" pitchFamily="50" charset="-127"/>
+              <a:ea typeface="나눔고딕 ExtraBold"/>
+            </a:endParaRPr>
+          </a:p>
+        </p:txBody>
+      </p:sp>
     </p:spTree>
     <p:extLst>
       <p:ext uri="{BB962C8B-B14F-4D97-AF65-F5344CB8AC3E}">
@@ -5946,6 +7178,1396 @@
       </p:grpSpPr>
       <p:sp>
         <p:nvSpPr>
+          <p:cNvPr id="10242" name="텍스트 개체 틀 3"/>
+          <p:cNvSpPr>
+            <a:spLocks noGrp="1" noChangeArrowheads="1"/>
+          </p:cNvSpPr>
+          <p:nvPr>
+            <p:ph type="body" sz="quarter" idx="4294967295"/>
+          </p:nvPr>
+        </p:nvSpPr>
+        <p:spPr bwMode="auto">
+          <a:xfrm>
+            <a:off x="755650" y="188913"/>
+            <a:ext cx="6840538" cy="522287"/>
+          </a:xfrm>
+          <a:prstGeom prst="rect">
+            <a:avLst/>
+          </a:prstGeom>
+          <a:noFill/>
+          <a:extLst>
+            <a:ext uri="{909E8E84-426E-40DD-AFC4-6F175D3DCCD1}">
+              <a14:hiddenFill xmlns:a14="http://schemas.microsoft.com/office/drawing/2010/main">
+                <a:solidFill>
+                  <a:srgbClr val="FFFFFF"/>
+                </a:solidFill>
+              </a14:hiddenFill>
+            </a:ext>
+            <a:ext uri="{91240B29-F687-4F45-9708-019B960494DF}">
+              <a14:hiddenLine xmlns:a14="http://schemas.microsoft.com/office/drawing/2010/main" w="9525">
+                <a:solidFill>
+                  <a:srgbClr val="000000"/>
+                </a:solidFill>
+                <a:miter lim="800000"/>
+                <a:headEnd/>
+                <a:tailEnd/>
+              </a14:hiddenLine>
+            </a:ext>
+          </a:extLst>
+        </p:spPr>
+        <p:txBody>
+          <a:bodyPr/>
+          <a:lstStyle/>
+          <a:p>
+            <a:pPr marL="0" indent="0">
+              <a:buFontTx/>
+              <a:buNone/>
+            </a:pPr>
+            <a:r>
+              <a:rPr lang="en-US" altLang="ko-KR" sz="2800" dirty="0">
+                <a:latin typeface="나눔고딕 ExtraBold" panose="020D0904000000000000" pitchFamily="50" charset="-127"/>
+                <a:ea typeface="나눔고딕 ExtraBold" panose="020D0904000000000000" pitchFamily="50" charset="-127"/>
+              </a:rPr>
+              <a:t>3</a:t>
+            </a:r>
+            <a:r>
+              <a:rPr lang="en-US" altLang="ko-KR" sz="2800" dirty="0" smtClean="0">
+                <a:latin typeface="나눔고딕 ExtraBold" panose="020D0904000000000000" pitchFamily="50" charset="-127"/>
+                <a:ea typeface="나눔고딕 ExtraBold" panose="020D0904000000000000" pitchFamily="50" charset="-127"/>
+              </a:rPr>
+              <a:t>. </a:t>
+            </a:r>
+            <a:r>
+              <a:rPr lang="ko-KR" altLang="en-US" sz="2800" dirty="0" err="1" smtClean="0">
+                <a:latin typeface="나눔고딕 ExtraBold" panose="020D0904000000000000" pitchFamily="50" charset="-127"/>
+                <a:ea typeface="나눔고딕 ExtraBold" panose="020D0904000000000000" pitchFamily="50" charset="-127"/>
+              </a:rPr>
+              <a:t>과적합</a:t>
+            </a:r>
+            <a:r>
+              <a:rPr lang="ko-KR" altLang="en-US" sz="2800" dirty="0" smtClean="0">
+                <a:latin typeface="나눔고딕 ExtraBold" panose="020D0904000000000000" pitchFamily="50" charset="-127"/>
+                <a:ea typeface="나눔고딕 ExtraBold" panose="020D0904000000000000" pitchFamily="50" charset="-127"/>
+              </a:rPr>
+              <a:t> 문제</a:t>
+            </a:r>
+          </a:p>
+        </p:txBody>
+      </p:sp>
+      <p:sp>
+        <p:nvSpPr>
+          <p:cNvPr id="7" name="텍스트 개체 틀 2"/>
+          <p:cNvSpPr txBox="1">
+            <a:spLocks/>
+          </p:cNvSpPr>
+          <p:nvPr/>
+        </p:nvSpPr>
+        <p:spPr>
+          <a:xfrm>
+            <a:off x="251520" y="908720"/>
+            <a:ext cx="8640960" cy="338554"/>
+          </a:xfrm>
+          <a:prstGeom prst="rect">
+            <a:avLst/>
+          </a:prstGeom>
+          <a:noFill/>
+          <a:ln w="9525">
+            <a:noFill/>
+            <a:miter lim="800000"/>
+            <a:headEnd/>
+            <a:tailEnd/>
+          </a:ln>
+        </p:spPr>
+        <p:txBody>
+          <a:bodyPr lIns="0" tIns="0" rIns="0" bIns="0">
+            <a:spAutoFit/>
+          </a:bodyPr>
+          <a:lstStyle>
+            <a:lvl1pPr marL="0" indent="0" algn="just" defTabSz="914400" rtl="0" eaLnBrk="1" fontAlgn="base" latinLnBrk="0" hangingPunct="1">
+              <a:lnSpc>
+                <a:spcPct val="120000"/>
+              </a:lnSpc>
+              <a:spcBef>
+                <a:spcPct val="0"/>
+              </a:spcBef>
+              <a:spcAft>
+                <a:spcPct val="0"/>
+              </a:spcAft>
+              <a:buFont typeface="Arial" charset="0"/>
+              <a:buNone/>
+              <a:tabLst/>
+              <a:defRPr kumimoji="1" lang="ko-KR" altLang="en-US" sz="1000" kern="1200" smtClean="0">
+                <a:gradFill>
+                  <a:gsLst>
+                    <a:gs pos="0">
+                      <a:schemeClr val="tx1">
+                        <a:lumMod val="75000"/>
+                        <a:lumOff val="25000"/>
+                      </a:schemeClr>
+                    </a:gs>
+                    <a:gs pos="100000">
+                      <a:schemeClr val="tx1">
+                        <a:lumMod val="75000"/>
+                        <a:lumOff val="25000"/>
+                      </a:schemeClr>
+                    </a:gs>
+                  </a:gsLst>
+                  <a:lin ang="5400000" scaled="0"/>
+                </a:gradFill>
+                <a:latin typeface="KoPub돋움체 Light" panose="02020603020101020101" pitchFamily="18" charset="-127"/>
+                <a:ea typeface="KoPub돋움체 Light" panose="02020603020101020101" pitchFamily="18" charset="-127"/>
+                <a:cs typeface="+mn-cs"/>
+              </a:defRPr>
+            </a:lvl1pPr>
+            <a:lvl2pPr marL="0" indent="0" algn="just" defTabSz="914400" rtl="0" eaLnBrk="1" fontAlgn="base" latinLnBrk="0" hangingPunct="1">
+              <a:lnSpc>
+                <a:spcPct val="120000"/>
+              </a:lnSpc>
+              <a:spcBef>
+                <a:spcPct val="0"/>
+              </a:spcBef>
+              <a:spcAft>
+                <a:spcPct val="0"/>
+              </a:spcAft>
+              <a:buFont typeface="Arial" charset="0"/>
+              <a:buNone/>
+              <a:tabLst/>
+              <a:defRPr kumimoji="1" lang="ko-KR" altLang="en-US" sz="1000" kern="1200" smtClean="0">
+                <a:gradFill>
+                  <a:gsLst>
+                    <a:gs pos="0">
+                      <a:schemeClr val="tx1">
+                        <a:lumMod val="75000"/>
+                        <a:lumOff val="25000"/>
+                      </a:schemeClr>
+                    </a:gs>
+                    <a:gs pos="100000">
+                      <a:schemeClr val="tx1">
+                        <a:lumMod val="75000"/>
+                        <a:lumOff val="25000"/>
+                      </a:schemeClr>
+                    </a:gs>
+                  </a:gsLst>
+                  <a:lin ang="5400000" scaled="0"/>
+                </a:gradFill>
+                <a:latin typeface="KoPub돋움체 Light" panose="02020603020101020101" pitchFamily="18" charset="-127"/>
+                <a:ea typeface="KoPub돋움체 Light" panose="02020603020101020101" pitchFamily="18" charset="-127"/>
+                <a:cs typeface="+mn-cs"/>
+              </a:defRPr>
+            </a:lvl2pPr>
+            <a:lvl3pPr marL="0" indent="0" algn="just" defTabSz="914400" rtl="0" eaLnBrk="1" fontAlgn="base" latinLnBrk="0" hangingPunct="1">
+              <a:lnSpc>
+                <a:spcPct val="120000"/>
+              </a:lnSpc>
+              <a:spcBef>
+                <a:spcPct val="0"/>
+              </a:spcBef>
+              <a:spcAft>
+                <a:spcPct val="0"/>
+              </a:spcAft>
+              <a:buFont typeface="Arial" charset="0"/>
+              <a:buNone/>
+              <a:tabLst/>
+              <a:defRPr kumimoji="1" lang="ko-KR" altLang="en-US" sz="1000" kern="1200" smtClean="0">
+                <a:gradFill>
+                  <a:gsLst>
+                    <a:gs pos="0">
+                      <a:schemeClr val="tx1">
+                        <a:lumMod val="75000"/>
+                        <a:lumOff val="25000"/>
+                      </a:schemeClr>
+                    </a:gs>
+                    <a:gs pos="100000">
+                      <a:schemeClr val="tx1">
+                        <a:lumMod val="75000"/>
+                        <a:lumOff val="25000"/>
+                      </a:schemeClr>
+                    </a:gs>
+                  </a:gsLst>
+                  <a:lin ang="5400000" scaled="0"/>
+                </a:gradFill>
+                <a:latin typeface="KoPub돋움체 Light" panose="02020603020101020101" pitchFamily="18" charset="-127"/>
+                <a:ea typeface="KoPub돋움체 Light" panose="02020603020101020101" pitchFamily="18" charset="-127"/>
+                <a:cs typeface="+mn-cs"/>
+              </a:defRPr>
+            </a:lvl3pPr>
+            <a:lvl4pPr marL="0" indent="0" algn="just" defTabSz="914400" rtl="0" eaLnBrk="1" fontAlgn="base" latinLnBrk="0" hangingPunct="1">
+              <a:lnSpc>
+                <a:spcPct val="120000"/>
+              </a:lnSpc>
+              <a:spcBef>
+                <a:spcPct val="0"/>
+              </a:spcBef>
+              <a:spcAft>
+                <a:spcPct val="0"/>
+              </a:spcAft>
+              <a:buFont typeface="Arial" charset="0"/>
+              <a:buNone/>
+              <a:tabLst/>
+              <a:defRPr kumimoji="1" lang="ko-KR" altLang="en-US" sz="1000" kern="1200" smtClean="0">
+                <a:gradFill>
+                  <a:gsLst>
+                    <a:gs pos="0">
+                      <a:schemeClr val="tx1">
+                        <a:lumMod val="75000"/>
+                        <a:lumOff val="25000"/>
+                      </a:schemeClr>
+                    </a:gs>
+                    <a:gs pos="100000">
+                      <a:schemeClr val="tx1">
+                        <a:lumMod val="75000"/>
+                        <a:lumOff val="25000"/>
+                      </a:schemeClr>
+                    </a:gs>
+                  </a:gsLst>
+                  <a:lin ang="5400000" scaled="0"/>
+                </a:gradFill>
+                <a:latin typeface="KoPub돋움체 Light" panose="02020603020101020101" pitchFamily="18" charset="-127"/>
+                <a:ea typeface="KoPub돋움체 Light" panose="02020603020101020101" pitchFamily="18" charset="-127"/>
+                <a:cs typeface="+mn-cs"/>
+              </a:defRPr>
+            </a:lvl4pPr>
+            <a:lvl5pPr marL="0" indent="0" algn="just" defTabSz="914400" rtl="0" eaLnBrk="1" fontAlgn="base" latinLnBrk="0" hangingPunct="1">
+              <a:lnSpc>
+                <a:spcPct val="120000"/>
+              </a:lnSpc>
+              <a:spcBef>
+                <a:spcPct val="0"/>
+              </a:spcBef>
+              <a:spcAft>
+                <a:spcPct val="0"/>
+              </a:spcAft>
+              <a:buFont typeface="Arial" charset="0"/>
+              <a:buNone/>
+              <a:tabLst/>
+              <a:defRPr kumimoji="1" lang="ko-KR" altLang="en-US" sz="1000" kern="1200">
+                <a:gradFill>
+                  <a:gsLst>
+                    <a:gs pos="0">
+                      <a:schemeClr val="tx1">
+                        <a:lumMod val="75000"/>
+                        <a:lumOff val="25000"/>
+                      </a:schemeClr>
+                    </a:gs>
+                    <a:gs pos="100000">
+                      <a:schemeClr val="tx1">
+                        <a:lumMod val="75000"/>
+                        <a:lumOff val="25000"/>
+                      </a:schemeClr>
+                    </a:gs>
+                  </a:gsLst>
+                  <a:lin ang="5400000" scaled="0"/>
+                </a:gradFill>
+                <a:latin typeface="KoPub돋움체 Light" panose="02020603020101020101" pitchFamily="18" charset="-127"/>
+                <a:ea typeface="KoPub돋움체 Light" panose="02020603020101020101" pitchFamily="18" charset="-127"/>
+                <a:cs typeface="+mn-cs"/>
+              </a:defRPr>
+            </a:lvl5pPr>
+            <a:lvl6pPr marL="2514600" indent="-228600" algn="l" defTabSz="914400" rtl="0" eaLnBrk="1" latinLnBrk="1" hangingPunct="1">
+              <a:lnSpc>
+                <a:spcPct val="90000"/>
+              </a:lnSpc>
+              <a:spcBef>
+                <a:spcPts val="500"/>
+              </a:spcBef>
+              <a:buFont typeface="Arial" panose="020B0604020202020204" pitchFamily="34" charset="0"/>
+              <a:buChar char="•"/>
+              <a:defRPr sz="1800" kern="1200">
+                <a:solidFill>
+                  <a:schemeClr val="tx1"/>
+                </a:solidFill>
+                <a:latin typeface="+mn-lt"/>
+                <a:ea typeface="+mn-ea"/>
+                <a:cs typeface="+mn-cs"/>
+              </a:defRPr>
+            </a:lvl6pPr>
+            <a:lvl7pPr marL="2971800" indent="-228600" algn="l" defTabSz="914400" rtl="0" eaLnBrk="1" latinLnBrk="1" hangingPunct="1">
+              <a:lnSpc>
+                <a:spcPct val="90000"/>
+              </a:lnSpc>
+              <a:spcBef>
+                <a:spcPts val="500"/>
+              </a:spcBef>
+              <a:buFont typeface="Arial" panose="020B0604020202020204" pitchFamily="34" charset="0"/>
+              <a:buChar char="•"/>
+              <a:defRPr sz="1800" kern="1200">
+                <a:solidFill>
+                  <a:schemeClr val="tx1"/>
+                </a:solidFill>
+                <a:latin typeface="+mn-lt"/>
+                <a:ea typeface="+mn-ea"/>
+                <a:cs typeface="+mn-cs"/>
+              </a:defRPr>
+            </a:lvl7pPr>
+            <a:lvl8pPr marL="3429000" indent="-228600" algn="l" defTabSz="914400" rtl="0" eaLnBrk="1" latinLnBrk="1" hangingPunct="1">
+              <a:lnSpc>
+                <a:spcPct val="90000"/>
+              </a:lnSpc>
+              <a:spcBef>
+                <a:spcPts val="500"/>
+              </a:spcBef>
+              <a:buFont typeface="Arial" panose="020B0604020202020204" pitchFamily="34" charset="0"/>
+              <a:buChar char="•"/>
+              <a:defRPr sz="1800" kern="1200">
+                <a:solidFill>
+                  <a:schemeClr val="tx1"/>
+                </a:solidFill>
+                <a:latin typeface="+mn-lt"/>
+                <a:ea typeface="+mn-ea"/>
+                <a:cs typeface="+mn-cs"/>
+              </a:defRPr>
+            </a:lvl8pPr>
+            <a:lvl9pPr marL="3886200" indent="-228600" algn="l" defTabSz="914400" rtl="0" eaLnBrk="1" latinLnBrk="1" hangingPunct="1">
+              <a:lnSpc>
+                <a:spcPct val="90000"/>
+              </a:lnSpc>
+              <a:spcBef>
+                <a:spcPts val="500"/>
+              </a:spcBef>
+              <a:buFont typeface="Arial" panose="020B0604020202020204" pitchFamily="34" charset="0"/>
+              <a:buChar char="•"/>
+              <a:defRPr sz="1800" kern="1200">
+                <a:solidFill>
+                  <a:schemeClr val="tx1"/>
+                </a:solidFill>
+                <a:latin typeface="+mn-lt"/>
+                <a:ea typeface="+mn-ea"/>
+                <a:cs typeface="+mn-cs"/>
+              </a:defRPr>
+            </a:lvl9pPr>
+          </a:lstStyle>
+          <a:p>
+            <a:pPr algn="l">
+              <a:defRPr/>
+            </a:pPr>
+            <a:r>
+              <a:rPr lang="ko-KR" altLang="en-US" sz="2000" b="1" dirty="0" smtClean="0">
+                <a:gradFill>
+                  <a:gsLst>
+                    <a:gs pos="0">
+                      <a:srgbClr val="404040"/>
+                    </a:gs>
+                    <a:gs pos="100000">
+                      <a:srgbClr val="404040"/>
+                    </a:gs>
+                  </a:gsLst>
+                  <a:lin ang="5400000" scaled="0"/>
+                </a:gradFill>
+                <a:latin typeface="나눔고딕" panose="020D0604000000000000" pitchFamily="50" charset="-127"/>
+                <a:ea typeface="나눔고딕 ExtraBold"/>
+              </a:rPr>
+              <a:t>초음파 광물 예측</a:t>
+            </a:r>
+            <a:endParaRPr sz="2000" b="1" dirty="0">
+              <a:gradFill>
+                <a:gsLst>
+                  <a:gs pos="0">
+                    <a:srgbClr val="404040"/>
+                  </a:gs>
+                  <a:gs pos="100000">
+                    <a:srgbClr val="404040"/>
+                  </a:gs>
+                </a:gsLst>
+                <a:lin ang="5400000" scaled="0"/>
+              </a:gradFill>
+              <a:latin typeface="나눔고딕" panose="020D0604000000000000" pitchFamily="50" charset="-127"/>
+              <a:ea typeface="나눔고딕 ExtraBold"/>
+            </a:endParaRPr>
+          </a:p>
+        </p:txBody>
+      </p:sp>
+      <p:sp>
+        <p:nvSpPr>
+          <p:cNvPr id="6" name="텍스트 개체 틀 2"/>
+          <p:cNvSpPr txBox="1">
+            <a:spLocks/>
+          </p:cNvSpPr>
+          <p:nvPr/>
+        </p:nvSpPr>
+        <p:spPr>
+          <a:xfrm>
+            <a:off x="251520" y="1412776"/>
+            <a:ext cx="8640960" cy="695575"/>
+          </a:xfrm>
+          <a:prstGeom prst="rect">
+            <a:avLst/>
+          </a:prstGeom>
+          <a:noFill/>
+          <a:ln w="9525">
+            <a:noFill/>
+            <a:miter lim="800000"/>
+            <a:headEnd/>
+            <a:tailEnd/>
+          </a:ln>
+        </p:spPr>
+        <p:txBody>
+          <a:bodyPr lIns="0" tIns="0" rIns="0" bIns="0">
+            <a:spAutoFit/>
+          </a:bodyPr>
+          <a:lstStyle>
+            <a:lvl1pPr marL="0" indent="0" algn="just" defTabSz="914400" rtl="0" eaLnBrk="1" fontAlgn="base" latinLnBrk="0" hangingPunct="1">
+              <a:lnSpc>
+                <a:spcPct val="120000"/>
+              </a:lnSpc>
+              <a:spcBef>
+                <a:spcPct val="0"/>
+              </a:spcBef>
+              <a:spcAft>
+                <a:spcPct val="0"/>
+              </a:spcAft>
+              <a:buFont typeface="Arial" charset="0"/>
+              <a:buNone/>
+              <a:tabLst/>
+              <a:defRPr kumimoji="1" lang="ko-KR" altLang="en-US" sz="1000" kern="1200" smtClean="0">
+                <a:gradFill>
+                  <a:gsLst>
+                    <a:gs pos="0">
+                      <a:schemeClr val="tx1">
+                        <a:lumMod val="75000"/>
+                        <a:lumOff val="25000"/>
+                      </a:schemeClr>
+                    </a:gs>
+                    <a:gs pos="100000">
+                      <a:schemeClr val="tx1">
+                        <a:lumMod val="75000"/>
+                        <a:lumOff val="25000"/>
+                      </a:schemeClr>
+                    </a:gs>
+                  </a:gsLst>
+                  <a:lin ang="5400000" scaled="0"/>
+                </a:gradFill>
+                <a:latin typeface="KoPub돋움체 Light" panose="02020603020101020101" pitchFamily="18" charset="-127"/>
+                <a:ea typeface="KoPub돋움체 Light" panose="02020603020101020101" pitchFamily="18" charset="-127"/>
+                <a:cs typeface="+mn-cs"/>
+              </a:defRPr>
+            </a:lvl1pPr>
+            <a:lvl2pPr marL="0" indent="0" algn="just" defTabSz="914400" rtl="0" eaLnBrk="1" fontAlgn="base" latinLnBrk="0" hangingPunct="1">
+              <a:lnSpc>
+                <a:spcPct val="120000"/>
+              </a:lnSpc>
+              <a:spcBef>
+                <a:spcPct val="0"/>
+              </a:spcBef>
+              <a:spcAft>
+                <a:spcPct val="0"/>
+              </a:spcAft>
+              <a:buFont typeface="Arial" charset="0"/>
+              <a:buNone/>
+              <a:tabLst/>
+              <a:defRPr kumimoji="1" lang="ko-KR" altLang="en-US" sz="1000" kern="1200" smtClean="0">
+                <a:gradFill>
+                  <a:gsLst>
+                    <a:gs pos="0">
+                      <a:schemeClr val="tx1">
+                        <a:lumMod val="75000"/>
+                        <a:lumOff val="25000"/>
+                      </a:schemeClr>
+                    </a:gs>
+                    <a:gs pos="100000">
+                      <a:schemeClr val="tx1">
+                        <a:lumMod val="75000"/>
+                        <a:lumOff val="25000"/>
+                      </a:schemeClr>
+                    </a:gs>
+                  </a:gsLst>
+                  <a:lin ang="5400000" scaled="0"/>
+                </a:gradFill>
+                <a:latin typeface="KoPub돋움체 Light" panose="02020603020101020101" pitchFamily="18" charset="-127"/>
+                <a:ea typeface="KoPub돋움체 Light" panose="02020603020101020101" pitchFamily="18" charset="-127"/>
+                <a:cs typeface="+mn-cs"/>
+              </a:defRPr>
+            </a:lvl2pPr>
+            <a:lvl3pPr marL="0" indent="0" algn="just" defTabSz="914400" rtl="0" eaLnBrk="1" fontAlgn="base" latinLnBrk="0" hangingPunct="1">
+              <a:lnSpc>
+                <a:spcPct val="120000"/>
+              </a:lnSpc>
+              <a:spcBef>
+                <a:spcPct val="0"/>
+              </a:spcBef>
+              <a:spcAft>
+                <a:spcPct val="0"/>
+              </a:spcAft>
+              <a:buFont typeface="Arial" charset="0"/>
+              <a:buNone/>
+              <a:tabLst/>
+              <a:defRPr kumimoji="1" lang="ko-KR" altLang="en-US" sz="1000" kern="1200" smtClean="0">
+                <a:gradFill>
+                  <a:gsLst>
+                    <a:gs pos="0">
+                      <a:schemeClr val="tx1">
+                        <a:lumMod val="75000"/>
+                        <a:lumOff val="25000"/>
+                      </a:schemeClr>
+                    </a:gs>
+                    <a:gs pos="100000">
+                      <a:schemeClr val="tx1">
+                        <a:lumMod val="75000"/>
+                        <a:lumOff val="25000"/>
+                      </a:schemeClr>
+                    </a:gs>
+                  </a:gsLst>
+                  <a:lin ang="5400000" scaled="0"/>
+                </a:gradFill>
+                <a:latin typeface="KoPub돋움체 Light" panose="02020603020101020101" pitchFamily="18" charset="-127"/>
+                <a:ea typeface="KoPub돋움체 Light" panose="02020603020101020101" pitchFamily="18" charset="-127"/>
+                <a:cs typeface="+mn-cs"/>
+              </a:defRPr>
+            </a:lvl3pPr>
+            <a:lvl4pPr marL="0" indent="0" algn="just" defTabSz="914400" rtl="0" eaLnBrk="1" fontAlgn="base" latinLnBrk="0" hangingPunct="1">
+              <a:lnSpc>
+                <a:spcPct val="120000"/>
+              </a:lnSpc>
+              <a:spcBef>
+                <a:spcPct val="0"/>
+              </a:spcBef>
+              <a:spcAft>
+                <a:spcPct val="0"/>
+              </a:spcAft>
+              <a:buFont typeface="Arial" charset="0"/>
+              <a:buNone/>
+              <a:tabLst/>
+              <a:defRPr kumimoji="1" lang="ko-KR" altLang="en-US" sz="1000" kern="1200" smtClean="0">
+                <a:gradFill>
+                  <a:gsLst>
+                    <a:gs pos="0">
+                      <a:schemeClr val="tx1">
+                        <a:lumMod val="75000"/>
+                        <a:lumOff val="25000"/>
+                      </a:schemeClr>
+                    </a:gs>
+                    <a:gs pos="100000">
+                      <a:schemeClr val="tx1">
+                        <a:lumMod val="75000"/>
+                        <a:lumOff val="25000"/>
+                      </a:schemeClr>
+                    </a:gs>
+                  </a:gsLst>
+                  <a:lin ang="5400000" scaled="0"/>
+                </a:gradFill>
+                <a:latin typeface="KoPub돋움체 Light" panose="02020603020101020101" pitchFamily="18" charset="-127"/>
+                <a:ea typeface="KoPub돋움체 Light" panose="02020603020101020101" pitchFamily="18" charset="-127"/>
+                <a:cs typeface="+mn-cs"/>
+              </a:defRPr>
+            </a:lvl4pPr>
+            <a:lvl5pPr marL="0" indent="0" algn="just" defTabSz="914400" rtl="0" eaLnBrk="1" fontAlgn="base" latinLnBrk="0" hangingPunct="1">
+              <a:lnSpc>
+                <a:spcPct val="120000"/>
+              </a:lnSpc>
+              <a:spcBef>
+                <a:spcPct val="0"/>
+              </a:spcBef>
+              <a:spcAft>
+                <a:spcPct val="0"/>
+              </a:spcAft>
+              <a:buFont typeface="Arial" charset="0"/>
+              <a:buNone/>
+              <a:tabLst/>
+              <a:defRPr kumimoji="1" lang="ko-KR" altLang="en-US" sz="1000" kern="1200">
+                <a:gradFill>
+                  <a:gsLst>
+                    <a:gs pos="0">
+                      <a:schemeClr val="tx1">
+                        <a:lumMod val="75000"/>
+                        <a:lumOff val="25000"/>
+                      </a:schemeClr>
+                    </a:gs>
+                    <a:gs pos="100000">
+                      <a:schemeClr val="tx1">
+                        <a:lumMod val="75000"/>
+                        <a:lumOff val="25000"/>
+                      </a:schemeClr>
+                    </a:gs>
+                  </a:gsLst>
+                  <a:lin ang="5400000" scaled="0"/>
+                </a:gradFill>
+                <a:latin typeface="KoPub돋움체 Light" panose="02020603020101020101" pitchFamily="18" charset="-127"/>
+                <a:ea typeface="KoPub돋움체 Light" panose="02020603020101020101" pitchFamily="18" charset="-127"/>
+                <a:cs typeface="+mn-cs"/>
+              </a:defRPr>
+            </a:lvl5pPr>
+            <a:lvl6pPr marL="2514600" indent="-228600" algn="l" defTabSz="914400" rtl="0" eaLnBrk="1" latinLnBrk="1" hangingPunct="1">
+              <a:lnSpc>
+                <a:spcPct val="90000"/>
+              </a:lnSpc>
+              <a:spcBef>
+                <a:spcPts val="500"/>
+              </a:spcBef>
+              <a:buFont typeface="Arial" panose="020B0604020202020204" pitchFamily="34" charset="0"/>
+              <a:buChar char="•"/>
+              <a:defRPr sz="1800" kern="1200">
+                <a:solidFill>
+                  <a:schemeClr val="tx1"/>
+                </a:solidFill>
+                <a:latin typeface="+mn-lt"/>
+                <a:ea typeface="+mn-ea"/>
+                <a:cs typeface="+mn-cs"/>
+              </a:defRPr>
+            </a:lvl6pPr>
+            <a:lvl7pPr marL="2971800" indent="-228600" algn="l" defTabSz="914400" rtl="0" eaLnBrk="1" latinLnBrk="1" hangingPunct="1">
+              <a:lnSpc>
+                <a:spcPct val="90000"/>
+              </a:lnSpc>
+              <a:spcBef>
+                <a:spcPts val="500"/>
+              </a:spcBef>
+              <a:buFont typeface="Arial" panose="020B0604020202020204" pitchFamily="34" charset="0"/>
+              <a:buChar char="•"/>
+              <a:defRPr sz="1800" kern="1200">
+                <a:solidFill>
+                  <a:schemeClr val="tx1"/>
+                </a:solidFill>
+                <a:latin typeface="+mn-lt"/>
+                <a:ea typeface="+mn-ea"/>
+                <a:cs typeface="+mn-cs"/>
+              </a:defRPr>
+            </a:lvl7pPr>
+            <a:lvl8pPr marL="3429000" indent="-228600" algn="l" defTabSz="914400" rtl="0" eaLnBrk="1" latinLnBrk="1" hangingPunct="1">
+              <a:lnSpc>
+                <a:spcPct val="90000"/>
+              </a:lnSpc>
+              <a:spcBef>
+                <a:spcPts val="500"/>
+              </a:spcBef>
+              <a:buFont typeface="Arial" panose="020B0604020202020204" pitchFamily="34" charset="0"/>
+              <a:buChar char="•"/>
+              <a:defRPr sz="1800" kern="1200">
+                <a:solidFill>
+                  <a:schemeClr val="tx1"/>
+                </a:solidFill>
+                <a:latin typeface="+mn-lt"/>
+                <a:ea typeface="+mn-ea"/>
+                <a:cs typeface="+mn-cs"/>
+              </a:defRPr>
+            </a:lvl8pPr>
+            <a:lvl9pPr marL="3886200" indent="-228600" algn="l" defTabSz="914400" rtl="0" eaLnBrk="1" latinLnBrk="1" hangingPunct="1">
+              <a:lnSpc>
+                <a:spcPct val="90000"/>
+              </a:lnSpc>
+              <a:spcBef>
+                <a:spcPts val="500"/>
+              </a:spcBef>
+              <a:buFont typeface="Arial" panose="020B0604020202020204" pitchFamily="34" charset="0"/>
+              <a:buChar char="•"/>
+              <a:defRPr sz="1800" kern="1200">
+                <a:solidFill>
+                  <a:schemeClr val="tx1"/>
+                </a:solidFill>
+                <a:latin typeface="+mn-lt"/>
+                <a:ea typeface="+mn-ea"/>
+                <a:cs typeface="+mn-cs"/>
+              </a:defRPr>
+            </a:lvl9pPr>
+          </a:lstStyle>
+          <a:p>
+            <a:pPr algn="l">
+              <a:lnSpc>
+                <a:spcPct val="150000"/>
+              </a:lnSpc>
+              <a:defRPr/>
+            </a:pPr>
+            <a:r>
+              <a:rPr lang="en-US" altLang="ko-KR" sz="1600" b="1" dirty="0" smtClean="0">
+                <a:gradFill>
+                  <a:gsLst>
+                    <a:gs pos="0">
+                      <a:srgbClr val="404040"/>
+                    </a:gs>
+                    <a:gs pos="100000">
+                      <a:srgbClr val="404040"/>
+                    </a:gs>
+                  </a:gsLst>
+                  <a:lin ang="5400000" scaled="0"/>
+                </a:gradFill>
+                <a:latin typeface="나눔고딕" panose="020D0604000000000000" pitchFamily="50" charset="-127"/>
+                <a:ea typeface="나눔고딕 ExtraBold"/>
+              </a:rPr>
+              <a:t>1988</a:t>
+            </a:r>
+            <a:r>
+              <a:rPr lang="ko-KR" altLang="en-US" sz="1600" b="1" dirty="0" smtClean="0">
+                <a:gradFill>
+                  <a:gsLst>
+                    <a:gs pos="0">
+                      <a:srgbClr val="404040"/>
+                    </a:gs>
+                    <a:gs pos="100000">
+                      <a:srgbClr val="404040"/>
+                    </a:gs>
+                  </a:gsLst>
+                  <a:lin ang="5400000" scaled="0"/>
+                </a:gradFill>
+                <a:latin typeface="나눔고딕" panose="020D0604000000000000" pitchFamily="50" charset="-127"/>
+                <a:ea typeface="나눔고딕 ExtraBold"/>
+              </a:rPr>
+              <a:t>년 존스홉킨스대학교의 </a:t>
+            </a:r>
+            <a:r>
+              <a:rPr lang="ko-KR" altLang="en-US" sz="1600" b="1" dirty="0" err="1" smtClean="0">
+                <a:gradFill>
+                  <a:gsLst>
+                    <a:gs pos="0">
+                      <a:srgbClr val="404040"/>
+                    </a:gs>
+                    <a:gs pos="100000">
+                      <a:srgbClr val="404040"/>
+                    </a:gs>
+                  </a:gsLst>
+                  <a:lin ang="5400000" scaled="0"/>
+                </a:gradFill>
+                <a:latin typeface="나눔고딕" panose="020D0604000000000000" pitchFamily="50" charset="-127"/>
+                <a:ea typeface="나눔고딕 ExtraBold"/>
+              </a:rPr>
+              <a:t>세즈노프스키</a:t>
+            </a:r>
+            <a:r>
+              <a:rPr lang="en-US" altLang="ko-KR" sz="1600" b="1" dirty="0" smtClean="0">
+                <a:gradFill>
+                  <a:gsLst>
+                    <a:gs pos="0">
+                      <a:srgbClr val="404040"/>
+                    </a:gs>
+                    <a:gs pos="100000">
+                      <a:srgbClr val="404040"/>
+                    </a:gs>
+                  </a:gsLst>
+                  <a:lin ang="5400000" scaled="0"/>
+                </a:gradFill>
+                <a:latin typeface="나눔고딕" panose="020D0604000000000000" pitchFamily="50" charset="-127"/>
+                <a:ea typeface="나눔고딕 ExtraBold"/>
+              </a:rPr>
+              <a:t>(</a:t>
+            </a:r>
+            <a:r>
+              <a:rPr lang="en-US" altLang="ko-KR" sz="1600" b="1" dirty="0" err="1" smtClean="0">
+                <a:gradFill>
+                  <a:gsLst>
+                    <a:gs pos="0">
+                      <a:srgbClr val="404040"/>
+                    </a:gs>
+                    <a:gs pos="100000">
+                      <a:srgbClr val="404040"/>
+                    </a:gs>
+                  </a:gsLst>
+                  <a:lin ang="5400000" scaled="0"/>
+                </a:gradFill>
+                <a:latin typeface="나눔고딕" panose="020D0604000000000000" pitchFamily="50" charset="-127"/>
+                <a:ea typeface="나눔고딕 ExtraBold"/>
+              </a:rPr>
+              <a:t>Sejnowski</a:t>
+            </a:r>
+            <a:r>
+              <a:rPr lang="en-US" altLang="ko-KR" sz="1600" b="1" dirty="0" smtClean="0">
+                <a:gradFill>
+                  <a:gsLst>
+                    <a:gs pos="0">
+                      <a:srgbClr val="404040"/>
+                    </a:gs>
+                    <a:gs pos="100000">
+                      <a:srgbClr val="404040"/>
+                    </a:gs>
+                  </a:gsLst>
+                  <a:lin ang="5400000" scaled="0"/>
+                </a:gradFill>
+                <a:latin typeface="나눔고딕" panose="020D0604000000000000" pitchFamily="50" charset="-127"/>
+                <a:ea typeface="나눔고딕 ExtraBold"/>
+              </a:rPr>
+              <a:t>)</a:t>
+            </a:r>
+            <a:r>
+              <a:rPr lang="ko-KR" altLang="en-US" sz="1600" b="1" dirty="0" smtClean="0">
+                <a:gradFill>
+                  <a:gsLst>
+                    <a:gs pos="0">
+                      <a:srgbClr val="404040"/>
+                    </a:gs>
+                    <a:gs pos="100000">
+                      <a:srgbClr val="404040"/>
+                    </a:gs>
+                  </a:gsLst>
+                  <a:lin ang="5400000" scaled="0"/>
+                </a:gradFill>
+                <a:latin typeface="나눔고딕" panose="020D0604000000000000" pitchFamily="50" charset="-127"/>
+                <a:ea typeface="나눔고딕 ExtraBold"/>
+              </a:rPr>
+              <a:t> 교수가 공개한 음파 탐지기 데이터</a:t>
+            </a:r>
+            <a:endParaRPr lang="en-US" altLang="ko-KR" sz="1600" b="1" dirty="0" smtClean="0">
+              <a:gradFill>
+                <a:gsLst>
+                  <a:gs pos="0">
+                    <a:srgbClr val="404040"/>
+                  </a:gs>
+                  <a:gs pos="100000">
+                    <a:srgbClr val="404040"/>
+                  </a:gs>
+                </a:gsLst>
+                <a:lin ang="5400000" scaled="0"/>
+              </a:gradFill>
+              <a:latin typeface="나눔고딕" panose="020D0604000000000000" pitchFamily="50" charset="-127"/>
+              <a:ea typeface="나눔고딕 ExtraBold"/>
+            </a:endParaRPr>
+          </a:p>
+          <a:p>
+            <a:pPr algn="l">
+              <a:lnSpc>
+                <a:spcPct val="150000"/>
+              </a:lnSpc>
+              <a:defRPr/>
+            </a:pPr>
+            <a:r>
+              <a:rPr lang="ko-KR" altLang="en-US" sz="1600" b="1" dirty="0" smtClean="0">
+                <a:gradFill>
+                  <a:gsLst>
+                    <a:gs pos="0">
+                      <a:srgbClr val="404040"/>
+                    </a:gs>
+                    <a:gs pos="100000">
+                      <a:srgbClr val="404040"/>
+                    </a:gs>
+                  </a:gsLst>
+                  <a:lin ang="5400000" scaled="0"/>
+                </a:gradFill>
+                <a:latin typeface="나눔고딕" panose="020D0604000000000000" pitchFamily="50" charset="-127"/>
+                <a:ea typeface="나눔고딕 ExtraBold"/>
+              </a:rPr>
+              <a:t>광석과 일반 돌을 음파 탐지기를 쏜 후 그 결과를 정리</a:t>
+            </a:r>
+            <a:endParaRPr sz="1600" b="1" dirty="0">
+              <a:gradFill>
+                <a:gsLst>
+                  <a:gs pos="0">
+                    <a:srgbClr val="404040"/>
+                  </a:gs>
+                  <a:gs pos="100000">
+                    <a:srgbClr val="404040"/>
+                  </a:gs>
+                </a:gsLst>
+                <a:lin ang="5400000" scaled="0"/>
+              </a:gradFill>
+              <a:latin typeface="나눔고딕" panose="020D0604000000000000" pitchFamily="50" charset="-127"/>
+              <a:ea typeface="나눔고딕 ExtraBold"/>
+            </a:endParaRPr>
+          </a:p>
+        </p:txBody>
+      </p:sp>
+      <p:pic>
+        <p:nvPicPr>
+          <p:cNvPr id="4" name="그림 3"/>
+          <p:cNvPicPr>
+            <a:picLocks noChangeAspect="1"/>
+          </p:cNvPicPr>
+          <p:nvPr/>
+        </p:nvPicPr>
+        <p:blipFill>
+          <a:blip r:embed="rId3"/>
+          <a:stretch>
+            <a:fillRect/>
+          </a:stretch>
+        </p:blipFill>
+        <p:spPr>
+          <a:xfrm>
+            <a:off x="467544" y="2636912"/>
+            <a:ext cx="6226221" cy="3384376"/>
+          </a:xfrm>
+          <a:prstGeom prst="rect">
+            <a:avLst/>
+          </a:prstGeom>
+        </p:spPr>
+      </p:pic>
+      <p:sp>
+        <p:nvSpPr>
+          <p:cNvPr id="10" name="직사각형 9"/>
+          <p:cNvSpPr/>
+          <p:nvPr/>
+        </p:nvSpPr>
+        <p:spPr>
+          <a:xfrm>
+            <a:off x="6732240" y="3645024"/>
+            <a:ext cx="2195736" cy="1569660"/>
+          </a:xfrm>
+          <a:prstGeom prst="rect">
+            <a:avLst/>
+          </a:prstGeom>
+        </p:spPr>
+        <p:txBody>
+          <a:bodyPr wrap="square">
+            <a:spAutoFit/>
+          </a:bodyPr>
+          <a:lstStyle/>
+          <a:p>
+            <a:pPr latinLnBrk="1">
+              <a:lnSpc>
+                <a:spcPct val="150000"/>
+              </a:lnSpc>
+            </a:pPr>
+            <a:r>
+              <a:rPr lang="en-US" altLang="ko-KR" sz="1600" b="1" dirty="0">
+                <a:gradFill>
+                  <a:gsLst>
+                    <a:gs pos="0">
+                      <a:srgbClr val="404040"/>
+                    </a:gs>
+                    <a:gs pos="100000">
+                      <a:srgbClr val="404040"/>
+                    </a:gs>
+                  </a:gsLst>
+                  <a:lin ang="5400000" scaled="0"/>
+                </a:gradFill>
+                <a:latin typeface="나눔고딕" panose="020D0604000000000000" pitchFamily="50" charset="-127"/>
+                <a:ea typeface="나눔고딕 ExtraBold"/>
+              </a:rPr>
+              <a:t>•</a:t>
+            </a:r>
+            <a:r>
+              <a:rPr lang="ko-KR" altLang="en-US" sz="1600" b="1" dirty="0">
+                <a:gradFill>
+                  <a:gsLst>
+                    <a:gs pos="0">
+                      <a:srgbClr val="404040"/>
+                    </a:gs>
+                    <a:gs pos="100000">
+                      <a:srgbClr val="404040"/>
+                    </a:gs>
+                  </a:gsLst>
+                  <a:lin ang="5400000" scaled="0"/>
+                </a:gradFill>
+                <a:latin typeface="나눔고딕" panose="020D0604000000000000" pitchFamily="50" charset="-127"/>
+                <a:ea typeface="나눔고딕 ExtraBold"/>
+              </a:rPr>
+              <a:t> 샘플 수</a:t>
+            </a:r>
+            <a:r>
+              <a:rPr lang="en-US" altLang="ko-KR" sz="1600" b="1" dirty="0">
+                <a:gradFill>
+                  <a:gsLst>
+                    <a:gs pos="0">
+                      <a:srgbClr val="404040"/>
+                    </a:gs>
+                    <a:gs pos="100000">
+                      <a:srgbClr val="404040"/>
+                    </a:gs>
+                  </a:gsLst>
+                  <a:lin ang="5400000" scaled="0"/>
+                </a:gradFill>
+                <a:latin typeface="나눔고딕" panose="020D0604000000000000" pitchFamily="50" charset="-127"/>
+                <a:ea typeface="나눔고딕 ExtraBold"/>
+              </a:rPr>
+              <a:t>: </a:t>
+            </a:r>
+            <a:r>
+              <a:rPr lang="en-US" altLang="ko-KR" sz="1600" b="1" dirty="0" smtClean="0">
+                <a:gradFill>
+                  <a:gsLst>
+                    <a:gs pos="0">
+                      <a:srgbClr val="404040"/>
+                    </a:gs>
+                    <a:gs pos="100000">
+                      <a:srgbClr val="404040"/>
+                    </a:gs>
+                  </a:gsLst>
+                  <a:lin ang="5400000" scaled="0"/>
+                </a:gradFill>
+                <a:latin typeface="나눔고딕" panose="020D0604000000000000" pitchFamily="50" charset="-127"/>
+                <a:ea typeface="나눔고딕 ExtraBold"/>
+              </a:rPr>
+              <a:t>208</a:t>
+            </a:r>
+            <a:endParaRPr lang="en-US" altLang="ko-KR" sz="1600" b="1" dirty="0">
+              <a:gradFill>
+                <a:gsLst>
+                  <a:gs pos="0">
+                    <a:srgbClr val="404040"/>
+                  </a:gs>
+                  <a:gs pos="100000">
+                    <a:srgbClr val="404040"/>
+                  </a:gs>
+                </a:gsLst>
+                <a:lin ang="5400000" scaled="0"/>
+              </a:gradFill>
+              <a:latin typeface="나눔고딕" panose="020D0604000000000000" pitchFamily="50" charset="-127"/>
+              <a:ea typeface="나눔고딕 ExtraBold"/>
+            </a:endParaRPr>
+          </a:p>
+          <a:p>
+            <a:pPr latinLnBrk="1">
+              <a:lnSpc>
+                <a:spcPct val="150000"/>
+              </a:lnSpc>
+            </a:pPr>
+            <a:r>
+              <a:rPr lang="en-US" altLang="ko-KR" sz="1600" b="1" dirty="0">
+                <a:gradFill>
+                  <a:gsLst>
+                    <a:gs pos="0">
+                      <a:srgbClr val="404040"/>
+                    </a:gs>
+                    <a:gs pos="100000">
+                      <a:srgbClr val="404040"/>
+                    </a:gs>
+                  </a:gsLst>
+                  <a:lin ang="5400000" scaled="0"/>
+                </a:gradFill>
+                <a:latin typeface="나눔고딕" panose="020D0604000000000000" pitchFamily="50" charset="-127"/>
+                <a:ea typeface="나눔고딕 ExtraBold"/>
+              </a:rPr>
+              <a:t>•</a:t>
+            </a:r>
+            <a:r>
+              <a:rPr lang="ko-KR" altLang="en-US" sz="1600" b="1" dirty="0">
+                <a:gradFill>
+                  <a:gsLst>
+                    <a:gs pos="0">
+                      <a:srgbClr val="404040"/>
+                    </a:gs>
+                    <a:gs pos="100000">
+                      <a:srgbClr val="404040"/>
+                    </a:gs>
+                  </a:gsLst>
+                  <a:lin ang="5400000" scaled="0"/>
+                </a:gradFill>
+                <a:latin typeface="나눔고딕" panose="020D0604000000000000" pitchFamily="50" charset="-127"/>
+                <a:ea typeface="나눔고딕 ExtraBold"/>
+              </a:rPr>
+              <a:t> 속성 수</a:t>
+            </a:r>
+            <a:r>
+              <a:rPr lang="en-US" altLang="ko-KR" sz="1600" b="1" dirty="0">
+                <a:gradFill>
+                  <a:gsLst>
+                    <a:gs pos="0">
+                      <a:srgbClr val="404040"/>
+                    </a:gs>
+                    <a:gs pos="100000">
+                      <a:srgbClr val="404040"/>
+                    </a:gs>
+                  </a:gsLst>
+                  <a:lin ang="5400000" scaled="0"/>
+                </a:gradFill>
+                <a:latin typeface="나눔고딕" panose="020D0604000000000000" pitchFamily="50" charset="-127"/>
+                <a:ea typeface="나눔고딕 ExtraBold"/>
+              </a:rPr>
+              <a:t>: </a:t>
+            </a:r>
+            <a:r>
+              <a:rPr lang="en-US" altLang="ko-KR" sz="1600" b="1" dirty="0" smtClean="0">
+                <a:gradFill>
+                  <a:gsLst>
+                    <a:gs pos="0">
+                      <a:srgbClr val="404040"/>
+                    </a:gs>
+                    <a:gs pos="100000">
+                      <a:srgbClr val="404040"/>
+                    </a:gs>
+                  </a:gsLst>
+                  <a:lin ang="5400000" scaled="0"/>
+                </a:gradFill>
+                <a:latin typeface="나눔고딕" panose="020D0604000000000000" pitchFamily="50" charset="-127"/>
+                <a:ea typeface="나눔고딕 ExtraBold"/>
+              </a:rPr>
+              <a:t>60</a:t>
+            </a:r>
+            <a:endParaRPr lang="en-US" altLang="ko-KR" sz="1600" b="1" dirty="0">
+              <a:gradFill>
+                <a:gsLst>
+                  <a:gs pos="0">
+                    <a:srgbClr val="404040"/>
+                  </a:gs>
+                  <a:gs pos="100000">
+                    <a:srgbClr val="404040"/>
+                  </a:gs>
+                </a:gsLst>
+                <a:lin ang="5400000" scaled="0"/>
+              </a:gradFill>
+              <a:latin typeface="나눔고딕" panose="020D0604000000000000" pitchFamily="50" charset="-127"/>
+              <a:ea typeface="나눔고딕 ExtraBold"/>
+            </a:endParaRPr>
+          </a:p>
+          <a:p>
+            <a:pPr latinLnBrk="1">
+              <a:lnSpc>
+                <a:spcPct val="150000"/>
+              </a:lnSpc>
+            </a:pPr>
+            <a:r>
+              <a:rPr lang="en-US" altLang="ko-KR" sz="1600" b="1" dirty="0" smtClean="0">
+                <a:gradFill>
+                  <a:gsLst>
+                    <a:gs pos="0">
+                      <a:srgbClr val="404040"/>
+                    </a:gs>
+                    <a:gs pos="100000">
+                      <a:srgbClr val="404040"/>
+                    </a:gs>
+                  </a:gsLst>
+                  <a:lin ang="5400000" scaled="0"/>
+                </a:gradFill>
+                <a:latin typeface="나눔고딕" panose="020D0604000000000000" pitchFamily="50" charset="-127"/>
+                <a:ea typeface="나눔고딕 ExtraBold"/>
+              </a:rPr>
+              <a:t>•</a:t>
+            </a:r>
+            <a:r>
+              <a:rPr lang="ko-KR" altLang="en-US" sz="1600" b="1" dirty="0">
+                <a:gradFill>
+                  <a:gsLst>
+                    <a:gs pos="0">
+                      <a:srgbClr val="404040"/>
+                    </a:gs>
+                    <a:gs pos="100000">
+                      <a:srgbClr val="404040"/>
+                    </a:gs>
+                  </a:gsLst>
+                  <a:lin ang="5400000" scaled="0"/>
+                </a:gradFill>
+                <a:latin typeface="나눔고딕" panose="020D0604000000000000" pitchFamily="50" charset="-127"/>
+                <a:ea typeface="나눔고딕 ExtraBold"/>
+              </a:rPr>
+              <a:t> 클래스</a:t>
+            </a:r>
+            <a:r>
+              <a:rPr lang="en-US" altLang="ko-KR" sz="1600" b="1" dirty="0" smtClean="0">
+                <a:gradFill>
+                  <a:gsLst>
+                    <a:gs pos="0">
+                      <a:srgbClr val="404040"/>
+                    </a:gs>
+                    <a:gs pos="100000">
+                      <a:srgbClr val="404040"/>
+                    </a:gs>
+                  </a:gsLst>
+                  <a:lin ang="5400000" scaled="0"/>
+                </a:gradFill>
+                <a:latin typeface="나눔고딕" panose="020D0604000000000000" pitchFamily="50" charset="-127"/>
+                <a:ea typeface="나눔고딕 ExtraBold"/>
+              </a:rPr>
+              <a:t>:</a:t>
+            </a:r>
+            <a:r>
+              <a:rPr lang="en-US" altLang="ko-KR" sz="1600" b="1" dirty="0">
+                <a:gradFill>
+                  <a:gsLst>
+                    <a:gs pos="0">
+                      <a:srgbClr val="404040"/>
+                    </a:gs>
+                    <a:gs pos="100000">
+                      <a:srgbClr val="404040"/>
+                    </a:gs>
+                  </a:gsLst>
+                  <a:lin ang="5400000" scaled="0"/>
+                </a:gradFill>
+                <a:latin typeface="나눔고딕" panose="020D0604000000000000" pitchFamily="50" charset="-127"/>
+                <a:ea typeface="나눔고딕 ExtraBold"/>
+              </a:rPr>
+              <a:t> </a:t>
+            </a:r>
+            <a:r>
+              <a:rPr lang="ko-KR" altLang="en-US" sz="1600" b="1" dirty="0" smtClean="0">
+                <a:gradFill>
+                  <a:gsLst>
+                    <a:gs pos="0">
+                      <a:srgbClr val="404040"/>
+                    </a:gs>
+                    <a:gs pos="100000">
+                      <a:srgbClr val="404040"/>
+                    </a:gs>
+                  </a:gsLst>
+                  <a:lin ang="5400000" scaled="0"/>
+                </a:gradFill>
+                <a:latin typeface="나눔고딕" panose="020D0604000000000000" pitchFamily="50" charset="-127"/>
+                <a:ea typeface="나눔고딕 ExtraBold"/>
+              </a:rPr>
+              <a:t>일반 돌 </a:t>
+            </a:r>
+            <a:r>
+              <a:rPr lang="en-US" altLang="ko-KR" sz="1600" b="1" dirty="0" smtClean="0">
+                <a:gradFill>
+                  <a:gsLst>
+                    <a:gs pos="0">
+                      <a:srgbClr val="404040"/>
+                    </a:gs>
+                    <a:gs pos="100000">
+                      <a:srgbClr val="404040"/>
+                    </a:gs>
+                  </a:gsLst>
+                  <a:lin ang="5400000" scaled="0"/>
+                </a:gradFill>
+                <a:latin typeface="나눔고딕" panose="020D0604000000000000" pitchFamily="50" charset="-127"/>
+                <a:ea typeface="나눔고딕 ExtraBold"/>
+              </a:rPr>
+              <a:t>(</a:t>
+            </a:r>
+            <a:r>
+              <a:rPr lang="en-US" altLang="ko-KR" sz="1600" b="1" dirty="0" smtClean="0">
+                <a:gradFill>
+                  <a:gsLst>
+                    <a:gs pos="0">
+                      <a:srgbClr val="404040"/>
+                    </a:gs>
+                    <a:gs pos="100000">
+                      <a:srgbClr val="404040"/>
+                    </a:gs>
+                  </a:gsLst>
+                  <a:lin ang="5400000" scaled="0"/>
+                </a:gradFill>
+                <a:latin typeface="나눔고딕" panose="020D0604000000000000" pitchFamily="50" charset="-127"/>
+                <a:ea typeface="나눔고딕 ExtraBold"/>
+              </a:rPr>
+              <a:t>R)</a:t>
+            </a:r>
+          </a:p>
+          <a:p>
+            <a:pPr latinLnBrk="1">
+              <a:lnSpc>
+                <a:spcPct val="150000"/>
+              </a:lnSpc>
+            </a:pPr>
+            <a:r>
+              <a:rPr lang="en-US" altLang="ko-KR" sz="1600" b="1" dirty="0">
+                <a:gradFill>
+                  <a:gsLst>
+                    <a:gs pos="0">
+                      <a:srgbClr val="404040"/>
+                    </a:gs>
+                    <a:gs pos="100000">
+                      <a:srgbClr val="404040"/>
+                    </a:gs>
+                  </a:gsLst>
+                  <a:lin ang="5400000" scaled="0"/>
+                </a:gradFill>
+                <a:latin typeface="나눔고딕" panose="020D0604000000000000" pitchFamily="50" charset="-127"/>
+                <a:ea typeface="나눔고딕 ExtraBold"/>
+              </a:rPr>
+              <a:t> </a:t>
+            </a:r>
+            <a:r>
+              <a:rPr lang="en-US" altLang="ko-KR" sz="1600" b="1" dirty="0" smtClean="0">
+                <a:gradFill>
+                  <a:gsLst>
+                    <a:gs pos="0">
+                      <a:srgbClr val="404040"/>
+                    </a:gs>
+                    <a:gs pos="100000">
+                      <a:srgbClr val="404040"/>
+                    </a:gs>
+                  </a:gsLst>
+                  <a:lin ang="5400000" scaled="0"/>
+                </a:gradFill>
+                <a:latin typeface="나눔고딕" panose="020D0604000000000000" pitchFamily="50" charset="-127"/>
+                <a:ea typeface="나눔고딕 ExtraBold"/>
+              </a:rPr>
+              <a:t>                </a:t>
+            </a:r>
+            <a:r>
+              <a:rPr lang="ko-KR" altLang="en-US" sz="1600" b="1" dirty="0" smtClean="0">
+                <a:gradFill>
+                  <a:gsLst>
+                    <a:gs pos="0">
+                      <a:srgbClr val="404040"/>
+                    </a:gs>
+                    <a:gs pos="100000">
+                      <a:srgbClr val="404040"/>
+                    </a:gs>
+                  </a:gsLst>
+                  <a:lin ang="5400000" scaled="0"/>
+                </a:gradFill>
+                <a:latin typeface="나눔고딕" panose="020D0604000000000000" pitchFamily="50" charset="-127"/>
+                <a:ea typeface="나눔고딕 ExtraBold"/>
+              </a:rPr>
+              <a:t>광석 </a:t>
+            </a:r>
+            <a:r>
+              <a:rPr lang="en-US" altLang="ko-KR" sz="1600" b="1" dirty="0" smtClean="0">
+                <a:gradFill>
+                  <a:gsLst>
+                    <a:gs pos="0">
+                      <a:srgbClr val="404040"/>
+                    </a:gs>
+                    <a:gs pos="100000">
+                      <a:srgbClr val="404040"/>
+                    </a:gs>
+                  </a:gsLst>
+                  <a:lin ang="5400000" scaled="0"/>
+                </a:gradFill>
+                <a:latin typeface="나눔고딕" panose="020D0604000000000000" pitchFamily="50" charset="-127"/>
+                <a:ea typeface="나눔고딕 ExtraBold"/>
+              </a:rPr>
+              <a:t>(</a:t>
+            </a:r>
+            <a:r>
+              <a:rPr lang="en-US" altLang="ko-KR" sz="1600" b="1" dirty="0" smtClean="0">
+                <a:gradFill>
+                  <a:gsLst>
+                    <a:gs pos="0">
+                      <a:srgbClr val="404040"/>
+                    </a:gs>
+                    <a:gs pos="100000">
+                      <a:srgbClr val="404040"/>
+                    </a:gs>
+                  </a:gsLst>
+                  <a:lin ang="5400000" scaled="0"/>
+                </a:gradFill>
+                <a:latin typeface="나눔고딕" panose="020D0604000000000000" pitchFamily="50" charset="-127"/>
+                <a:ea typeface="나눔고딕 ExtraBold"/>
+              </a:rPr>
+              <a:t>M)</a:t>
+            </a:r>
+            <a:endParaRPr lang="en-US" altLang="ko-KR" sz="1600" b="1" dirty="0">
+              <a:gradFill>
+                <a:gsLst>
+                  <a:gs pos="0">
+                    <a:srgbClr val="404040"/>
+                  </a:gs>
+                  <a:gs pos="100000">
+                    <a:srgbClr val="404040"/>
+                  </a:gs>
+                </a:gsLst>
+                <a:lin ang="5400000" scaled="0"/>
+              </a:gradFill>
+              <a:latin typeface="나눔고딕" panose="020D0604000000000000" pitchFamily="50" charset="-127"/>
+              <a:ea typeface="나눔고딕 ExtraBold"/>
+            </a:endParaRPr>
+          </a:p>
+        </p:txBody>
+      </p:sp>
+    </p:spTree>
+    <p:extLst>
+      <p:ext uri="{BB962C8B-B14F-4D97-AF65-F5344CB8AC3E}">
+        <p14:creationId xmlns:p14="http://schemas.microsoft.com/office/powerpoint/2010/main" val="3875826874"/>
+      </p:ext>
+    </p:extLst>
+  </p:cSld>
+  <p:clrMapOvr>
+    <a:masterClrMapping/>
+  </p:clrMapOvr>
+  <p:timing>
+    <p:tnLst>
+      <p:par>
+        <p:cTn id="1" dur="indefinite" restart="never" nodeType="tmRoot"/>
+      </p:par>
+    </p:tnLst>
+  </p:timing>
+</p:sld>
+</file>
+
+<file path=ppt/slides/slide13.xml><?xml version="1.0" encoding="utf-8"?>
+<p:sld xmlns:a="http://schemas.openxmlformats.org/drawingml/2006/main" xmlns:r="http://schemas.openxmlformats.org/officeDocument/2006/relationships" xmlns:p="http://schemas.openxmlformats.org/presentationml/2006/main">
+  <p:cSld>
+    <p:spTree>
+      <p:nvGrpSpPr>
+        <p:cNvPr id="1" name=""/>
+        <p:cNvGrpSpPr/>
+        <p:nvPr/>
+      </p:nvGrpSpPr>
+      <p:grpSpPr>
+        <a:xfrm>
+          <a:off x="0" y="0"/>
+          <a:ext cx="0" cy="0"/>
+          <a:chOff x="0" y="0"/>
+          <a:chExt cx="0" cy="0"/>
+        </a:xfrm>
+      </p:grpSpPr>
+      <p:sp>
+        <p:nvSpPr>
           <p:cNvPr id="4" name="제목 1"/>
           <p:cNvSpPr txBox="1">
             <a:spLocks/>
@@ -6373,7 +8995,7 @@
 </p:sld>
 </file>
 
-<file path=ppt/slides/slide13.xml><?xml version="1.0" encoding="utf-8"?>
+<file path=ppt/slides/slide14.xml><?xml version="1.0" encoding="utf-8"?>
 <p:sld xmlns:a="http://schemas.openxmlformats.org/drawingml/2006/main" xmlns:r="http://schemas.openxmlformats.org/officeDocument/2006/relationships" xmlns:p="http://schemas.openxmlformats.org/presentationml/2006/main">
   <p:cSld>
     <p:spTree>
@@ -7714,7 +10336,7 @@
 </p:sld>
 </file>
 
-<file path=ppt/slides/slide14.xml><?xml version="1.0" encoding="utf-8"?>
+<file path=ppt/slides/slide15.xml><?xml version="1.0" encoding="utf-8"?>
 <p:sld xmlns:a="http://schemas.openxmlformats.org/drawingml/2006/main" xmlns:r="http://schemas.openxmlformats.org/officeDocument/2006/relationships" xmlns:p="http://schemas.openxmlformats.org/presentationml/2006/main">
   <p:cSld>
     <p:spTree>
@@ -10090,7 +12712,7 @@
 </p:sld>
 </file>
 
-<file path=ppt/slides/slide15.xml><?xml version="1.0" encoding="utf-8"?>
+<file path=ppt/slides/slide16.xml><?xml version="1.0" encoding="utf-8"?>
 <p:sld xmlns:a="http://schemas.openxmlformats.org/drawingml/2006/main" xmlns:r="http://schemas.openxmlformats.org/officeDocument/2006/relationships" xmlns:p="http://schemas.openxmlformats.org/presentationml/2006/main">
   <p:cSld>
     <p:spTree>
@@ -10566,7 +13188,7 @@
 </p:sld>
 </file>
 
-<file path=ppt/slides/slide16.xml><?xml version="1.0" encoding="utf-8"?>
+<file path=ppt/slides/slide17.xml><?xml version="1.0" encoding="utf-8"?>
 <p:sld xmlns:a="http://schemas.openxmlformats.org/drawingml/2006/main" xmlns:r="http://schemas.openxmlformats.org/officeDocument/2006/relationships" xmlns:p="http://schemas.openxmlformats.org/presentationml/2006/main">
   <p:cSld>
     <p:spTree>
@@ -11013,7 +13635,7 @@
 </p:sld>
 </file>
 
-<file path=ppt/slides/slide17.xml><?xml version="1.0" encoding="utf-8"?>
+<file path=ppt/slides/slide18.xml><?xml version="1.0" encoding="utf-8"?>
 <p:sld xmlns:a="http://schemas.openxmlformats.org/drawingml/2006/main" xmlns:r="http://schemas.openxmlformats.org/officeDocument/2006/relationships" xmlns:p="http://schemas.openxmlformats.org/presentationml/2006/main">
   <p:cSld>
     <p:spTree>
@@ -11459,7 +14081,7 @@
 </p:sld>
 </file>
 
-<file path=ppt/slides/slide18.xml><?xml version="1.0" encoding="utf-8"?>
+<file path=ppt/slides/slide19.xml><?xml version="1.0" encoding="utf-8"?>
 <p:sld xmlns:a="http://schemas.openxmlformats.org/drawingml/2006/main" xmlns:r="http://schemas.openxmlformats.org/officeDocument/2006/relationships" xmlns:p="http://schemas.openxmlformats.org/presentationml/2006/main">
   <p:cSld>
     <p:spTree>
@@ -12495,213 +15117,6 @@
         <p14:creationId xmlns:p14="http://schemas.microsoft.com/office/powerpoint/2010/main" val="4029861194"/>
       </p:ext>
     </p:extLst>
-  </p:cSld>
-  <p:clrMapOvr>
-    <a:masterClrMapping/>
-  </p:clrMapOvr>
-  <p:timing>
-    <p:tnLst>
-      <p:par>
-        <p:cTn id="1" dur="indefinite" restart="never" nodeType="tmRoot"/>
-      </p:par>
-    </p:tnLst>
-  </p:timing>
-</p:sld>
-</file>
-
-<file path=ppt/slides/slide19.xml><?xml version="1.0" encoding="utf-8"?>
-<p:sld xmlns:a="http://schemas.openxmlformats.org/drawingml/2006/main" xmlns:r="http://schemas.openxmlformats.org/officeDocument/2006/relationships" xmlns:p="http://schemas.openxmlformats.org/presentationml/2006/main">
-  <p:cSld>
-    <p:spTree>
-      <p:nvGrpSpPr>
-        <p:cNvPr id="1" name=""/>
-        <p:cNvGrpSpPr/>
-        <p:nvPr/>
-      </p:nvGrpSpPr>
-      <p:grpSpPr>
-        <a:xfrm>
-          <a:off x="0" y="0"/>
-          <a:ext cx="0" cy="0"/>
-          <a:chOff x="0" y="0"/>
-          <a:chExt cx="0" cy="0"/>
-        </a:xfrm>
-      </p:grpSpPr>
-      <p:sp>
-        <p:nvSpPr>
-          <p:cNvPr id="12290" name="텍스트 상자 6"/>
-          <p:cNvSpPr txBox="1">
-            <a:spLocks noChangeArrowheads="1"/>
-          </p:cNvSpPr>
-          <p:nvPr/>
-        </p:nvSpPr>
-        <p:spPr bwMode="auto">
-          <a:xfrm>
-            <a:off x="2160588" y="3284538"/>
-            <a:ext cx="4822825" cy="1016000"/>
-          </a:xfrm>
-          <a:prstGeom prst="rect">
-            <a:avLst/>
-          </a:prstGeom>
-          <a:noFill/>
-          <a:ln>
-            <a:noFill/>
-          </a:ln>
-          <a:extLst>
-            <a:ext uri="{909E8E84-426E-40DD-AFC4-6F175D3DCCD1}">
-              <a14:hiddenFill xmlns:a14="http://schemas.microsoft.com/office/drawing/2010/main">
-                <a:solidFill>
-                  <a:srgbClr val="FFFFFF"/>
-                </a:solidFill>
-              </a14:hiddenFill>
-            </a:ext>
-            <a:ext uri="{91240B29-F687-4F45-9708-019B960494DF}">
-              <a14:hiddenLine xmlns:a14="http://schemas.microsoft.com/office/drawing/2010/main" w="9525">
-                <a:solidFill>
-                  <a:srgbClr val="000000"/>
-                </a:solidFill>
-                <a:miter lim="800000"/>
-                <a:headEnd/>
-                <a:tailEnd/>
-              </a14:hiddenLine>
-            </a:ext>
-          </a:extLst>
-        </p:spPr>
-        <p:txBody>
-          <a:bodyPr>
-            <a:spAutoFit/>
-          </a:bodyPr>
-          <a:lstStyle>
-            <a:lvl1pPr>
-              <a:defRPr kumimoji="1">
-                <a:solidFill>
-                  <a:schemeClr val="tx1"/>
-                </a:solidFill>
-                <a:latin typeface="굴림" panose="020B0600000101010101" pitchFamily="50" charset="-127"/>
-                <a:ea typeface="굴림" panose="020B0600000101010101" pitchFamily="50" charset="-127"/>
-              </a:defRPr>
-            </a:lvl1pPr>
-            <a:lvl2pPr marL="742950" indent="-285750">
-              <a:defRPr kumimoji="1">
-                <a:solidFill>
-                  <a:schemeClr val="tx1"/>
-                </a:solidFill>
-                <a:latin typeface="굴림" panose="020B0600000101010101" pitchFamily="50" charset="-127"/>
-                <a:ea typeface="굴림" panose="020B0600000101010101" pitchFamily="50" charset="-127"/>
-              </a:defRPr>
-            </a:lvl2pPr>
-            <a:lvl3pPr marL="1143000" indent="-228600">
-              <a:defRPr kumimoji="1">
-                <a:solidFill>
-                  <a:schemeClr val="tx1"/>
-                </a:solidFill>
-                <a:latin typeface="굴림" panose="020B0600000101010101" pitchFamily="50" charset="-127"/>
-                <a:ea typeface="굴림" panose="020B0600000101010101" pitchFamily="50" charset="-127"/>
-              </a:defRPr>
-            </a:lvl3pPr>
-            <a:lvl4pPr marL="1600200" indent="-228600">
-              <a:defRPr kumimoji="1">
-                <a:solidFill>
-                  <a:schemeClr val="tx1"/>
-                </a:solidFill>
-                <a:latin typeface="굴림" panose="020B0600000101010101" pitchFamily="50" charset="-127"/>
-                <a:ea typeface="굴림" panose="020B0600000101010101" pitchFamily="50" charset="-127"/>
-              </a:defRPr>
-            </a:lvl4pPr>
-            <a:lvl5pPr marL="2057400" indent="-228600">
-              <a:defRPr kumimoji="1">
-                <a:solidFill>
-                  <a:schemeClr val="tx1"/>
-                </a:solidFill>
-                <a:latin typeface="굴림" panose="020B0600000101010101" pitchFamily="50" charset="-127"/>
-                <a:ea typeface="굴림" panose="020B0600000101010101" pitchFamily="50" charset="-127"/>
-              </a:defRPr>
-            </a:lvl5pPr>
-            <a:lvl6pPr marL="2514600" indent="-228600" eaLnBrk="0" fontAlgn="base" hangingPunct="0">
-              <a:spcBef>
-                <a:spcPct val="0"/>
-              </a:spcBef>
-              <a:spcAft>
-                <a:spcPct val="0"/>
-              </a:spcAft>
-              <a:defRPr kumimoji="1">
-                <a:solidFill>
-                  <a:schemeClr val="tx1"/>
-                </a:solidFill>
-                <a:latin typeface="굴림" panose="020B0600000101010101" pitchFamily="50" charset="-127"/>
-                <a:ea typeface="굴림" panose="020B0600000101010101" pitchFamily="50" charset="-127"/>
-              </a:defRPr>
-            </a:lvl6pPr>
-            <a:lvl7pPr marL="2971800" indent="-228600" eaLnBrk="0" fontAlgn="base" hangingPunct="0">
-              <a:spcBef>
-                <a:spcPct val="0"/>
-              </a:spcBef>
-              <a:spcAft>
-                <a:spcPct val="0"/>
-              </a:spcAft>
-              <a:defRPr kumimoji="1">
-                <a:solidFill>
-                  <a:schemeClr val="tx1"/>
-                </a:solidFill>
-                <a:latin typeface="굴림" panose="020B0600000101010101" pitchFamily="50" charset="-127"/>
-                <a:ea typeface="굴림" panose="020B0600000101010101" pitchFamily="50" charset="-127"/>
-              </a:defRPr>
-            </a:lvl7pPr>
-            <a:lvl8pPr marL="3429000" indent="-228600" eaLnBrk="0" fontAlgn="base" hangingPunct="0">
-              <a:spcBef>
-                <a:spcPct val="0"/>
-              </a:spcBef>
-              <a:spcAft>
-                <a:spcPct val="0"/>
-              </a:spcAft>
-              <a:defRPr kumimoji="1">
-                <a:solidFill>
-                  <a:schemeClr val="tx1"/>
-                </a:solidFill>
-                <a:latin typeface="굴림" panose="020B0600000101010101" pitchFamily="50" charset="-127"/>
-                <a:ea typeface="굴림" panose="020B0600000101010101" pitchFamily="50" charset="-127"/>
-              </a:defRPr>
-            </a:lvl8pPr>
-            <a:lvl9pPr marL="3886200" indent="-228600" eaLnBrk="0" fontAlgn="base" hangingPunct="0">
-              <a:spcBef>
-                <a:spcPct val="0"/>
-              </a:spcBef>
-              <a:spcAft>
-                <a:spcPct val="0"/>
-              </a:spcAft>
-              <a:defRPr kumimoji="1">
-                <a:solidFill>
-                  <a:schemeClr val="tx1"/>
-                </a:solidFill>
-                <a:latin typeface="굴림" panose="020B0600000101010101" pitchFamily="50" charset="-127"/>
-                <a:ea typeface="굴림" panose="020B0600000101010101" pitchFamily="50" charset="-127"/>
-              </a:defRPr>
-            </a:lvl9pPr>
-          </a:lstStyle>
-          <a:p>
-            <a:pPr algn="ctr"/>
-            <a:r>
-              <a:rPr lang="en-US" altLang="ko-KR" sz="6000" b="1" dirty="0">
-                <a:solidFill>
-                  <a:srgbClr val="0070C0"/>
-                </a:solidFill>
-                <a:latin typeface="나눔고딕 ExtraBold" panose="020D0904000000000000" pitchFamily="50" charset="-127"/>
-                <a:ea typeface="나눔고딕 ExtraBold" panose="020D0904000000000000" pitchFamily="50" charset="-127"/>
-                <a:cs typeface="Nanum Gothic"/>
-              </a:rPr>
-              <a:t>Thank You</a:t>
-            </a:r>
-            <a:endParaRPr lang="ko-KR" altLang="en-US" sz="6000" b="1" dirty="0">
-              <a:solidFill>
-                <a:srgbClr val="0070C0"/>
-              </a:solidFill>
-              <a:latin typeface="나눔고딕 ExtraBold" panose="020D0904000000000000" pitchFamily="50" charset="-127"/>
-              <a:ea typeface="나눔고딕 ExtraBold" panose="020D0904000000000000" pitchFamily="50" charset="-127"/>
-              <a:cs typeface="Nanum Gothic"/>
-            </a:endParaRPr>
-          </a:p>
-        </p:txBody>
-      </p:sp>
-    </p:spTree>
   </p:cSld>
   <p:clrMapOvr>
     <a:masterClrMapping/>
@@ -13180,6 +15595,213 @@
         <p14:creationId xmlns:p14="http://schemas.microsoft.com/office/powerpoint/2010/main" val="694151117"/>
       </p:ext>
     </p:extLst>
+  </p:cSld>
+  <p:clrMapOvr>
+    <a:masterClrMapping/>
+  </p:clrMapOvr>
+  <p:timing>
+    <p:tnLst>
+      <p:par>
+        <p:cTn id="1" dur="indefinite" restart="never" nodeType="tmRoot"/>
+      </p:par>
+    </p:tnLst>
+  </p:timing>
+</p:sld>
+</file>
+
+<file path=ppt/slides/slide20.xml><?xml version="1.0" encoding="utf-8"?>
+<p:sld xmlns:a="http://schemas.openxmlformats.org/drawingml/2006/main" xmlns:r="http://schemas.openxmlformats.org/officeDocument/2006/relationships" xmlns:p="http://schemas.openxmlformats.org/presentationml/2006/main">
+  <p:cSld>
+    <p:spTree>
+      <p:nvGrpSpPr>
+        <p:cNvPr id="1" name=""/>
+        <p:cNvGrpSpPr/>
+        <p:nvPr/>
+      </p:nvGrpSpPr>
+      <p:grpSpPr>
+        <a:xfrm>
+          <a:off x="0" y="0"/>
+          <a:ext cx="0" cy="0"/>
+          <a:chOff x="0" y="0"/>
+          <a:chExt cx="0" cy="0"/>
+        </a:xfrm>
+      </p:grpSpPr>
+      <p:sp>
+        <p:nvSpPr>
+          <p:cNvPr id="12290" name="텍스트 상자 6"/>
+          <p:cNvSpPr txBox="1">
+            <a:spLocks noChangeArrowheads="1"/>
+          </p:cNvSpPr>
+          <p:nvPr/>
+        </p:nvSpPr>
+        <p:spPr bwMode="auto">
+          <a:xfrm>
+            <a:off x="2160588" y="3284538"/>
+            <a:ext cx="4822825" cy="1016000"/>
+          </a:xfrm>
+          <a:prstGeom prst="rect">
+            <a:avLst/>
+          </a:prstGeom>
+          <a:noFill/>
+          <a:ln>
+            <a:noFill/>
+          </a:ln>
+          <a:extLst>
+            <a:ext uri="{909E8E84-426E-40DD-AFC4-6F175D3DCCD1}">
+              <a14:hiddenFill xmlns:a14="http://schemas.microsoft.com/office/drawing/2010/main">
+                <a:solidFill>
+                  <a:srgbClr val="FFFFFF"/>
+                </a:solidFill>
+              </a14:hiddenFill>
+            </a:ext>
+            <a:ext uri="{91240B29-F687-4F45-9708-019B960494DF}">
+              <a14:hiddenLine xmlns:a14="http://schemas.microsoft.com/office/drawing/2010/main" w="9525">
+                <a:solidFill>
+                  <a:srgbClr val="000000"/>
+                </a:solidFill>
+                <a:miter lim="800000"/>
+                <a:headEnd/>
+                <a:tailEnd/>
+              </a14:hiddenLine>
+            </a:ext>
+          </a:extLst>
+        </p:spPr>
+        <p:txBody>
+          <a:bodyPr>
+            <a:spAutoFit/>
+          </a:bodyPr>
+          <a:lstStyle>
+            <a:lvl1pPr>
+              <a:defRPr kumimoji="1">
+                <a:solidFill>
+                  <a:schemeClr val="tx1"/>
+                </a:solidFill>
+                <a:latin typeface="굴림" panose="020B0600000101010101" pitchFamily="50" charset="-127"/>
+                <a:ea typeface="굴림" panose="020B0600000101010101" pitchFamily="50" charset="-127"/>
+              </a:defRPr>
+            </a:lvl1pPr>
+            <a:lvl2pPr marL="742950" indent="-285750">
+              <a:defRPr kumimoji="1">
+                <a:solidFill>
+                  <a:schemeClr val="tx1"/>
+                </a:solidFill>
+                <a:latin typeface="굴림" panose="020B0600000101010101" pitchFamily="50" charset="-127"/>
+                <a:ea typeface="굴림" panose="020B0600000101010101" pitchFamily="50" charset="-127"/>
+              </a:defRPr>
+            </a:lvl2pPr>
+            <a:lvl3pPr marL="1143000" indent="-228600">
+              <a:defRPr kumimoji="1">
+                <a:solidFill>
+                  <a:schemeClr val="tx1"/>
+                </a:solidFill>
+                <a:latin typeface="굴림" panose="020B0600000101010101" pitchFamily="50" charset="-127"/>
+                <a:ea typeface="굴림" panose="020B0600000101010101" pitchFamily="50" charset="-127"/>
+              </a:defRPr>
+            </a:lvl3pPr>
+            <a:lvl4pPr marL="1600200" indent="-228600">
+              <a:defRPr kumimoji="1">
+                <a:solidFill>
+                  <a:schemeClr val="tx1"/>
+                </a:solidFill>
+                <a:latin typeface="굴림" panose="020B0600000101010101" pitchFamily="50" charset="-127"/>
+                <a:ea typeface="굴림" panose="020B0600000101010101" pitchFamily="50" charset="-127"/>
+              </a:defRPr>
+            </a:lvl4pPr>
+            <a:lvl5pPr marL="2057400" indent="-228600">
+              <a:defRPr kumimoji="1">
+                <a:solidFill>
+                  <a:schemeClr val="tx1"/>
+                </a:solidFill>
+                <a:latin typeface="굴림" panose="020B0600000101010101" pitchFamily="50" charset="-127"/>
+                <a:ea typeface="굴림" panose="020B0600000101010101" pitchFamily="50" charset="-127"/>
+              </a:defRPr>
+            </a:lvl5pPr>
+            <a:lvl6pPr marL="2514600" indent="-228600" eaLnBrk="0" fontAlgn="base" hangingPunct="0">
+              <a:spcBef>
+                <a:spcPct val="0"/>
+              </a:spcBef>
+              <a:spcAft>
+                <a:spcPct val="0"/>
+              </a:spcAft>
+              <a:defRPr kumimoji="1">
+                <a:solidFill>
+                  <a:schemeClr val="tx1"/>
+                </a:solidFill>
+                <a:latin typeface="굴림" panose="020B0600000101010101" pitchFamily="50" charset="-127"/>
+                <a:ea typeface="굴림" panose="020B0600000101010101" pitchFamily="50" charset="-127"/>
+              </a:defRPr>
+            </a:lvl6pPr>
+            <a:lvl7pPr marL="2971800" indent="-228600" eaLnBrk="0" fontAlgn="base" hangingPunct="0">
+              <a:spcBef>
+                <a:spcPct val="0"/>
+              </a:spcBef>
+              <a:spcAft>
+                <a:spcPct val="0"/>
+              </a:spcAft>
+              <a:defRPr kumimoji="1">
+                <a:solidFill>
+                  <a:schemeClr val="tx1"/>
+                </a:solidFill>
+                <a:latin typeface="굴림" panose="020B0600000101010101" pitchFamily="50" charset="-127"/>
+                <a:ea typeface="굴림" panose="020B0600000101010101" pitchFamily="50" charset="-127"/>
+              </a:defRPr>
+            </a:lvl7pPr>
+            <a:lvl8pPr marL="3429000" indent="-228600" eaLnBrk="0" fontAlgn="base" hangingPunct="0">
+              <a:spcBef>
+                <a:spcPct val="0"/>
+              </a:spcBef>
+              <a:spcAft>
+                <a:spcPct val="0"/>
+              </a:spcAft>
+              <a:defRPr kumimoji="1">
+                <a:solidFill>
+                  <a:schemeClr val="tx1"/>
+                </a:solidFill>
+                <a:latin typeface="굴림" panose="020B0600000101010101" pitchFamily="50" charset="-127"/>
+                <a:ea typeface="굴림" panose="020B0600000101010101" pitchFamily="50" charset="-127"/>
+              </a:defRPr>
+            </a:lvl8pPr>
+            <a:lvl9pPr marL="3886200" indent="-228600" eaLnBrk="0" fontAlgn="base" hangingPunct="0">
+              <a:spcBef>
+                <a:spcPct val="0"/>
+              </a:spcBef>
+              <a:spcAft>
+                <a:spcPct val="0"/>
+              </a:spcAft>
+              <a:defRPr kumimoji="1">
+                <a:solidFill>
+                  <a:schemeClr val="tx1"/>
+                </a:solidFill>
+                <a:latin typeface="굴림" panose="020B0600000101010101" pitchFamily="50" charset="-127"/>
+                <a:ea typeface="굴림" panose="020B0600000101010101" pitchFamily="50" charset="-127"/>
+              </a:defRPr>
+            </a:lvl9pPr>
+          </a:lstStyle>
+          <a:p>
+            <a:pPr algn="ctr"/>
+            <a:r>
+              <a:rPr lang="en-US" altLang="ko-KR" sz="6000" b="1" dirty="0">
+                <a:solidFill>
+                  <a:srgbClr val="0070C0"/>
+                </a:solidFill>
+                <a:latin typeface="나눔고딕 ExtraBold" panose="020D0904000000000000" pitchFamily="50" charset="-127"/>
+                <a:ea typeface="나눔고딕 ExtraBold" panose="020D0904000000000000" pitchFamily="50" charset="-127"/>
+                <a:cs typeface="Nanum Gothic"/>
+              </a:rPr>
+              <a:t>Thank You</a:t>
+            </a:r>
+            <a:endParaRPr lang="ko-KR" altLang="en-US" sz="6000" b="1" dirty="0">
+              <a:solidFill>
+                <a:srgbClr val="0070C0"/>
+              </a:solidFill>
+              <a:latin typeface="나눔고딕 ExtraBold" panose="020D0904000000000000" pitchFamily="50" charset="-127"/>
+              <a:ea typeface="나눔고딕 ExtraBold" panose="020D0904000000000000" pitchFamily="50" charset="-127"/>
+              <a:cs typeface="Nanum Gothic"/>
+            </a:endParaRPr>
+          </a:p>
+        </p:txBody>
+      </p:sp>
+    </p:spTree>
   </p:cSld>
   <p:clrMapOvr>
     <a:masterClrMapping/>
@@ -17603,21 +20225,6 @@
               </a:rPr>
               <a:t>나이</a:t>
             </a:r>
-            <a:endParaRPr lang="ko-KR" altLang="en-US" sz="1200" dirty="0">
-              <a:gradFill>
-                <a:gsLst>
-                  <a:gs pos="0">
-                    <a:srgbClr val="404040"/>
-                  </a:gs>
-                  <a:gs pos="100000">
-                    <a:srgbClr val="404040"/>
-                  </a:gs>
-                </a:gsLst>
-                <a:lin ang="5400000" scaled="0"/>
-              </a:gradFill>
-              <a:latin typeface="나눔고딕" panose="020D0604000000000000" pitchFamily="50" charset="-127"/>
-              <a:ea typeface="나눔고딕 ExtraBold"/>
-            </a:endParaRPr>
           </a:p>
         </p:txBody>
       </p:sp>

--- a/Study/정리/Deep Learning03.pptx
+++ b/Study/정리/Deep Learning03.pptx
@@ -6138,25 +6138,7 @@
                 <a:latin typeface="나눔고딕" panose="020D0604000000000000" pitchFamily="50" charset="-127"/>
                 <a:ea typeface="나눔고딕 ExtraBold"/>
               </a:rPr>
-              <a:t>(</a:t>
-            </a:r>
-            <a:r>
-              <a:rPr lang="en-US" altLang="ko-KR" sz="2000" b="1" dirty="0" smtClean="0">
-                <a:gradFill>
-                  <a:gsLst>
-                    <a:gs pos="0">
-                      <a:srgbClr val="404040"/>
-                    </a:gs>
-                    <a:gs pos="100000">
-                      <a:srgbClr val="404040"/>
-                    </a:gs>
-                  </a:gsLst>
-                  <a:lin ang="5400000" scaled="0"/>
-                </a:gradFill>
-                <a:latin typeface="나눔고딕" panose="020D0604000000000000" pitchFamily="50" charset="-127"/>
-                <a:ea typeface="나눔고딕 ExtraBold"/>
-              </a:rPr>
-              <a:t>overfitting)</a:t>
+              <a:t>(overfitting)</a:t>
             </a:r>
             <a:endParaRPr sz="2000" b="1" dirty="0">
               <a:gradFill>
@@ -8394,25 +8376,7 @@
                 <a:latin typeface="나눔고딕" panose="020D0604000000000000" pitchFamily="50" charset="-127"/>
                 <a:ea typeface="나눔고딕 ExtraBold"/>
               </a:rPr>
-              <a:t>(</a:t>
-            </a:r>
-            <a:r>
-              <a:rPr lang="en-US" altLang="ko-KR" sz="1600" b="1" dirty="0" smtClean="0">
-                <a:gradFill>
-                  <a:gsLst>
-                    <a:gs pos="0">
-                      <a:srgbClr val="404040"/>
-                    </a:gs>
-                    <a:gs pos="100000">
-                      <a:srgbClr val="404040"/>
-                    </a:gs>
-                  </a:gsLst>
-                  <a:lin ang="5400000" scaled="0"/>
-                </a:gradFill>
-                <a:latin typeface="나눔고딕" panose="020D0604000000000000" pitchFamily="50" charset="-127"/>
-                <a:ea typeface="나눔고딕 ExtraBold"/>
-              </a:rPr>
-              <a:t>R)</a:t>
+              <a:t>(R)</a:t>
             </a:r>
           </a:p>
           <a:p>
@@ -8491,25 +8455,7 @@
                 <a:latin typeface="나눔고딕" panose="020D0604000000000000" pitchFamily="50" charset="-127"/>
                 <a:ea typeface="나눔고딕 ExtraBold"/>
               </a:rPr>
-              <a:t>(</a:t>
-            </a:r>
-            <a:r>
-              <a:rPr lang="en-US" altLang="ko-KR" sz="1600" b="1" dirty="0" smtClean="0">
-                <a:gradFill>
-                  <a:gsLst>
-                    <a:gs pos="0">
-                      <a:srgbClr val="404040"/>
-                    </a:gs>
-                    <a:gs pos="100000">
-                      <a:srgbClr val="404040"/>
-                    </a:gs>
-                  </a:gsLst>
-                  <a:lin ang="5400000" scaled="0"/>
-                </a:gradFill>
-                <a:latin typeface="나눔고딕" panose="020D0604000000000000" pitchFamily="50" charset="-127"/>
-                <a:ea typeface="나눔고딕 ExtraBold"/>
-              </a:rPr>
-              <a:t>M)</a:t>
+              <a:t>(M)</a:t>
             </a:r>
             <a:endParaRPr lang="en-US" altLang="ko-KR" sz="1600" b="1" dirty="0">
               <a:gradFill>
@@ -12911,7 +12857,7 @@
               <a:defRPr/>
             </a:pPr>
             <a:r>
-              <a:rPr lang="en-US" altLang="ko-KR" sz="3800" kern="0" dirty="0" err="1" smtClean="0">
+              <a:rPr lang="en-US" altLang="ko-KR" sz="3800" kern="0" dirty="0" smtClean="0">
                 <a:solidFill>
                   <a:schemeClr val="tx1"/>
                 </a:solidFill>
@@ -12919,29 +12865,7 @@
                 <a:ea typeface="나눔고딕 ExtraBold" panose="020D0904000000000000" pitchFamily="50" charset="-127"/>
                 <a:cs typeface="Nanum Gothic"/>
               </a:rPr>
-              <a:t>Mxnet</a:t>
-            </a:r>
-            <a:r>
-              <a:rPr lang="en-US" altLang="ko-KR" sz="3800" kern="0" dirty="0" smtClean="0">
-                <a:solidFill>
-                  <a:schemeClr val="tx1"/>
-                </a:solidFill>
-                <a:latin typeface="나눔고딕 ExtraBold" panose="020D0904000000000000" pitchFamily="50" charset="-127"/>
-                <a:ea typeface="나눔고딕 ExtraBold" panose="020D0904000000000000" pitchFamily="50" charset="-127"/>
-                <a:cs typeface="Nanum Gothic"/>
-              </a:rPr>
-              <a:t> </a:t>
-            </a:r>
-            <a:r>
-              <a:rPr lang="en-US" altLang="ko-KR" sz="3800" kern="0" dirty="0" err="1" smtClean="0">
-                <a:solidFill>
-                  <a:schemeClr val="tx1"/>
-                </a:solidFill>
-                <a:latin typeface="나눔고딕 ExtraBold" panose="020D0904000000000000" pitchFamily="50" charset="-127"/>
-                <a:ea typeface="나눔고딕 ExtraBold" panose="020D0904000000000000" pitchFamily="50" charset="-127"/>
-                <a:cs typeface="Nanum Gothic"/>
-              </a:rPr>
-              <a:t>Gluone</a:t>
+              <a:t>Gluon</a:t>
             </a:r>
             <a:endParaRPr lang="ko-KR" altLang="en-US" sz="3800" kern="0" dirty="0" smtClean="0">
               <a:solidFill>
@@ -13556,24 +13480,24 @@
               <a:defRPr/>
             </a:pPr>
             <a:r>
-              <a:rPr lang="ko-KR" altLang="en-US" sz="2000" b="1" dirty="0" smtClean="0">
-                <a:gradFill>
-                  <a:gsLst>
-                    <a:gs pos="0">
-                      <a:srgbClr val="404040"/>
-                    </a:gs>
-                    <a:gs pos="100000">
-                      <a:srgbClr val="404040"/>
-                    </a:gs>
-                  </a:gsLst>
-                  <a:lin ang="5400000" scaled="0"/>
-                </a:gradFill>
-                <a:latin typeface="나눔고딕" panose="020D0604000000000000" pitchFamily="50" charset="-127"/>
-                <a:ea typeface="나눔고딕 ExtraBold"/>
-              </a:rPr>
-              <a:t>와인의 종류 예측</a:t>
-            </a:r>
-            <a:endParaRPr sz="2000" b="1" dirty="0">
+              <a:rPr lang="en-US" sz="2000" b="1" dirty="0" err="1" smtClean="0">
+                <a:gradFill>
+                  <a:gsLst>
+                    <a:gs pos="0">
+                      <a:srgbClr val="404040"/>
+                    </a:gs>
+                    <a:gs pos="100000">
+                      <a:srgbClr val="404040"/>
+                    </a:gs>
+                  </a:gsLst>
+                  <a:lin ang="5400000" scaled="0"/>
+                </a:gradFill>
+                <a:latin typeface="나눔고딕" panose="020D0604000000000000" pitchFamily="50" charset="-127"/>
+                <a:ea typeface="나눔고딕 ExtraBold"/>
+              </a:rPr>
+              <a:t>Gloun</a:t>
+            </a:r>
+            <a:endParaRPr lang="en-US" sz="2000" b="1" dirty="0" smtClean="0">
               <a:gradFill>
                 <a:gsLst>
                   <a:gs pos="0">
@@ -13607,14 +13531,1721 @@
         </p:blipFill>
         <p:spPr>
           <a:xfrm>
-            <a:off x="402363" y="2060848"/>
-            <a:ext cx="7199784" cy="3899883"/>
+            <a:off x="1294687" y="3182051"/>
+            <a:ext cx="6554626" cy="3550420"/>
           </a:xfrm>
           <a:prstGeom prst="rect">
             <a:avLst/>
           </a:prstGeom>
         </p:spPr>
       </p:pic>
+      <p:sp>
+        <p:nvSpPr>
+          <p:cNvPr id="5" name="텍스트 개체 틀 2"/>
+          <p:cNvSpPr txBox="1">
+            <a:spLocks/>
+          </p:cNvSpPr>
+          <p:nvPr/>
+        </p:nvSpPr>
+        <p:spPr>
+          <a:xfrm>
+            <a:off x="251520" y="1822348"/>
+            <a:ext cx="8640960" cy="236988"/>
+          </a:xfrm>
+          <a:prstGeom prst="rect">
+            <a:avLst/>
+          </a:prstGeom>
+          <a:noFill/>
+          <a:ln w="9525">
+            <a:noFill/>
+            <a:miter lim="800000"/>
+            <a:headEnd/>
+            <a:tailEnd/>
+          </a:ln>
+        </p:spPr>
+        <p:txBody>
+          <a:bodyPr lIns="0" tIns="0" rIns="0" bIns="0">
+            <a:spAutoFit/>
+          </a:bodyPr>
+          <a:lstStyle>
+            <a:lvl1pPr marL="0" indent="0" algn="just" defTabSz="914400" rtl="0" eaLnBrk="1" fontAlgn="base" latinLnBrk="0" hangingPunct="1">
+              <a:lnSpc>
+                <a:spcPct val="120000"/>
+              </a:lnSpc>
+              <a:spcBef>
+                <a:spcPct val="0"/>
+              </a:spcBef>
+              <a:spcAft>
+                <a:spcPct val="0"/>
+              </a:spcAft>
+              <a:buFont typeface="Arial" charset="0"/>
+              <a:buNone/>
+              <a:tabLst/>
+              <a:defRPr kumimoji="1" lang="ko-KR" altLang="en-US" sz="1000" kern="1200" smtClean="0">
+                <a:gradFill>
+                  <a:gsLst>
+                    <a:gs pos="0">
+                      <a:schemeClr val="tx1">
+                        <a:lumMod val="75000"/>
+                        <a:lumOff val="25000"/>
+                      </a:schemeClr>
+                    </a:gs>
+                    <a:gs pos="100000">
+                      <a:schemeClr val="tx1">
+                        <a:lumMod val="75000"/>
+                        <a:lumOff val="25000"/>
+                      </a:schemeClr>
+                    </a:gs>
+                  </a:gsLst>
+                  <a:lin ang="5400000" scaled="0"/>
+                </a:gradFill>
+                <a:latin typeface="KoPub돋움체 Light" panose="02020603020101020101" pitchFamily="18" charset="-127"/>
+                <a:ea typeface="KoPub돋움체 Light" panose="02020603020101020101" pitchFamily="18" charset="-127"/>
+                <a:cs typeface="+mn-cs"/>
+              </a:defRPr>
+            </a:lvl1pPr>
+            <a:lvl2pPr marL="0" indent="0" algn="just" defTabSz="914400" rtl="0" eaLnBrk="1" fontAlgn="base" latinLnBrk="0" hangingPunct="1">
+              <a:lnSpc>
+                <a:spcPct val="120000"/>
+              </a:lnSpc>
+              <a:spcBef>
+                <a:spcPct val="0"/>
+              </a:spcBef>
+              <a:spcAft>
+                <a:spcPct val="0"/>
+              </a:spcAft>
+              <a:buFont typeface="Arial" charset="0"/>
+              <a:buNone/>
+              <a:tabLst/>
+              <a:defRPr kumimoji="1" lang="ko-KR" altLang="en-US" sz="1000" kern="1200" smtClean="0">
+                <a:gradFill>
+                  <a:gsLst>
+                    <a:gs pos="0">
+                      <a:schemeClr val="tx1">
+                        <a:lumMod val="75000"/>
+                        <a:lumOff val="25000"/>
+                      </a:schemeClr>
+                    </a:gs>
+                    <a:gs pos="100000">
+                      <a:schemeClr val="tx1">
+                        <a:lumMod val="75000"/>
+                        <a:lumOff val="25000"/>
+                      </a:schemeClr>
+                    </a:gs>
+                  </a:gsLst>
+                  <a:lin ang="5400000" scaled="0"/>
+                </a:gradFill>
+                <a:latin typeface="KoPub돋움체 Light" panose="02020603020101020101" pitchFamily="18" charset="-127"/>
+                <a:ea typeface="KoPub돋움체 Light" panose="02020603020101020101" pitchFamily="18" charset="-127"/>
+                <a:cs typeface="+mn-cs"/>
+              </a:defRPr>
+            </a:lvl2pPr>
+            <a:lvl3pPr marL="0" indent="0" algn="just" defTabSz="914400" rtl="0" eaLnBrk="1" fontAlgn="base" latinLnBrk="0" hangingPunct="1">
+              <a:lnSpc>
+                <a:spcPct val="120000"/>
+              </a:lnSpc>
+              <a:spcBef>
+                <a:spcPct val="0"/>
+              </a:spcBef>
+              <a:spcAft>
+                <a:spcPct val="0"/>
+              </a:spcAft>
+              <a:buFont typeface="Arial" charset="0"/>
+              <a:buNone/>
+              <a:tabLst/>
+              <a:defRPr kumimoji="1" lang="ko-KR" altLang="en-US" sz="1000" kern="1200" smtClean="0">
+                <a:gradFill>
+                  <a:gsLst>
+                    <a:gs pos="0">
+                      <a:schemeClr val="tx1">
+                        <a:lumMod val="75000"/>
+                        <a:lumOff val="25000"/>
+                      </a:schemeClr>
+                    </a:gs>
+                    <a:gs pos="100000">
+                      <a:schemeClr val="tx1">
+                        <a:lumMod val="75000"/>
+                        <a:lumOff val="25000"/>
+                      </a:schemeClr>
+                    </a:gs>
+                  </a:gsLst>
+                  <a:lin ang="5400000" scaled="0"/>
+                </a:gradFill>
+                <a:latin typeface="KoPub돋움체 Light" panose="02020603020101020101" pitchFamily="18" charset="-127"/>
+                <a:ea typeface="KoPub돋움체 Light" panose="02020603020101020101" pitchFamily="18" charset="-127"/>
+                <a:cs typeface="+mn-cs"/>
+              </a:defRPr>
+            </a:lvl3pPr>
+            <a:lvl4pPr marL="0" indent="0" algn="just" defTabSz="914400" rtl="0" eaLnBrk="1" fontAlgn="base" latinLnBrk="0" hangingPunct="1">
+              <a:lnSpc>
+                <a:spcPct val="120000"/>
+              </a:lnSpc>
+              <a:spcBef>
+                <a:spcPct val="0"/>
+              </a:spcBef>
+              <a:spcAft>
+                <a:spcPct val="0"/>
+              </a:spcAft>
+              <a:buFont typeface="Arial" charset="0"/>
+              <a:buNone/>
+              <a:tabLst/>
+              <a:defRPr kumimoji="1" lang="ko-KR" altLang="en-US" sz="1000" kern="1200" smtClean="0">
+                <a:gradFill>
+                  <a:gsLst>
+                    <a:gs pos="0">
+                      <a:schemeClr val="tx1">
+                        <a:lumMod val="75000"/>
+                        <a:lumOff val="25000"/>
+                      </a:schemeClr>
+                    </a:gs>
+                    <a:gs pos="100000">
+                      <a:schemeClr val="tx1">
+                        <a:lumMod val="75000"/>
+                        <a:lumOff val="25000"/>
+                      </a:schemeClr>
+                    </a:gs>
+                  </a:gsLst>
+                  <a:lin ang="5400000" scaled="0"/>
+                </a:gradFill>
+                <a:latin typeface="KoPub돋움체 Light" panose="02020603020101020101" pitchFamily="18" charset="-127"/>
+                <a:ea typeface="KoPub돋움체 Light" panose="02020603020101020101" pitchFamily="18" charset="-127"/>
+                <a:cs typeface="+mn-cs"/>
+              </a:defRPr>
+            </a:lvl4pPr>
+            <a:lvl5pPr marL="0" indent="0" algn="just" defTabSz="914400" rtl="0" eaLnBrk="1" fontAlgn="base" latinLnBrk="0" hangingPunct="1">
+              <a:lnSpc>
+                <a:spcPct val="120000"/>
+              </a:lnSpc>
+              <a:spcBef>
+                <a:spcPct val="0"/>
+              </a:spcBef>
+              <a:spcAft>
+                <a:spcPct val="0"/>
+              </a:spcAft>
+              <a:buFont typeface="Arial" charset="0"/>
+              <a:buNone/>
+              <a:tabLst/>
+              <a:defRPr kumimoji="1" lang="ko-KR" altLang="en-US" sz="1000" kern="1200">
+                <a:gradFill>
+                  <a:gsLst>
+                    <a:gs pos="0">
+                      <a:schemeClr val="tx1">
+                        <a:lumMod val="75000"/>
+                        <a:lumOff val="25000"/>
+                      </a:schemeClr>
+                    </a:gs>
+                    <a:gs pos="100000">
+                      <a:schemeClr val="tx1">
+                        <a:lumMod val="75000"/>
+                        <a:lumOff val="25000"/>
+                      </a:schemeClr>
+                    </a:gs>
+                  </a:gsLst>
+                  <a:lin ang="5400000" scaled="0"/>
+                </a:gradFill>
+                <a:latin typeface="KoPub돋움체 Light" panose="02020603020101020101" pitchFamily="18" charset="-127"/>
+                <a:ea typeface="KoPub돋움체 Light" panose="02020603020101020101" pitchFamily="18" charset="-127"/>
+                <a:cs typeface="+mn-cs"/>
+              </a:defRPr>
+            </a:lvl5pPr>
+            <a:lvl6pPr marL="2514600" indent="-228600" algn="l" defTabSz="914400" rtl="0" eaLnBrk="1" latinLnBrk="1" hangingPunct="1">
+              <a:lnSpc>
+                <a:spcPct val="90000"/>
+              </a:lnSpc>
+              <a:spcBef>
+                <a:spcPts val="500"/>
+              </a:spcBef>
+              <a:buFont typeface="Arial" panose="020B0604020202020204" pitchFamily="34" charset="0"/>
+              <a:buChar char="•"/>
+              <a:defRPr sz="1800" kern="1200">
+                <a:solidFill>
+                  <a:schemeClr val="tx1"/>
+                </a:solidFill>
+                <a:latin typeface="+mn-lt"/>
+                <a:ea typeface="+mn-ea"/>
+                <a:cs typeface="+mn-cs"/>
+              </a:defRPr>
+            </a:lvl6pPr>
+            <a:lvl7pPr marL="2971800" indent="-228600" algn="l" defTabSz="914400" rtl="0" eaLnBrk="1" latinLnBrk="1" hangingPunct="1">
+              <a:lnSpc>
+                <a:spcPct val="90000"/>
+              </a:lnSpc>
+              <a:spcBef>
+                <a:spcPts val="500"/>
+              </a:spcBef>
+              <a:buFont typeface="Arial" panose="020B0604020202020204" pitchFamily="34" charset="0"/>
+              <a:buChar char="•"/>
+              <a:defRPr sz="1800" kern="1200">
+                <a:solidFill>
+                  <a:schemeClr val="tx1"/>
+                </a:solidFill>
+                <a:latin typeface="+mn-lt"/>
+                <a:ea typeface="+mn-ea"/>
+                <a:cs typeface="+mn-cs"/>
+              </a:defRPr>
+            </a:lvl7pPr>
+            <a:lvl8pPr marL="3429000" indent="-228600" algn="l" defTabSz="914400" rtl="0" eaLnBrk="1" latinLnBrk="1" hangingPunct="1">
+              <a:lnSpc>
+                <a:spcPct val="90000"/>
+              </a:lnSpc>
+              <a:spcBef>
+                <a:spcPts val="500"/>
+              </a:spcBef>
+              <a:buFont typeface="Arial" panose="020B0604020202020204" pitchFamily="34" charset="0"/>
+              <a:buChar char="•"/>
+              <a:defRPr sz="1800" kern="1200">
+                <a:solidFill>
+                  <a:schemeClr val="tx1"/>
+                </a:solidFill>
+                <a:latin typeface="+mn-lt"/>
+                <a:ea typeface="+mn-ea"/>
+                <a:cs typeface="+mn-cs"/>
+              </a:defRPr>
+            </a:lvl8pPr>
+            <a:lvl9pPr marL="3886200" indent="-228600" algn="l" defTabSz="914400" rtl="0" eaLnBrk="1" latinLnBrk="1" hangingPunct="1">
+              <a:lnSpc>
+                <a:spcPct val="90000"/>
+              </a:lnSpc>
+              <a:spcBef>
+                <a:spcPts val="500"/>
+              </a:spcBef>
+              <a:buFont typeface="Arial" panose="020B0604020202020204" pitchFamily="34" charset="0"/>
+              <a:buChar char="•"/>
+              <a:defRPr sz="1800" kern="1200">
+                <a:solidFill>
+                  <a:schemeClr val="tx1"/>
+                </a:solidFill>
+                <a:latin typeface="+mn-lt"/>
+                <a:ea typeface="+mn-ea"/>
+                <a:cs typeface="+mn-cs"/>
+              </a:defRPr>
+            </a:lvl9pPr>
+          </a:lstStyle>
+          <a:p>
+            <a:pPr algn="l">
+              <a:defRPr/>
+            </a:pPr>
+            <a:r>
+              <a:rPr lang="en-US" sz="1400" b="1" dirty="0" smtClean="0">
+                <a:gradFill>
+                  <a:gsLst>
+                    <a:gs pos="0">
+                      <a:srgbClr val="404040"/>
+                    </a:gs>
+                    <a:gs pos="100000">
+                      <a:srgbClr val="404040"/>
+                    </a:gs>
+                  </a:gsLst>
+                  <a:lin ang="5400000" scaled="0"/>
+                </a:gradFill>
+                <a:latin typeface="나눔고딕" panose="020D0604000000000000" pitchFamily="50" charset="-127"/>
+                <a:ea typeface="나눔고딕 ExtraBold"/>
+              </a:rPr>
+              <a:t>Python image_classification.py –dataset cifar10 –model vgg11 –epochs 1</a:t>
+            </a:r>
+          </a:p>
+        </p:txBody>
+      </p:sp>
+      <p:sp>
+        <p:nvSpPr>
+          <p:cNvPr id="6" name="텍스트 개체 틀 2"/>
+          <p:cNvSpPr txBox="1">
+            <a:spLocks/>
+          </p:cNvSpPr>
+          <p:nvPr/>
+        </p:nvSpPr>
+        <p:spPr>
+          <a:xfrm>
+            <a:off x="251971" y="2251851"/>
+            <a:ext cx="8640960" cy="867930"/>
+          </a:xfrm>
+          <a:prstGeom prst="rect">
+            <a:avLst/>
+          </a:prstGeom>
+          <a:noFill/>
+          <a:ln w="9525">
+            <a:noFill/>
+            <a:miter lim="800000"/>
+            <a:headEnd/>
+            <a:tailEnd/>
+          </a:ln>
+        </p:spPr>
+        <p:txBody>
+          <a:bodyPr lIns="0" tIns="0" rIns="0" bIns="0">
+            <a:spAutoFit/>
+          </a:bodyPr>
+          <a:lstStyle>
+            <a:lvl1pPr marL="0" indent="0" algn="just" defTabSz="914400" rtl="0" eaLnBrk="1" fontAlgn="base" latinLnBrk="0" hangingPunct="1">
+              <a:lnSpc>
+                <a:spcPct val="120000"/>
+              </a:lnSpc>
+              <a:spcBef>
+                <a:spcPct val="0"/>
+              </a:spcBef>
+              <a:spcAft>
+                <a:spcPct val="0"/>
+              </a:spcAft>
+              <a:buFont typeface="Arial" charset="0"/>
+              <a:buNone/>
+              <a:tabLst/>
+              <a:defRPr kumimoji="1" lang="ko-KR" altLang="en-US" sz="1000" kern="1200" smtClean="0">
+                <a:gradFill>
+                  <a:gsLst>
+                    <a:gs pos="0">
+                      <a:schemeClr val="tx1">
+                        <a:lumMod val="75000"/>
+                        <a:lumOff val="25000"/>
+                      </a:schemeClr>
+                    </a:gs>
+                    <a:gs pos="100000">
+                      <a:schemeClr val="tx1">
+                        <a:lumMod val="75000"/>
+                        <a:lumOff val="25000"/>
+                      </a:schemeClr>
+                    </a:gs>
+                  </a:gsLst>
+                  <a:lin ang="5400000" scaled="0"/>
+                </a:gradFill>
+                <a:latin typeface="KoPub돋움체 Light" panose="02020603020101020101" pitchFamily="18" charset="-127"/>
+                <a:ea typeface="KoPub돋움체 Light" panose="02020603020101020101" pitchFamily="18" charset="-127"/>
+                <a:cs typeface="+mn-cs"/>
+              </a:defRPr>
+            </a:lvl1pPr>
+            <a:lvl2pPr marL="0" indent="0" algn="just" defTabSz="914400" rtl="0" eaLnBrk="1" fontAlgn="base" latinLnBrk="0" hangingPunct="1">
+              <a:lnSpc>
+                <a:spcPct val="120000"/>
+              </a:lnSpc>
+              <a:spcBef>
+                <a:spcPct val="0"/>
+              </a:spcBef>
+              <a:spcAft>
+                <a:spcPct val="0"/>
+              </a:spcAft>
+              <a:buFont typeface="Arial" charset="0"/>
+              <a:buNone/>
+              <a:tabLst/>
+              <a:defRPr kumimoji="1" lang="ko-KR" altLang="en-US" sz="1000" kern="1200" smtClean="0">
+                <a:gradFill>
+                  <a:gsLst>
+                    <a:gs pos="0">
+                      <a:schemeClr val="tx1">
+                        <a:lumMod val="75000"/>
+                        <a:lumOff val="25000"/>
+                      </a:schemeClr>
+                    </a:gs>
+                    <a:gs pos="100000">
+                      <a:schemeClr val="tx1">
+                        <a:lumMod val="75000"/>
+                        <a:lumOff val="25000"/>
+                      </a:schemeClr>
+                    </a:gs>
+                  </a:gsLst>
+                  <a:lin ang="5400000" scaled="0"/>
+                </a:gradFill>
+                <a:latin typeface="KoPub돋움체 Light" panose="02020603020101020101" pitchFamily="18" charset="-127"/>
+                <a:ea typeface="KoPub돋움체 Light" panose="02020603020101020101" pitchFamily="18" charset="-127"/>
+                <a:cs typeface="+mn-cs"/>
+              </a:defRPr>
+            </a:lvl2pPr>
+            <a:lvl3pPr marL="0" indent="0" algn="just" defTabSz="914400" rtl="0" eaLnBrk="1" fontAlgn="base" latinLnBrk="0" hangingPunct="1">
+              <a:lnSpc>
+                <a:spcPct val="120000"/>
+              </a:lnSpc>
+              <a:spcBef>
+                <a:spcPct val="0"/>
+              </a:spcBef>
+              <a:spcAft>
+                <a:spcPct val="0"/>
+              </a:spcAft>
+              <a:buFont typeface="Arial" charset="0"/>
+              <a:buNone/>
+              <a:tabLst/>
+              <a:defRPr kumimoji="1" lang="ko-KR" altLang="en-US" sz="1000" kern="1200" smtClean="0">
+                <a:gradFill>
+                  <a:gsLst>
+                    <a:gs pos="0">
+                      <a:schemeClr val="tx1">
+                        <a:lumMod val="75000"/>
+                        <a:lumOff val="25000"/>
+                      </a:schemeClr>
+                    </a:gs>
+                    <a:gs pos="100000">
+                      <a:schemeClr val="tx1">
+                        <a:lumMod val="75000"/>
+                        <a:lumOff val="25000"/>
+                      </a:schemeClr>
+                    </a:gs>
+                  </a:gsLst>
+                  <a:lin ang="5400000" scaled="0"/>
+                </a:gradFill>
+                <a:latin typeface="KoPub돋움체 Light" panose="02020603020101020101" pitchFamily="18" charset="-127"/>
+                <a:ea typeface="KoPub돋움체 Light" panose="02020603020101020101" pitchFamily="18" charset="-127"/>
+                <a:cs typeface="+mn-cs"/>
+              </a:defRPr>
+            </a:lvl3pPr>
+            <a:lvl4pPr marL="0" indent="0" algn="just" defTabSz="914400" rtl="0" eaLnBrk="1" fontAlgn="base" latinLnBrk="0" hangingPunct="1">
+              <a:lnSpc>
+                <a:spcPct val="120000"/>
+              </a:lnSpc>
+              <a:spcBef>
+                <a:spcPct val="0"/>
+              </a:spcBef>
+              <a:spcAft>
+                <a:spcPct val="0"/>
+              </a:spcAft>
+              <a:buFont typeface="Arial" charset="0"/>
+              <a:buNone/>
+              <a:tabLst/>
+              <a:defRPr kumimoji="1" lang="ko-KR" altLang="en-US" sz="1000" kern="1200" smtClean="0">
+                <a:gradFill>
+                  <a:gsLst>
+                    <a:gs pos="0">
+                      <a:schemeClr val="tx1">
+                        <a:lumMod val="75000"/>
+                        <a:lumOff val="25000"/>
+                      </a:schemeClr>
+                    </a:gs>
+                    <a:gs pos="100000">
+                      <a:schemeClr val="tx1">
+                        <a:lumMod val="75000"/>
+                        <a:lumOff val="25000"/>
+                      </a:schemeClr>
+                    </a:gs>
+                  </a:gsLst>
+                  <a:lin ang="5400000" scaled="0"/>
+                </a:gradFill>
+                <a:latin typeface="KoPub돋움체 Light" panose="02020603020101020101" pitchFamily="18" charset="-127"/>
+                <a:ea typeface="KoPub돋움체 Light" panose="02020603020101020101" pitchFamily="18" charset="-127"/>
+                <a:cs typeface="+mn-cs"/>
+              </a:defRPr>
+            </a:lvl4pPr>
+            <a:lvl5pPr marL="0" indent="0" algn="just" defTabSz="914400" rtl="0" eaLnBrk="1" fontAlgn="base" latinLnBrk="0" hangingPunct="1">
+              <a:lnSpc>
+                <a:spcPct val="120000"/>
+              </a:lnSpc>
+              <a:spcBef>
+                <a:spcPct val="0"/>
+              </a:spcBef>
+              <a:spcAft>
+                <a:spcPct val="0"/>
+              </a:spcAft>
+              <a:buFont typeface="Arial" charset="0"/>
+              <a:buNone/>
+              <a:tabLst/>
+              <a:defRPr kumimoji="1" lang="ko-KR" altLang="en-US" sz="1000" kern="1200">
+                <a:gradFill>
+                  <a:gsLst>
+                    <a:gs pos="0">
+                      <a:schemeClr val="tx1">
+                        <a:lumMod val="75000"/>
+                        <a:lumOff val="25000"/>
+                      </a:schemeClr>
+                    </a:gs>
+                    <a:gs pos="100000">
+                      <a:schemeClr val="tx1">
+                        <a:lumMod val="75000"/>
+                        <a:lumOff val="25000"/>
+                      </a:schemeClr>
+                    </a:gs>
+                  </a:gsLst>
+                  <a:lin ang="5400000" scaled="0"/>
+                </a:gradFill>
+                <a:latin typeface="KoPub돋움체 Light" panose="02020603020101020101" pitchFamily="18" charset="-127"/>
+                <a:ea typeface="KoPub돋움체 Light" panose="02020603020101020101" pitchFamily="18" charset="-127"/>
+                <a:cs typeface="+mn-cs"/>
+              </a:defRPr>
+            </a:lvl5pPr>
+            <a:lvl6pPr marL="2514600" indent="-228600" algn="l" defTabSz="914400" rtl="0" eaLnBrk="1" latinLnBrk="1" hangingPunct="1">
+              <a:lnSpc>
+                <a:spcPct val="90000"/>
+              </a:lnSpc>
+              <a:spcBef>
+                <a:spcPts val="500"/>
+              </a:spcBef>
+              <a:buFont typeface="Arial" panose="020B0604020202020204" pitchFamily="34" charset="0"/>
+              <a:buChar char="•"/>
+              <a:defRPr sz="1800" kern="1200">
+                <a:solidFill>
+                  <a:schemeClr val="tx1"/>
+                </a:solidFill>
+                <a:latin typeface="+mn-lt"/>
+                <a:ea typeface="+mn-ea"/>
+                <a:cs typeface="+mn-cs"/>
+              </a:defRPr>
+            </a:lvl6pPr>
+            <a:lvl7pPr marL="2971800" indent="-228600" algn="l" defTabSz="914400" rtl="0" eaLnBrk="1" latinLnBrk="1" hangingPunct="1">
+              <a:lnSpc>
+                <a:spcPct val="90000"/>
+              </a:lnSpc>
+              <a:spcBef>
+                <a:spcPts val="500"/>
+              </a:spcBef>
+              <a:buFont typeface="Arial" panose="020B0604020202020204" pitchFamily="34" charset="0"/>
+              <a:buChar char="•"/>
+              <a:defRPr sz="1800" kern="1200">
+                <a:solidFill>
+                  <a:schemeClr val="tx1"/>
+                </a:solidFill>
+                <a:latin typeface="+mn-lt"/>
+                <a:ea typeface="+mn-ea"/>
+                <a:cs typeface="+mn-cs"/>
+              </a:defRPr>
+            </a:lvl7pPr>
+            <a:lvl8pPr marL="3429000" indent="-228600" algn="l" defTabSz="914400" rtl="0" eaLnBrk="1" latinLnBrk="1" hangingPunct="1">
+              <a:lnSpc>
+                <a:spcPct val="90000"/>
+              </a:lnSpc>
+              <a:spcBef>
+                <a:spcPts val="500"/>
+              </a:spcBef>
+              <a:buFont typeface="Arial" panose="020B0604020202020204" pitchFamily="34" charset="0"/>
+              <a:buChar char="•"/>
+              <a:defRPr sz="1800" kern="1200">
+                <a:solidFill>
+                  <a:schemeClr val="tx1"/>
+                </a:solidFill>
+                <a:latin typeface="+mn-lt"/>
+                <a:ea typeface="+mn-ea"/>
+                <a:cs typeface="+mn-cs"/>
+              </a:defRPr>
+            </a:lvl8pPr>
+            <a:lvl9pPr marL="3886200" indent="-228600" algn="l" defTabSz="914400" rtl="0" eaLnBrk="1" latinLnBrk="1" hangingPunct="1">
+              <a:lnSpc>
+                <a:spcPct val="90000"/>
+              </a:lnSpc>
+              <a:spcBef>
+                <a:spcPts val="500"/>
+              </a:spcBef>
+              <a:buFont typeface="Arial" panose="020B0604020202020204" pitchFamily="34" charset="0"/>
+              <a:buChar char="•"/>
+              <a:defRPr sz="1800" kern="1200">
+                <a:solidFill>
+                  <a:schemeClr val="tx1"/>
+                </a:solidFill>
+                <a:latin typeface="+mn-lt"/>
+                <a:ea typeface="+mn-ea"/>
+                <a:cs typeface="+mn-cs"/>
+              </a:defRPr>
+            </a:lvl9pPr>
+          </a:lstStyle>
+          <a:p>
+            <a:pPr algn="l">
+              <a:defRPr/>
+            </a:pPr>
+            <a:r>
+              <a:rPr lang="en-US" sz="1200" b="1" dirty="0">
+                <a:gradFill>
+                  <a:gsLst>
+                    <a:gs pos="0">
+                      <a:srgbClr val="404040"/>
+                    </a:gs>
+                    <a:gs pos="100000">
+                      <a:srgbClr val="404040"/>
+                    </a:gs>
+                  </a:gsLst>
+                  <a:lin ang="5400000" scaled="0"/>
+                </a:gradFill>
+                <a:latin typeface="나눔고딕" panose="020D0604000000000000" pitchFamily="50" charset="-127"/>
+                <a:ea typeface="나눔고딕 ExtraBold"/>
+              </a:rPr>
+              <a:t>Namespace(</a:t>
+            </a:r>
+            <a:r>
+              <a:rPr lang="en-US" sz="1200" b="1" dirty="0" err="1">
+                <a:gradFill>
+                  <a:gsLst>
+                    <a:gs pos="0">
+                      <a:srgbClr val="404040"/>
+                    </a:gs>
+                    <a:gs pos="100000">
+                      <a:srgbClr val="404040"/>
+                    </a:gs>
+                  </a:gsLst>
+                  <a:lin ang="5400000" scaled="0"/>
+                </a:gradFill>
+                <a:latin typeface="나눔고딕" panose="020D0604000000000000" pitchFamily="50" charset="-127"/>
+                <a:ea typeface="나눔고딕 ExtraBold"/>
+              </a:rPr>
+              <a:t>batch_norm</a:t>
+            </a:r>
+            <a:r>
+              <a:rPr lang="en-US" sz="1200" b="1" dirty="0">
+                <a:gradFill>
+                  <a:gsLst>
+                    <a:gs pos="0">
+                      <a:srgbClr val="404040"/>
+                    </a:gs>
+                    <a:gs pos="100000">
+                      <a:srgbClr val="404040"/>
+                    </a:gs>
+                  </a:gsLst>
+                  <a:lin ang="5400000" scaled="0"/>
+                </a:gradFill>
+                <a:latin typeface="나눔고딕" panose="020D0604000000000000" pitchFamily="50" charset="-127"/>
+                <a:ea typeface="나눔고딕 ExtraBold"/>
+              </a:rPr>
+              <a:t>=False, </a:t>
+            </a:r>
+            <a:r>
+              <a:rPr lang="en-US" sz="1200" b="1" dirty="0" err="1">
+                <a:gradFill>
+                  <a:gsLst>
+                    <a:gs pos="0">
+                      <a:srgbClr val="404040"/>
+                    </a:gs>
+                    <a:gs pos="100000">
+                      <a:srgbClr val="404040"/>
+                    </a:gs>
+                  </a:gsLst>
+                  <a:lin ang="5400000" scaled="0"/>
+                </a:gradFill>
+                <a:latin typeface="나눔고딕" panose="020D0604000000000000" pitchFamily="50" charset="-127"/>
+                <a:ea typeface="나눔고딕 ExtraBold"/>
+              </a:rPr>
+              <a:t>batch_size</a:t>
+            </a:r>
+            <a:r>
+              <a:rPr lang="en-US" sz="1200" b="1" dirty="0">
+                <a:gradFill>
+                  <a:gsLst>
+                    <a:gs pos="0">
+                      <a:srgbClr val="404040"/>
+                    </a:gs>
+                    <a:gs pos="100000">
+                      <a:srgbClr val="404040"/>
+                    </a:gs>
+                  </a:gsLst>
+                  <a:lin ang="5400000" scaled="0"/>
+                </a:gradFill>
+                <a:latin typeface="나눔고딕" panose="020D0604000000000000" pitchFamily="50" charset="-127"/>
+                <a:ea typeface="나눔고딕 ExtraBold"/>
+              </a:rPr>
+              <a:t>=32, </a:t>
+            </a:r>
+            <a:r>
+              <a:rPr lang="en-US" sz="1200" b="1" dirty="0" err="1">
+                <a:gradFill>
+                  <a:gsLst>
+                    <a:gs pos="0">
+                      <a:srgbClr val="404040"/>
+                    </a:gs>
+                    <a:gs pos="100000">
+                      <a:srgbClr val="404040"/>
+                    </a:gs>
+                  </a:gsLst>
+                  <a:lin ang="5400000" scaled="0"/>
+                </a:gradFill>
+                <a:latin typeface="나눔고딕" panose="020D0604000000000000" pitchFamily="50" charset="-127"/>
+                <a:ea typeface="나눔고딕 ExtraBold"/>
+              </a:rPr>
+              <a:t>builtin_profiler</a:t>
+            </a:r>
+            <a:r>
+              <a:rPr lang="en-US" sz="1200" b="1" dirty="0">
+                <a:gradFill>
+                  <a:gsLst>
+                    <a:gs pos="0">
+                      <a:srgbClr val="404040"/>
+                    </a:gs>
+                    <a:gs pos="100000">
+                      <a:srgbClr val="404040"/>
+                    </a:gs>
+                  </a:gsLst>
+                  <a:lin ang="5400000" scaled="0"/>
+                </a:gradFill>
+                <a:latin typeface="나눔고딕" panose="020D0604000000000000" pitchFamily="50" charset="-127"/>
+                <a:ea typeface="나눔고딕 ExtraBold"/>
+              </a:rPr>
+              <a:t>=0, </a:t>
+            </a:r>
+            <a:r>
+              <a:rPr lang="en-US" sz="1200" b="1" dirty="0" err="1">
+                <a:gradFill>
+                  <a:gsLst>
+                    <a:gs pos="0">
+                      <a:srgbClr val="404040"/>
+                    </a:gs>
+                    <a:gs pos="100000">
+                      <a:srgbClr val="404040"/>
+                    </a:gs>
+                  </a:gsLst>
+                  <a:lin ang="5400000" scaled="0"/>
+                </a:gradFill>
+                <a:latin typeface="나눔고딕" panose="020D0604000000000000" pitchFamily="50" charset="-127"/>
+                <a:ea typeface="나눔고딕 ExtraBold"/>
+              </a:rPr>
+              <a:t>data_dir</a:t>
+            </a:r>
+            <a:r>
+              <a:rPr lang="en-US" sz="1200" b="1" dirty="0">
+                <a:gradFill>
+                  <a:gsLst>
+                    <a:gs pos="0">
+                      <a:srgbClr val="404040"/>
+                    </a:gs>
+                    <a:gs pos="100000">
+                      <a:srgbClr val="404040"/>
+                    </a:gs>
+                  </a:gsLst>
+                  <a:lin ang="5400000" scaled="0"/>
+                </a:gradFill>
+                <a:latin typeface="나눔고딕" panose="020D0604000000000000" pitchFamily="50" charset="-127"/>
+                <a:ea typeface="나눔고딕 ExtraBold"/>
+              </a:rPr>
+              <a:t>='', dataset='cifar10', </a:t>
+            </a:r>
+            <a:r>
+              <a:rPr lang="en-US" sz="1200" b="1" dirty="0" err="1">
+                <a:gradFill>
+                  <a:gsLst>
+                    <a:gs pos="0">
+                      <a:srgbClr val="404040"/>
+                    </a:gs>
+                    <a:gs pos="100000">
+                      <a:srgbClr val="404040"/>
+                    </a:gs>
+                  </a:gsLst>
+                  <a:lin ang="5400000" scaled="0"/>
+                </a:gradFill>
+                <a:latin typeface="나눔고딕" panose="020D0604000000000000" pitchFamily="50" charset="-127"/>
+                <a:ea typeface="나눔고딕 ExtraBold"/>
+              </a:rPr>
+              <a:t>dtype</a:t>
+            </a:r>
+            <a:r>
+              <a:rPr lang="en-US" sz="1200" b="1" dirty="0">
+                <a:gradFill>
+                  <a:gsLst>
+                    <a:gs pos="0">
+                      <a:srgbClr val="404040"/>
+                    </a:gs>
+                    <a:gs pos="100000">
+                      <a:srgbClr val="404040"/>
+                    </a:gs>
+                  </a:gsLst>
+                  <a:lin ang="5400000" scaled="0"/>
+                </a:gradFill>
+                <a:latin typeface="나눔고딕" panose="020D0604000000000000" pitchFamily="50" charset="-127"/>
+                <a:ea typeface="나눔고딕 ExtraBold"/>
+              </a:rPr>
+              <a:t>='float32', epochs=1, </a:t>
+            </a:r>
+            <a:r>
+              <a:rPr lang="en-US" sz="1200" b="1" dirty="0" err="1">
+                <a:gradFill>
+                  <a:gsLst>
+                    <a:gs pos="0">
+                      <a:srgbClr val="404040"/>
+                    </a:gs>
+                    <a:gs pos="100000">
+                      <a:srgbClr val="404040"/>
+                    </a:gs>
+                  </a:gsLst>
+                  <a:lin ang="5400000" scaled="0"/>
+                </a:gradFill>
+                <a:latin typeface="나눔고딕" panose="020D0604000000000000" pitchFamily="50" charset="-127"/>
+                <a:ea typeface="나눔고딕 ExtraBold"/>
+              </a:rPr>
+              <a:t>gpus</a:t>
+            </a:r>
+            <a:r>
+              <a:rPr lang="en-US" sz="1200" b="1" dirty="0">
+                <a:gradFill>
+                  <a:gsLst>
+                    <a:gs pos="0">
+                      <a:srgbClr val="404040"/>
+                    </a:gs>
+                    <a:gs pos="100000">
+                      <a:srgbClr val="404040"/>
+                    </a:gs>
+                  </a:gsLst>
+                  <a:lin ang="5400000" scaled="0"/>
+                </a:gradFill>
+                <a:latin typeface="나눔고딕" panose="020D0604000000000000" pitchFamily="50" charset="-127"/>
+                <a:ea typeface="나눔고딕 ExtraBold"/>
+              </a:rPr>
+              <a:t>='', </a:t>
+            </a:r>
+            <a:r>
+              <a:rPr lang="en-US" sz="1200" b="1" dirty="0" err="1">
+                <a:gradFill>
+                  <a:gsLst>
+                    <a:gs pos="0">
+                      <a:srgbClr val="404040"/>
+                    </a:gs>
+                    <a:gs pos="100000">
+                      <a:srgbClr val="404040"/>
+                    </a:gs>
+                  </a:gsLst>
+                  <a:lin ang="5400000" scaled="0"/>
+                </a:gradFill>
+                <a:latin typeface="나눔고딕" panose="020D0604000000000000" pitchFamily="50" charset="-127"/>
+                <a:ea typeface="나눔고딕 ExtraBold"/>
+              </a:rPr>
+              <a:t>kvstore</a:t>
+            </a:r>
+            <a:r>
+              <a:rPr lang="en-US" sz="1200" b="1" dirty="0">
+                <a:gradFill>
+                  <a:gsLst>
+                    <a:gs pos="0">
+                      <a:srgbClr val="404040"/>
+                    </a:gs>
+                    <a:gs pos="100000">
+                      <a:srgbClr val="404040"/>
+                    </a:gs>
+                  </a:gsLst>
+                  <a:lin ang="5400000" scaled="0"/>
+                </a:gradFill>
+                <a:latin typeface="나눔고딕" panose="020D0604000000000000" pitchFamily="50" charset="-127"/>
+                <a:ea typeface="나눔고딕 ExtraBold"/>
+              </a:rPr>
+              <a:t>='device', </a:t>
+            </a:r>
+            <a:r>
+              <a:rPr lang="en-US" sz="1200" b="1" dirty="0" err="1">
+                <a:gradFill>
+                  <a:gsLst>
+                    <a:gs pos="0">
+                      <a:srgbClr val="404040"/>
+                    </a:gs>
+                    <a:gs pos="100000">
+                      <a:srgbClr val="404040"/>
+                    </a:gs>
+                  </a:gsLst>
+                  <a:lin ang="5400000" scaled="0"/>
+                </a:gradFill>
+                <a:latin typeface="나눔고딕" panose="020D0604000000000000" pitchFamily="50" charset="-127"/>
+                <a:ea typeface="나눔고딕 ExtraBold"/>
+              </a:rPr>
+              <a:t>log_interval</a:t>
+            </a:r>
+            <a:r>
+              <a:rPr lang="en-US" sz="1200" b="1" dirty="0">
+                <a:gradFill>
+                  <a:gsLst>
+                    <a:gs pos="0">
+                      <a:srgbClr val="404040"/>
+                    </a:gs>
+                    <a:gs pos="100000">
+                      <a:srgbClr val="404040"/>
+                    </a:gs>
+                  </a:gsLst>
+                  <a:lin ang="5400000" scaled="0"/>
+                </a:gradFill>
+                <a:latin typeface="나눔고딕" panose="020D0604000000000000" pitchFamily="50" charset="-127"/>
+                <a:ea typeface="나눔고딕 ExtraBold"/>
+              </a:rPr>
+              <a:t>=50, </a:t>
+            </a:r>
+            <a:r>
+              <a:rPr lang="en-US" sz="1200" b="1" dirty="0" err="1">
+                <a:gradFill>
+                  <a:gsLst>
+                    <a:gs pos="0">
+                      <a:srgbClr val="404040"/>
+                    </a:gs>
+                    <a:gs pos="100000">
+                      <a:srgbClr val="404040"/>
+                    </a:gs>
+                  </a:gsLst>
+                  <a:lin ang="5400000" scaled="0"/>
+                </a:gradFill>
+                <a:latin typeface="나눔고딕" panose="020D0604000000000000" pitchFamily="50" charset="-127"/>
+                <a:ea typeface="나눔고딕 ExtraBold"/>
+              </a:rPr>
+              <a:t>lr</a:t>
+            </a:r>
+            <a:r>
+              <a:rPr lang="en-US" sz="1200" b="1" dirty="0">
+                <a:gradFill>
+                  <a:gsLst>
+                    <a:gs pos="0">
+                      <a:srgbClr val="404040"/>
+                    </a:gs>
+                    <a:gs pos="100000">
+                      <a:srgbClr val="404040"/>
+                    </a:gs>
+                  </a:gsLst>
+                  <a:lin ang="5400000" scaled="0"/>
+                </a:gradFill>
+                <a:latin typeface="나눔고딕" panose="020D0604000000000000" pitchFamily="50" charset="-127"/>
+                <a:ea typeface="나눔고딕 ExtraBold"/>
+              </a:rPr>
+              <a:t>=0.1, </a:t>
+            </a:r>
+            <a:r>
+              <a:rPr lang="en-US" sz="1200" b="1" dirty="0" err="1">
+                <a:gradFill>
+                  <a:gsLst>
+                    <a:gs pos="0">
+                      <a:srgbClr val="404040"/>
+                    </a:gs>
+                    <a:gs pos="100000">
+                      <a:srgbClr val="404040"/>
+                    </a:gs>
+                  </a:gsLst>
+                  <a:lin ang="5400000" scaled="0"/>
+                </a:gradFill>
+                <a:latin typeface="나눔고딕" panose="020D0604000000000000" pitchFamily="50" charset="-127"/>
+                <a:ea typeface="나눔고딕 ExtraBold"/>
+              </a:rPr>
+              <a:t>lr_factor</a:t>
+            </a:r>
+            <a:r>
+              <a:rPr lang="en-US" sz="1200" b="1" dirty="0">
+                <a:gradFill>
+                  <a:gsLst>
+                    <a:gs pos="0">
+                      <a:srgbClr val="404040"/>
+                    </a:gs>
+                    <a:gs pos="100000">
+                      <a:srgbClr val="404040"/>
+                    </a:gs>
+                  </a:gsLst>
+                  <a:lin ang="5400000" scaled="0"/>
+                </a:gradFill>
+                <a:latin typeface="나눔고딕" panose="020D0604000000000000" pitchFamily="50" charset="-127"/>
+                <a:ea typeface="나눔고딕 ExtraBold"/>
+              </a:rPr>
+              <a:t>=0.1, </a:t>
+            </a:r>
+            <a:r>
+              <a:rPr lang="en-US" sz="1200" b="1" dirty="0" err="1">
+                <a:gradFill>
+                  <a:gsLst>
+                    <a:gs pos="0">
+                      <a:srgbClr val="404040"/>
+                    </a:gs>
+                    <a:gs pos="100000">
+                      <a:srgbClr val="404040"/>
+                    </a:gs>
+                  </a:gsLst>
+                  <a:lin ang="5400000" scaled="0"/>
+                </a:gradFill>
+                <a:latin typeface="나눔고딕" panose="020D0604000000000000" pitchFamily="50" charset="-127"/>
+                <a:ea typeface="나눔고딕 ExtraBold"/>
+              </a:rPr>
+              <a:t>lr_steps</a:t>
+            </a:r>
+            <a:r>
+              <a:rPr lang="en-US" sz="1200" b="1" dirty="0">
+                <a:gradFill>
+                  <a:gsLst>
+                    <a:gs pos="0">
+                      <a:srgbClr val="404040"/>
+                    </a:gs>
+                    <a:gs pos="100000">
+                      <a:srgbClr val="404040"/>
+                    </a:gs>
+                  </a:gsLst>
+                  <a:lin ang="5400000" scaled="0"/>
+                </a:gradFill>
+                <a:latin typeface="나눔고딕" panose="020D0604000000000000" pitchFamily="50" charset="-127"/>
+                <a:ea typeface="나눔고딕 ExtraBold"/>
+              </a:rPr>
+              <a:t>='30,60,90', mode=None, model='vgg11', momentum=0.9, </a:t>
+            </a:r>
+            <a:r>
+              <a:rPr lang="en-US" sz="1200" b="1" dirty="0" err="1">
+                <a:gradFill>
+                  <a:gsLst>
+                    <a:gs pos="0">
+                      <a:srgbClr val="404040"/>
+                    </a:gs>
+                    <a:gs pos="100000">
+                      <a:srgbClr val="404040"/>
+                    </a:gs>
+                  </a:gsLst>
+                  <a:lin ang="5400000" scaled="0"/>
+                </a:gradFill>
+                <a:latin typeface="나눔고딕" panose="020D0604000000000000" pitchFamily="50" charset="-127"/>
+                <a:ea typeface="나눔고딕 ExtraBold"/>
+              </a:rPr>
+              <a:t>num_workers</a:t>
+            </a:r>
+            <a:r>
+              <a:rPr lang="en-US" sz="1200" b="1" dirty="0">
+                <a:gradFill>
+                  <a:gsLst>
+                    <a:gs pos="0">
+                      <a:srgbClr val="404040"/>
+                    </a:gs>
+                    <a:gs pos="100000">
+                      <a:srgbClr val="404040"/>
+                    </a:gs>
+                  </a:gsLst>
+                  <a:lin ang="5400000" scaled="0"/>
+                </a:gradFill>
+                <a:latin typeface="나눔고딕" panose="020D0604000000000000" pitchFamily="50" charset="-127"/>
+                <a:ea typeface="나눔고딕 ExtraBold"/>
+              </a:rPr>
+              <a:t>=4, prefix='', profile=False, resume='', </a:t>
+            </a:r>
+            <a:r>
+              <a:rPr lang="en-US" sz="1200" b="1" dirty="0" err="1">
+                <a:gradFill>
+                  <a:gsLst>
+                    <a:gs pos="0">
+                      <a:srgbClr val="404040"/>
+                    </a:gs>
+                    <a:gs pos="100000">
+                      <a:srgbClr val="404040"/>
+                    </a:gs>
+                  </a:gsLst>
+                  <a:lin ang="5400000" scaled="0"/>
+                </a:gradFill>
+                <a:latin typeface="나눔고딕" panose="020D0604000000000000" pitchFamily="50" charset="-127"/>
+                <a:ea typeface="나눔고딕 ExtraBold"/>
+              </a:rPr>
+              <a:t>save_frequency</a:t>
+            </a:r>
+            <a:r>
+              <a:rPr lang="en-US" sz="1200" b="1" dirty="0">
+                <a:gradFill>
+                  <a:gsLst>
+                    <a:gs pos="0">
+                      <a:srgbClr val="404040"/>
+                    </a:gs>
+                    <a:gs pos="100000">
+                      <a:srgbClr val="404040"/>
+                    </a:gs>
+                  </a:gsLst>
+                  <a:lin ang="5400000" scaled="0"/>
+                </a:gradFill>
+                <a:latin typeface="나눔고딕" panose="020D0604000000000000" pitchFamily="50" charset="-127"/>
+                <a:ea typeface="나눔고딕 ExtraBold"/>
+              </a:rPr>
+              <a:t>=10, seed=123, </a:t>
+            </a:r>
+            <a:r>
+              <a:rPr lang="en-US" sz="1200" b="1" dirty="0" err="1">
+                <a:gradFill>
+                  <a:gsLst>
+                    <a:gs pos="0">
+                      <a:srgbClr val="404040"/>
+                    </a:gs>
+                    <a:gs pos="100000">
+                      <a:srgbClr val="404040"/>
+                    </a:gs>
+                  </a:gsLst>
+                  <a:lin ang="5400000" scaled="0"/>
+                </a:gradFill>
+                <a:latin typeface="나눔고딕" panose="020D0604000000000000" pitchFamily="50" charset="-127"/>
+                <a:ea typeface="나눔고딕 ExtraBold"/>
+              </a:rPr>
+              <a:t>start_epoch</a:t>
+            </a:r>
+            <a:r>
+              <a:rPr lang="en-US" sz="1200" b="1" dirty="0">
+                <a:gradFill>
+                  <a:gsLst>
+                    <a:gs pos="0">
+                      <a:srgbClr val="404040"/>
+                    </a:gs>
+                    <a:gs pos="100000">
+                      <a:srgbClr val="404040"/>
+                    </a:gs>
+                  </a:gsLst>
+                  <a:lin ang="5400000" scaled="0"/>
+                </a:gradFill>
+                <a:latin typeface="나눔고딕" panose="020D0604000000000000" pitchFamily="50" charset="-127"/>
+                <a:ea typeface="나눔고딕 ExtraBold"/>
+              </a:rPr>
+              <a:t>=0, </a:t>
+            </a:r>
+            <a:r>
+              <a:rPr lang="en-US" sz="1200" b="1" dirty="0" err="1">
+                <a:gradFill>
+                  <a:gsLst>
+                    <a:gs pos="0">
+                      <a:srgbClr val="404040"/>
+                    </a:gs>
+                    <a:gs pos="100000">
+                      <a:srgbClr val="404040"/>
+                    </a:gs>
+                  </a:gsLst>
+                  <a:lin ang="5400000" scaled="0"/>
+                </a:gradFill>
+                <a:latin typeface="나눔고딕" panose="020D0604000000000000" pitchFamily="50" charset="-127"/>
+                <a:ea typeface="나눔고딕 ExtraBold"/>
+              </a:rPr>
+              <a:t>use_pretrained</a:t>
+            </a:r>
+            <a:r>
+              <a:rPr lang="en-US" sz="1200" b="1" dirty="0">
+                <a:gradFill>
+                  <a:gsLst>
+                    <a:gs pos="0">
+                      <a:srgbClr val="404040"/>
+                    </a:gs>
+                    <a:gs pos="100000">
+                      <a:srgbClr val="404040"/>
+                    </a:gs>
+                  </a:gsLst>
+                  <a:lin ang="5400000" scaled="0"/>
+                </a:gradFill>
+                <a:latin typeface="나눔고딕" panose="020D0604000000000000" pitchFamily="50" charset="-127"/>
+                <a:ea typeface="나눔고딕 ExtraBold"/>
+              </a:rPr>
+              <a:t>=False, </a:t>
+            </a:r>
+            <a:r>
+              <a:rPr lang="en-US" sz="1200" b="1" dirty="0" err="1">
+                <a:gradFill>
+                  <a:gsLst>
+                    <a:gs pos="0">
+                      <a:srgbClr val="404040"/>
+                    </a:gs>
+                    <a:gs pos="100000">
+                      <a:srgbClr val="404040"/>
+                    </a:gs>
+                  </a:gsLst>
+                  <a:lin ang="5400000" scaled="0"/>
+                </a:gradFill>
+                <a:latin typeface="나눔고딕" panose="020D0604000000000000" pitchFamily="50" charset="-127"/>
+                <a:ea typeface="나눔고딕 ExtraBold"/>
+              </a:rPr>
+              <a:t>use_thumbnail</a:t>
+            </a:r>
+            <a:r>
+              <a:rPr lang="en-US" sz="1200" b="1" dirty="0">
+                <a:gradFill>
+                  <a:gsLst>
+                    <a:gs pos="0">
+                      <a:srgbClr val="404040"/>
+                    </a:gs>
+                    <a:gs pos="100000">
+                      <a:srgbClr val="404040"/>
+                    </a:gs>
+                  </a:gsLst>
+                  <a:lin ang="5400000" scaled="0"/>
+                </a:gradFill>
+                <a:latin typeface="나눔고딕" panose="020D0604000000000000" pitchFamily="50" charset="-127"/>
+                <a:ea typeface="나눔고딕 ExtraBold"/>
+              </a:rPr>
+              <a:t>=False, </a:t>
+            </a:r>
+            <a:r>
+              <a:rPr lang="en-US" sz="1200" b="1" dirty="0" err="1">
+                <a:gradFill>
+                  <a:gsLst>
+                    <a:gs pos="0">
+                      <a:srgbClr val="404040"/>
+                    </a:gs>
+                    <a:gs pos="100000">
+                      <a:srgbClr val="404040"/>
+                    </a:gs>
+                  </a:gsLst>
+                  <a:lin ang="5400000" scaled="0"/>
+                </a:gradFill>
+                <a:latin typeface="나눔고딕" panose="020D0604000000000000" pitchFamily="50" charset="-127"/>
+                <a:ea typeface="나눔고딕 ExtraBold"/>
+              </a:rPr>
+              <a:t>wd</a:t>
+            </a:r>
+            <a:r>
+              <a:rPr lang="en-US" sz="1200" b="1" dirty="0">
+                <a:gradFill>
+                  <a:gsLst>
+                    <a:gs pos="0">
+                      <a:srgbClr val="404040"/>
+                    </a:gs>
+                    <a:gs pos="100000">
+                      <a:srgbClr val="404040"/>
+                    </a:gs>
+                  </a:gsLst>
+                  <a:lin ang="5400000" scaled="0"/>
+                </a:gradFill>
+                <a:latin typeface="나눔고딕" panose="020D0604000000000000" pitchFamily="50" charset="-127"/>
+                <a:ea typeface="나눔고딕 ExtraBold"/>
+              </a:rPr>
+              <a:t>=0.0001)</a:t>
+            </a:r>
+            <a:endParaRPr lang="en-US" sz="1200" b="1" dirty="0" smtClean="0">
+              <a:gradFill>
+                <a:gsLst>
+                  <a:gs pos="0">
+                    <a:srgbClr val="404040"/>
+                  </a:gs>
+                  <a:gs pos="100000">
+                    <a:srgbClr val="404040"/>
+                  </a:gs>
+                </a:gsLst>
+                <a:lin ang="5400000" scaled="0"/>
+              </a:gradFill>
+              <a:latin typeface="나눔고딕" panose="020D0604000000000000" pitchFamily="50" charset="-127"/>
+              <a:ea typeface="나눔고딕 ExtraBold"/>
+            </a:endParaRPr>
+          </a:p>
+        </p:txBody>
+      </p:sp>
+      <p:sp>
+        <p:nvSpPr>
+          <p:cNvPr id="9" name="텍스트 개체 틀 2"/>
+          <p:cNvSpPr txBox="1">
+            <a:spLocks/>
+          </p:cNvSpPr>
+          <p:nvPr/>
+        </p:nvSpPr>
+        <p:spPr>
+          <a:xfrm>
+            <a:off x="251520" y="1416317"/>
+            <a:ext cx="8640960" cy="236988"/>
+          </a:xfrm>
+          <a:prstGeom prst="rect">
+            <a:avLst/>
+          </a:prstGeom>
+          <a:noFill/>
+          <a:ln w="9525">
+            <a:noFill/>
+            <a:miter lim="800000"/>
+            <a:headEnd/>
+            <a:tailEnd/>
+          </a:ln>
+        </p:spPr>
+        <p:txBody>
+          <a:bodyPr lIns="0" tIns="0" rIns="0" bIns="0">
+            <a:spAutoFit/>
+          </a:bodyPr>
+          <a:lstStyle>
+            <a:lvl1pPr marL="0" indent="0" algn="just" defTabSz="914400" rtl="0" eaLnBrk="1" fontAlgn="base" latinLnBrk="0" hangingPunct="1">
+              <a:lnSpc>
+                <a:spcPct val="120000"/>
+              </a:lnSpc>
+              <a:spcBef>
+                <a:spcPct val="0"/>
+              </a:spcBef>
+              <a:spcAft>
+                <a:spcPct val="0"/>
+              </a:spcAft>
+              <a:buFont typeface="Arial" charset="0"/>
+              <a:buNone/>
+              <a:tabLst/>
+              <a:defRPr kumimoji="1" lang="ko-KR" altLang="en-US" sz="1000" kern="1200" smtClean="0">
+                <a:gradFill>
+                  <a:gsLst>
+                    <a:gs pos="0">
+                      <a:schemeClr val="tx1">
+                        <a:lumMod val="75000"/>
+                        <a:lumOff val="25000"/>
+                      </a:schemeClr>
+                    </a:gs>
+                    <a:gs pos="100000">
+                      <a:schemeClr val="tx1">
+                        <a:lumMod val="75000"/>
+                        <a:lumOff val="25000"/>
+                      </a:schemeClr>
+                    </a:gs>
+                  </a:gsLst>
+                  <a:lin ang="5400000" scaled="0"/>
+                </a:gradFill>
+                <a:latin typeface="KoPub돋움체 Light" panose="02020603020101020101" pitchFamily="18" charset="-127"/>
+                <a:ea typeface="KoPub돋움체 Light" panose="02020603020101020101" pitchFamily="18" charset="-127"/>
+                <a:cs typeface="+mn-cs"/>
+              </a:defRPr>
+            </a:lvl1pPr>
+            <a:lvl2pPr marL="0" indent="0" algn="just" defTabSz="914400" rtl="0" eaLnBrk="1" fontAlgn="base" latinLnBrk="0" hangingPunct="1">
+              <a:lnSpc>
+                <a:spcPct val="120000"/>
+              </a:lnSpc>
+              <a:spcBef>
+                <a:spcPct val="0"/>
+              </a:spcBef>
+              <a:spcAft>
+                <a:spcPct val="0"/>
+              </a:spcAft>
+              <a:buFont typeface="Arial" charset="0"/>
+              <a:buNone/>
+              <a:tabLst/>
+              <a:defRPr kumimoji="1" lang="ko-KR" altLang="en-US" sz="1000" kern="1200" smtClean="0">
+                <a:gradFill>
+                  <a:gsLst>
+                    <a:gs pos="0">
+                      <a:schemeClr val="tx1">
+                        <a:lumMod val="75000"/>
+                        <a:lumOff val="25000"/>
+                      </a:schemeClr>
+                    </a:gs>
+                    <a:gs pos="100000">
+                      <a:schemeClr val="tx1">
+                        <a:lumMod val="75000"/>
+                        <a:lumOff val="25000"/>
+                      </a:schemeClr>
+                    </a:gs>
+                  </a:gsLst>
+                  <a:lin ang="5400000" scaled="0"/>
+                </a:gradFill>
+                <a:latin typeface="KoPub돋움체 Light" panose="02020603020101020101" pitchFamily="18" charset="-127"/>
+                <a:ea typeface="KoPub돋움체 Light" panose="02020603020101020101" pitchFamily="18" charset="-127"/>
+                <a:cs typeface="+mn-cs"/>
+              </a:defRPr>
+            </a:lvl2pPr>
+            <a:lvl3pPr marL="0" indent="0" algn="just" defTabSz="914400" rtl="0" eaLnBrk="1" fontAlgn="base" latinLnBrk="0" hangingPunct="1">
+              <a:lnSpc>
+                <a:spcPct val="120000"/>
+              </a:lnSpc>
+              <a:spcBef>
+                <a:spcPct val="0"/>
+              </a:spcBef>
+              <a:spcAft>
+                <a:spcPct val="0"/>
+              </a:spcAft>
+              <a:buFont typeface="Arial" charset="0"/>
+              <a:buNone/>
+              <a:tabLst/>
+              <a:defRPr kumimoji="1" lang="ko-KR" altLang="en-US" sz="1000" kern="1200" smtClean="0">
+                <a:gradFill>
+                  <a:gsLst>
+                    <a:gs pos="0">
+                      <a:schemeClr val="tx1">
+                        <a:lumMod val="75000"/>
+                        <a:lumOff val="25000"/>
+                      </a:schemeClr>
+                    </a:gs>
+                    <a:gs pos="100000">
+                      <a:schemeClr val="tx1">
+                        <a:lumMod val="75000"/>
+                        <a:lumOff val="25000"/>
+                      </a:schemeClr>
+                    </a:gs>
+                  </a:gsLst>
+                  <a:lin ang="5400000" scaled="0"/>
+                </a:gradFill>
+                <a:latin typeface="KoPub돋움체 Light" panose="02020603020101020101" pitchFamily="18" charset="-127"/>
+                <a:ea typeface="KoPub돋움체 Light" panose="02020603020101020101" pitchFamily="18" charset="-127"/>
+                <a:cs typeface="+mn-cs"/>
+              </a:defRPr>
+            </a:lvl3pPr>
+            <a:lvl4pPr marL="0" indent="0" algn="just" defTabSz="914400" rtl="0" eaLnBrk="1" fontAlgn="base" latinLnBrk="0" hangingPunct="1">
+              <a:lnSpc>
+                <a:spcPct val="120000"/>
+              </a:lnSpc>
+              <a:spcBef>
+                <a:spcPct val="0"/>
+              </a:spcBef>
+              <a:spcAft>
+                <a:spcPct val="0"/>
+              </a:spcAft>
+              <a:buFont typeface="Arial" charset="0"/>
+              <a:buNone/>
+              <a:tabLst/>
+              <a:defRPr kumimoji="1" lang="ko-KR" altLang="en-US" sz="1000" kern="1200" smtClean="0">
+                <a:gradFill>
+                  <a:gsLst>
+                    <a:gs pos="0">
+                      <a:schemeClr val="tx1">
+                        <a:lumMod val="75000"/>
+                        <a:lumOff val="25000"/>
+                      </a:schemeClr>
+                    </a:gs>
+                    <a:gs pos="100000">
+                      <a:schemeClr val="tx1">
+                        <a:lumMod val="75000"/>
+                        <a:lumOff val="25000"/>
+                      </a:schemeClr>
+                    </a:gs>
+                  </a:gsLst>
+                  <a:lin ang="5400000" scaled="0"/>
+                </a:gradFill>
+                <a:latin typeface="KoPub돋움체 Light" panose="02020603020101020101" pitchFamily="18" charset="-127"/>
+                <a:ea typeface="KoPub돋움체 Light" panose="02020603020101020101" pitchFamily="18" charset="-127"/>
+                <a:cs typeface="+mn-cs"/>
+              </a:defRPr>
+            </a:lvl4pPr>
+            <a:lvl5pPr marL="0" indent="0" algn="just" defTabSz="914400" rtl="0" eaLnBrk="1" fontAlgn="base" latinLnBrk="0" hangingPunct="1">
+              <a:lnSpc>
+                <a:spcPct val="120000"/>
+              </a:lnSpc>
+              <a:spcBef>
+                <a:spcPct val="0"/>
+              </a:spcBef>
+              <a:spcAft>
+                <a:spcPct val="0"/>
+              </a:spcAft>
+              <a:buFont typeface="Arial" charset="0"/>
+              <a:buNone/>
+              <a:tabLst/>
+              <a:defRPr kumimoji="1" lang="ko-KR" altLang="en-US" sz="1000" kern="1200">
+                <a:gradFill>
+                  <a:gsLst>
+                    <a:gs pos="0">
+                      <a:schemeClr val="tx1">
+                        <a:lumMod val="75000"/>
+                        <a:lumOff val="25000"/>
+                      </a:schemeClr>
+                    </a:gs>
+                    <a:gs pos="100000">
+                      <a:schemeClr val="tx1">
+                        <a:lumMod val="75000"/>
+                        <a:lumOff val="25000"/>
+                      </a:schemeClr>
+                    </a:gs>
+                  </a:gsLst>
+                  <a:lin ang="5400000" scaled="0"/>
+                </a:gradFill>
+                <a:latin typeface="KoPub돋움체 Light" panose="02020603020101020101" pitchFamily="18" charset="-127"/>
+                <a:ea typeface="KoPub돋움체 Light" panose="02020603020101020101" pitchFamily="18" charset="-127"/>
+                <a:cs typeface="+mn-cs"/>
+              </a:defRPr>
+            </a:lvl5pPr>
+            <a:lvl6pPr marL="2514600" indent="-228600" algn="l" defTabSz="914400" rtl="0" eaLnBrk="1" latinLnBrk="1" hangingPunct="1">
+              <a:lnSpc>
+                <a:spcPct val="90000"/>
+              </a:lnSpc>
+              <a:spcBef>
+                <a:spcPts val="500"/>
+              </a:spcBef>
+              <a:buFont typeface="Arial" panose="020B0604020202020204" pitchFamily="34" charset="0"/>
+              <a:buChar char="•"/>
+              <a:defRPr sz="1800" kern="1200">
+                <a:solidFill>
+                  <a:schemeClr val="tx1"/>
+                </a:solidFill>
+                <a:latin typeface="+mn-lt"/>
+                <a:ea typeface="+mn-ea"/>
+                <a:cs typeface="+mn-cs"/>
+              </a:defRPr>
+            </a:lvl6pPr>
+            <a:lvl7pPr marL="2971800" indent="-228600" algn="l" defTabSz="914400" rtl="0" eaLnBrk="1" latinLnBrk="1" hangingPunct="1">
+              <a:lnSpc>
+                <a:spcPct val="90000"/>
+              </a:lnSpc>
+              <a:spcBef>
+                <a:spcPts val="500"/>
+              </a:spcBef>
+              <a:buFont typeface="Arial" panose="020B0604020202020204" pitchFamily="34" charset="0"/>
+              <a:buChar char="•"/>
+              <a:defRPr sz="1800" kern="1200">
+                <a:solidFill>
+                  <a:schemeClr val="tx1"/>
+                </a:solidFill>
+                <a:latin typeface="+mn-lt"/>
+                <a:ea typeface="+mn-ea"/>
+                <a:cs typeface="+mn-cs"/>
+              </a:defRPr>
+            </a:lvl7pPr>
+            <a:lvl8pPr marL="3429000" indent="-228600" algn="l" defTabSz="914400" rtl="0" eaLnBrk="1" latinLnBrk="1" hangingPunct="1">
+              <a:lnSpc>
+                <a:spcPct val="90000"/>
+              </a:lnSpc>
+              <a:spcBef>
+                <a:spcPts val="500"/>
+              </a:spcBef>
+              <a:buFont typeface="Arial" panose="020B0604020202020204" pitchFamily="34" charset="0"/>
+              <a:buChar char="•"/>
+              <a:defRPr sz="1800" kern="1200">
+                <a:solidFill>
+                  <a:schemeClr val="tx1"/>
+                </a:solidFill>
+                <a:latin typeface="+mn-lt"/>
+                <a:ea typeface="+mn-ea"/>
+                <a:cs typeface="+mn-cs"/>
+              </a:defRPr>
+            </a:lvl8pPr>
+            <a:lvl9pPr marL="3886200" indent="-228600" algn="l" defTabSz="914400" rtl="0" eaLnBrk="1" latinLnBrk="1" hangingPunct="1">
+              <a:lnSpc>
+                <a:spcPct val="90000"/>
+              </a:lnSpc>
+              <a:spcBef>
+                <a:spcPts val="500"/>
+              </a:spcBef>
+              <a:buFont typeface="Arial" panose="020B0604020202020204" pitchFamily="34" charset="0"/>
+              <a:buChar char="•"/>
+              <a:defRPr sz="1800" kern="1200">
+                <a:solidFill>
+                  <a:schemeClr val="tx1"/>
+                </a:solidFill>
+                <a:latin typeface="+mn-lt"/>
+                <a:ea typeface="+mn-ea"/>
+                <a:cs typeface="+mn-cs"/>
+              </a:defRPr>
+            </a:lvl9pPr>
+          </a:lstStyle>
+          <a:p>
+            <a:pPr algn="l">
+              <a:defRPr/>
+            </a:pPr>
+            <a:r>
+              <a:rPr lang="ko-KR" altLang="en-US" sz="1400" b="1" dirty="0" smtClean="0">
+                <a:gradFill>
+                  <a:gsLst>
+                    <a:gs pos="0">
+                      <a:srgbClr val="404040"/>
+                    </a:gs>
+                    <a:gs pos="100000">
+                      <a:srgbClr val="404040"/>
+                    </a:gs>
+                  </a:gsLst>
+                  <a:lin ang="5400000" scaled="0"/>
+                </a:gradFill>
+                <a:latin typeface="나눔고딕" panose="020D0604000000000000" pitchFamily="50" charset="-127"/>
+                <a:ea typeface="나눔고딕 ExtraBold"/>
+              </a:rPr>
+              <a:t>단일 </a:t>
+            </a:r>
+            <a:r>
+              <a:rPr lang="ko-KR" altLang="en-US" sz="1400" b="1" dirty="0" err="1" smtClean="0">
+                <a:gradFill>
+                  <a:gsLst>
+                    <a:gs pos="0">
+                      <a:srgbClr val="404040"/>
+                    </a:gs>
+                    <a:gs pos="100000">
+                      <a:srgbClr val="404040"/>
+                    </a:gs>
+                  </a:gsLst>
+                  <a:lin ang="5400000" scaled="0"/>
+                </a:gradFill>
+                <a:latin typeface="나눔고딕" panose="020D0604000000000000" pitchFamily="50" charset="-127"/>
+                <a:ea typeface="나눔고딕 ExtraBold"/>
+              </a:rPr>
+              <a:t>머신에서</a:t>
+            </a:r>
+            <a:r>
+              <a:rPr lang="ko-KR" altLang="en-US" sz="1400" b="1" dirty="0" smtClean="0">
+                <a:gradFill>
+                  <a:gsLst>
+                    <a:gs pos="0">
+                      <a:srgbClr val="404040"/>
+                    </a:gs>
+                    <a:gs pos="100000">
+                      <a:srgbClr val="404040"/>
+                    </a:gs>
+                  </a:gsLst>
+                  <a:lin ang="5400000" scaled="0"/>
+                </a:gradFill>
+                <a:latin typeface="나눔고딕" panose="020D0604000000000000" pitchFamily="50" charset="-127"/>
+                <a:ea typeface="나눔고딕 ExtraBold"/>
+              </a:rPr>
+              <a:t> </a:t>
+            </a:r>
+            <a:r>
+              <a:rPr lang="en-US" altLang="ko-KR" sz="1400" b="1" dirty="0" smtClean="0">
+                <a:gradFill>
+                  <a:gsLst>
+                    <a:gs pos="0">
+                      <a:srgbClr val="404040"/>
+                    </a:gs>
+                    <a:gs pos="100000">
+                      <a:srgbClr val="404040"/>
+                    </a:gs>
+                  </a:gsLst>
+                  <a:lin ang="5400000" scaled="0"/>
+                </a:gradFill>
+                <a:latin typeface="나눔고딕" panose="020D0604000000000000" pitchFamily="50" charset="-127"/>
+                <a:ea typeface="나눔고딕 ExtraBold"/>
+              </a:rPr>
+              <a:t>CIFAR10 </a:t>
+            </a:r>
+            <a:r>
+              <a:rPr lang="ko-KR" altLang="en-US" sz="1400" b="1" dirty="0" smtClean="0">
+                <a:gradFill>
+                  <a:gsLst>
+                    <a:gs pos="0">
+                      <a:srgbClr val="404040"/>
+                    </a:gs>
+                    <a:gs pos="100000">
+                      <a:srgbClr val="404040"/>
+                    </a:gs>
+                  </a:gsLst>
+                  <a:lin ang="5400000" scaled="0"/>
+                </a:gradFill>
+                <a:latin typeface="나눔고딕" panose="020D0604000000000000" pitchFamily="50" charset="-127"/>
+                <a:ea typeface="나눔고딕 ExtraBold"/>
+              </a:rPr>
+              <a:t>데이터</a:t>
+            </a:r>
+            <a:r>
+              <a:rPr lang="en-US" altLang="ko-KR" sz="1400" b="1" dirty="0" smtClean="0">
+                <a:gradFill>
+                  <a:gsLst>
+                    <a:gs pos="0">
+                      <a:srgbClr val="404040"/>
+                    </a:gs>
+                    <a:gs pos="100000">
+                      <a:srgbClr val="404040"/>
+                    </a:gs>
+                  </a:gsLst>
+                  <a:lin ang="5400000" scaled="0"/>
+                </a:gradFill>
+                <a:latin typeface="나눔고딕" panose="020D0604000000000000" pitchFamily="50" charset="-127"/>
+                <a:ea typeface="나눔고딕 ExtraBold"/>
+              </a:rPr>
+              <a:t> </a:t>
+            </a:r>
+            <a:r>
+              <a:rPr lang="ko-KR" altLang="en-US" sz="1400" b="1" dirty="0" smtClean="0">
+                <a:gradFill>
+                  <a:gsLst>
+                    <a:gs pos="0">
+                      <a:srgbClr val="404040"/>
+                    </a:gs>
+                    <a:gs pos="100000">
+                      <a:srgbClr val="404040"/>
+                    </a:gs>
+                  </a:gsLst>
+                  <a:lin ang="5400000" scaled="0"/>
+                </a:gradFill>
+                <a:latin typeface="나눔고딕" panose="020D0604000000000000" pitchFamily="50" charset="-127"/>
+                <a:ea typeface="나눔고딕 ExtraBold"/>
+              </a:rPr>
+              <a:t>셋에 대한 </a:t>
+            </a:r>
+            <a:r>
+              <a:rPr lang="en-US" altLang="ko-KR" sz="1400" b="1" dirty="0" smtClean="0">
+                <a:gradFill>
+                  <a:gsLst>
+                    <a:gs pos="0">
+                      <a:srgbClr val="404040"/>
+                    </a:gs>
+                    <a:gs pos="100000">
+                      <a:srgbClr val="404040"/>
+                    </a:gs>
+                  </a:gsLst>
+                  <a:lin ang="5400000" scaled="0"/>
+                </a:gradFill>
+                <a:latin typeface="나눔고딕" panose="020D0604000000000000" pitchFamily="50" charset="-127"/>
+                <a:ea typeface="나눔고딕 ExtraBold"/>
+              </a:rPr>
+              <a:t>VGG11 </a:t>
+            </a:r>
+            <a:r>
+              <a:rPr lang="ko-KR" altLang="en-US" sz="1400" b="1" dirty="0" smtClean="0">
+                <a:gradFill>
+                  <a:gsLst>
+                    <a:gs pos="0">
+                      <a:srgbClr val="404040"/>
+                    </a:gs>
+                    <a:gs pos="100000">
+                      <a:srgbClr val="404040"/>
+                    </a:gs>
+                  </a:gsLst>
+                  <a:lin ang="5400000" scaled="0"/>
+                </a:gradFill>
+                <a:latin typeface="나눔고딕" panose="020D0604000000000000" pitchFamily="50" charset="-127"/>
+                <a:ea typeface="나눔고딕 ExtraBold"/>
+              </a:rPr>
+              <a:t>모델 학습</a:t>
+            </a:r>
+            <a:endParaRPr lang="en-US" sz="1400" b="1" dirty="0" smtClean="0">
+              <a:gradFill>
+                <a:gsLst>
+                  <a:gs pos="0">
+                    <a:srgbClr val="404040"/>
+                  </a:gs>
+                  <a:gs pos="100000">
+                    <a:srgbClr val="404040"/>
+                  </a:gs>
+                </a:gsLst>
+                <a:lin ang="5400000" scaled="0"/>
+              </a:gradFill>
+              <a:latin typeface="나눔고딕" panose="020D0604000000000000" pitchFamily="50" charset="-127"/>
+              <a:ea typeface="나눔고딕 ExtraBold"/>
+            </a:endParaRPr>
+          </a:p>
+        </p:txBody>
+      </p:sp>
     </p:spTree>
     <p:extLst>
       <p:ext uri="{BB962C8B-B14F-4D97-AF65-F5344CB8AC3E}">
@@ -14173,7 +15804,7 @@
         <p:spPr>
           <a:xfrm>
             <a:off x="755650" y="1196752"/>
-            <a:ext cx="7488832" cy="4431983"/>
+            <a:ext cx="7488832" cy="2215991"/>
           </a:xfrm>
           <a:prstGeom prst="rect">
             <a:avLst/>
@@ -14445,10 +16076,11 @@
             </a:lvl9pPr>
           </a:lstStyle>
           <a:p>
-            <a:pPr algn="l">
+            <a:pPr marL="457200" indent="-457200" algn="l">
               <a:lnSpc>
                 <a:spcPct val="150000"/>
               </a:lnSpc>
+              <a:buAutoNum type="arabicPeriod"/>
               <a:defRPr/>
             </a:pPr>
             <a:r>
@@ -14467,25 +16099,88 @@
                 <a:latin typeface="나눔고딕" panose="020D0604000000000000" pitchFamily="50" charset="-127"/>
                 <a:ea typeface="나눔고딕 ExtraBold"/>
               </a:rPr>
-              <a:t>1. </a:t>
-            </a:r>
-            <a:r>
-              <a:rPr lang="ko-KR" altLang="en-US" sz="2400" b="1" dirty="0" smtClean="0">
-                <a:gradFill>
-                  <a:gsLst>
-                    <a:gs pos="0">
-                      <a:srgbClr val="404040"/>
-                    </a:gs>
-                    <a:gs pos="100000">
-                      <a:srgbClr val="404040"/>
-                    </a:gs>
-                  </a:gsLst>
-                  <a:lin ang="5400000" scaled="0"/>
-                </a:gradFill>
-                <a:latin typeface="나눔고딕" panose="020D0604000000000000" pitchFamily="50" charset="-127"/>
-                <a:ea typeface="나눔고딕 ExtraBold"/>
-              </a:rPr>
-              <a:t>데이터 다루기</a:t>
+              <a:t>CNN</a:t>
+            </a:r>
+          </a:p>
+          <a:p>
+            <a:pPr marL="342900" indent="-342900" algn="l">
+              <a:lnSpc>
+                <a:spcPct val="150000"/>
+              </a:lnSpc>
+              <a:buAutoNum type="arabicPeriod"/>
+              <a:defRPr/>
+            </a:pPr>
+            <a:r>
+              <a:rPr lang="en-US" altLang="ko-KR" sz="2400" b="1" dirty="0">
+                <a:gradFill>
+                  <a:gsLst>
+                    <a:gs pos="0">
+                      <a:srgbClr val="404040"/>
+                    </a:gs>
+                    <a:gs pos="100000">
+                      <a:srgbClr val="404040"/>
+                    </a:gs>
+                  </a:gsLst>
+                  <a:lin ang="5400000" scaled="0"/>
+                </a:gradFill>
+                <a:latin typeface="나눔고딕" panose="020D0604000000000000" pitchFamily="50" charset="-127"/>
+                <a:ea typeface="나눔고딕 ExtraBold"/>
+              </a:rPr>
+              <a:t> </a:t>
+            </a:r>
+            <a:r>
+              <a:rPr lang="en-US" altLang="ko-KR" sz="2400" b="1" dirty="0" err="1" smtClean="0">
+                <a:gradFill>
+                  <a:gsLst>
+                    <a:gs pos="0">
+                      <a:srgbClr val="404040"/>
+                    </a:gs>
+                    <a:gs pos="100000">
+                      <a:srgbClr val="404040"/>
+                    </a:gs>
+                  </a:gsLst>
+                  <a:lin ang="5400000" scaled="0"/>
+                </a:gradFill>
+                <a:latin typeface="나눔고딕" panose="020D0604000000000000" pitchFamily="50" charset="-127"/>
+                <a:ea typeface="나눔고딕 ExtraBold"/>
+              </a:rPr>
+              <a:t>tensorflow</a:t>
+            </a:r>
+            <a:r>
+              <a:rPr lang="en-US" altLang="ko-KR" sz="2400" b="1" dirty="0" smtClean="0">
+                <a:gradFill>
+                  <a:gsLst>
+                    <a:gs pos="0">
+                      <a:srgbClr val="404040"/>
+                    </a:gs>
+                    <a:gs pos="100000">
+                      <a:srgbClr val="404040"/>
+                    </a:gs>
+                  </a:gsLst>
+                  <a:lin ang="5400000" scaled="0"/>
+                </a:gradFill>
+                <a:latin typeface="나눔고딕" panose="020D0604000000000000" pitchFamily="50" charset="-127"/>
+                <a:ea typeface="나눔고딕 ExtraBold"/>
+              </a:rPr>
+              <a:t> </a:t>
+            </a:r>
+            <a:r>
+              <a:rPr lang="en-US" altLang="ko-KR" sz="2400" b="1" dirty="0" err="1" smtClean="0">
+                <a:gradFill>
+                  <a:gsLst>
+                    <a:gs pos="0">
+                      <a:srgbClr val="404040"/>
+                    </a:gs>
+                    <a:gs pos="100000">
+                      <a:srgbClr val="404040"/>
+                    </a:gs>
+                  </a:gsLst>
+                  <a:lin ang="5400000" scaled="0"/>
+                </a:gradFill>
+                <a:latin typeface="나눔고딕" panose="020D0604000000000000" pitchFamily="50" charset="-127"/>
+                <a:ea typeface="나눔고딕 ExtraBold"/>
+              </a:rPr>
+              <a:t>pytorch</a:t>
             </a:r>
             <a:endParaRPr lang="en-US" altLang="ko-KR" sz="2400" b="1" dirty="0" smtClean="0">
               <a:gradFill>
@@ -14504,124 +16199,30 @@
             </a:endParaRPr>
           </a:p>
           <a:p>
-            <a:pPr algn="l">
+            <a:pPr marL="342900" indent="-342900" algn="l">
               <a:lnSpc>
                 <a:spcPct val="150000"/>
               </a:lnSpc>
+              <a:buAutoNum type="arabicPeriod"/>
               <a:defRPr/>
             </a:pPr>
             <a:r>
-              <a:rPr lang="en-US" altLang="ko-KR" sz="1600" b="1" dirty="0">
-                <a:gradFill>
-                  <a:gsLst>
-                    <a:gs pos="0">
-                      <a:srgbClr val="404040"/>
-                    </a:gs>
-                    <a:gs pos="100000">
-                      <a:srgbClr val="404040"/>
-                    </a:gs>
-                  </a:gsLst>
-                  <a:lin ang="5400000" scaled="0"/>
-                </a:gradFill>
-                <a:latin typeface="나눔고딕" panose="020D0604000000000000" pitchFamily="50" charset="-127"/>
-                <a:ea typeface="나눔고딕 ExtraBold"/>
-              </a:rPr>
-              <a:t> </a:t>
-            </a:r>
-            <a:r>
-              <a:rPr lang="en-US" altLang="ko-KR" sz="1600" b="1" dirty="0" smtClean="0">
-                <a:gradFill>
-                  <a:gsLst>
-                    <a:gs pos="0">
-                      <a:srgbClr val="404040"/>
-                    </a:gs>
-                    <a:gs pos="100000">
-                      <a:srgbClr val="404040"/>
-                    </a:gs>
-                  </a:gsLst>
-                  <a:lin ang="5400000" scaled="0"/>
-                </a:gradFill>
-                <a:latin typeface="나눔고딕" panose="020D0604000000000000" pitchFamily="50" charset="-127"/>
-                <a:ea typeface="나눔고딕 ExtraBold"/>
-              </a:rPr>
-              <a:t>    - pandas, </a:t>
-            </a:r>
-            <a:r>
-              <a:rPr lang="en-US" altLang="ko-KR" sz="1600" b="1" dirty="0" err="1" smtClean="0">
-                <a:gradFill>
-                  <a:gsLst>
-                    <a:gs pos="0">
-                      <a:srgbClr val="404040"/>
-                    </a:gs>
-                    <a:gs pos="100000">
-                      <a:srgbClr val="404040"/>
-                    </a:gs>
-                  </a:gsLst>
-                  <a:lin ang="5400000" scaled="0"/>
-                </a:gradFill>
-                <a:latin typeface="나눔고딕" panose="020D0604000000000000" pitchFamily="50" charset="-127"/>
-                <a:ea typeface="나눔고딕 ExtraBold"/>
-              </a:rPr>
-              <a:t>matplotlib</a:t>
-            </a:r>
-            <a:endParaRPr lang="en-US" altLang="ko-KR" sz="1600" b="1" dirty="0" smtClean="0">
-              <a:gradFill>
-                <a:gsLst>
-                  <a:gs pos="0">
-                    <a:srgbClr val="404040"/>
-                  </a:gs>
-                  <a:gs pos="100000">
-                    <a:srgbClr val="404040"/>
-                  </a:gs>
-                </a:gsLst>
-                <a:lin ang="5400000" scaled="0"/>
-              </a:gradFill>
-              <a:latin typeface="나눔고딕" panose="020D0604000000000000" pitchFamily="50" charset="-127"/>
-              <a:ea typeface="나눔고딕 ExtraBold"/>
-            </a:endParaRPr>
-          </a:p>
-          <a:p>
-            <a:pPr algn="l">
-              <a:lnSpc>
-                <a:spcPct val="150000"/>
-              </a:lnSpc>
-              <a:defRPr/>
-            </a:pPr>
-            <a:r>
-              <a:rPr lang="en-US" altLang="ko-KR" sz="2400" b="1" dirty="0" smtClean="0">
-                <a:gradFill>
-                  <a:gsLst>
-                    <a:gs pos="0">
-                      <a:srgbClr val="404040"/>
-                    </a:gs>
-                    <a:gs pos="100000">
-                      <a:srgbClr val="404040"/>
-                    </a:gs>
-                  </a:gsLst>
-                  <a:lin ang="5400000" scaled="0"/>
-                </a:gradFill>
-                <a:latin typeface="나눔고딕" panose="020D0604000000000000" pitchFamily="50" charset="-127"/>
-                <a:ea typeface="나눔고딕 ExtraBold"/>
-              </a:rPr>
-              <a:t>2. </a:t>
-            </a:r>
-            <a:r>
-              <a:rPr lang="ko-KR" altLang="en-US" sz="2400" b="1" dirty="0" smtClean="0">
-                <a:gradFill>
-                  <a:gsLst>
-                    <a:gs pos="0">
-                      <a:srgbClr val="404040"/>
-                    </a:gs>
-                    <a:gs pos="100000">
-                      <a:srgbClr val="404040"/>
-                    </a:gs>
-                  </a:gsLst>
-                  <a:lin ang="5400000" scaled="0"/>
-                </a:gradFill>
-                <a:latin typeface="나눔고딕" panose="020D0604000000000000" pitchFamily="50" charset="-127"/>
-                <a:ea typeface="나눔고딕 ExtraBold"/>
-              </a:rPr>
-              <a:t>다중 분류 문제</a:t>
+              <a:rPr lang="en-US" altLang="ko-KR" sz="2400" b="1" dirty="0" err="1" smtClean="0">
+                <a:gradFill>
+                  <a:gsLst>
+                    <a:gs pos="0">
+                      <a:srgbClr val="404040"/>
+                    </a:gs>
+                    <a:gs pos="100000">
+                      <a:srgbClr val="404040"/>
+                    </a:gs>
+                  </a:gsLst>
+                  <a:lin ang="5400000" scaled="0"/>
+                </a:gradFill>
+                <a:latin typeface="나눔고딕" panose="020D0604000000000000" pitchFamily="50" charset="-127"/>
+                <a:ea typeface="나눔고딕 ExtraBold"/>
+              </a:rPr>
+              <a:t>Lstm</a:t>
             </a:r>
             <a:endParaRPr lang="en-US" altLang="ko-KR" sz="2400" b="1" dirty="0" smtClean="0">
               <a:gradFill>
@@ -14640,458 +16241,30 @@
             </a:endParaRPr>
           </a:p>
           <a:p>
-            <a:pPr algn="l">
+            <a:pPr marL="342900" indent="-342900" algn="l">
               <a:lnSpc>
                 <a:spcPct val="150000"/>
               </a:lnSpc>
+              <a:buAutoNum type="arabicPeriod"/>
               <a:defRPr/>
             </a:pPr>
             <a:r>
-              <a:rPr lang="en-US" altLang="ko-KR" sz="1600" b="1" dirty="0" smtClean="0">
-                <a:gradFill>
-                  <a:gsLst>
-                    <a:gs pos="0">
-                      <a:srgbClr val="404040"/>
-                    </a:gs>
-                    <a:gs pos="100000">
-                      <a:srgbClr val="404040"/>
-                    </a:gs>
-                  </a:gsLst>
-                  <a:lin ang="5400000" scaled="0"/>
-                </a:gradFill>
-                <a:latin typeface="나눔고딕" panose="020D0604000000000000" pitchFamily="50" charset="-127"/>
-                <a:ea typeface="나눔고딕 ExtraBold"/>
-              </a:rPr>
-              <a:t>     </a:t>
-            </a:r>
-            <a:r>
-              <a:rPr lang="en-US" altLang="ko-KR" sz="1600" b="1" dirty="0">
-                <a:gradFill>
-                  <a:gsLst>
-                    <a:gs pos="0">
-                      <a:srgbClr val="404040"/>
-                    </a:gs>
-                    <a:gs pos="100000">
-                      <a:srgbClr val="404040"/>
-                    </a:gs>
-                  </a:gsLst>
-                  <a:lin ang="5400000" scaled="0"/>
-                </a:gradFill>
-                <a:latin typeface="나눔고딕" panose="020D0604000000000000" pitchFamily="50" charset="-127"/>
-                <a:ea typeface="나눔고딕 ExtraBold"/>
-              </a:rPr>
-              <a:t>- one-hot </a:t>
-            </a:r>
-            <a:r>
-              <a:rPr lang="ko-KR" altLang="en-US" sz="1600" b="1" dirty="0" err="1">
-                <a:gradFill>
-                  <a:gsLst>
-                    <a:gs pos="0">
-                      <a:srgbClr val="404040"/>
-                    </a:gs>
-                    <a:gs pos="100000">
-                      <a:srgbClr val="404040"/>
-                    </a:gs>
-                  </a:gsLst>
-                  <a:lin ang="5400000" scaled="0"/>
-                </a:gradFill>
-                <a:latin typeface="나눔고딕" panose="020D0604000000000000" pitchFamily="50" charset="-127"/>
-                <a:ea typeface="나눔고딕 ExtraBold"/>
-              </a:rPr>
-              <a:t>인코딩</a:t>
-            </a:r>
-            <a:endParaRPr lang="en-US" altLang="ko-KR" sz="1600" b="1" dirty="0">
-              <a:gradFill>
-                <a:gsLst>
-                  <a:gs pos="0">
-                    <a:srgbClr val="404040"/>
-                  </a:gs>
-                  <a:gs pos="100000">
-                    <a:srgbClr val="404040"/>
-                  </a:gs>
-                </a:gsLst>
-                <a:lin ang="5400000" scaled="0"/>
-              </a:gradFill>
-              <a:latin typeface="나눔고딕" panose="020D0604000000000000" pitchFamily="50" charset="-127"/>
-              <a:ea typeface="나눔고딕 ExtraBold"/>
-            </a:endParaRPr>
-          </a:p>
-          <a:p>
-            <a:pPr algn="l">
-              <a:lnSpc>
-                <a:spcPct val="150000"/>
-              </a:lnSpc>
-              <a:defRPr/>
-            </a:pPr>
-            <a:r>
-              <a:rPr lang="en-US" altLang="ko-KR" sz="1600" b="1" dirty="0" smtClean="0">
-                <a:gradFill>
-                  <a:gsLst>
-                    <a:gs pos="0">
-                      <a:srgbClr val="404040"/>
-                    </a:gs>
-                    <a:gs pos="100000">
-                      <a:srgbClr val="404040"/>
-                    </a:gs>
-                  </a:gsLst>
-                  <a:lin ang="5400000" scaled="0"/>
-                </a:gradFill>
-                <a:latin typeface="나눔고딕" panose="020D0604000000000000" pitchFamily="50" charset="-127"/>
-                <a:ea typeface="나눔고딕 ExtraBold"/>
-              </a:rPr>
-              <a:t>     - </a:t>
-            </a:r>
-            <a:r>
-              <a:rPr lang="ko-KR" altLang="en-US" sz="1600" b="1" dirty="0">
-                <a:gradFill>
-                  <a:gsLst>
-                    <a:gs pos="0">
-                      <a:srgbClr val="404040"/>
-                    </a:gs>
-                    <a:gs pos="100000">
-                      <a:srgbClr val="404040"/>
-                    </a:gs>
-                  </a:gsLst>
-                  <a:lin ang="5400000" scaled="0"/>
-                </a:gradFill>
-                <a:latin typeface="나눔고딕" panose="020D0604000000000000" pitchFamily="50" charset="-127"/>
-                <a:ea typeface="나눔고딕 ExtraBold"/>
-              </a:rPr>
-              <a:t>소프트 맥스 함수</a:t>
-            </a:r>
-            <a:endParaRPr lang="en-US" altLang="ko-KR" sz="1600" b="1" dirty="0">
-              <a:gradFill>
-                <a:gsLst>
-                  <a:gs pos="0">
-                    <a:srgbClr val="404040"/>
-                  </a:gs>
-                  <a:gs pos="100000">
-                    <a:srgbClr val="404040"/>
-                  </a:gs>
-                </a:gsLst>
-                <a:lin ang="5400000" scaled="0"/>
-              </a:gradFill>
-              <a:latin typeface="나눔고딕" panose="020D0604000000000000" pitchFamily="50" charset="-127"/>
-              <a:ea typeface="나눔고딕 ExtraBold"/>
-            </a:endParaRPr>
-          </a:p>
-          <a:p>
-            <a:pPr algn="l">
-              <a:lnSpc>
-                <a:spcPct val="150000"/>
-              </a:lnSpc>
-              <a:defRPr/>
-            </a:pPr>
-            <a:r>
-              <a:rPr lang="en-US" altLang="ko-KR" sz="2400" b="1" dirty="0" smtClean="0">
-                <a:gradFill>
-                  <a:gsLst>
-                    <a:gs pos="0">
-                      <a:srgbClr val="404040"/>
-                    </a:gs>
-                    <a:gs pos="100000">
-                      <a:srgbClr val="404040"/>
-                    </a:gs>
-                  </a:gsLst>
-                  <a:lin ang="5400000" scaled="0"/>
-                </a:gradFill>
-                <a:latin typeface="나눔고딕" panose="020D0604000000000000" pitchFamily="50" charset="-127"/>
-                <a:ea typeface="나눔고딕 ExtraBold"/>
-              </a:rPr>
-              <a:t>3. </a:t>
-            </a:r>
-            <a:r>
-              <a:rPr lang="ko-KR" altLang="en-US" sz="2400" b="1" dirty="0" err="1" smtClean="0">
-                <a:gradFill>
-                  <a:gsLst>
-                    <a:gs pos="0">
-                      <a:srgbClr val="404040"/>
-                    </a:gs>
-                    <a:gs pos="100000">
-                      <a:srgbClr val="404040"/>
-                    </a:gs>
-                  </a:gsLst>
-                  <a:lin ang="5400000" scaled="0"/>
-                </a:gradFill>
-                <a:latin typeface="나눔고딕" panose="020D0604000000000000" pitchFamily="50" charset="-127"/>
-                <a:ea typeface="나눔고딕 ExtraBold"/>
-              </a:rPr>
-              <a:t>과적합</a:t>
-            </a:r>
-            <a:r>
-              <a:rPr lang="ko-KR" altLang="en-US" sz="2400" b="1" dirty="0" smtClean="0">
-                <a:gradFill>
-                  <a:gsLst>
-                    <a:gs pos="0">
-                      <a:srgbClr val="404040"/>
-                    </a:gs>
-                    <a:gs pos="100000">
-                      <a:srgbClr val="404040"/>
-                    </a:gs>
-                  </a:gsLst>
-                  <a:lin ang="5400000" scaled="0"/>
-                </a:gradFill>
-                <a:latin typeface="나눔고딕" panose="020D0604000000000000" pitchFamily="50" charset="-127"/>
-                <a:ea typeface="나눔고딕 ExtraBold"/>
-              </a:rPr>
-              <a:t> 문제</a:t>
-            </a:r>
-            <a:endParaRPr lang="en-US" altLang="ko-KR" sz="2400" b="1" dirty="0" smtClean="0">
-              <a:gradFill>
-                <a:gsLst>
-                  <a:gs pos="0">
-                    <a:srgbClr val="404040"/>
-                  </a:gs>
-                  <a:gs pos="100000">
-                    <a:srgbClr val="404040"/>
-                  </a:gs>
-                </a:gsLst>
-                <a:lin ang="5400000" scaled="0"/>
-              </a:gradFill>
-              <a:latin typeface="나눔고딕" panose="020D0604000000000000" pitchFamily="50" charset="-127"/>
-              <a:ea typeface="나눔고딕 ExtraBold"/>
-            </a:endParaRPr>
-          </a:p>
-          <a:p>
-            <a:pPr algn="l">
-              <a:lnSpc>
-                <a:spcPct val="150000"/>
-              </a:lnSpc>
-              <a:defRPr/>
-            </a:pPr>
-            <a:r>
-              <a:rPr lang="en-US" altLang="ko-KR" sz="1600" b="1" dirty="0" smtClean="0">
-                <a:gradFill>
-                  <a:gsLst>
-                    <a:gs pos="0">
-                      <a:srgbClr val="404040"/>
-                    </a:gs>
-                    <a:gs pos="100000">
-                      <a:srgbClr val="404040"/>
-                    </a:gs>
-                  </a:gsLst>
-                  <a:lin ang="5400000" scaled="0"/>
-                </a:gradFill>
-                <a:latin typeface="나눔고딕" panose="020D0604000000000000" pitchFamily="50" charset="-127"/>
-                <a:ea typeface="나눔고딕 ExtraBold"/>
-              </a:rPr>
-              <a:t>     - Training </a:t>
-            </a:r>
-            <a:r>
-              <a:rPr lang="en-US" altLang="ko-KR" sz="1600" b="1" dirty="0">
-                <a:gradFill>
-                  <a:gsLst>
-                    <a:gs pos="0">
-                      <a:srgbClr val="404040"/>
-                    </a:gs>
-                    <a:gs pos="100000">
-                      <a:srgbClr val="404040"/>
-                    </a:gs>
-                  </a:gsLst>
-                  <a:lin ang="5400000" scaled="0"/>
-                </a:gradFill>
-                <a:latin typeface="나눔고딕" panose="020D0604000000000000" pitchFamily="50" charset="-127"/>
-                <a:ea typeface="나눔고딕 ExtraBold"/>
-              </a:rPr>
-              <a:t>set, Test set</a:t>
-            </a:r>
-          </a:p>
-          <a:p>
-            <a:pPr algn="l">
-              <a:lnSpc>
-                <a:spcPct val="150000"/>
-              </a:lnSpc>
-              <a:defRPr/>
-            </a:pPr>
-            <a:r>
-              <a:rPr lang="en-US" altLang="ko-KR" sz="2400" b="1" dirty="0" smtClean="0">
-                <a:gradFill>
-                  <a:gsLst>
-                    <a:gs pos="0">
-                      <a:srgbClr val="404040"/>
-                    </a:gs>
-                    <a:gs pos="100000">
-                      <a:srgbClr val="404040"/>
-                    </a:gs>
-                  </a:gsLst>
-                  <a:lin ang="5400000" scaled="0"/>
-                </a:gradFill>
-                <a:latin typeface="나눔고딕" panose="020D0604000000000000" pitchFamily="50" charset="-127"/>
-                <a:ea typeface="나눔고딕 ExtraBold"/>
-              </a:rPr>
-              <a:t>4. </a:t>
-            </a:r>
-            <a:r>
-              <a:rPr lang="ko-KR" altLang="en-US" sz="2400" b="1" dirty="0" smtClean="0">
-                <a:gradFill>
-                  <a:gsLst>
-                    <a:gs pos="0">
-                      <a:srgbClr val="404040"/>
-                    </a:gs>
-                    <a:gs pos="100000">
-                      <a:srgbClr val="404040"/>
-                    </a:gs>
-                  </a:gsLst>
-                  <a:lin ang="5400000" scaled="0"/>
-                </a:gradFill>
-                <a:latin typeface="나눔고딕" panose="020D0604000000000000" pitchFamily="50" charset="-127"/>
-                <a:ea typeface="나눔고딕 ExtraBold"/>
-              </a:rPr>
-              <a:t>베스트 모델</a:t>
-            </a:r>
-            <a:endParaRPr lang="en-US" altLang="ko-KR" sz="2400" b="1" dirty="0" smtClean="0">
-              <a:gradFill>
-                <a:gsLst>
-                  <a:gs pos="0">
-                    <a:srgbClr val="404040"/>
-                  </a:gs>
-                  <a:gs pos="100000">
-                    <a:srgbClr val="404040"/>
-                  </a:gs>
-                </a:gsLst>
-                <a:lin ang="5400000" scaled="0"/>
-              </a:gradFill>
-              <a:latin typeface="나눔고딕" panose="020D0604000000000000" pitchFamily="50" charset="-127"/>
-              <a:ea typeface="나눔고딕 ExtraBold"/>
-            </a:endParaRPr>
-          </a:p>
-          <a:p>
-            <a:pPr algn="l">
-              <a:lnSpc>
-                <a:spcPct val="150000"/>
-              </a:lnSpc>
-              <a:defRPr/>
-            </a:pPr>
-            <a:r>
-              <a:rPr lang="ko-KR" altLang="en-US" sz="1600" b="1" dirty="0" smtClean="0">
-                <a:gradFill>
-                  <a:gsLst>
-                    <a:gs pos="0">
-                      <a:srgbClr val="404040"/>
-                    </a:gs>
-                    <a:gs pos="100000">
-                      <a:srgbClr val="404040"/>
-                    </a:gs>
-                  </a:gsLst>
-                  <a:lin ang="5400000" scaled="0"/>
-                </a:gradFill>
-                <a:latin typeface="나눔고딕" panose="020D0604000000000000" pitchFamily="50" charset="-127"/>
-                <a:ea typeface="나눔고딕 ExtraBold"/>
-              </a:rPr>
-              <a:t>     </a:t>
-            </a:r>
-            <a:r>
-              <a:rPr lang="en-US" altLang="ko-KR" sz="1600" b="1" dirty="0" smtClean="0">
-                <a:gradFill>
-                  <a:gsLst>
-                    <a:gs pos="0">
-                      <a:srgbClr val="404040"/>
-                    </a:gs>
-                    <a:gs pos="100000">
-                      <a:srgbClr val="404040"/>
-                    </a:gs>
-                  </a:gsLst>
-                  <a:lin ang="5400000" scaled="0"/>
-                </a:gradFill>
-                <a:latin typeface="나눔고딕" panose="020D0604000000000000" pitchFamily="50" charset="-127"/>
-                <a:ea typeface="나눔고딕 ExtraBold"/>
-              </a:rPr>
-              <a:t>- </a:t>
-            </a:r>
-            <a:r>
-              <a:rPr lang="ko-KR" altLang="en-US" sz="1600" b="1" dirty="0" smtClean="0">
-                <a:gradFill>
-                  <a:gsLst>
-                    <a:gs pos="0">
-                      <a:srgbClr val="404040"/>
-                    </a:gs>
-                    <a:gs pos="100000">
-                      <a:srgbClr val="404040"/>
-                    </a:gs>
-                  </a:gsLst>
-                  <a:lin ang="5400000" scaled="0"/>
-                </a:gradFill>
-                <a:latin typeface="나눔고딕" panose="020D0604000000000000" pitchFamily="50" charset="-127"/>
-                <a:ea typeface="나눔고딕 ExtraBold"/>
-              </a:rPr>
-              <a:t>모델 업데이트 </a:t>
-            </a:r>
-            <a:endParaRPr lang="en-US" altLang="ko-KR" sz="1600" b="1" dirty="0" smtClean="0">
-              <a:gradFill>
-                <a:gsLst>
-                  <a:gs pos="0">
-                    <a:srgbClr val="404040"/>
-                  </a:gs>
-                  <a:gs pos="100000">
-                    <a:srgbClr val="404040"/>
-                  </a:gs>
-                </a:gsLst>
-                <a:lin ang="5400000" scaled="0"/>
-              </a:gradFill>
-              <a:latin typeface="나눔고딕" panose="020D0604000000000000" pitchFamily="50" charset="-127"/>
-              <a:ea typeface="나눔고딕 ExtraBold"/>
-            </a:endParaRPr>
-          </a:p>
-          <a:p>
-            <a:pPr algn="l">
-              <a:lnSpc>
-                <a:spcPct val="150000"/>
-              </a:lnSpc>
-              <a:defRPr/>
-            </a:pPr>
-            <a:r>
-              <a:rPr lang="ko-KR" altLang="en-US" sz="1600" b="1" dirty="0" smtClean="0">
-                <a:gradFill>
-                  <a:gsLst>
-                    <a:gs pos="0">
-                      <a:srgbClr val="404040"/>
-                    </a:gs>
-                    <a:gs pos="100000">
-                      <a:srgbClr val="404040"/>
-                    </a:gs>
-                  </a:gsLst>
-                  <a:lin ang="5400000" scaled="0"/>
-                </a:gradFill>
-                <a:latin typeface="나눔고딕" panose="020D0604000000000000" pitchFamily="50" charset="-127"/>
-                <a:ea typeface="나눔고딕 ExtraBold"/>
-              </a:rPr>
-              <a:t>     </a:t>
-            </a:r>
-            <a:r>
-              <a:rPr lang="en-US" altLang="ko-KR" sz="1600" b="1" dirty="0" smtClean="0">
-                <a:gradFill>
-                  <a:gsLst>
-                    <a:gs pos="0">
-                      <a:srgbClr val="404040"/>
-                    </a:gs>
-                    <a:gs pos="100000">
-                      <a:srgbClr val="404040"/>
-                    </a:gs>
-                  </a:gsLst>
-                  <a:lin ang="5400000" scaled="0"/>
-                </a:gradFill>
-                <a:latin typeface="나눔고딕" panose="020D0604000000000000" pitchFamily="50" charset="-127"/>
-                <a:ea typeface="나눔고딕 ExtraBold"/>
-              </a:rPr>
-              <a:t>- </a:t>
-            </a:r>
-            <a:r>
-              <a:rPr lang="ko-KR" altLang="en-US" sz="1600" b="1" dirty="0" smtClean="0">
-                <a:gradFill>
-                  <a:gsLst>
-                    <a:gs pos="0">
-                      <a:srgbClr val="404040"/>
-                    </a:gs>
-                    <a:gs pos="100000">
-                      <a:srgbClr val="404040"/>
-                    </a:gs>
-                  </a:gsLst>
-                  <a:lin ang="5400000" scaled="0"/>
-                </a:gradFill>
-                <a:latin typeface="나눔고딕" panose="020D0604000000000000" pitchFamily="50" charset="-127"/>
-                <a:ea typeface="나눔고딕 ExtraBold"/>
-              </a:rPr>
-              <a:t>학습 자동 중단</a:t>
+              <a:rPr lang="en-US" altLang="ko-KR" sz="2400" b="1" dirty="0" err="1" smtClean="0">
+                <a:gradFill>
+                  <a:gsLst>
+                    <a:gs pos="0">
+                      <a:srgbClr val="404040"/>
+                    </a:gs>
+                    <a:gs pos="100000">
+                      <a:srgbClr val="404040"/>
+                    </a:gs>
+                  </a:gsLst>
+                  <a:lin ang="5400000" scaled="0"/>
+                </a:gradFill>
+                <a:latin typeface="나눔고딕" panose="020D0604000000000000" pitchFamily="50" charset="-127"/>
+                <a:ea typeface="나눔고딕 ExtraBold"/>
+              </a:rPr>
+              <a:t>arima</a:t>
             </a:r>
             <a:endParaRPr lang="en-US" altLang="ko-KR" sz="1600" b="1" dirty="0" smtClean="0">
               <a:gradFill>

--- a/Study/정리/Deep Learning03.pptx
+++ b/Study/정리/Deep Learning03.pptx
@@ -568,7 +568,7 @@
               <a:pPr>
                 <a:defRPr/>
               </a:pPr>
-              <a:t>2019-12-19</a:t>
+              <a:t>2019-12-20</a:t>
             </a:fld>
             <a:endParaRPr lang="ko-KR" altLang="en-US"/>
           </a:p>
@@ -13177,19 +13177,23 @@
               <a:buNone/>
             </a:pPr>
             <a:r>
+              <a:rPr lang="en-US" altLang="ko-KR" sz="2800" dirty="0">
+                <a:latin typeface="나눔고딕 ExtraBold" panose="020D0904000000000000" pitchFamily="50" charset="-127"/>
+                <a:ea typeface="나눔고딕 ExtraBold" panose="020D0904000000000000" pitchFamily="50" charset="-127"/>
+              </a:rPr>
+              <a:t>5</a:t>
+            </a:r>
+            <a:r>
               <a:rPr lang="en-US" altLang="ko-KR" sz="2800" dirty="0" smtClean="0">
                 <a:latin typeface="나눔고딕 ExtraBold" panose="020D0904000000000000" pitchFamily="50" charset="-127"/>
                 <a:ea typeface="나눔고딕 ExtraBold" panose="020D0904000000000000" pitchFamily="50" charset="-127"/>
               </a:rPr>
-              <a:t>4. </a:t>
-            </a:r>
-            <a:r>
-              <a:rPr lang="ko-KR" altLang="en-US" sz="2800" dirty="0" smtClean="0">
-                <a:latin typeface="나눔고딕 ExtraBold" panose="020D0904000000000000" pitchFamily="50" charset="-127"/>
-                <a:ea typeface="나눔고딕 ExtraBold" panose="020D0904000000000000" pitchFamily="50" charset="-127"/>
-              </a:rPr>
-              <a:t>베스트 모델</a:t>
-            </a:r>
+              <a:t>. Gluon</a:t>
+            </a:r>
+            <a:endParaRPr lang="ko-KR" altLang="en-US" sz="2800" dirty="0" smtClean="0">
+              <a:latin typeface="나눔고딕 ExtraBold" panose="020D0904000000000000" pitchFamily="50" charset="-127"/>
+              <a:ea typeface="나눔고딕 ExtraBold" panose="020D0904000000000000" pitchFamily="50" charset="-127"/>
+            </a:endParaRPr>
           </a:p>
         </p:txBody>
       </p:sp>
@@ -15804,7 +15808,7 @@
         <p:spPr>
           <a:xfrm>
             <a:off x="755650" y="1196752"/>
-            <a:ext cx="7488832" cy="2215991"/>
+            <a:ext cx="7488832" cy="3877985"/>
           </a:xfrm>
           <a:prstGeom prst="rect">
             <a:avLst/>
@@ -16107,11 +16111,48 @@
               <a:lnSpc>
                 <a:spcPct val="150000"/>
               </a:lnSpc>
-              <a:buAutoNum type="arabicPeriod"/>
+              <a:buFontTx/>
+              <a:buChar char="-"/>
               <a:defRPr/>
             </a:pPr>
             <a:r>
-              <a:rPr lang="en-US" altLang="ko-KR" sz="2400" b="1" dirty="0">
+              <a:rPr lang="ko-KR" altLang="en-US" sz="1600" b="1" dirty="0" err="1">
+                <a:gradFill>
+                  <a:gsLst>
+                    <a:gs pos="0">
+                      <a:srgbClr val="404040"/>
+                    </a:gs>
+                    <a:gs pos="100000">
+                      <a:srgbClr val="404040"/>
+                    </a:gs>
+                  </a:gsLst>
+                  <a:lin ang="5400000" scaled="0"/>
+                </a:gradFill>
+                <a:latin typeface="나눔고딕" panose="020D0604000000000000" pitchFamily="50" charset="-127"/>
+                <a:ea typeface="나눔고딕 ExtraBold"/>
+              </a:rPr>
+              <a:t>합성곱</a:t>
+            </a:r>
+            <a:r>
+              <a:rPr lang="en-US" altLang="ko-KR" sz="1600" b="1" dirty="0">
+                <a:gradFill>
+                  <a:gsLst>
+                    <a:gs pos="0">
+                      <a:srgbClr val="404040"/>
+                    </a:gs>
+                    <a:gs pos="100000">
+                      <a:srgbClr val="404040"/>
+                    </a:gs>
+                  </a:gsLst>
+                  <a:lin ang="5400000" scaled="0"/>
+                </a:gradFill>
+                <a:latin typeface="나눔고딕" panose="020D0604000000000000" pitchFamily="50" charset="-127"/>
+                <a:ea typeface="나눔고딕 ExtraBold"/>
+              </a:rPr>
+              <a:t>(padding, stride)</a:t>
+            </a:r>
+            <a:r>
+              <a:rPr lang="ko-KR" altLang="en-US" sz="1600" b="1" dirty="0">
                 <a:gradFill>
                   <a:gsLst>
                     <a:gs pos="0">
@@ -16128,24 +16169,75 @@
               </a:rPr>
               <a:t> </a:t>
             </a:r>
-            <a:r>
-              <a:rPr lang="en-US" altLang="ko-KR" sz="2400" b="1" dirty="0" err="1" smtClean="0">
-                <a:gradFill>
-                  <a:gsLst>
-                    <a:gs pos="0">
-                      <a:srgbClr val="404040"/>
-                    </a:gs>
-                    <a:gs pos="100000">
-                      <a:srgbClr val="404040"/>
-                    </a:gs>
-                  </a:gsLst>
-                  <a:lin ang="5400000" scaled="0"/>
-                </a:gradFill>
-                <a:latin typeface="나눔고딕" panose="020D0604000000000000" pitchFamily="50" charset="-127"/>
-                <a:ea typeface="나눔고딕 ExtraBold"/>
-              </a:rPr>
-              <a:t>tensorflow</a:t>
-            </a:r>
+            <a:endParaRPr lang="en-US" altLang="ko-KR" sz="1600" b="1" dirty="0">
+              <a:gradFill>
+                <a:gsLst>
+                  <a:gs pos="0">
+                    <a:srgbClr val="404040"/>
+                  </a:gs>
+                  <a:gs pos="100000">
+                    <a:srgbClr val="404040"/>
+                  </a:gs>
+                </a:gsLst>
+                <a:lin ang="5400000" scaled="0"/>
+              </a:gradFill>
+              <a:latin typeface="나눔고딕" panose="020D0604000000000000" pitchFamily="50" charset="-127"/>
+              <a:ea typeface="나눔고딕 ExtraBold"/>
+            </a:endParaRPr>
+          </a:p>
+          <a:p>
+            <a:pPr marL="342900" indent="-342900" algn="l">
+              <a:lnSpc>
+                <a:spcPct val="150000"/>
+              </a:lnSpc>
+              <a:buFontTx/>
+              <a:buChar char="-"/>
+              <a:defRPr/>
+            </a:pPr>
+            <a:r>
+              <a:rPr lang="ko-KR" altLang="en-US" sz="1600" b="1" dirty="0" err="1">
+                <a:gradFill>
+                  <a:gsLst>
+                    <a:gs pos="0">
+                      <a:srgbClr val="404040"/>
+                    </a:gs>
+                    <a:gs pos="100000">
+                      <a:srgbClr val="404040"/>
+                    </a:gs>
+                  </a:gsLst>
+                  <a:lin ang="5400000" scaled="0"/>
+                </a:gradFill>
+                <a:latin typeface="나눔고딕" panose="020D0604000000000000" pitchFamily="50" charset="-127"/>
+                <a:ea typeface="나눔고딕 ExtraBold"/>
+              </a:rPr>
+              <a:t>풀링</a:t>
+            </a:r>
+            <a:r>
+              <a:rPr lang="en-US" altLang="ko-KR" sz="1600" b="1" dirty="0">
+                <a:gradFill>
+                  <a:gsLst>
+                    <a:gs pos="0">
+                      <a:srgbClr val="404040"/>
+                    </a:gs>
+                    <a:gs pos="100000">
+                      <a:srgbClr val="404040"/>
+                    </a:gs>
+                  </a:gsLst>
+                  <a:lin ang="5400000" scaled="0"/>
+                </a:gradFill>
+                <a:latin typeface="나눔고딕" panose="020D0604000000000000" pitchFamily="50" charset="-127"/>
+                <a:ea typeface="나눔고딕 ExtraBold"/>
+              </a:rPr>
+              <a:t>(drop-out, flatten</a:t>
+            </a:r>
+          </a:p>
+          <a:p>
+            <a:pPr algn="l">
+              <a:lnSpc>
+                <a:spcPct val="150000"/>
+              </a:lnSpc>
+              <a:defRPr/>
+            </a:pPr>
             <a:r>
               <a:rPr lang="en-US" altLang="ko-KR" sz="2400" b="1" dirty="0" smtClean="0">
                 <a:gradFill>
@@ -16162,25 +16254,79 @@
                 <a:latin typeface="나눔고딕" panose="020D0604000000000000" pitchFamily="50" charset="-127"/>
                 <a:ea typeface="나눔고딕 ExtraBold"/>
               </a:rPr>
-              <a:t> </a:t>
-            </a:r>
-            <a:r>
-              <a:rPr lang="en-US" altLang="ko-KR" sz="2400" b="1" dirty="0" err="1" smtClean="0">
-                <a:gradFill>
-                  <a:gsLst>
-                    <a:gs pos="0">
-                      <a:srgbClr val="404040"/>
-                    </a:gs>
-                    <a:gs pos="100000">
-                      <a:srgbClr val="404040"/>
-                    </a:gs>
-                  </a:gsLst>
-                  <a:lin ang="5400000" scaled="0"/>
-                </a:gradFill>
-                <a:latin typeface="나눔고딕" panose="020D0604000000000000" pitchFamily="50" charset="-127"/>
-                <a:ea typeface="나눔고딕 ExtraBold"/>
-              </a:rPr>
-              <a:t>pytorch</a:t>
+              <a:t>2. </a:t>
+            </a:r>
+            <a:r>
+              <a:rPr lang="ko-KR" altLang="en-US" sz="2400" b="1" dirty="0" err="1" smtClean="0">
+                <a:gradFill>
+                  <a:gsLst>
+                    <a:gs pos="0">
+                      <a:srgbClr val="404040"/>
+                    </a:gs>
+                    <a:gs pos="100000">
+                      <a:srgbClr val="404040"/>
+                    </a:gs>
+                  </a:gsLst>
+                  <a:lin ang="5400000" scaled="0"/>
+                </a:gradFill>
+                <a:latin typeface="나눔고딕" panose="020D0604000000000000" pitchFamily="50" charset="-127"/>
+                <a:ea typeface="나눔고딕 ExtraBold"/>
+              </a:rPr>
+              <a:t>시계열</a:t>
+            </a:r>
+            <a:r>
+              <a:rPr lang="ko-KR" altLang="en-US" sz="2400" b="1" dirty="0" smtClean="0">
+                <a:gradFill>
+                  <a:gsLst>
+                    <a:gs pos="0">
+                      <a:srgbClr val="404040"/>
+                    </a:gs>
+                    <a:gs pos="100000">
+                      <a:srgbClr val="404040"/>
+                    </a:gs>
+                  </a:gsLst>
+                  <a:lin ang="5400000" scaled="0"/>
+                </a:gradFill>
+                <a:latin typeface="나눔고딕" panose="020D0604000000000000" pitchFamily="50" charset="-127"/>
+                <a:ea typeface="나눔고딕 ExtraBold"/>
+              </a:rPr>
+              <a:t> 데이터 </a:t>
+            </a:r>
+            <a:r>
+              <a:rPr lang="ko-KR" altLang="en-US" sz="2400" b="1" dirty="0" err="1" smtClean="0">
+                <a:gradFill>
+                  <a:gsLst>
+                    <a:gs pos="0">
+                      <a:srgbClr val="404040"/>
+                    </a:gs>
+                    <a:gs pos="100000">
+                      <a:srgbClr val="404040"/>
+                    </a:gs>
+                  </a:gsLst>
+                  <a:lin ang="5400000" scaled="0"/>
+                </a:gradFill>
+                <a:latin typeface="나눔고딕" panose="020D0604000000000000" pitchFamily="50" charset="-127"/>
+                <a:ea typeface="나눔고딕 ExtraBold"/>
+              </a:rPr>
+              <a:t>딥러닝</a:t>
+            </a:r>
+            <a:r>
+              <a:rPr lang="ko-KR" altLang="en-US" sz="2400" b="1" dirty="0" smtClean="0">
+                <a:gradFill>
+                  <a:gsLst>
+                    <a:gs pos="0">
+                      <a:srgbClr val="404040"/>
+                    </a:gs>
+                    <a:gs pos="100000">
+                      <a:srgbClr val="404040"/>
+                    </a:gs>
+                  </a:gsLst>
+                  <a:lin ang="5400000" scaled="0"/>
+                </a:gradFill>
+                <a:latin typeface="나눔고딕" panose="020D0604000000000000" pitchFamily="50" charset="-127"/>
+                <a:ea typeface="나눔고딕 ExtraBold"/>
+              </a:rPr>
+              <a:t> 학습</a:t>
             </a:r>
             <a:endParaRPr lang="en-US" altLang="ko-KR" sz="2400" b="1" dirty="0" smtClean="0">
               <a:gradFill>
@@ -16203,28 +16349,111 @@
               <a:lnSpc>
                 <a:spcPct val="150000"/>
               </a:lnSpc>
-              <a:buAutoNum type="arabicPeriod"/>
+              <a:buFontTx/>
+              <a:buChar char="-"/>
               <a:defRPr/>
             </a:pPr>
             <a:r>
-              <a:rPr lang="en-US" altLang="ko-KR" sz="2400" b="1" dirty="0" err="1" smtClean="0">
-                <a:gradFill>
-                  <a:gsLst>
-                    <a:gs pos="0">
-                      <a:srgbClr val="404040"/>
-                    </a:gs>
-                    <a:gs pos="100000">
-                      <a:srgbClr val="404040"/>
-                    </a:gs>
-                  </a:gsLst>
-                  <a:lin ang="5400000" scaled="0"/>
-                </a:gradFill>
-                <a:latin typeface="나눔고딕" panose="020D0604000000000000" pitchFamily="50" charset="-127"/>
-                <a:ea typeface="나눔고딕 ExtraBold"/>
-              </a:rPr>
-              <a:t>Lstm</a:t>
-            </a:r>
-            <a:endParaRPr lang="en-US" altLang="ko-KR" sz="2400" b="1" dirty="0" smtClean="0">
+              <a:rPr lang="en-US" altLang="ko-KR" sz="1600" b="1" dirty="0">
+                <a:gradFill>
+                  <a:gsLst>
+                    <a:gs pos="0">
+                      <a:srgbClr val="404040"/>
+                    </a:gs>
+                    <a:gs pos="100000">
+                      <a:srgbClr val="404040"/>
+                    </a:gs>
+                  </a:gsLst>
+                  <a:lin ang="5400000" scaled="0"/>
+                </a:gradFill>
+                <a:latin typeface="나눔고딕" panose="020D0604000000000000" pitchFamily="50" charset="-127"/>
+                <a:ea typeface="나눔고딕 ExtraBold"/>
+              </a:rPr>
+              <a:t>ARIMA</a:t>
+            </a:r>
+          </a:p>
+          <a:p>
+            <a:pPr marL="342900" indent="-342900" algn="l">
+              <a:lnSpc>
+                <a:spcPct val="150000"/>
+              </a:lnSpc>
+              <a:buFontTx/>
+              <a:buChar char="-"/>
+              <a:defRPr/>
+            </a:pPr>
+            <a:r>
+              <a:rPr lang="en-US" altLang="ko-KR" sz="1600" b="1" dirty="0">
+                <a:gradFill>
+                  <a:gsLst>
+                    <a:gs pos="0">
+                      <a:srgbClr val="404040"/>
+                    </a:gs>
+                    <a:gs pos="100000">
+                      <a:srgbClr val="404040"/>
+                    </a:gs>
+                  </a:gsLst>
+                  <a:lin ang="5400000" scaled="0"/>
+                </a:gradFill>
+                <a:latin typeface="나눔고딕" panose="020D0604000000000000" pitchFamily="50" charset="-127"/>
+                <a:ea typeface="나눔고딕 ExtraBold"/>
+              </a:rPr>
+              <a:t>LSTM</a:t>
+            </a:r>
+          </a:p>
+          <a:p>
+            <a:pPr marL="342900" indent="-342900" algn="l">
+              <a:lnSpc>
+                <a:spcPct val="150000"/>
+              </a:lnSpc>
+              <a:buFontTx/>
+              <a:buChar char="-"/>
+              <a:defRPr/>
+            </a:pPr>
+            <a:r>
+              <a:rPr lang="en-US" altLang="ko-KR" sz="1600" b="1" dirty="0">
+                <a:gradFill>
+                  <a:gsLst>
+                    <a:gs pos="0">
+                      <a:srgbClr val="404040"/>
+                    </a:gs>
+                    <a:gs pos="100000">
+                      <a:srgbClr val="404040"/>
+                    </a:gs>
+                  </a:gsLst>
+                  <a:lin ang="5400000" scaled="0"/>
+                </a:gradFill>
+                <a:latin typeface="나눔고딕" panose="020D0604000000000000" pitchFamily="50" charset="-127"/>
+                <a:ea typeface="나눔고딕 ExtraBold"/>
+              </a:rPr>
+              <a:t>Prophet</a:t>
+            </a:r>
+          </a:p>
+          <a:p>
+            <a:pPr algn="l">
+              <a:lnSpc>
+                <a:spcPct val="150000"/>
+              </a:lnSpc>
+              <a:defRPr/>
+            </a:pPr>
+            <a:r>
+              <a:rPr lang="en-US" altLang="ko-KR" sz="2400" b="1" dirty="0" smtClean="0">
+                <a:gradFill>
+                  <a:gsLst>
+                    <a:gs pos="0">
+                      <a:srgbClr val="404040"/>
+                    </a:gs>
+                    <a:gs pos="100000">
+                      <a:srgbClr val="404040"/>
+                    </a:gs>
+                  </a:gsLst>
+                  <a:lin ang="5400000" scaled="0"/>
+                </a:gradFill>
+                <a:latin typeface="나눔고딕" panose="020D0604000000000000" pitchFamily="50" charset="-127"/>
+                <a:ea typeface="나눔고딕 ExtraBold"/>
+              </a:rPr>
+              <a:t>3. Gluon</a:t>
+            </a:r>
+            <a:endParaRPr lang="en-US" altLang="ko-KR" sz="2400" b="1" dirty="0">
               <a:gradFill>
                 <a:gsLst>
                   <a:gs pos="0">
@@ -16245,28 +16474,65 @@
               <a:lnSpc>
                 <a:spcPct val="150000"/>
               </a:lnSpc>
-              <a:buAutoNum type="arabicPeriod"/>
+              <a:buFontTx/>
+              <a:buChar char="-"/>
               <a:defRPr/>
             </a:pPr>
             <a:r>
-              <a:rPr lang="en-US" altLang="ko-KR" sz="2400" b="1" dirty="0" err="1" smtClean="0">
-                <a:gradFill>
-                  <a:gsLst>
-                    <a:gs pos="0">
-                      <a:srgbClr val="404040"/>
-                    </a:gs>
-                    <a:gs pos="100000">
-                      <a:srgbClr val="404040"/>
-                    </a:gs>
-                  </a:gsLst>
-                  <a:lin ang="5400000" scaled="0"/>
-                </a:gradFill>
-                <a:latin typeface="나눔고딕" panose="020D0604000000000000" pitchFamily="50" charset="-127"/>
-                <a:ea typeface="나눔고딕 ExtraBold"/>
-              </a:rPr>
-              <a:t>arima</a:t>
-            </a:r>
-            <a:endParaRPr lang="en-US" altLang="ko-KR" sz="1600" b="1" dirty="0" smtClean="0">
+              <a:rPr lang="ko-KR" altLang="en-US" sz="1600" b="1" dirty="0">
+                <a:gradFill>
+                  <a:gsLst>
+                    <a:gs pos="0">
+                      <a:srgbClr val="404040"/>
+                    </a:gs>
+                    <a:gs pos="100000">
+                      <a:srgbClr val="404040"/>
+                    </a:gs>
+                  </a:gsLst>
+                  <a:lin ang="5400000" scaled="0"/>
+                </a:gradFill>
+                <a:latin typeface="나눔고딕" panose="020D0604000000000000" pitchFamily="50" charset="-127"/>
+                <a:ea typeface="나눔고딕 ExtraBold"/>
+              </a:rPr>
+              <a:t>분산 환경에서 </a:t>
+            </a:r>
+            <a:r>
+              <a:rPr lang="ko-KR" altLang="en-US" sz="1600" b="1" dirty="0" err="1">
+                <a:gradFill>
+                  <a:gsLst>
+                    <a:gs pos="0">
+                      <a:srgbClr val="404040"/>
+                    </a:gs>
+                    <a:gs pos="100000">
+                      <a:srgbClr val="404040"/>
+                    </a:gs>
+                  </a:gsLst>
+                  <a:lin ang="5400000" scaled="0"/>
+                </a:gradFill>
+                <a:latin typeface="나눔고딕" panose="020D0604000000000000" pitchFamily="50" charset="-127"/>
+                <a:ea typeface="나눔고딕 ExtraBold"/>
+              </a:rPr>
+              <a:t>딥러닝</a:t>
+            </a:r>
+            <a:r>
+              <a:rPr lang="ko-KR" altLang="en-US" sz="1600" b="1" dirty="0">
+                <a:gradFill>
+                  <a:gsLst>
+                    <a:gs pos="0">
+                      <a:srgbClr val="404040"/>
+                    </a:gs>
+                    <a:gs pos="100000">
+                      <a:srgbClr val="404040"/>
+                    </a:gs>
+                  </a:gsLst>
+                  <a:lin ang="5400000" scaled="0"/>
+                </a:gradFill>
+                <a:latin typeface="나눔고딕" panose="020D0604000000000000" pitchFamily="50" charset="-127"/>
+                <a:ea typeface="나눔고딕 ExtraBold"/>
+              </a:rPr>
+              <a:t> 구동</a:t>
+            </a:r>
+            <a:endParaRPr lang="en-US" altLang="ko-KR" sz="1600" b="1" dirty="0">
               <a:gradFill>
                 <a:gsLst>
                   <a:gs pos="0">

--- a/Study/정리/Deep Learning03.pptx
+++ b/Study/정리/Deep Learning03.pptx
@@ -568,7 +568,7 @@
               <a:pPr>
                 <a:defRPr/>
               </a:pPr>
-              <a:t>2019-12-20</a:t>
+              <a:t>2020-01-07</a:t>
             </a:fld>
             <a:endParaRPr lang="ko-KR" altLang="en-US"/>
           </a:p>
@@ -4930,7 +4930,7 @@
                 <a:ea typeface="나눔고딕" panose="020D0604000000000000" pitchFamily="50" charset="-127"/>
                 <a:cs typeface="Nanum Gothic" charset="-127"/>
               </a:rPr>
-              <a:t>2019.12.13</a:t>
+              <a:t>2019.12.20</a:t>
             </a:r>
             <a:endParaRPr lang="en-US" altLang="ko-KR" sz="1600" dirty="0">
               <a:solidFill>
